--- a/03/04__Project.pptx
+++ b/03/04__Project.pptx
@@ -1,49 +1,49 @@
 
 <file path=ppt/presentation.xml><?xml version="1.0" encoding="utf-8"?>
-<p:presentation xmlns:a="http://schemas.openxmlformats.org/drawingml/2006/main" xmlns:r="http://schemas.openxmlformats.org/officeDocument/2006/relationships" xmlns:mc="http://schemas.openxmlformats.org/markup-compatibility/2006" xmlns:mv="urn:schemas-microsoft-com:mac:vml" xmlns:p="http://schemas.openxmlformats.org/presentationml/2006/main" xmlns:c="http://schemas.openxmlformats.org/drawingml/2006/chart" xmlns:dgm="http://schemas.openxmlformats.org/drawingml/2006/diagram" xmlns:o="urn:schemas-microsoft-com:office:office" xmlns:v="urn:schemas-microsoft-com:vml" xmlns:pvml="urn:schemas-microsoft-com:office:powerpoint" xmlns:com="http://schemas.openxmlformats.org/drawingml/2006/compatibility" xmlns:p14="http://schemas.microsoft.com/office/powerpoint/2010/main" xmlns:p15="http://schemas.microsoft.com/office/powerpoint/2012/main" xmlns:ahyp="http://schemas.microsoft.com/office/drawing/2018/hyperlinkcolor" autoCompressPictures="0" embedTrueTypeFonts="1" strictFirstAndLastChars="0" saveSubsetFonts="1">
+<p:presentation xmlns:a="http://schemas.openxmlformats.org/drawingml/2006/main" xmlns:r="http://schemas.openxmlformats.org/officeDocument/2006/relationships" xmlns:p="http://schemas.openxmlformats.org/presentationml/2006/main" strictFirstAndLastChars="0" embedTrueTypeFonts="1" saveSubsetFonts="1" autoCompressPictures="0">
   <p:sldMasterIdLst>
-    <p:sldMasterId id="2147483659" r:id="rId4"/>
+    <p:sldMasterId id="2147483659" r:id="rId1"/>
   </p:sldMasterIdLst>
   <p:notesMasterIdLst>
-    <p:notesMasterId r:id="rId5"/>
+    <p:notesMasterId r:id="rId24"/>
   </p:notesMasterIdLst>
   <p:sldIdLst>
-    <p:sldId id="256" r:id="rId6"/>
-    <p:sldId id="257" r:id="rId7"/>
-    <p:sldId id="258" r:id="rId8"/>
-    <p:sldId id="259" r:id="rId9"/>
-    <p:sldId id="260" r:id="rId10"/>
-    <p:sldId id="261" r:id="rId11"/>
-    <p:sldId id="262" r:id="rId12"/>
-    <p:sldId id="263" r:id="rId13"/>
-    <p:sldId id="264" r:id="rId14"/>
-    <p:sldId id="265" r:id="rId15"/>
-    <p:sldId id="266" r:id="rId16"/>
-    <p:sldId id="267" r:id="rId17"/>
-    <p:sldId id="268" r:id="rId18"/>
-    <p:sldId id="269" r:id="rId19"/>
-    <p:sldId id="270" r:id="rId20"/>
-    <p:sldId id="271" r:id="rId21"/>
-    <p:sldId id="272" r:id="rId22"/>
-    <p:sldId id="273" r:id="rId23"/>
-    <p:sldId id="274" r:id="rId24"/>
-    <p:sldId id="275" r:id="rId25"/>
-    <p:sldId id="276" r:id="rId26"/>
-    <p:sldId id="277" r:id="rId27"/>
+    <p:sldId id="256" r:id="rId2"/>
+    <p:sldId id="257" r:id="rId3"/>
+    <p:sldId id="258" r:id="rId4"/>
+    <p:sldId id="259" r:id="rId5"/>
+    <p:sldId id="260" r:id="rId6"/>
+    <p:sldId id="261" r:id="rId7"/>
+    <p:sldId id="262" r:id="rId8"/>
+    <p:sldId id="263" r:id="rId9"/>
+    <p:sldId id="264" r:id="rId10"/>
+    <p:sldId id="265" r:id="rId11"/>
+    <p:sldId id="266" r:id="rId12"/>
+    <p:sldId id="267" r:id="rId13"/>
+    <p:sldId id="268" r:id="rId14"/>
+    <p:sldId id="269" r:id="rId15"/>
+    <p:sldId id="270" r:id="rId16"/>
+    <p:sldId id="271" r:id="rId17"/>
+    <p:sldId id="272" r:id="rId18"/>
+    <p:sldId id="273" r:id="rId19"/>
+    <p:sldId id="274" r:id="rId20"/>
+    <p:sldId id="275" r:id="rId21"/>
+    <p:sldId id="276" r:id="rId22"/>
+    <p:sldId id="277" r:id="rId23"/>
   </p:sldIdLst>
-  <p:sldSz cy="5143500" cx="9144000"/>
+  <p:sldSz cx="9144000" cy="5143500" type="screen16x9"/>
   <p:notesSz cx="6858000" cy="9144000"/>
   <p:embeddedFontLst>
     <p:embeddedFont>
-      <p:font typeface="Roboto"/>
-      <p:regular r:id="rId28"/>
-      <p:bold r:id="rId29"/>
-      <p:italic r:id="rId30"/>
-      <p:boldItalic r:id="rId31"/>
+      <p:font typeface="Roboto" panose="02000000000000000000" pitchFamily="2" charset="0"/>
+      <p:regular r:id="rId25"/>
+      <p:bold r:id="rId26"/>
+      <p:italic r:id="rId27"/>
+      <p:boldItalic r:id="rId28"/>
     </p:embeddedFont>
   </p:embeddedFontLst>
   <p:defaultTextStyle>
-    <a:defPPr lvl="0" marR="0" rtl="0" algn="l">
+    <a:defPPr marR="0" lvl="0" algn="l" rtl="0">
       <a:lnSpc>
         <a:spcPct val="100000"/>
       </a:lnSpc>
@@ -54,7 +54,7 @@
         <a:spcPts val="0"/>
       </a:spcAft>
     </a:defPPr>
-    <a:lvl1pPr lvl="0" marR="0" rtl="0" algn="l">
+    <a:lvl1pPr marR="0" lvl="0" algn="l" rtl="0">
       <a:lnSpc>
         <a:spcPct val="100000"/>
       </a:lnSpc>
@@ -68,7 +68,7 @@
         <a:srgbClr val="000000"/>
       </a:buClr>
       <a:buFont typeface="Arial"/>
-      <a:defRPr b="0" i="0" sz="1400" u="none" cap="none" strike="noStrike">
+      <a:defRPr sz="1400" b="0" i="0" u="none" strike="noStrike" cap="none">
         <a:solidFill>
           <a:srgbClr val="000000"/>
         </a:solidFill>
@@ -78,7 +78,7 @@
         <a:sym typeface="Arial"/>
       </a:defRPr>
     </a:lvl1pPr>
-    <a:lvl2pPr lvl="1" marR="0" rtl="0" algn="l">
+    <a:lvl2pPr marR="0" lvl="1" algn="l" rtl="0">
       <a:lnSpc>
         <a:spcPct val="100000"/>
       </a:lnSpc>
@@ -92,7 +92,7 @@
         <a:srgbClr val="000000"/>
       </a:buClr>
       <a:buFont typeface="Arial"/>
-      <a:defRPr b="0" i="0" sz="1400" u="none" cap="none" strike="noStrike">
+      <a:defRPr sz="1400" b="0" i="0" u="none" strike="noStrike" cap="none">
         <a:solidFill>
           <a:srgbClr val="000000"/>
         </a:solidFill>
@@ -102,7 +102,7 @@
         <a:sym typeface="Arial"/>
       </a:defRPr>
     </a:lvl2pPr>
-    <a:lvl3pPr lvl="2" marR="0" rtl="0" algn="l">
+    <a:lvl3pPr marR="0" lvl="2" algn="l" rtl="0">
       <a:lnSpc>
         <a:spcPct val="100000"/>
       </a:lnSpc>
@@ -116,7 +116,7 @@
         <a:srgbClr val="000000"/>
       </a:buClr>
       <a:buFont typeface="Arial"/>
-      <a:defRPr b="0" i="0" sz="1400" u="none" cap="none" strike="noStrike">
+      <a:defRPr sz="1400" b="0" i="0" u="none" strike="noStrike" cap="none">
         <a:solidFill>
           <a:srgbClr val="000000"/>
         </a:solidFill>
@@ -126,7 +126,7 @@
         <a:sym typeface="Arial"/>
       </a:defRPr>
     </a:lvl3pPr>
-    <a:lvl4pPr lvl="3" marR="0" rtl="0" algn="l">
+    <a:lvl4pPr marR="0" lvl="3" algn="l" rtl="0">
       <a:lnSpc>
         <a:spcPct val="100000"/>
       </a:lnSpc>
@@ -140,7 +140,7 @@
         <a:srgbClr val="000000"/>
       </a:buClr>
       <a:buFont typeface="Arial"/>
-      <a:defRPr b="0" i="0" sz="1400" u="none" cap="none" strike="noStrike">
+      <a:defRPr sz="1400" b="0" i="0" u="none" strike="noStrike" cap="none">
         <a:solidFill>
           <a:srgbClr val="000000"/>
         </a:solidFill>
@@ -150,7 +150,7 @@
         <a:sym typeface="Arial"/>
       </a:defRPr>
     </a:lvl4pPr>
-    <a:lvl5pPr lvl="4" marR="0" rtl="0" algn="l">
+    <a:lvl5pPr marR="0" lvl="4" algn="l" rtl="0">
       <a:lnSpc>
         <a:spcPct val="100000"/>
       </a:lnSpc>
@@ -164,7 +164,7 @@
         <a:srgbClr val="000000"/>
       </a:buClr>
       <a:buFont typeface="Arial"/>
-      <a:defRPr b="0" i="0" sz="1400" u="none" cap="none" strike="noStrike">
+      <a:defRPr sz="1400" b="0" i="0" u="none" strike="noStrike" cap="none">
         <a:solidFill>
           <a:srgbClr val="000000"/>
         </a:solidFill>
@@ -174,7 +174,7 @@
         <a:sym typeface="Arial"/>
       </a:defRPr>
     </a:lvl5pPr>
-    <a:lvl6pPr lvl="5" marR="0" rtl="0" algn="l">
+    <a:lvl6pPr marR="0" lvl="5" algn="l" rtl="0">
       <a:lnSpc>
         <a:spcPct val="100000"/>
       </a:lnSpc>
@@ -188,7 +188,7 @@
         <a:srgbClr val="000000"/>
       </a:buClr>
       <a:buFont typeface="Arial"/>
-      <a:defRPr b="0" i="0" sz="1400" u="none" cap="none" strike="noStrike">
+      <a:defRPr sz="1400" b="0" i="0" u="none" strike="noStrike" cap="none">
         <a:solidFill>
           <a:srgbClr val="000000"/>
         </a:solidFill>
@@ -198,7 +198,7 @@
         <a:sym typeface="Arial"/>
       </a:defRPr>
     </a:lvl6pPr>
-    <a:lvl7pPr lvl="6" marR="0" rtl="0" algn="l">
+    <a:lvl7pPr marR="0" lvl="6" algn="l" rtl="0">
       <a:lnSpc>
         <a:spcPct val="100000"/>
       </a:lnSpc>
@@ -212,7 +212,7 @@
         <a:srgbClr val="000000"/>
       </a:buClr>
       <a:buFont typeface="Arial"/>
-      <a:defRPr b="0" i="0" sz="1400" u="none" cap="none" strike="noStrike">
+      <a:defRPr sz="1400" b="0" i="0" u="none" strike="noStrike" cap="none">
         <a:solidFill>
           <a:srgbClr val="000000"/>
         </a:solidFill>
@@ -222,7 +222,7 @@
         <a:sym typeface="Arial"/>
       </a:defRPr>
     </a:lvl7pPr>
-    <a:lvl8pPr lvl="7" marR="0" rtl="0" algn="l">
+    <a:lvl8pPr marR="0" lvl="7" algn="l" rtl="0">
       <a:lnSpc>
         <a:spcPct val="100000"/>
       </a:lnSpc>
@@ -236,7 +236,7 @@
         <a:srgbClr val="000000"/>
       </a:buClr>
       <a:buFont typeface="Arial"/>
-      <a:defRPr b="0" i="0" sz="1400" u="none" cap="none" strike="noStrike">
+      <a:defRPr sz="1400" b="0" i="0" u="none" strike="noStrike" cap="none">
         <a:solidFill>
           <a:srgbClr val="000000"/>
         </a:solidFill>
@@ -246,7 +246,7 @@
         <a:sym typeface="Arial"/>
       </a:defRPr>
     </a:lvl8pPr>
-    <a:lvl9pPr lvl="8" marR="0" rtl="0" algn="l">
+    <a:lvl9pPr marR="0" lvl="8" algn="l" rtl="0">
       <a:lnSpc>
         <a:spcPct val="100000"/>
       </a:lnSpc>
@@ -260,7 +260,7 @@
         <a:srgbClr val="000000"/>
       </a:buClr>
       <a:buFont typeface="Arial"/>
-      <a:defRPr b="0" i="0" sz="1400" u="none" cap="none" strike="noStrike">
+      <a:defRPr sz="1400" b="0" i="0" u="none" strike="noStrike" cap="none">
         <a:solidFill>
           <a:srgbClr val="000000"/>
         </a:solidFill>
@@ -273,7 +273,7 @@
   </p:defaultTextStyle>
   <p:extLst>
     <p:ext uri="{EFAFB233-063F-42B5-8137-9DF3F51BA10A}">
-      <p15:sldGuideLst>
+      <p15:sldGuideLst xmlns:p15="http://schemas.microsoft.com/office/powerpoint/2012/main">
         <p15:guide id="1" orient="horz" pos="1620">
           <p15:clr>
             <a:srgbClr val="A4A3A4"/>
@@ -291,11 +291,16 @@
 </file>
 
 <file path=ppt/notesMasters/notesMaster1.xml><?xml version="1.0" encoding="utf-8"?>
-<p:notesMaster xmlns:a="http://schemas.openxmlformats.org/drawingml/2006/main" xmlns:r="http://schemas.openxmlformats.org/officeDocument/2006/relationships" xmlns:mc="http://schemas.openxmlformats.org/markup-compatibility/2006" xmlns:mv="urn:schemas-microsoft-com:mac:vml" xmlns:p="http://schemas.openxmlformats.org/presentationml/2006/main" xmlns:c="http://schemas.openxmlformats.org/drawingml/2006/chart" xmlns:dgm="http://schemas.openxmlformats.org/drawingml/2006/diagram" xmlns:o="urn:schemas-microsoft-com:office:office" xmlns:v="urn:schemas-microsoft-com:vml" xmlns:pvml="urn:schemas-microsoft-com:office:powerpoint" xmlns:com="http://schemas.openxmlformats.org/drawingml/2006/compatibility" xmlns:p14="http://schemas.microsoft.com/office/powerpoint/2010/main" xmlns:p15="http://schemas.microsoft.com/office/powerpoint/2012/main" xmlns:ahyp="http://schemas.microsoft.com/office/drawing/2018/hyperlinkcolor">
+<p:notesMaster xmlns:a="http://schemas.openxmlformats.org/drawingml/2006/main" xmlns:r="http://schemas.openxmlformats.org/officeDocument/2006/relationships" xmlns:p="http://schemas.openxmlformats.org/presentationml/2006/main">
   <p:cSld>
+    <p:bg>
+      <p:bgRef idx="1001">
+        <a:schemeClr val="bg1"/>
+      </p:bgRef>
+    </p:bg>
     <p:spTree>
       <p:nvGrpSpPr>
-        <p:cNvPr id="2" name="Shape 2"/>
+        <p:cNvPr id="1" name="Shape 2"/>
         <p:cNvGrpSpPr/>
         <p:nvPr/>
       </p:nvGrpSpPr>
@@ -310,9 +315,11 @@
       <p:sp>
         <p:nvSpPr>
           <p:cNvPr id="3" name="Google Shape;3;n"/>
-          <p:cNvSpPr/>
+          <p:cNvSpPr>
+            <a:spLocks noGrp="1" noRot="1" noChangeAspect="1"/>
+          </p:cNvSpPr>
           <p:nvPr>
-            <p:ph idx="2" type="sldImg"/>
+            <p:ph type="sldImg" idx="2"/>
           </p:nvPr>
         </p:nvSpPr>
         <p:spPr>
@@ -321,9 +328,13 @@
             <a:ext cx="6096075" cy="3429000"/>
           </a:xfrm>
           <a:custGeom>
-            <a:rect b="b" l="l" r="r" t="t"/>
+            <a:avLst/>
+            <a:gdLst/>
+            <a:ahLst/>
+            <a:cxnLst/>
+            <a:rect l="l" t="t" r="r" b="b"/>
             <a:pathLst>
-              <a:path extrusionOk="0" h="120000" w="120000">
+              <a:path w="120000" h="120000" extrusionOk="0">
                 <a:moveTo>
                   <a:pt x="0" y="0"/>
                 </a:moveTo>
@@ -341,23 +352,25 @@
             </a:pathLst>
           </a:custGeom>
           <a:noFill/>
-          <a:ln cap="flat" cmpd="sng" w="9525">
+          <a:ln w="9525" cap="flat" cmpd="sng">
             <a:solidFill>
               <a:srgbClr val="000000"/>
             </a:solidFill>
             <a:prstDash val="solid"/>
             <a:round/>
-            <a:headEnd len="sm" w="sm" type="none"/>
-            <a:tailEnd len="sm" w="sm" type="none"/>
+            <a:headEnd type="none" w="sm" len="sm"/>
+            <a:tailEnd type="none" w="sm" len="sm"/>
           </a:ln>
         </p:spPr>
       </p:sp>
       <p:sp>
         <p:nvSpPr>
           <p:cNvPr id="4" name="Google Shape;4;n"/>
-          <p:cNvSpPr txBox="1"/>
+          <p:cNvSpPr txBox="1">
+            <a:spLocks noGrp="1"/>
+          </p:cNvSpPr>
           <p:nvPr>
-            <p:ph idx="1" type="body"/>
+            <p:ph type="body" idx="1"/>
           </p:nvPr>
         </p:nvSpPr>
         <p:spPr>
@@ -374,11 +387,11 @@
           </a:ln>
         </p:spPr>
         <p:txBody>
-          <a:bodyPr anchorCtr="0" anchor="t" bIns="91425" lIns="91425" spcFirstLastPara="1" rIns="91425" wrap="square" tIns="91425">
+          <a:bodyPr spcFirstLastPara="1" wrap="square" lIns="91425" tIns="91425" rIns="91425" bIns="91425" anchor="t" anchorCtr="0">
             <a:noAutofit/>
           </a:bodyPr>
           <a:lstStyle>
-            <a:lvl1pPr indent="-298450" lvl="0" marL="457200">
+            <a:lvl1pPr marL="457200" lvl="0" indent="-298450">
               <a:spcBef>
                 <a:spcPts val="0"/>
               </a:spcBef>
@@ -389,7 +402,7 @@
               <a:buChar char="●"/>
               <a:defRPr sz="1100"/>
             </a:lvl1pPr>
-            <a:lvl2pPr indent="-298450" lvl="1" marL="914400">
+            <a:lvl2pPr marL="914400" lvl="1" indent="-298450">
               <a:spcBef>
                 <a:spcPts val="0"/>
               </a:spcBef>
@@ -400,7 +413,7 @@
               <a:buChar char="○"/>
               <a:defRPr sz="1100"/>
             </a:lvl2pPr>
-            <a:lvl3pPr indent="-298450" lvl="2" marL="1371600">
+            <a:lvl3pPr marL="1371600" lvl="2" indent="-298450">
               <a:spcBef>
                 <a:spcPts val="0"/>
               </a:spcBef>
@@ -411,7 +424,7 @@
               <a:buChar char="■"/>
               <a:defRPr sz="1100"/>
             </a:lvl3pPr>
-            <a:lvl4pPr indent="-298450" lvl="3" marL="1828800">
+            <a:lvl4pPr marL="1828800" lvl="3" indent="-298450">
               <a:spcBef>
                 <a:spcPts val="0"/>
               </a:spcBef>
@@ -422,7 +435,7 @@
               <a:buChar char="●"/>
               <a:defRPr sz="1100"/>
             </a:lvl4pPr>
-            <a:lvl5pPr indent="-298450" lvl="4" marL="2286000">
+            <a:lvl5pPr marL="2286000" lvl="4" indent="-298450">
               <a:spcBef>
                 <a:spcPts val="0"/>
               </a:spcBef>
@@ -433,7 +446,7 @@
               <a:buChar char="○"/>
               <a:defRPr sz="1100"/>
             </a:lvl5pPr>
-            <a:lvl6pPr indent="-298450" lvl="5" marL="2743200">
+            <a:lvl6pPr marL="2743200" lvl="5" indent="-298450">
               <a:spcBef>
                 <a:spcPts val="0"/>
               </a:spcBef>
@@ -444,7 +457,7 @@
               <a:buChar char="■"/>
               <a:defRPr sz="1100"/>
             </a:lvl6pPr>
-            <a:lvl7pPr indent="-298450" lvl="6" marL="3200400">
+            <a:lvl7pPr marL="3200400" lvl="6" indent="-298450">
               <a:spcBef>
                 <a:spcPts val="0"/>
               </a:spcBef>
@@ -455,7 +468,7 @@
               <a:buChar char="●"/>
               <a:defRPr sz="1100"/>
             </a:lvl7pPr>
-            <a:lvl8pPr indent="-298450" lvl="7" marL="3657600">
+            <a:lvl8pPr marL="3657600" lvl="7" indent="-298450">
               <a:spcBef>
                 <a:spcPts val="0"/>
               </a:spcBef>
@@ -466,7 +479,7 @@
               <a:buChar char="○"/>
               <a:defRPr sz="1100"/>
             </a:lvl8pPr>
-            <a:lvl9pPr indent="-298450" lvl="8" marL="4114800">
+            <a:lvl9pPr marL="4114800" lvl="8" indent="-298450">
               <a:spcBef>
                 <a:spcPts val="0"/>
               </a:spcBef>
@@ -478,14 +491,16 @@
               <a:defRPr sz="1100"/>
             </a:lvl9pPr>
           </a:lstStyle>
-          <a:p/>
+          <a:p>
+            <a:endParaRPr/>
+          </a:p>
         </p:txBody>
       </p:sp>
     </p:spTree>
   </p:cSld>
-  <p:clrMap accent1="accent1" accent2="accent2" accent3="accent3" accent4="accent4" accent5="accent5" accent6="accent6" bg1="lt1" bg2="dk2" tx1="dk1" tx2="lt2" folHlink="folHlink" hlink="hlink"/>
+  <p:clrMap bg1="lt1" tx1="dk1" bg2="dk2" tx2="lt2" accent1="accent1" accent2="accent2" accent3="accent3" accent4="accent4" accent5="accent5" accent6="accent6" hlink="hlink" folHlink="folHlink"/>
   <p:notesStyle>
-    <a:defPPr lvl="0" marR="0" rtl="0" algn="l">
+    <a:defPPr marR="0" lvl="0" algn="l" rtl="0">
       <a:lnSpc>
         <a:spcPct val="100000"/>
       </a:lnSpc>
@@ -496,7 +511,7 @@
         <a:spcPts val="0"/>
       </a:spcAft>
     </a:defPPr>
-    <a:lvl1pPr lvl="0" marR="0" rtl="0" algn="l">
+    <a:lvl1pPr marR="0" lvl="0" algn="l" rtl="0">
       <a:lnSpc>
         <a:spcPct val="100000"/>
       </a:lnSpc>
@@ -510,7 +525,7 @@
         <a:srgbClr val="000000"/>
       </a:buClr>
       <a:buFont typeface="Arial"/>
-      <a:defRPr b="0" i="0" sz="1400" u="none" cap="none" strike="noStrike">
+      <a:defRPr sz="1400" b="0" i="0" u="none" strike="noStrike" cap="none">
         <a:solidFill>
           <a:srgbClr val="000000"/>
         </a:solidFill>
@@ -520,7 +535,7 @@
         <a:sym typeface="Arial"/>
       </a:defRPr>
     </a:lvl1pPr>
-    <a:lvl2pPr lvl="1" marR="0" rtl="0" algn="l">
+    <a:lvl2pPr marR="0" lvl="1" algn="l" rtl="0">
       <a:lnSpc>
         <a:spcPct val="100000"/>
       </a:lnSpc>
@@ -534,7 +549,7 @@
         <a:srgbClr val="000000"/>
       </a:buClr>
       <a:buFont typeface="Arial"/>
-      <a:defRPr b="0" i="0" sz="1400" u="none" cap="none" strike="noStrike">
+      <a:defRPr sz="1400" b="0" i="0" u="none" strike="noStrike" cap="none">
         <a:solidFill>
           <a:srgbClr val="000000"/>
         </a:solidFill>
@@ -544,7 +559,7 @@
         <a:sym typeface="Arial"/>
       </a:defRPr>
     </a:lvl2pPr>
-    <a:lvl3pPr lvl="2" marR="0" rtl="0" algn="l">
+    <a:lvl3pPr marR="0" lvl="2" algn="l" rtl="0">
       <a:lnSpc>
         <a:spcPct val="100000"/>
       </a:lnSpc>
@@ -558,7 +573,7 @@
         <a:srgbClr val="000000"/>
       </a:buClr>
       <a:buFont typeface="Arial"/>
-      <a:defRPr b="0" i="0" sz="1400" u="none" cap="none" strike="noStrike">
+      <a:defRPr sz="1400" b="0" i="0" u="none" strike="noStrike" cap="none">
         <a:solidFill>
           <a:srgbClr val="000000"/>
         </a:solidFill>
@@ -568,7 +583,7 @@
         <a:sym typeface="Arial"/>
       </a:defRPr>
     </a:lvl3pPr>
-    <a:lvl4pPr lvl="3" marR="0" rtl="0" algn="l">
+    <a:lvl4pPr marR="0" lvl="3" algn="l" rtl="0">
       <a:lnSpc>
         <a:spcPct val="100000"/>
       </a:lnSpc>
@@ -582,7 +597,7 @@
         <a:srgbClr val="000000"/>
       </a:buClr>
       <a:buFont typeface="Arial"/>
-      <a:defRPr b="0" i="0" sz="1400" u="none" cap="none" strike="noStrike">
+      <a:defRPr sz="1400" b="0" i="0" u="none" strike="noStrike" cap="none">
         <a:solidFill>
           <a:srgbClr val="000000"/>
         </a:solidFill>
@@ -592,7 +607,7 @@
         <a:sym typeface="Arial"/>
       </a:defRPr>
     </a:lvl4pPr>
-    <a:lvl5pPr lvl="4" marR="0" rtl="0" algn="l">
+    <a:lvl5pPr marR="0" lvl="4" algn="l" rtl="0">
       <a:lnSpc>
         <a:spcPct val="100000"/>
       </a:lnSpc>
@@ -606,7 +621,7 @@
         <a:srgbClr val="000000"/>
       </a:buClr>
       <a:buFont typeface="Arial"/>
-      <a:defRPr b="0" i="0" sz="1400" u="none" cap="none" strike="noStrike">
+      <a:defRPr sz="1400" b="0" i="0" u="none" strike="noStrike" cap="none">
         <a:solidFill>
           <a:srgbClr val="000000"/>
         </a:solidFill>
@@ -616,7 +631,7 @@
         <a:sym typeface="Arial"/>
       </a:defRPr>
     </a:lvl5pPr>
-    <a:lvl6pPr lvl="5" marR="0" rtl="0" algn="l">
+    <a:lvl6pPr marR="0" lvl="5" algn="l" rtl="0">
       <a:lnSpc>
         <a:spcPct val="100000"/>
       </a:lnSpc>
@@ -630,7 +645,7 @@
         <a:srgbClr val="000000"/>
       </a:buClr>
       <a:buFont typeface="Arial"/>
-      <a:defRPr b="0" i="0" sz="1400" u="none" cap="none" strike="noStrike">
+      <a:defRPr sz="1400" b="0" i="0" u="none" strike="noStrike" cap="none">
         <a:solidFill>
           <a:srgbClr val="000000"/>
         </a:solidFill>
@@ -640,7 +655,7 @@
         <a:sym typeface="Arial"/>
       </a:defRPr>
     </a:lvl6pPr>
-    <a:lvl7pPr lvl="6" marR="0" rtl="0" algn="l">
+    <a:lvl7pPr marR="0" lvl="6" algn="l" rtl="0">
       <a:lnSpc>
         <a:spcPct val="100000"/>
       </a:lnSpc>
@@ -654,7 +669,7 @@
         <a:srgbClr val="000000"/>
       </a:buClr>
       <a:buFont typeface="Arial"/>
-      <a:defRPr b="0" i="0" sz="1400" u="none" cap="none" strike="noStrike">
+      <a:defRPr sz="1400" b="0" i="0" u="none" strike="noStrike" cap="none">
         <a:solidFill>
           <a:srgbClr val="000000"/>
         </a:solidFill>
@@ -664,7 +679,7 @@
         <a:sym typeface="Arial"/>
       </a:defRPr>
     </a:lvl7pPr>
-    <a:lvl8pPr lvl="7" marR="0" rtl="0" algn="l">
+    <a:lvl8pPr marR="0" lvl="7" algn="l" rtl="0">
       <a:lnSpc>
         <a:spcPct val="100000"/>
       </a:lnSpc>
@@ -678,7 +693,7 @@
         <a:srgbClr val="000000"/>
       </a:buClr>
       <a:buFont typeface="Arial"/>
-      <a:defRPr b="0" i="0" sz="1400" u="none" cap="none" strike="noStrike">
+      <a:defRPr sz="1400" b="0" i="0" u="none" strike="noStrike" cap="none">
         <a:solidFill>
           <a:srgbClr val="000000"/>
         </a:solidFill>
@@ -688,7 +703,7 @@
         <a:sym typeface="Arial"/>
       </a:defRPr>
     </a:lvl8pPr>
-    <a:lvl9pPr lvl="8" marR="0" rtl="0" algn="l">
+    <a:lvl9pPr marR="0" lvl="8" algn="l" rtl="0">
       <a:lnSpc>
         <a:spcPct val="100000"/>
       </a:lnSpc>
@@ -702,7 +717,7 @@
         <a:srgbClr val="000000"/>
       </a:buClr>
       <a:buFont typeface="Arial"/>
-      <a:defRPr b="0" i="0" sz="1400" u="none" cap="none" strike="noStrike">
+      <a:defRPr sz="1400" b="0" i="0" u="none" strike="noStrike" cap="none">
         <a:solidFill>
           <a:srgbClr val="000000"/>
         </a:solidFill>
@@ -717,11 +732,11 @@
 </file>
 
 <file path=ppt/notesSlides/notesSlide1.xml><?xml version="1.0" encoding="utf-8"?>
-<p:notes xmlns:a="http://schemas.openxmlformats.org/drawingml/2006/main" xmlns:r="http://schemas.openxmlformats.org/officeDocument/2006/relationships" xmlns:mc="http://schemas.openxmlformats.org/markup-compatibility/2006" xmlns:mv="urn:schemas-microsoft-com:mac:vml" xmlns:p="http://schemas.openxmlformats.org/presentationml/2006/main" xmlns:c="http://schemas.openxmlformats.org/drawingml/2006/chart" xmlns:dgm="http://schemas.openxmlformats.org/drawingml/2006/diagram" xmlns:o="urn:schemas-microsoft-com:office:office" xmlns:v="urn:schemas-microsoft-com:vml" xmlns:pvml="urn:schemas-microsoft-com:office:powerpoint" xmlns:com="http://schemas.openxmlformats.org/drawingml/2006/compatibility" xmlns:p14="http://schemas.microsoft.com/office/powerpoint/2010/main" xmlns:p15="http://schemas.microsoft.com/office/powerpoint/2012/main" xmlns:ahyp="http://schemas.microsoft.com/office/drawing/2018/hyperlinkcolor" showMasterPhAnim="0" showMasterSp="0">
+<p:notes xmlns:a="http://schemas.openxmlformats.org/drawingml/2006/main" xmlns:r="http://schemas.openxmlformats.org/officeDocument/2006/relationships" xmlns:p="http://schemas.openxmlformats.org/presentationml/2006/main" showMasterSp="0" showMasterPhAnim="0">
   <p:cSld>
     <p:spTree>
       <p:nvGrpSpPr>
-        <p:cNvPr id="58" name="Shape 58"/>
+        <p:cNvPr id="1" name="Shape 58"/>
         <p:cNvGrpSpPr/>
         <p:nvPr/>
       </p:nvGrpSpPr>
@@ -736,20 +751,26 @@
       <p:sp>
         <p:nvSpPr>
           <p:cNvPr id="59" name="Google Shape;59;p:notes"/>
-          <p:cNvSpPr/>
+          <p:cNvSpPr>
+            <a:spLocks noGrp="1" noRot="1" noChangeAspect="1"/>
+          </p:cNvSpPr>
           <p:nvPr>
-            <p:ph idx="2" type="sldImg"/>
+            <p:ph type="sldImg" idx="2"/>
           </p:nvPr>
         </p:nvSpPr>
         <p:spPr>
           <a:xfrm>
-            <a:off x="381300" y="685800"/>
-            <a:ext cx="6096075" cy="3429000"/>
+            <a:off x="381000" y="685800"/>
+            <a:ext cx="6096000" cy="3429000"/>
           </a:xfrm>
           <a:custGeom>
-            <a:rect b="b" l="l" r="r" t="t"/>
+            <a:avLst/>
+            <a:gdLst/>
+            <a:ahLst/>
+            <a:cxnLst/>
+            <a:rect l="l" t="t" r="r" b="b"/>
             <a:pathLst>
-              <a:path extrusionOk="0" h="120000" w="120000">
+              <a:path w="120000" h="120000" extrusionOk="0">
                 <a:moveTo>
                   <a:pt x="0" y="0"/>
                 </a:moveTo>
@@ -771,9 +792,11 @@
       <p:sp>
         <p:nvSpPr>
           <p:cNvPr id="60" name="Google Shape;60;p:notes"/>
-          <p:cNvSpPr txBox="1"/>
+          <p:cNvSpPr txBox="1">
+            <a:spLocks noGrp="1"/>
+          </p:cNvSpPr>
           <p:nvPr>
-            <p:ph idx="1" type="body"/>
+            <p:ph type="body" idx="1"/>
           </p:nvPr>
         </p:nvSpPr>
         <p:spPr>
@@ -786,23 +809,20 @@
           </a:prstGeom>
         </p:spPr>
         <p:txBody>
-          <a:bodyPr anchorCtr="0" anchor="t" bIns="91425" lIns="91425" spcFirstLastPara="1" rIns="91425" wrap="square" tIns="91425">
+          <a:bodyPr spcFirstLastPara="1" wrap="square" lIns="91425" tIns="91425" rIns="91425" bIns="91425" anchor="t" anchorCtr="0">
             <a:noAutofit/>
           </a:bodyPr>
           <a:lstStyle/>
           <a:p>
-            <a:pPr indent="0" lvl="0" marL="0" rtl="0" algn="l">
-              <a:spcBef>
-                <a:spcPts val="0"/>
-              </a:spcBef>
-              <a:spcAft>
-                <a:spcPts val="0"/>
-              </a:spcAft>
-              <a:buNone/>
-            </a:pPr>
-            <a:r>
-              <a:t/>
-            </a:r>
+            <a:pPr marL="0" lvl="0" indent="0" algn="l" rtl="0">
+              <a:spcBef>
+                <a:spcPts val="0"/>
+              </a:spcBef>
+              <a:spcAft>
+                <a:spcPts val="0"/>
+              </a:spcAft>
+              <a:buNone/>
+            </a:pPr>
             <a:endParaRPr/>
           </a:p>
         </p:txBody>
@@ -816,11 +836,11 @@
 </file>
 
 <file path=ppt/notesSlides/notesSlide10.xml><?xml version="1.0" encoding="utf-8"?>
-<p:notes xmlns:a="http://schemas.openxmlformats.org/drawingml/2006/main" xmlns:r="http://schemas.openxmlformats.org/officeDocument/2006/relationships" xmlns:mc="http://schemas.openxmlformats.org/markup-compatibility/2006" xmlns:mv="urn:schemas-microsoft-com:mac:vml" xmlns:p="http://schemas.openxmlformats.org/presentationml/2006/main" xmlns:c="http://schemas.openxmlformats.org/drawingml/2006/chart" xmlns:dgm="http://schemas.openxmlformats.org/drawingml/2006/diagram" xmlns:o="urn:schemas-microsoft-com:office:office" xmlns:v="urn:schemas-microsoft-com:vml" xmlns:pvml="urn:schemas-microsoft-com:office:powerpoint" xmlns:com="http://schemas.openxmlformats.org/drawingml/2006/compatibility" xmlns:p14="http://schemas.microsoft.com/office/powerpoint/2010/main" xmlns:p15="http://schemas.microsoft.com/office/powerpoint/2012/main" xmlns:ahyp="http://schemas.microsoft.com/office/drawing/2018/hyperlinkcolor" showMasterPhAnim="0" showMasterSp="0">
+<p:notes xmlns:a="http://schemas.openxmlformats.org/drawingml/2006/main" xmlns:r="http://schemas.openxmlformats.org/officeDocument/2006/relationships" xmlns:p="http://schemas.openxmlformats.org/presentationml/2006/main" showMasterSp="0" showMasterPhAnim="0">
   <p:cSld>
     <p:spTree>
       <p:nvGrpSpPr>
-        <p:cNvPr id="151" name="Shape 151"/>
+        <p:cNvPr id="1" name="Shape 151"/>
         <p:cNvGrpSpPr/>
         <p:nvPr/>
       </p:nvGrpSpPr>
@@ -835,9 +855,11 @@
       <p:sp>
         <p:nvSpPr>
           <p:cNvPr id="152" name="Google Shape;152;g201302a8efe_0_0:notes"/>
-          <p:cNvSpPr/>
+          <p:cNvSpPr>
+            <a:spLocks noGrp="1" noRot="1" noChangeAspect="1"/>
+          </p:cNvSpPr>
           <p:nvPr>
-            <p:ph idx="2" type="sldImg"/>
+            <p:ph type="sldImg" idx="2"/>
           </p:nvPr>
         </p:nvSpPr>
         <p:spPr>
@@ -846,9 +868,13 @@
             <a:ext cx="6096000" cy="3429000"/>
           </a:xfrm>
           <a:custGeom>
-            <a:rect b="b" l="l" r="r" t="t"/>
+            <a:avLst/>
+            <a:gdLst/>
+            <a:ahLst/>
+            <a:cxnLst/>
+            <a:rect l="l" t="t" r="r" b="b"/>
             <a:pathLst>
-              <a:path extrusionOk="0" h="120000" w="120000">
+              <a:path w="120000" h="120000" extrusionOk="0">
                 <a:moveTo>
                   <a:pt x="0" y="0"/>
                 </a:moveTo>
@@ -870,9 +896,11 @@
       <p:sp>
         <p:nvSpPr>
           <p:cNvPr id="153" name="Google Shape;153;g201302a8efe_0_0:notes"/>
-          <p:cNvSpPr txBox="1"/>
+          <p:cNvSpPr txBox="1">
+            <a:spLocks noGrp="1"/>
+          </p:cNvSpPr>
           <p:nvPr>
-            <p:ph idx="1" type="body"/>
+            <p:ph type="body" idx="1"/>
           </p:nvPr>
         </p:nvSpPr>
         <p:spPr>
@@ -885,23 +913,20 @@
           </a:prstGeom>
         </p:spPr>
         <p:txBody>
-          <a:bodyPr anchorCtr="0" anchor="t" bIns="91425" lIns="91425" spcFirstLastPara="1" rIns="91425" wrap="square" tIns="91425">
+          <a:bodyPr spcFirstLastPara="1" wrap="square" lIns="91425" tIns="91425" rIns="91425" bIns="91425" anchor="t" anchorCtr="0">
             <a:noAutofit/>
           </a:bodyPr>
           <a:lstStyle/>
           <a:p>
-            <a:pPr indent="0" lvl="0" marL="0" rtl="0" algn="l">
-              <a:spcBef>
-                <a:spcPts val="0"/>
-              </a:spcBef>
-              <a:spcAft>
-                <a:spcPts val="0"/>
-              </a:spcAft>
-              <a:buNone/>
-            </a:pPr>
-            <a:r>
-              <a:t/>
-            </a:r>
+            <a:pPr marL="0" lvl="0" indent="0" algn="l" rtl="0">
+              <a:spcBef>
+                <a:spcPts val="0"/>
+              </a:spcBef>
+              <a:spcAft>
+                <a:spcPts val="0"/>
+              </a:spcAft>
+              <a:buNone/>
+            </a:pPr>
             <a:endParaRPr/>
           </a:p>
         </p:txBody>
@@ -915,11 +940,11 @@
 </file>
 
 <file path=ppt/notesSlides/notesSlide11.xml><?xml version="1.0" encoding="utf-8"?>
-<p:notes xmlns:a="http://schemas.openxmlformats.org/drawingml/2006/main" xmlns:r="http://schemas.openxmlformats.org/officeDocument/2006/relationships" xmlns:mc="http://schemas.openxmlformats.org/markup-compatibility/2006" xmlns:mv="urn:schemas-microsoft-com:mac:vml" xmlns:p="http://schemas.openxmlformats.org/presentationml/2006/main" xmlns:c="http://schemas.openxmlformats.org/drawingml/2006/chart" xmlns:dgm="http://schemas.openxmlformats.org/drawingml/2006/diagram" xmlns:o="urn:schemas-microsoft-com:office:office" xmlns:v="urn:schemas-microsoft-com:vml" xmlns:pvml="urn:schemas-microsoft-com:office:powerpoint" xmlns:com="http://schemas.openxmlformats.org/drawingml/2006/compatibility" xmlns:p14="http://schemas.microsoft.com/office/powerpoint/2010/main" xmlns:p15="http://schemas.microsoft.com/office/powerpoint/2012/main" xmlns:ahyp="http://schemas.microsoft.com/office/drawing/2018/hyperlinkcolor" showMasterPhAnim="0" showMasterSp="0">
+<p:notes xmlns:a="http://schemas.openxmlformats.org/drawingml/2006/main" xmlns:r="http://schemas.openxmlformats.org/officeDocument/2006/relationships" xmlns:p="http://schemas.openxmlformats.org/presentationml/2006/main" showMasterSp="0" showMasterPhAnim="0">
   <p:cSld>
     <p:spTree>
       <p:nvGrpSpPr>
-        <p:cNvPr id="157" name="Shape 157"/>
+        <p:cNvPr id="1" name="Shape 157"/>
         <p:cNvGrpSpPr/>
         <p:nvPr/>
       </p:nvGrpSpPr>
@@ -934,9 +959,11 @@
       <p:sp>
         <p:nvSpPr>
           <p:cNvPr id="158" name="Google Shape;158;g201302a8efe_0_1313:notes"/>
-          <p:cNvSpPr/>
+          <p:cNvSpPr>
+            <a:spLocks noGrp="1" noRot="1" noChangeAspect="1"/>
+          </p:cNvSpPr>
           <p:nvPr>
-            <p:ph idx="2" type="sldImg"/>
+            <p:ph type="sldImg" idx="2"/>
           </p:nvPr>
         </p:nvSpPr>
         <p:spPr>
@@ -945,9 +972,13 @@
             <a:ext cx="6096000" cy="3429000"/>
           </a:xfrm>
           <a:custGeom>
-            <a:rect b="b" l="l" r="r" t="t"/>
+            <a:avLst/>
+            <a:gdLst/>
+            <a:ahLst/>
+            <a:cxnLst/>
+            <a:rect l="l" t="t" r="r" b="b"/>
             <a:pathLst>
-              <a:path extrusionOk="0" h="120000" w="120000">
+              <a:path w="120000" h="120000" extrusionOk="0">
                 <a:moveTo>
                   <a:pt x="0" y="0"/>
                 </a:moveTo>
@@ -969,9 +1000,11 @@
       <p:sp>
         <p:nvSpPr>
           <p:cNvPr id="159" name="Google Shape;159;g201302a8efe_0_1313:notes"/>
-          <p:cNvSpPr txBox="1"/>
+          <p:cNvSpPr txBox="1">
+            <a:spLocks noGrp="1"/>
+          </p:cNvSpPr>
           <p:nvPr>
-            <p:ph idx="1" type="body"/>
+            <p:ph type="body" idx="1"/>
           </p:nvPr>
         </p:nvSpPr>
         <p:spPr>
@@ -984,23 +1017,20 @@
           </a:prstGeom>
         </p:spPr>
         <p:txBody>
-          <a:bodyPr anchorCtr="0" anchor="t" bIns="91425" lIns="91425" spcFirstLastPara="1" rIns="91425" wrap="square" tIns="91425">
+          <a:bodyPr spcFirstLastPara="1" wrap="square" lIns="91425" tIns="91425" rIns="91425" bIns="91425" anchor="t" anchorCtr="0">
             <a:noAutofit/>
           </a:bodyPr>
           <a:lstStyle/>
           <a:p>
-            <a:pPr indent="0" lvl="0" marL="0" rtl="0" algn="l">
-              <a:spcBef>
-                <a:spcPts val="0"/>
-              </a:spcBef>
-              <a:spcAft>
-                <a:spcPts val="0"/>
-              </a:spcAft>
-              <a:buNone/>
-            </a:pPr>
-            <a:r>
-              <a:t/>
-            </a:r>
+            <a:pPr marL="0" lvl="0" indent="0" algn="l" rtl="0">
+              <a:spcBef>
+                <a:spcPts val="0"/>
+              </a:spcBef>
+              <a:spcAft>
+                <a:spcPts val="0"/>
+              </a:spcAft>
+              <a:buNone/>
+            </a:pPr>
             <a:endParaRPr/>
           </a:p>
         </p:txBody>
@@ -1014,11 +1044,11 @@
 </file>
 
 <file path=ppt/notesSlides/notesSlide12.xml><?xml version="1.0" encoding="utf-8"?>
-<p:notes xmlns:a="http://schemas.openxmlformats.org/drawingml/2006/main" xmlns:r="http://schemas.openxmlformats.org/officeDocument/2006/relationships" xmlns:mc="http://schemas.openxmlformats.org/markup-compatibility/2006" xmlns:mv="urn:schemas-microsoft-com:mac:vml" xmlns:p="http://schemas.openxmlformats.org/presentationml/2006/main" xmlns:c="http://schemas.openxmlformats.org/drawingml/2006/chart" xmlns:dgm="http://schemas.openxmlformats.org/drawingml/2006/diagram" xmlns:o="urn:schemas-microsoft-com:office:office" xmlns:v="urn:schemas-microsoft-com:vml" xmlns:pvml="urn:schemas-microsoft-com:office:powerpoint" xmlns:com="http://schemas.openxmlformats.org/drawingml/2006/compatibility" xmlns:p14="http://schemas.microsoft.com/office/powerpoint/2010/main" xmlns:p15="http://schemas.microsoft.com/office/powerpoint/2012/main" xmlns:ahyp="http://schemas.microsoft.com/office/drawing/2018/hyperlinkcolor" showMasterPhAnim="0" showMasterSp="0">
+<p:notes xmlns:a="http://schemas.openxmlformats.org/drawingml/2006/main" xmlns:r="http://schemas.openxmlformats.org/officeDocument/2006/relationships" xmlns:p="http://schemas.openxmlformats.org/presentationml/2006/main" showMasterSp="0" showMasterPhAnim="0">
   <p:cSld>
     <p:spTree>
       <p:nvGrpSpPr>
-        <p:cNvPr id="163" name="Shape 163"/>
+        <p:cNvPr id="1" name="Shape 163"/>
         <p:cNvGrpSpPr/>
         <p:nvPr/>
       </p:nvGrpSpPr>
@@ -1033,9 +1063,11 @@
       <p:sp>
         <p:nvSpPr>
           <p:cNvPr id="164" name="Google Shape;164;g201302a8efe_0_1288:notes"/>
-          <p:cNvSpPr/>
+          <p:cNvSpPr>
+            <a:spLocks noGrp="1" noRot="1" noChangeAspect="1"/>
+          </p:cNvSpPr>
           <p:nvPr>
-            <p:ph idx="2" type="sldImg"/>
+            <p:ph type="sldImg" idx="2"/>
           </p:nvPr>
         </p:nvSpPr>
         <p:spPr>
@@ -1044,9 +1076,13 @@
             <a:ext cx="6096000" cy="3429000"/>
           </a:xfrm>
           <a:custGeom>
-            <a:rect b="b" l="l" r="r" t="t"/>
+            <a:avLst/>
+            <a:gdLst/>
+            <a:ahLst/>
+            <a:cxnLst/>
+            <a:rect l="l" t="t" r="r" b="b"/>
             <a:pathLst>
-              <a:path extrusionOk="0" h="120000" w="120000">
+              <a:path w="120000" h="120000" extrusionOk="0">
                 <a:moveTo>
                   <a:pt x="0" y="0"/>
                 </a:moveTo>
@@ -1068,9 +1104,11 @@
       <p:sp>
         <p:nvSpPr>
           <p:cNvPr id="165" name="Google Shape;165;g201302a8efe_0_1288:notes"/>
-          <p:cNvSpPr txBox="1"/>
+          <p:cNvSpPr txBox="1">
+            <a:spLocks noGrp="1"/>
+          </p:cNvSpPr>
           <p:nvPr>
-            <p:ph idx="1" type="body"/>
+            <p:ph type="body" idx="1"/>
           </p:nvPr>
         </p:nvSpPr>
         <p:spPr>
@@ -1083,23 +1121,20 @@
           </a:prstGeom>
         </p:spPr>
         <p:txBody>
-          <a:bodyPr anchorCtr="0" anchor="t" bIns="91425" lIns="91425" spcFirstLastPara="1" rIns="91425" wrap="square" tIns="91425">
+          <a:bodyPr spcFirstLastPara="1" wrap="square" lIns="91425" tIns="91425" rIns="91425" bIns="91425" anchor="t" anchorCtr="0">
             <a:noAutofit/>
           </a:bodyPr>
           <a:lstStyle/>
           <a:p>
-            <a:pPr indent="0" lvl="0" marL="0" rtl="0" algn="l">
-              <a:spcBef>
-                <a:spcPts val="0"/>
-              </a:spcBef>
-              <a:spcAft>
-                <a:spcPts val="0"/>
-              </a:spcAft>
-              <a:buNone/>
-            </a:pPr>
-            <a:r>
-              <a:t/>
-            </a:r>
+            <a:pPr marL="0" lvl="0" indent="0" algn="l" rtl="0">
+              <a:spcBef>
+                <a:spcPts val="0"/>
+              </a:spcBef>
+              <a:spcAft>
+                <a:spcPts val="0"/>
+              </a:spcAft>
+              <a:buNone/>
+            </a:pPr>
             <a:endParaRPr/>
           </a:p>
         </p:txBody>
@@ -1113,11 +1148,11 @@
 </file>
 
 <file path=ppt/notesSlides/notesSlide13.xml><?xml version="1.0" encoding="utf-8"?>
-<p:notes xmlns:a="http://schemas.openxmlformats.org/drawingml/2006/main" xmlns:r="http://schemas.openxmlformats.org/officeDocument/2006/relationships" xmlns:mc="http://schemas.openxmlformats.org/markup-compatibility/2006" xmlns:mv="urn:schemas-microsoft-com:mac:vml" xmlns:p="http://schemas.openxmlformats.org/presentationml/2006/main" xmlns:c="http://schemas.openxmlformats.org/drawingml/2006/chart" xmlns:dgm="http://schemas.openxmlformats.org/drawingml/2006/diagram" xmlns:o="urn:schemas-microsoft-com:office:office" xmlns:v="urn:schemas-microsoft-com:vml" xmlns:pvml="urn:schemas-microsoft-com:office:powerpoint" xmlns:com="http://schemas.openxmlformats.org/drawingml/2006/compatibility" xmlns:p14="http://schemas.microsoft.com/office/powerpoint/2010/main" xmlns:p15="http://schemas.microsoft.com/office/powerpoint/2012/main" xmlns:ahyp="http://schemas.microsoft.com/office/drawing/2018/hyperlinkcolor" showMasterPhAnim="0" showMasterSp="0">
+<p:notes xmlns:a="http://schemas.openxmlformats.org/drawingml/2006/main" xmlns:r="http://schemas.openxmlformats.org/officeDocument/2006/relationships" xmlns:p="http://schemas.openxmlformats.org/presentationml/2006/main" showMasterSp="0" showMasterPhAnim="0">
   <p:cSld>
     <p:spTree>
       <p:nvGrpSpPr>
-        <p:cNvPr id="169" name="Shape 169"/>
+        <p:cNvPr id="1" name="Shape 169"/>
         <p:cNvGrpSpPr/>
         <p:nvPr/>
       </p:nvGrpSpPr>
@@ -1132,9 +1167,11 @@
       <p:sp>
         <p:nvSpPr>
           <p:cNvPr id="170" name="Google Shape;170;g201302a8efe_0_1293:notes"/>
-          <p:cNvSpPr/>
+          <p:cNvSpPr>
+            <a:spLocks noGrp="1" noRot="1" noChangeAspect="1"/>
+          </p:cNvSpPr>
           <p:nvPr>
-            <p:ph idx="2" type="sldImg"/>
+            <p:ph type="sldImg" idx="2"/>
           </p:nvPr>
         </p:nvSpPr>
         <p:spPr>
@@ -1143,9 +1180,13 @@
             <a:ext cx="6096000" cy="3429000"/>
           </a:xfrm>
           <a:custGeom>
-            <a:rect b="b" l="l" r="r" t="t"/>
+            <a:avLst/>
+            <a:gdLst/>
+            <a:ahLst/>
+            <a:cxnLst/>
+            <a:rect l="l" t="t" r="r" b="b"/>
             <a:pathLst>
-              <a:path extrusionOk="0" h="120000" w="120000">
+              <a:path w="120000" h="120000" extrusionOk="0">
                 <a:moveTo>
                   <a:pt x="0" y="0"/>
                 </a:moveTo>
@@ -1167,9 +1208,11 @@
       <p:sp>
         <p:nvSpPr>
           <p:cNvPr id="171" name="Google Shape;171;g201302a8efe_0_1293:notes"/>
-          <p:cNvSpPr txBox="1"/>
+          <p:cNvSpPr txBox="1">
+            <a:spLocks noGrp="1"/>
+          </p:cNvSpPr>
           <p:nvPr>
-            <p:ph idx="1" type="body"/>
+            <p:ph type="body" idx="1"/>
           </p:nvPr>
         </p:nvSpPr>
         <p:spPr>
@@ -1182,23 +1225,20 @@
           </a:prstGeom>
         </p:spPr>
         <p:txBody>
-          <a:bodyPr anchorCtr="0" anchor="t" bIns="91425" lIns="91425" spcFirstLastPara="1" rIns="91425" wrap="square" tIns="91425">
+          <a:bodyPr spcFirstLastPara="1" wrap="square" lIns="91425" tIns="91425" rIns="91425" bIns="91425" anchor="t" anchorCtr="0">
             <a:noAutofit/>
           </a:bodyPr>
           <a:lstStyle/>
           <a:p>
-            <a:pPr indent="0" lvl="0" marL="0" rtl="0" algn="l">
-              <a:spcBef>
-                <a:spcPts val="0"/>
-              </a:spcBef>
-              <a:spcAft>
-                <a:spcPts val="0"/>
-              </a:spcAft>
-              <a:buNone/>
-            </a:pPr>
-            <a:r>
-              <a:t/>
-            </a:r>
+            <a:pPr marL="0" lvl="0" indent="0" algn="l" rtl="0">
+              <a:spcBef>
+                <a:spcPts val="0"/>
+              </a:spcBef>
+              <a:spcAft>
+                <a:spcPts val="0"/>
+              </a:spcAft>
+              <a:buNone/>
+            </a:pPr>
             <a:endParaRPr/>
           </a:p>
         </p:txBody>
@@ -1212,11 +1252,11 @@
 </file>
 
 <file path=ppt/notesSlides/notesSlide14.xml><?xml version="1.0" encoding="utf-8"?>
-<p:notes xmlns:a="http://schemas.openxmlformats.org/drawingml/2006/main" xmlns:r="http://schemas.openxmlformats.org/officeDocument/2006/relationships" xmlns:mc="http://schemas.openxmlformats.org/markup-compatibility/2006" xmlns:mv="urn:schemas-microsoft-com:mac:vml" xmlns:p="http://schemas.openxmlformats.org/presentationml/2006/main" xmlns:c="http://schemas.openxmlformats.org/drawingml/2006/chart" xmlns:dgm="http://schemas.openxmlformats.org/drawingml/2006/diagram" xmlns:o="urn:schemas-microsoft-com:office:office" xmlns:v="urn:schemas-microsoft-com:vml" xmlns:pvml="urn:schemas-microsoft-com:office:powerpoint" xmlns:com="http://schemas.openxmlformats.org/drawingml/2006/compatibility" xmlns:p14="http://schemas.microsoft.com/office/powerpoint/2010/main" xmlns:p15="http://schemas.microsoft.com/office/powerpoint/2012/main" xmlns:ahyp="http://schemas.microsoft.com/office/drawing/2018/hyperlinkcolor" showMasterPhAnim="0" showMasterSp="0">
+<p:notes xmlns:a="http://schemas.openxmlformats.org/drawingml/2006/main" xmlns:r="http://schemas.openxmlformats.org/officeDocument/2006/relationships" xmlns:p="http://schemas.openxmlformats.org/presentationml/2006/main" showMasterSp="0" showMasterPhAnim="0">
   <p:cSld>
     <p:spTree>
       <p:nvGrpSpPr>
-        <p:cNvPr id="175" name="Shape 175"/>
+        <p:cNvPr id="1" name="Shape 175"/>
         <p:cNvGrpSpPr/>
         <p:nvPr/>
       </p:nvGrpSpPr>
@@ -1231,9 +1271,11 @@
       <p:sp>
         <p:nvSpPr>
           <p:cNvPr id="176" name="Google Shape;176;g201302a8efe_0_1298:notes"/>
-          <p:cNvSpPr/>
+          <p:cNvSpPr>
+            <a:spLocks noGrp="1" noRot="1" noChangeAspect="1"/>
+          </p:cNvSpPr>
           <p:nvPr>
-            <p:ph idx="2" type="sldImg"/>
+            <p:ph type="sldImg" idx="2"/>
           </p:nvPr>
         </p:nvSpPr>
         <p:spPr>
@@ -1242,9 +1284,13 @@
             <a:ext cx="6096000" cy="3429000"/>
           </a:xfrm>
           <a:custGeom>
-            <a:rect b="b" l="l" r="r" t="t"/>
+            <a:avLst/>
+            <a:gdLst/>
+            <a:ahLst/>
+            <a:cxnLst/>
+            <a:rect l="l" t="t" r="r" b="b"/>
             <a:pathLst>
-              <a:path extrusionOk="0" h="120000" w="120000">
+              <a:path w="120000" h="120000" extrusionOk="0">
                 <a:moveTo>
                   <a:pt x="0" y="0"/>
                 </a:moveTo>
@@ -1266,9 +1312,11 @@
       <p:sp>
         <p:nvSpPr>
           <p:cNvPr id="177" name="Google Shape;177;g201302a8efe_0_1298:notes"/>
-          <p:cNvSpPr txBox="1"/>
+          <p:cNvSpPr txBox="1">
+            <a:spLocks noGrp="1"/>
+          </p:cNvSpPr>
           <p:nvPr>
-            <p:ph idx="1" type="body"/>
+            <p:ph type="body" idx="1"/>
           </p:nvPr>
         </p:nvSpPr>
         <p:spPr>
@@ -1281,23 +1329,20 @@
           </a:prstGeom>
         </p:spPr>
         <p:txBody>
-          <a:bodyPr anchorCtr="0" anchor="t" bIns="91425" lIns="91425" spcFirstLastPara="1" rIns="91425" wrap="square" tIns="91425">
+          <a:bodyPr spcFirstLastPara="1" wrap="square" lIns="91425" tIns="91425" rIns="91425" bIns="91425" anchor="t" anchorCtr="0">
             <a:noAutofit/>
           </a:bodyPr>
           <a:lstStyle/>
           <a:p>
-            <a:pPr indent="0" lvl="0" marL="0" rtl="0" algn="l">
-              <a:spcBef>
-                <a:spcPts val="0"/>
-              </a:spcBef>
-              <a:spcAft>
-                <a:spcPts val="0"/>
-              </a:spcAft>
-              <a:buNone/>
-            </a:pPr>
-            <a:r>
-              <a:t/>
-            </a:r>
+            <a:pPr marL="0" lvl="0" indent="0" algn="l" rtl="0">
+              <a:spcBef>
+                <a:spcPts val="0"/>
+              </a:spcBef>
+              <a:spcAft>
+                <a:spcPts val="0"/>
+              </a:spcAft>
+              <a:buNone/>
+            </a:pPr>
             <a:endParaRPr/>
           </a:p>
         </p:txBody>
@@ -1311,11 +1356,11 @@
 </file>
 
 <file path=ppt/notesSlides/notesSlide15.xml><?xml version="1.0" encoding="utf-8"?>
-<p:notes xmlns:a="http://schemas.openxmlformats.org/drawingml/2006/main" xmlns:r="http://schemas.openxmlformats.org/officeDocument/2006/relationships" xmlns:mc="http://schemas.openxmlformats.org/markup-compatibility/2006" xmlns:mv="urn:schemas-microsoft-com:mac:vml" xmlns:p="http://schemas.openxmlformats.org/presentationml/2006/main" xmlns:c="http://schemas.openxmlformats.org/drawingml/2006/chart" xmlns:dgm="http://schemas.openxmlformats.org/drawingml/2006/diagram" xmlns:o="urn:schemas-microsoft-com:office:office" xmlns:v="urn:schemas-microsoft-com:vml" xmlns:pvml="urn:schemas-microsoft-com:office:powerpoint" xmlns:com="http://schemas.openxmlformats.org/drawingml/2006/compatibility" xmlns:p14="http://schemas.microsoft.com/office/powerpoint/2010/main" xmlns:p15="http://schemas.microsoft.com/office/powerpoint/2012/main" xmlns:ahyp="http://schemas.microsoft.com/office/drawing/2018/hyperlinkcolor" showMasterPhAnim="0" showMasterSp="0">
+<p:notes xmlns:a="http://schemas.openxmlformats.org/drawingml/2006/main" xmlns:r="http://schemas.openxmlformats.org/officeDocument/2006/relationships" xmlns:p="http://schemas.openxmlformats.org/presentationml/2006/main" showMasterSp="0" showMasterPhAnim="0">
   <p:cSld>
     <p:spTree>
       <p:nvGrpSpPr>
-        <p:cNvPr id="181" name="Shape 181"/>
+        <p:cNvPr id="1" name="Shape 181"/>
         <p:cNvGrpSpPr/>
         <p:nvPr/>
       </p:nvGrpSpPr>
@@ -1330,9 +1375,11 @@
       <p:sp>
         <p:nvSpPr>
           <p:cNvPr id="182" name="Google Shape;182;g201302a8efe_0_1303:notes"/>
-          <p:cNvSpPr/>
+          <p:cNvSpPr>
+            <a:spLocks noGrp="1" noRot="1" noChangeAspect="1"/>
+          </p:cNvSpPr>
           <p:nvPr>
-            <p:ph idx="2" type="sldImg"/>
+            <p:ph type="sldImg" idx="2"/>
           </p:nvPr>
         </p:nvSpPr>
         <p:spPr>
@@ -1341,9 +1388,13 @@
             <a:ext cx="6096000" cy="3429000"/>
           </a:xfrm>
           <a:custGeom>
-            <a:rect b="b" l="l" r="r" t="t"/>
+            <a:avLst/>
+            <a:gdLst/>
+            <a:ahLst/>
+            <a:cxnLst/>
+            <a:rect l="l" t="t" r="r" b="b"/>
             <a:pathLst>
-              <a:path extrusionOk="0" h="120000" w="120000">
+              <a:path w="120000" h="120000" extrusionOk="0">
                 <a:moveTo>
                   <a:pt x="0" y="0"/>
                 </a:moveTo>
@@ -1365,9 +1416,11 @@
       <p:sp>
         <p:nvSpPr>
           <p:cNvPr id="183" name="Google Shape;183;g201302a8efe_0_1303:notes"/>
-          <p:cNvSpPr txBox="1"/>
+          <p:cNvSpPr txBox="1">
+            <a:spLocks noGrp="1"/>
+          </p:cNvSpPr>
           <p:nvPr>
-            <p:ph idx="1" type="body"/>
+            <p:ph type="body" idx="1"/>
           </p:nvPr>
         </p:nvSpPr>
         <p:spPr>
@@ -1380,23 +1433,20 @@
           </a:prstGeom>
         </p:spPr>
         <p:txBody>
-          <a:bodyPr anchorCtr="0" anchor="t" bIns="91425" lIns="91425" spcFirstLastPara="1" rIns="91425" wrap="square" tIns="91425">
+          <a:bodyPr spcFirstLastPara="1" wrap="square" lIns="91425" tIns="91425" rIns="91425" bIns="91425" anchor="t" anchorCtr="0">
             <a:noAutofit/>
           </a:bodyPr>
           <a:lstStyle/>
           <a:p>
-            <a:pPr indent="0" lvl="0" marL="0" rtl="0" algn="l">
-              <a:spcBef>
-                <a:spcPts val="0"/>
-              </a:spcBef>
-              <a:spcAft>
-                <a:spcPts val="0"/>
-              </a:spcAft>
-              <a:buNone/>
-            </a:pPr>
-            <a:r>
-              <a:t/>
-            </a:r>
+            <a:pPr marL="0" lvl="0" indent="0" algn="l" rtl="0">
+              <a:spcBef>
+                <a:spcPts val="0"/>
+              </a:spcBef>
+              <a:spcAft>
+                <a:spcPts val="0"/>
+              </a:spcAft>
+              <a:buNone/>
+            </a:pPr>
             <a:endParaRPr/>
           </a:p>
         </p:txBody>
@@ -1410,11 +1460,11 @@
 </file>
 
 <file path=ppt/notesSlides/notesSlide16.xml><?xml version="1.0" encoding="utf-8"?>
-<p:notes xmlns:a="http://schemas.openxmlformats.org/drawingml/2006/main" xmlns:r="http://schemas.openxmlformats.org/officeDocument/2006/relationships" xmlns:mc="http://schemas.openxmlformats.org/markup-compatibility/2006" xmlns:mv="urn:schemas-microsoft-com:mac:vml" xmlns:p="http://schemas.openxmlformats.org/presentationml/2006/main" xmlns:c="http://schemas.openxmlformats.org/drawingml/2006/chart" xmlns:dgm="http://schemas.openxmlformats.org/drawingml/2006/diagram" xmlns:o="urn:schemas-microsoft-com:office:office" xmlns:v="urn:schemas-microsoft-com:vml" xmlns:pvml="urn:schemas-microsoft-com:office:powerpoint" xmlns:com="http://schemas.openxmlformats.org/drawingml/2006/compatibility" xmlns:p14="http://schemas.microsoft.com/office/powerpoint/2010/main" xmlns:p15="http://schemas.microsoft.com/office/powerpoint/2012/main" xmlns:ahyp="http://schemas.microsoft.com/office/drawing/2018/hyperlinkcolor" showMasterPhAnim="0" showMasterSp="0">
+<p:notes xmlns:a="http://schemas.openxmlformats.org/drawingml/2006/main" xmlns:r="http://schemas.openxmlformats.org/officeDocument/2006/relationships" xmlns:p="http://schemas.openxmlformats.org/presentationml/2006/main" showMasterSp="0" showMasterPhAnim="0">
   <p:cSld>
     <p:spTree>
       <p:nvGrpSpPr>
-        <p:cNvPr id="187" name="Shape 187"/>
+        <p:cNvPr id="1" name="Shape 187"/>
         <p:cNvGrpSpPr/>
         <p:nvPr/>
       </p:nvGrpSpPr>
@@ -1429,9 +1479,11 @@
       <p:sp>
         <p:nvSpPr>
           <p:cNvPr id="188" name="Google Shape;188;g201302a8efe_0_1308:notes"/>
-          <p:cNvSpPr/>
+          <p:cNvSpPr>
+            <a:spLocks noGrp="1" noRot="1" noChangeAspect="1"/>
+          </p:cNvSpPr>
           <p:nvPr>
-            <p:ph idx="2" type="sldImg"/>
+            <p:ph type="sldImg" idx="2"/>
           </p:nvPr>
         </p:nvSpPr>
         <p:spPr>
@@ -1440,9 +1492,13 @@
             <a:ext cx="6096000" cy="3429000"/>
           </a:xfrm>
           <a:custGeom>
-            <a:rect b="b" l="l" r="r" t="t"/>
+            <a:avLst/>
+            <a:gdLst/>
+            <a:ahLst/>
+            <a:cxnLst/>
+            <a:rect l="l" t="t" r="r" b="b"/>
             <a:pathLst>
-              <a:path extrusionOk="0" h="120000" w="120000">
+              <a:path w="120000" h="120000" extrusionOk="0">
                 <a:moveTo>
                   <a:pt x="0" y="0"/>
                 </a:moveTo>
@@ -1464,9 +1520,11 @@
       <p:sp>
         <p:nvSpPr>
           <p:cNvPr id="189" name="Google Shape;189;g201302a8efe_0_1308:notes"/>
-          <p:cNvSpPr txBox="1"/>
+          <p:cNvSpPr txBox="1">
+            <a:spLocks noGrp="1"/>
+          </p:cNvSpPr>
           <p:nvPr>
-            <p:ph idx="1" type="body"/>
+            <p:ph type="body" idx="1"/>
           </p:nvPr>
         </p:nvSpPr>
         <p:spPr>
@@ -1479,23 +1537,20 @@
           </a:prstGeom>
         </p:spPr>
         <p:txBody>
-          <a:bodyPr anchorCtr="0" anchor="t" bIns="91425" lIns="91425" spcFirstLastPara="1" rIns="91425" wrap="square" tIns="91425">
+          <a:bodyPr spcFirstLastPara="1" wrap="square" lIns="91425" tIns="91425" rIns="91425" bIns="91425" anchor="t" anchorCtr="0">
             <a:noAutofit/>
           </a:bodyPr>
           <a:lstStyle/>
           <a:p>
-            <a:pPr indent="0" lvl="0" marL="0" rtl="0" algn="l">
-              <a:spcBef>
-                <a:spcPts val="0"/>
-              </a:spcBef>
-              <a:spcAft>
-                <a:spcPts val="0"/>
-              </a:spcAft>
-              <a:buNone/>
-            </a:pPr>
-            <a:r>
-              <a:t/>
-            </a:r>
+            <a:pPr marL="0" lvl="0" indent="0" algn="l" rtl="0">
+              <a:spcBef>
+                <a:spcPts val="0"/>
+              </a:spcBef>
+              <a:spcAft>
+                <a:spcPts val="0"/>
+              </a:spcAft>
+              <a:buNone/>
+            </a:pPr>
             <a:endParaRPr/>
           </a:p>
         </p:txBody>
@@ -1509,11 +1564,11 @@
 </file>
 
 <file path=ppt/notesSlides/notesSlide17.xml><?xml version="1.0" encoding="utf-8"?>
-<p:notes xmlns:a="http://schemas.openxmlformats.org/drawingml/2006/main" xmlns:r="http://schemas.openxmlformats.org/officeDocument/2006/relationships" xmlns:mc="http://schemas.openxmlformats.org/markup-compatibility/2006" xmlns:mv="urn:schemas-microsoft-com:mac:vml" xmlns:p="http://schemas.openxmlformats.org/presentationml/2006/main" xmlns:c="http://schemas.openxmlformats.org/drawingml/2006/chart" xmlns:dgm="http://schemas.openxmlformats.org/drawingml/2006/diagram" xmlns:o="urn:schemas-microsoft-com:office:office" xmlns:v="urn:schemas-microsoft-com:vml" xmlns:pvml="urn:schemas-microsoft-com:office:powerpoint" xmlns:com="http://schemas.openxmlformats.org/drawingml/2006/compatibility" xmlns:p14="http://schemas.microsoft.com/office/powerpoint/2010/main" xmlns:p15="http://schemas.microsoft.com/office/powerpoint/2012/main" xmlns:ahyp="http://schemas.microsoft.com/office/drawing/2018/hyperlinkcolor" showMasterPhAnim="0" showMasterSp="0">
+<p:notes xmlns:a="http://schemas.openxmlformats.org/drawingml/2006/main" xmlns:r="http://schemas.openxmlformats.org/officeDocument/2006/relationships" xmlns:p="http://schemas.openxmlformats.org/presentationml/2006/main" showMasterSp="0" showMasterPhAnim="0">
   <p:cSld>
     <p:spTree>
       <p:nvGrpSpPr>
-        <p:cNvPr id="193" name="Shape 193"/>
+        <p:cNvPr id="1" name="Shape 193"/>
         <p:cNvGrpSpPr/>
         <p:nvPr/>
       </p:nvGrpSpPr>
@@ -1528,9 +1583,11 @@
       <p:sp>
         <p:nvSpPr>
           <p:cNvPr id="194" name="Google Shape;194;g31b011bc891_0_0:notes"/>
-          <p:cNvSpPr/>
+          <p:cNvSpPr>
+            <a:spLocks noGrp="1" noRot="1" noChangeAspect="1"/>
+          </p:cNvSpPr>
           <p:nvPr>
-            <p:ph idx="2" type="sldImg"/>
+            <p:ph type="sldImg" idx="2"/>
           </p:nvPr>
         </p:nvSpPr>
         <p:spPr>
@@ -1539,9 +1596,13 @@
             <a:ext cx="6096000" cy="3429000"/>
           </a:xfrm>
           <a:custGeom>
-            <a:rect b="b" l="l" r="r" t="t"/>
+            <a:avLst/>
+            <a:gdLst/>
+            <a:ahLst/>
+            <a:cxnLst/>
+            <a:rect l="l" t="t" r="r" b="b"/>
             <a:pathLst>
-              <a:path extrusionOk="0" h="120000" w="120000">
+              <a:path w="120000" h="120000" extrusionOk="0">
                 <a:moveTo>
                   <a:pt x="0" y="0"/>
                 </a:moveTo>
@@ -1563,9 +1624,11 @@
       <p:sp>
         <p:nvSpPr>
           <p:cNvPr id="195" name="Google Shape;195;g31b011bc891_0_0:notes"/>
-          <p:cNvSpPr txBox="1"/>
+          <p:cNvSpPr txBox="1">
+            <a:spLocks noGrp="1"/>
+          </p:cNvSpPr>
           <p:nvPr>
-            <p:ph idx="1" type="body"/>
+            <p:ph type="body" idx="1"/>
           </p:nvPr>
         </p:nvSpPr>
         <p:spPr>
@@ -1578,23 +1641,20 @@
           </a:prstGeom>
         </p:spPr>
         <p:txBody>
-          <a:bodyPr anchorCtr="0" anchor="t" bIns="91425" lIns="91425" spcFirstLastPara="1" rIns="91425" wrap="square" tIns="91425">
+          <a:bodyPr spcFirstLastPara="1" wrap="square" lIns="91425" tIns="91425" rIns="91425" bIns="91425" anchor="t" anchorCtr="0">
             <a:noAutofit/>
           </a:bodyPr>
           <a:lstStyle/>
           <a:p>
-            <a:pPr indent="0" lvl="0" marL="0" rtl="0" algn="l">
-              <a:spcBef>
-                <a:spcPts val="0"/>
-              </a:spcBef>
-              <a:spcAft>
-                <a:spcPts val="0"/>
-              </a:spcAft>
-              <a:buNone/>
-            </a:pPr>
-            <a:r>
-              <a:t/>
-            </a:r>
+            <a:pPr marL="0" lvl="0" indent="0" algn="l" rtl="0">
+              <a:spcBef>
+                <a:spcPts val="0"/>
+              </a:spcBef>
+              <a:spcAft>
+                <a:spcPts val="0"/>
+              </a:spcAft>
+              <a:buNone/>
+            </a:pPr>
             <a:endParaRPr/>
           </a:p>
         </p:txBody>
@@ -1608,11 +1668,11 @@
 </file>
 
 <file path=ppt/notesSlides/notesSlide18.xml><?xml version="1.0" encoding="utf-8"?>
-<p:notes xmlns:a="http://schemas.openxmlformats.org/drawingml/2006/main" xmlns:r="http://schemas.openxmlformats.org/officeDocument/2006/relationships" xmlns:mc="http://schemas.openxmlformats.org/markup-compatibility/2006" xmlns:mv="urn:schemas-microsoft-com:mac:vml" xmlns:p="http://schemas.openxmlformats.org/presentationml/2006/main" xmlns:c="http://schemas.openxmlformats.org/drawingml/2006/chart" xmlns:dgm="http://schemas.openxmlformats.org/drawingml/2006/diagram" xmlns:o="urn:schemas-microsoft-com:office:office" xmlns:v="urn:schemas-microsoft-com:vml" xmlns:pvml="urn:schemas-microsoft-com:office:powerpoint" xmlns:com="http://schemas.openxmlformats.org/drawingml/2006/compatibility" xmlns:p14="http://schemas.microsoft.com/office/powerpoint/2010/main" xmlns:p15="http://schemas.microsoft.com/office/powerpoint/2012/main" xmlns:ahyp="http://schemas.microsoft.com/office/drawing/2018/hyperlinkcolor" showMasterPhAnim="0" showMasterSp="0">
+<p:notes xmlns:a="http://schemas.openxmlformats.org/drawingml/2006/main" xmlns:r="http://schemas.openxmlformats.org/officeDocument/2006/relationships" xmlns:p="http://schemas.openxmlformats.org/presentationml/2006/main" showMasterSp="0" showMasterPhAnim="0">
   <p:cSld>
     <p:spTree>
       <p:nvGrpSpPr>
-        <p:cNvPr id="199" name="Shape 199"/>
+        <p:cNvPr id="1" name="Shape 199"/>
         <p:cNvGrpSpPr/>
         <p:nvPr/>
       </p:nvGrpSpPr>
@@ -1627,9 +1687,11 @@
       <p:sp>
         <p:nvSpPr>
           <p:cNvPr id="200" name="Google Shape;200;g1c2482a7c5e_0_521:notes"/>
-          <p:cNvSpPr/>
+          <p:cNvSpPr>
+            <a:spLocks noGrp="1" noRot="1" noChangeAspect="1"/>
+          </p:cNvSpPr>
           <p:nvPr>
-            <p:ph idx="2" type="sldImg"/>
+            <p:ph type="sldImg" idx="2"/>
           </p:nvPr>
         </p:nvSpPr>
         <p:spPr>
@@ -1638,9 +1700,13 @@
             <a:ext cx="6096000" cy="3429000"/>
           </a:xfrm>
           <a:custGeom>
-            <a:rect b="b" l="l" r="r" t="t"/>
+            <a:avLst/>
+            <a:gdLst/>
+            <a:ahLst/>
+            <a:cxnLst/>
+            <a:rect l="l" t="t" r="r" b="b"/>
             <a:pathLst>
-              <a:path extrusionOk="0" h="120000" w="120000">
+              <a:path w="120000" h="120000" extrusionOk="0">
                 <a:moveTo>
                   <a:pt x="0" y="0"/>
                 </a:moveTo>
@@ -1662,9 +1728,11 @@
       <p:sp>
         <p:nvSpPr>
           <p:cNvPr id="201" name="Google Shape;201;g1c2482a7c5e_0_521:notes"/>
-          <p:cNvSpPr txBox="1"/>
+          <p:cNvSpPr txBox="1">
+            <a:spLocks noGrp="1"/>
+          </p:cNvSpPr>
           <p:nvPr>
-            <p:ph idx="1" type="body"/>
+            <p:ph type="body" idx="1"/>
           </p:nvPr>
         </p:nvSpPr>
         <p:spPr>
@@ -1677,23 +1745,20 @@
           </a:prstGeom>
         </p:spPr>
         <p:txBody>
-          <a:bodyPr anchorCtr="0" anchor="t" bIns="91425" lIns="91425" spcFirstLastPara="1" rIns="91425" wrap="square" tIns="91425">
+          <a:bodyPr spcFirstLastPara="1" wrap="square" lIns="91425" tIns="91425" rIns="91425" bIns="91425" anchor="t" anchorCtr="0">
             <a:noAutofit/>
           </a:bodyPr>
           <a:lstStyle/>
           <a:p>
-            <a:pPr indent="0" lvl="0" marL="0" rtl="0" algn="l">
-              <a:spcBef>
-                <a:spcPts val="0"/>
-              </a:spcBef>
-              <a:spcAft>
-                <a:spcPts val="0"/>
-              </a:spcAft>
-              <a:buNone/>
-            </a:pPr>
-            <a:r>
-              <a:t/>
-            </a:r>
+            <a:pPr marL="0" lvl="0" indent="0" algn="l" rtl="0">
+              <a:spcBef>
+                <a:spcPts val="0"/>
+              </a:spcBef>
+              <a:spcAft>
+                <a:spcPts val="0"/>
+              </a:spcAft>
+              <a:buNone/>
+            </a:pPr>
             <a:endParaRPr/>
           </a:p>
         </p:txBody>
@@ -1707,11 +1772,11 @@
 </file>
 
 <file path=ppt/notesSlides/notesSlide19.xml><?xml version="1.0" encoding="utf-8"?>
-<p:notes xmlns:a="http://schemas.openxmlformats.org/drawingml/2006/main" xmlns:r="http://schemas.openxmlformats.org/officeDocument/2006/relationships" xmlns:mc="http://schemas.openxmlformats.org/markup-compatibility/2006" xmlns:mv="urn:schemas-microsoft-com:mac:vml" xmlns:p="http://schemas.openxmlformats.org/presentationml/2006/main" xmlns:c="http://schemas.openxmlformats.org/drawingml/2006/chart" xmlns:dgm="http://schemas.openxmlformats.org/drawingml/2006/diagram" xmlns:o="urn:schemas-microsoft-com:office:office" xmlns:v="urn:schemas-microsoft-com:vml" xmlns:pvml="urn:schemas-microsoft-com:office:powerpoint" xmlns:com="http://schemas.openxmlformats.org/drawingml/2006/compatibility" xmlns:p14="http://schemas.microsoft.com/office/powerpoint/2010/main" xmlns:p15="http://schemas.microsoft.com/office/powerpoint/2012/main" xmlns:ahyp="http://schemas.microsoft.com/office/drawing/2018/hyperlinkcolor" showMasterPhAnim="0" showMasterSp="0">
+<p:notes xmlns:a="http://schemas.openxmlformats.org/drawingml/2006/main" xmlns:r="http://schemas.openxmlformats.org/officeDocument/2006/relationships" xmlns:p="http://schemas.openxmlformats.org/presentationml/2006/main" showMasterSp="0" showMasterPhAnim="0">
   <p:cSld>
     <p:spTree>
       <p:nvGrpSpPr>
-        <p:cNvPr id="205" name="Shape 205"/>
+        <p:cNvPr id="1" name="Shape 205"/>
         <p:cNvGrpSpPr/>
         <p:nvPr/>
       </p:nvGrpSpPr>
@@ -1726,9 +1791,11 @@
       <p:sp>
         <p:nvSpPr>
           <p:cNvPr id="206" name="Google Shape;206;g201302a8efe_0_5:notes"/>
-          <p:cNvSpPr/>
+          <p:cNvSpPr>
+            <a:spLocks noGrp="1" noRot="1" noChangeAspect="1"/>
+          </p:cNvSpPr>
           <p:nvPr>
-            <p:ph idx="2" type="sldImg"/>
+            <p:ph type="sldImg" idx="2"/>
           </p:nvPr>
         </p:nvSpPr>
         <p:spPr>
@@ -1737,9 +1804,13 @@
             <a:ext cx="6096000" cy="3429000"/>
           </a:xfrm>
           <a:custGeom>
-            <a:rect b="b" l="l" r="r" t="t"/>
+            <a:avLst/>
+            <a:gdLst/>
+            <a:ahLst/>
+            <a:cxnLst/>
+            <a:rect l="l" t="t" r="r" b="b"/>
             <a:pathLst>
-              <a:path extrusionOk="0" h="120000" w="120000">
+              <a:path w="120000" h="120000" extrusionOk="0">
                 <a:moveTo>
                   <a:pt x="0" y="0"/>
                 </a:moveTo>
@@ -1761,9 +1832,11 @@
       <p:sp>
         <p:nvSpPr>
           <p:cNvPr id="207" name="Google Shape;207;g201302a8efe_0_5:notes"/>
-          <p:cNvSpPr txBox="1"/>
+          <p:cNvSpPr txBox="1">
+            <a:spLocks noGrp="1"/>
+          </p:cNvSpPr>
           <p:nvPr>
-            <p:ph idx="1" type="body"/>
+            <p:ph type="body" idx="1"/>
           </p:nvPr>
         </p:nvSpPr>
         <p:spPr>
@@ -1776,23 +1849,20 @@
           </a:prstGeom>
         </p:spPr>
         <p:txBody>
-          <a:bodyPr anchorCtr="0" anchor="t" bIns="91425" lIns="91425" spcFirstLastPara="1" rIns="91425" wrap="square" tIns="91425">
+          <a:bodyPr spcFirstLastPara="1" wrap="square" lIns="91425" tIns="91425" rIns="91425" bIns="91425" anchor="t" anchorCtr="0">
             <a:noAutofit/>
           </a:bodyPr>
           <a:lstStyle/>
           <a:p>
-            <a:pPr indent="0" lvl="0" marL="0" rtl="0" algn="l">
-              <a:spcBef>
-                <a:spcPts val="0"/>
-              </a:spcBef>
-              <a:spcAft>
-                <a:spcPts val="0"/>
-              </a:spcAft>
-              <a:buNone/>
-            </a:pPr>
-            <a:r>
-              <a:t/>
-            </a:r>
+            <a:pPr marL="0" lvl="0" indent="0" algn="l" rtl="0">
+              <a:spcBef>
+                <a:spcPts val="0"/>
+              </a:spcBef>
+              <a:spcAft>
+                <a:spcPts val="0"/>
+              </a:spcAft>
+              <a:buNone/>
+            </a:pPr>
             <a:endParaRPr/>
           </a:p>
         </p:txBody>
@@ -1806,11 +1876,11 @@
 </file>
 
 <file path=ppt/notesSlides/notesSlide2.xml><?xml version="1.0" encoding="utf-8"?>
-<p:notes xmlns:a="http://schemas.openxmlformats.org/drawingml/2006/main" xmlns:r="http://schemas.openxmlformats.org/officeDocument/2006/relationships" xmlns:mc="http://schemas.openxmlformats.org/markup-compatibility/2006" xmlns:mv="urn:schemas-microsoft-com:mac:vml" xmlns:p="http://schemas.openxmlformats.org/presentationml/2006/main" xmlns:c="http://schemas.openxmlformats.org/drawingml/2006/chart" xmlns:dgm="http://schemas.openxmlformats.org/drawingml/2006/diagram" xmlns:o="urn:schemas-microsoft-com:office:office" xmlns:v="urn:schemas-microsoft-com:vml" xmlns:pvml="urn:schemas-microsoft-com:office:powerpoint" xmlns:com="http://schemas.openxmlformats.org/drawingml/2006/compatibility" xmlns:p14="http://schemas.microsoft.com/office/powerpoint/2010/main" xmlns:p15="http://schemas.microsoft.com/office/powerpoint/2012/main" xmlns:ahyp="http://schemas.microsoft.com/office/drawing/2018/hyperlinkcolor" showMasterPhAnim="0" showMasterSp="0">
+<p:notes xmlns:a="http://schemas.openxmlformats.org/drawingml/2006/main" xmlns:r="http://schemas.openxmlformats.org/officeDocument/2006/relationships" xmlns:p="http://schemas.openxmlformats.org/presentationml/2006/main" showMasterSp="0" showMasterPhAnim="0">
   <p:cSld>
     <p:spTree>
       <p:nvGrpSpPr>
-        <p:cNvPr id="65" name="Shape 65"/>
+        <p:cNvPr id="1" name="Shape 65"/>
         <p:cNvGrpSpPr/>
         <p:nvPr/>
       </p:nvGrpSpPr>
@@ -1825,9 +1895,11 @@
       <p:sp>
         <p:nvSpPr>
           <p:cNvPr id="66" name="Google Shape;66;g1c2482a7c5e_0_491:notes"/>
-          <p:cNvSpPr/>
+          <p:cNvSpPr>
+            <a:spLocks noGrp="1" noRot="1" noChangeAspect="1"/>
+          </p:cNvSpPr>
           <p:nvPr>
-            <p:ph idx="2" type="sldImg"/>
+            <p:ph type="sldImg" idx="2"/>
           </p:nvPr>
         </p:nvSpPr>
         <p:spPr>
@@ -1836,9 +1908,13 @@
             <a:ext cx="6096000" cy="3429000"/>
           </a:xfrm>
           <a:custGeom>
-            <a:rect b="b" l="l" r="r" t="t"/>
+            <a:avLst/>
+            <a:gdLst/>
+            <a:ahLst/>
+            <a:cxnLst/>
+            <a:rect l="l" t="t" r="r" b="b"/>
             <a:pathLst>
-              <a:path extrusionOk="0" h="120000" w="120000">
+              <a:path w="120000" h="120000" extrusionOk="0">
                 <a:moveTo>
                   <a:pt x="0" y="0"/>
                 </a:moveTo>
@@ -1860,9 +1936,11 @@
       <p:sp>
         <p:nvSpPr>
           <p:cNvPr id="67" name="Google Shape;67;g1c2482a7c5e_0_491:notes"/>
-          <p:cNvSpPr txBox="1"/>
+          <p:cNvSpPr txBox="1">
+            <a:spLocks noGrp="1"/>
+          </p:cNvSpPr>
           <p:nvPr>
-            <p:ph idx="1" type="body"/>
+            <p:ph type="body" idx="1"/>
           </p:nvPr>
         </p:nvSpPr>
         <p:spPr>
@@ -1875,23 +1953,20 @@
           </a:prstGeom>
         </p:spPr>
         <p:txBody>
-          <a:bodyPr anchorCtr="0" anchor="t" bIns="91425" lIns="91425" spcFirstLastPara="1" rIns="91425" wrap="square" tIns="91425">
+          <a:bodyPr spcFirstLastPara="1" wrap="square" lIns="91425" tIns="91425" rIns="91425" bIns="91425" anchor="t" anchorCtr="0">
             <a:noAutofit/>
           </a:bodyPr>
           <a:lstStyle/>
           <a:p>
-            <a:pPr indent="0" lvl="0" marL="0" rtl="0" algn="l">
-              <a:spcBef>
-                <a:spcPts val="0"/>
-              </a:spcBef>
-              <a:spcAft>
-                <a:spcPts val="0"/>
-              </a:spcAft>
-              <a:buNone/>
-            </a:pPr>
-            <a:r>
-              <a:t/>
-            </a:r>
+            <a:pPr marL="0" lvl="0" indent="0" algn="l" rtl="0">
+              <a:spcBef>
+                <a:spcPts val="0"/>
+              </a:spcBef>
+              <a:spcAft>
+                <a:spcPts val="0"/>
+              </a:spcAft>
+              <a:buNone/>
+            </a:pPr>
             <a:endParaRPr/>
           </a:p>
         </p:txBody>
@@ -1905,11 +1980,11 @@
 </file>
 
 <file path=ppt/notesSlides/notesSlide20.xml><?xml version="1.0" encoding="utf-8"?>
-<p:notes xmlns:a="http://schemas.openxmlformats.org/drawingml/2006/main" xmlns:r="http://schemas.openxmlformats.org/officeDocument/2006/relationships" xmlns:mc="http://schemas.openxmlformats.org/markup-compatibility/2006" xmlns:mv="urn:schemas-microsoft-com:mac:vml" xmlns:p="http://schemas.openxmlformats.org/presentationml/2006/main" xmlns:c="http://schemas.openxmlformats.org/drawingml/2006/chart" xmlns:dgm="http://schemas.openxmlformats.org/drawingml/2006/diagram" xmlns:o="urn:schemas-microsoft-com:office:office" xmlns:v="urn:schemas-microsoft-com:vml" xmlns:pvml="urn:schemas-microsoft-com:office:powerpoint" xmlns:com="http://schemas.openxmlformats.org/drawingml/2006/compatibility" xmlns:p14="http://schemas.microsoft.com/office/powerpoint/2010/main" xmlns:p15="http://schemas.microsoft.com/office/powerpoint/2012/main" xmlns:ahyp="http://schemas.microsoft.com/office/drawing/2018/hyperlinkcolor" showMasterPhAnim="0" showMasterSp="0">
+<p:notes xmlns:a="http://schemas.openxmlformats.org/drawingml/2006/main" xmlns:r="http://schemas.openxmlformats.org/officeDocument/2006/relationships" xmlns:p="http://schemas.openxmlformats.org/presentationml/2006/main" showMasterSp="0" showMasterPhAnim="0">
   <p:cSld>
     <p:spTree>
       <p:nvGrpSpPr>
-        <p:cNvPr id="211" name="Shape 211"/>
+        <p:cNvPr id="1" name="Shape 211"/>
         <p:cNvGrpSpPr/>
         <p:nvPr/>
       </p:nvGrpSpPr>
@@ -1924,9 +1999,11 @@
       <p:sp>
         <p:nvSpPr>
           <p:cNvPr id="212" name="Google Shape;212;g201302a8efe_0_14:notes"/>
-          <p:cNvSpPr/>
+          <p:cNvSpPr>
+            <a:spLocks noGrp="1" noRot="1" noChangeAspect="1"/>
+          </p:cNvSpPr>
           <p:nvPr>
-            <p:ph idx="2" type="sldImg"/>
+            <p:ph type="sldImg" idx="2"/>
           </p:nvPr>
         </p:nvSpPr>
         <p:spPr>
@@ -1935,9 +2012,13 @@
             <a:ext cx="6096000" cy="3429000"/>
           </a:xfrm>
           <a:custGeom>
-            <a:rect b="b" l="l" r="r" t="t"/>
+            <a:avLst/>
+            <a:gdLst/>
+            <a:ahLst/>
+            <a:cxnLst/>
+            <a:rect l="l" t="t" r="r" b="b"/>
             <a:pathLst>
-              <a:path extrusionOk="0" h="120000" w="120000">
+              <a:path w="120000" h="120000" extrusionOk="0">
                 <a:moveTo>
                   <a:pt x="0" y="0"/>
                 </a:moveTo>
@@ -1959,9 +2040,11 @@
       <p:sp>
         <p:nvSpPr>
           <p:cNvPr id="213" name="Google Shape;213;g201302a8efe_0_14:notes"/>
-          <p:cNvSpPr txBox="1"/>
+          <p:cNvSpPr txBox="1">
+            <a:spLocks noGrp="1"/>
+          </p:cNvSpPr>
           <p:nvPr>
-            <p:ph idx="1" type="body"/>
+            <p:ph type="body" idx="1"/>
           </p:nvPr>
         </p:nvSpPr>
         <p:spPr>
@@ -1974,23 +2057,20 @@
           </a:prstGeom>
         </p:spPr>
         <p:txBody>
-          <a:bodyPr anchorCtr="0" anchor="t" bIns="91425" lIns="91425" spcFirstLastPara="1" rIns="91425" wrap="square" tIns="91425">
+          <a:bodyPr spcFirstLastPara="1" wrap="square" lIns="91425" tIns="91425" rIns="91425" bIns="91425" anchor="t" anchorCtr="0">
             <a:noAutofit/>
           </a:bodyPr>
           <a:lstStyle/>
           <a:p>
-            <a:pPr indent="0" lvl="0" marL="0" rtl="0" algn="l">
-              <a:spcBef>
-                <a:spcPts val="0"/>
-              </a:spcBef>
-              <a:spcAft>
-                <a:spcPts val="0"/>
-              </a:spcAft>
-              <a:buNone/>
-            </a:pPr>
-            <a:r>
-              <a:t/>
-            </a:r>
+            <a:pPr marL="0" lvl="0" indent="0" algn="l" rtl="0">
+              <a:spcBef>
+                <a:spcPts val="0"/>
+              </a:spcBef>
+              <a:spcAft>
+                <a:spcPts val="0"/>
+              </a:spcAft>
+              <a:buNone/>
+            </a:pPr>
             <a:endParaRPr/>
           </a:p>
         </p:txBody>
@@ -2004,11 +2084,11 @@
 </file>
 
 <file path=ppt/notesSlides/notesSlide21.xml><?xml version="1.0" encoding="utf-8"?>
-<p:notes xmlns:a="http://schemas.openxmlformats.org/drawingml/2006/main" xmlns:r="http://schemas.openxmlformats.org/officeDocument/2006/relationships" xmlns:mc="http://schemas.openxmlformats.org/markup-compatibility/2006" xmlns:mv="urn:schemas-microsoft-com:mac:vml" xmlns:p="http://schemas.openxmlformats.org/presentationml/2006/main" xmlns:c="http://schemas.openxmlformats.org/drawingml/2006/chart" xmlns:dgm="http://schemas.openxmlformats.org/drawingml/2006/diagram" xmlns:o="urn:schemas-microsoft-com:office:office" xmlns:v="urn:schemas-microsoft-com:vml" xmlns:pvml="urn:schemas-microsoft-com:office:powerpoint" xmlns:com="http://schemas.openxmlformats.org/drawingml/2006/compatibility" xmlns:p14="http://schemas.microsoft.com/office/powerpoint/2010/main" xmlns:p15="http://schemas.microsoft.com/office/powerpoint/2012/main" xmlns:ahyp="http://schemas.microsoft.com/office/drawing/2018/hyperlinkcolor" showMasterPhAnim="0" showMasterSp="0">
+<p:notes xmlns:a="http://schemas.openxmlformats.org/drawingml/2006/main" xmlns:r="http://schemas.openxmlformats.org/officeDocument/2006/relationships" xmlns:p="http://schemas.openxmlformats.org/presentationml/2006/main" showMasterSp="0" showMasterPhAnim="0">
   <p:cSld>
     <p:spTree>
       <p:nvGrpSpPr>
-        <p:cNvPr id="219" name="Shape 219"/>
+        <p:cNvPr id="1" name="Shape 219"/>
         <p:cNvGrpSpPr/>
         <p:nvPr/>
       </p:nvGrpSpPr>
@@ -2023,9 +2103,11 @@
       <p:sp>
         <p:nvSpPr>
           <p:cNvPr id="220" name="Google Shape;220;g201302a8efe_0_27:notes"/>
-          <p:cNvSpPr/>
+          <p:cNvSpPr>
+            <a:spLocks noGrp="1" noRot="1" noChangeAspect="1"/>
+          </p:cNvSpPr>
           <p:nvPr>
-            <p:ph idx="2" type="sldImg"/>
+            <p:ph type="sldImg" idx="2"/>
           </p:nvPr>
         </p:nvSpPr>
         <p:spPr>
@@ -2034,9 +2116,13 @@
             <a:ext cx="6096000" cy="3429000"/>
           </a:xfrm>
           <a:custGeom>
-            <a:rect b="b" l="l" r="r" t="t"/>
+            <a:avLst/>
+            <a:gdLst/>
+            <a:ahLst/>
+            <a:cxnLst/>
+            <a:rect l="l" t="t" r="r" b="b"/>
             <a:pathLst>
-              <a:path extrusionOk="0" h="120000" w="120000">
+              <a:path w="120000" h="120000" extrusionOk="0">
                 <a:moveTo>
                   <a:pt x="0" y="0"/>
                 </a:moveTo>
@@ -2058,9 +2144,11 @@
       <p:sp>
         <p:nvSpPr>
           <p:cNvPr id="221" name="Google Shape;221;g201302a8efe_0_27:notes"/>
-          <p:cNvSpPr txBox="1"/>
+          <p:cNvSpPr txBox="1">
+            <a:spLocks noGrp="1"/>
+          </p:cNvSpPr>
           <p:nvPr>
-            <p:ph idx="1" type="body"/>
+            <p:ph type="body" idx="1"/>
           </p:nvPr>
         </p:nvSpPr>
         <p:spPr>
@@ -2073,23 +2161,20 @@
           </a:prstGeom>
         </p:spPr>
         <p:txBody>
-          <a:bodyPr anchorCtr="0" anchor="t" bIns="91425" lIns="91425" spcFirstLastPara="1" rIns="91425" wrap="square" tIns="91425">
+          <a:bodyPr spcFirstLastPara="1" wrap="square" lIns="91425" tIns="91425" rIns="91425" bIns="91425" anchor="t" anchorCtr="0">
             <a:noAutofit/>
           </a:bodyPr>
           <a:lstStyle/>
           <a:p>
-            <a:pPr indent="0" lvl="0" marL="0" rtl="0" algn="l">
-              <a:spcBef>
-                <a:spcPts val="0"/>
-              </a:spcBef>
-              <a:spcAft>
-                <a:spcPts val="0"/>
-              </a:spcAft>
-              <a:buNone/>
-            </a:pPr>
-            <a:r>
-              <a:t/>
-            </a:r>
+            <a:pPr marL="0" lvl="0" indent="0" algn="l" rtl="0">
+              <a:spcBef>
+                <a:spcPts val="0"/>
+              </a:spcBef>
+              <a:spcAft>
+                <a:spcPts val="0"/>
+              </a:spcAft>
+              <a:buNone/>
+            </a:pPr>
             <a:endParaRPr/>
           </a:p>
         </p:txBody>
@@ -2103,11 +2188,11 @@
 </file>
 
 <file path=ppt/notesSlides/notesSlide22.xml><?xml version="1.0" encoding="utf-8"?>
-<p:notes xmlns:a="http://schemas.openxmlformats.org/drawingml/2006/main" xmlns:r="http://schemas.openxmlformats.org/officeDocument/2006/relationships" xmlns:mc="http://schemas.openxmlformats.org/markup-compatibility/2006" xmlns:mv="urn:schemas-microsoft-com:mac:vml" xmlns:p="http://schemas.openxmlformats.org/presentationml/2006/main" xmlns:c="http://schemas.openxmlformats.org/drawingml/2006/chart" xmlns:dgm="http://schemas.openxmlformats.org/drawingml/2006/diagram" xmlns:o="urn:schemas-microsoft-com:office:office" xmlns:v="urn:schemas-microsoft-com:vml" xmlns:pvml="urn:schemas-microsoft-com:office:powerpoint" xmlns:com="http://schemas.openxmlformats.org/drawingml/2006/compatibility" xmlns:p14="http://schemas.microsoft.com/office/powerpoint/2010/main" xmlns:p15="http://schemas.microsoft.com/office/powerpoint/2012/main" xmlns:ahyp="http://schemas.microsoft.com/office/drawing/2018/hyperlinkcolor" showMasterPhAnim="0" showMasterSp="0">
+<p:notes xmlns:a="http://schemas.openxmlformats.org/drawingml/2006/main" xmlns:r="http://schemas.openxmlformats.org/officeDocument/2006/relationships" xmlns:p="http://schemas.openxmlformats.org/presentationml/2006/main" showMasterSp="0" showMasterPhAnim="0">
   <p:cSld>
     <p:spTree>
       <p:nvGrpSpPr>
-        <p:cNvPr id="228" name="Shape 228"/>
+        <p:cNvPr id="1" name="Shape 228"/>
         <p:cNvGrpSpPr/>
         <p:nvPr/>
       </p:nvGrpSpPr>
@@ -2122,9 +2207,11 @@
       <p:sp>
         <p:nvSpPr>
           <p:cNvPr id="229" name="Google Shape;229;g201302a8efe_0_19:notes"/>
-          <p:cNvSpPr/>
+          <p:cNvSpPr>
+            <a:spLocks noGrp="1" noRot="1" noChangeAspect="1"/>
+          </p:cNvSpPr>
           <p:nvPr>
-            <p:ph idx="2" type="sldImg"/>
+            <p:ph type="sldImg" idx="2"/>
           </p:nvPr>
         </p:nvSpPr>
         <p:spPr>
@@ -2133,9 +2220,13 @@
             <a:ext cx="6096000" cy="3429000"/>
           </a:xfrm>
           <a:custGeom>
-            <a:rect b="b" l="l" r="r" t="t"/>
+            <a:avLst/>
+            <a:gdLst/>
+            <a:ahLst/>
+            <a:cxnLst/>
+            <a:rect l="l" t="t" r="r" b="b"/>
             <a:pathLst>
-              <a:path extrusionOk="0" h="120000" w="120000">
+              <a:path w="120000" h="120000" extrusionOk="0">
                 <a:moveTo>
                   <a:pt x="0" y="0"/>
                 </a:moveTo>
@@ -2157,9 +2248,11 @@
       <p:sp>
         <p:nvSpPr>
           <p:cNvPr id="230" name="Google Shape;230;g201302a8efe_0_19:notes"/>
-          <p:cNvSpPr txBox="1"/>
+          <p:cNvSpPr txBox="1">
+            <a:spLocks noGrp="1"/>
+          </p:cNvSpPr>
           <p:nvPr>
-            <p:ph idx="1" type="body"/>
+            <p:ph type="body" idx="1"/>
           </p:nvPr>
         </p:nvSpPr>
         <p:spPr>
@@ -2172,23 +2265,20 @@
           </a:prstGeom>
         </p:spPr>
         <p:txBody>
-          <a:bodyPr anchorCtr="0" anchor="t" bIns="91425" lIns="91425" spcFirstLastPara="1" rIns="91425" wrap="square" tIns="91425">
+          <a:bodyPr spcFirstLastPara="1" wrap="square" lIns="91425" tIns="91425" rIns="91425" bIns="91425" anchor="t" anchorCtr="0">
             <a:noAutofit/>
           </a:bodyPr>
           <a:lstStyle/>
           <a:p>
-            <a:pPr indent="0" lvl="0" marL="0" rtl="0" algn="l">
-              <a:spcBef>
-                <a:spcPts val="0"/>
-              </a:spcBef>
-              <a:spcAft>
-                <a:spcPts val="0"/>
-              </a:spcAft>
-              <a:buNone/>
-            </a:pPr>
-            <a:r>
-              <a:t/>
-            </a:r>
+            <a:pPr marL="0" lvl="0" indent="0" algn="l" rtl="0">
+              <a:spcBef>
+                <a:spcPts val="0"/>
+              </a:spcBef>
+              <a:spcAft>
+                <a:spcPts val="0"/>
+              </a:spcAft>
+              <a:buNone/>
+            </a:pPr>
             <a:endParaRPr/>
           </a:p>
         </p:txBody>
@@ -2202,11 +2292,11 @@
 </file>
 
 <file path=ppt/notesSlides/notesSlide3.xml><?xml version="1.0" encoding="utf-8"?>
-<p:notes xmlns:a="http://schemas.openxmlformats.org/drawingml/2006/main" xmlns:r="http://schemas.openxmlformats.org/officeDocument/2006/relationships" xmlns:mc="http://schemas.openxmlformats.org/markup-compatibility/2006" xmlns:mv="urn:schemas-microsoft-com:mac:vml" xmlns:p="http://schemas.openxmlformats.org/presentationml/2006/main" xmlns:c="http://schemas.openxmlformats.org/drawingml/2006/chart" xmlns:dgm="http://schemas.openxmlformats.org/drawingml/2006/diagram" xmlns:o="urn:schemas-microsoft-com:office:office" xmlns:v="urn:schemas-microsoft-com:vml" xmlns:pvml="urn:schemas-microsoft-com:office:powerpoint" xmlns:com="http://schemas.openxmlformats.org/drawingml/2006/compatibility" xmlns:p14="http://schemas.microsoft.com/office/powerpoint/2010/main" xmlns:p15="http://schemas.microsoft.com/office/powerpoint/2012/main" xmlns:ahyp="http://schemas.microsoft.com/office/drawing/2018/hyperlinkcolor" showMasterPhAnim="0" showMasterSp="0">
+<p:notes xmlns:a="http://schemas.openxmlformats.org/drawingml/2006/main" xmlns:r="http://schemas.openxmlformats.org/officeDocument/2006/relationships" xmlns:p="http://schemas.openxmlformats.org/presentationml/2006/main" showMasterSp="0" showMasterPhAnim="0">
   <p:cSld>
     <p:spTree>
       <p:nvGrpSpPr>
-        <p:cNvPr id="73" name="Shape 73"/>
+        <p:cNvPr id="1" name="Shape 73"/>
         <p:cNvGrpSpPr/>
         <p:nvPr/>
       </p:nvGrpSpPr>
@@ -2221,9 +2311,11 @@
       <p:sp>
         <p:nvSpPr>
           <p:cNvPr id="74" name="Google Shape;74;g1c2482a7c5e_0_537:notes"/>
-          <p:cNvSpPr/>
+          <p:cNvSpPr>
+            <a:spLocks noGrp="1" noRot="1" noChangeAspect="1"/>
+          </p:cNvSpPr>
           <p:nvPr>
-            <p:ph idx="2" type="sldImg"/>
+            <p:ph type="sldImg" idx="2"/>
           </p:nvPr>
         </p:nvSpPr>
         <p:spPr>
@@ -2232,9 +2324,13 @@
             <a:ext cx="6096000" cy="3429000"/>
           </a:xfrm>
           <a:custGeom>
-            <a:rect b="b" l="l" r="r" t="t"/>
+            <a:avLst/>
+            <a:gdLst/>
+            <a:ahLst/>
+            <a:cxnLst/>
+            <a:rect l="l" t="t" r="r" b="b"/>
             <a:pathLst>
-              <a:path extrusionOk="0" h="120000" w="120000">
+              <a:path w="120000" h="120000" extrusionOk="0">
                 <a:moveTo>
                   <a:pt x="0" y="0"/>
                 </a:moveTo>
@@ -2256,9 +2352,11 @@
       <p:sp>
         <p:nvSpPr>
           <p:cNvPr id="75" name="Google Shape;75;g1c2482a7c5e_0_537:notes"/>
-          <p:cNvSpPr txBox="1"/>
+          <p:cNvSpPr txBox="1">
+            <a:spLocks noGrp="1"/>
+          </p:cNvSpPr>
           <p:nvPr>
-            <p:ph idx="1" type="body"/>
+            <p:ph type="body" idx="1"/>
           </p:nvPr>
         </p:nvSpPr>
         <p:spPr>
@@ -2271,23 +2369,20 @@
           </a:prstGeom>
         </p:spPr>
         <p:txBody>
-          <a:bodyPr anchorCtr="0" anchor="t" bIns="91425" lIns="91425" spcFirstLastPara="1" rIns="91425" wrap="square" tIns="91425">
+          <a:bodyPr spcFirstLastPara="1" wrap="square" lIns="91425" tIns="91425" rIns="91425" bIns="91425" anchor="t" anchorCtr="0">
             <a:noAutofit/>
           </a:bodyPr>
           <a:lstStyle/>
           <a:p>
-            <a:pPr indent="0" lvl="0" marL="0" rtl="0" algn="l">
-              <a:spcBef>
-                <a:spcPts val="0"/>
-              </a:spcBef>
-              <a:spcAft>
-                <a:spcPts val="0"/>
-              </a:spcAft>
-              <a:buNone/>
-            </a:pPr>
-            <a:r>
-              <a:t/>
-            </a:r>
+            <a:pPr marL="0" lvl="0" indent="0" algn="l" rtl="0">
+              <a:spcBef>
+                <a:spcPts val="0"/>
+              </a:spcBef>
+              <a:spcAft>
+                <a:spcPts val="0"/>
+              </a:spcAft>
+              <a:buNone/>
+            </a:pPr>
             <a:endParaRPr/>
           </a:p>
         </p:txBody>
@@ -2301,11 +2396,11 @@
 </file>
 
 <file path=ppt/notesSlides/notesSlide4.xml><?xml version="1.0" encoding="utf-8"?>
-<p:notes xmlns:a="http://schemas.openxmlformats.org/drawingml/2006/main" xmlns:r="http://schemas.openxmlformats.org/officeDocument/2006/relationships" xmlns:mc="http://schemas.openxmlformats.org/markup-compatibility/2006" xmlns:mv="urn:schemas-microsoft-com:mac:vml" xmlns:p="http://schemas.openxmlformats.org/presentationml/2006/main" xmlns:c="http://schemas.openxmlformats.org/drawingml/2006/chart" xmlns:dgm="http://schemas.openxmlformats.org/drawingml/2006/diagram" xmlns:o="urn:schemas-microsoft-com:office:office" xmlns:v="urn:schemas-microsoft-com:vml" xmlns:pvml="urn:schemas-microsoft-com:office:powerpoint" xmlns:com="http://schemas.openxmlformats.org/drawingml/2006/compatibility" xmlns:p14="http://schemas.microsoft.com/office/powerpoint/2010/main" xmlns:p15="http://schemas.microsoft.com/office/powerpoint/2012/main" xmlns:ahyp="http://schemas.microsoft.com/office/drawing/2018/hyperlinkcolor" showMasterPhAnim="0" showMasterSp="0">
+<p:notes xmlns:a="http://schemas.openxmlformats.org/drawingml/2006/main" xmlns:r="http://schemas.openxmlformats.org/officeDocument/2006/relationships" xmlns:p="http://schemas.openxmlformats.org/presentationml/2006/main" showMasterSp="0" showMasterPhAnim="0">
   <p:cSld>
     <p:spTree>
       <p:nvGrpSpPr>
-        <p:cNvPr id="79" name="Shape 79"/>
+        <p:cNvPr id="1" name="Shape 79"/>
         <p:cNvGrpSpPr/>
         <p:nvPr/>
       </p:nvGrpSpPr>
@@ -2320,9 +2415,11 @@
       <p:sp>
         <p:nvSpPr>
           <p:cNvPr id="80" name="Google Shape;80;g1c2482a7c5e_0_543:notes"/>
-          <p:cNvSpPr/>
+          <p:cNvSpPr>
+            <a:spLocks noGrp="1" noRot="1" noChangeAspect="1"/>
+          </p:cNvSpPr>
           <p:nvPr>
-            <p:ph idx="2" type="sldImg"/>
+            <p:ph type="sldImg" idx="2"/>
           </p:nvPr>
         </p:nvSpPr>
         <p:spPr>
@@ -2331,9 +2428,13 @@
             <a:ext cx="6096000" cy="3429000"/>
           </a:xfrm>
           <a:custGeom>
-            <a:rect b="b" l="l" r="r" t="t"/>
+            <a:avLst/>
+            <a:gdLst/>
+            <a:ahLst/>
+            <a:cxnLst/>
+            <a:rect l="l" t="t" r="r" b="b"/>
             <a:pathLst>
-              <a:path extrusionOk="0" h="120000" w="120000">
+              <a:path w="120000" h="120000" extrusionOk="0">
                 <a:moveTo>
                   <a:pt x="0" y="0"/>
                 </a:moveTo>
@@ -2355,9 +2456,11 @@
       <p:sp>
         <p:nvSpPr>
           <p:cNvPr id="81" name="Google Shape;81;g1c2482a7c5e_0_543:notes"/>
-          <p:cNvSpPr txBox="1"/>
+          <p:cNvSpPr txBox="1">
+            <a:spLocks noGrp="1"/>
+          </p:cNvSpPr>
           <p:nvPr>
-            <p:ph idx="1" type="body"/>
+            <p:ph type="body" idx="1"/>
           </p:nvPr>
         </p:nvSpPr>
         <p:spPr>
@@ -2370,23 +2473,20 @@
           </a:prstGeom>
         </p:spPr>
         <p:txBody>
-          <a:bodyPr anchorCtr="0" anchor="t" bIns="91425" lIns="91425" spcFirstLastPara="1" rIns="91425" wrap="square" tIns="91425">
+          <a:bodyPr spcFirstLastPara="1" wrap="square" lIns="91425" tIns="91425" rIns="91425" bIns="91425" anchor="t" anchorCtr="0">
             <a:noAutofit/>
           </a:bodyPr>
           <a:lstStyle/>
           <a:p>
-            <a:pPr indent="0" lvl="0" marL="0" rtl="0" algn="l">
-              <a:spcBef>
-                <a:spcPts val="0"/>
-              </a:spcBef>
-              <a:spcAft>
-                <a:spcPts val="0"/>
-              </a:spcAft>
-              <a:buNone/>
-            </a:pPr>
-            <a:r>
-              <a:t/>
-            </a:r>
+            <a:pPr marL="0" lvl="0" indent="0" algn="l" rtl="0">
+              <a:spcBef>
+                <a:spcPts val="0"/>
+              </a:spcBef>
+              <a:spcAft>
+                <a:spcPts val="0"/>
+              </a:spcAft>
+              <a:buNone/>
+            </a:pPr>
             <a:endParaRPr/>
           </a:p>
         </p:txBody>
@@ -2400,11 +2500,11 @@
 </file>
 
 <file path=ppt/notesSlides/notesSlide5.xml><?xml version="1.0" encoding="utf-8"?>
-<p:notes xmlns:a="http://schemas.openxmlformats.org/drawingml/2006/main" xmlns:r="http://schemas.openxmlformats.org/officeDocument/2006/relationships" xmlns:mc="http://schemas.openxmlformats.org/markup-compatibility/2006" xmlns:mv="urn:schemas-microsoft-com:mac:vml" xmlns:p="http://schemas.openxmlformats.org/presentationml/2006/main" xmlns:c="http://schemas.openxmlformats.org/drawingml/2006/chart" xmlns:dgm="http://schemas.openxmlformats.org/drawingml/2006/diagram" xmlns:o="urn:schemas-microsoft-com:office:office" xmlns:v="urn:schemas-microsoft-com:vml" xmlns:pvml="urn:schemas-microsoft-com:office:powerpoint" xmlns:com="http://schemas.openxmlformats.org/drawingml/2006/compatibility" xmlns:p14="http://schemas.microsoft.com/office/powerpoint/2010/main" xmlns:p15="http://schemas.microsoft.com/office/powerpoint/2012/main" xmlns:ahyp="http://schemas.microsoft.com/office/drawing/2018/hyperlinkcolor" showMasterPhAnim="0" showMasterSp="0">
+<p:notes xmlns:a="http://schemas.openxmlformats.org/drawingml/2006/main" xmlns:r="http://schemas.openxmlformats.org/officeDocument/2006/relationships" xmlns:p="http://schemas.openxmlformats.org/presentationml/2006/main" showMasterSp="0" showMasterPhAnim="0">
   <p:cSld>
     <p:spTree>
       <p:nvGrpSpPr>
-        <p:cNvPr id="85" name="Shape 85"/>
+        <p:cNvPr id="1" name="Shape 85"/>
         <p:cNvGrpSpPr/>
         <p:nvPr/>
       </p:nvGrpSpPr>
@@ -2419,9 +2519,11 @@
       <p:sp>
         <p:nvSpPr>
           <p:cNvPr id="86" name="Google Shape;86;g1c2482a7c5e_0_557:notes"/>
-          <p:cNvSpPr/>
+          <p:cNvSpPr>
+            <a:spLocks noGrp="1" noRot="1" noChangeAspect="1"/>
+          </p:cNvSpPr>
           <p:nvPr>
-            <p:ph idx="2" type="sldImg"/>
+            <p:ph type="sldImg" idx="2"/>
           </p:nvPr>
         </p:nvSpPr>
         <p:spPr>
@@ -2430,9 +2532,13 @@
             <a:ext cx="6096000" cy="3429000"/>
           </a:xfrm>
           <a:custGeom>
-            <a:rect b="b" l="l" r="r" t="t"/>
+            <a:avLst/>
+            <a:gdLst/>
+            <a:ahLst/>
+            <a:cxnLst/>
+            <a:rect l="l" t="t" r="r" b="b"/>
             <a:pathLst>
-              <a:path extrusionOk="0" h="120000" w="120000">
+              <a:path w="120000" h="120000" extrusionOk="0">
                 <a:moveTo>
                   <a:pt x="0" y="0"/>
                 </a:moveTo>
@@ -2454,9 +2560,11 @@
       <p:sp>
         <p:nvSpPr>
           <p:cNvPr id="87" name="Google Shape;87;g1c2482a7c5e_0_557:notes"/>
-          <p:cNvSpPr txBox="1"/>
+          <p:cNvSpPr txBox="1">
+            <a:spLocks noGrp="1"/>
+          </p:cNvSpPr>
           <p:nvPr>
-            <p:ph idx="1" type="body"/>
+            <p:ph type="body" idx="1"/>
           </p:nvPr>
         </p:nvSpPr>
         <p:spPr>
@@ -2469,23 +2577,20 @@
           </a:prstGeom>
         </p:spPr>
         <p:txBody>
-          <a:bodyPr anchorCtr="0" anchor="t" bIns="91425" lIns="91425" spcFirstLastPara="1" rIns="91425" wrap="square" tIns="91425">
+          <a:bodyPr spcFirstLastPara="1" wrap="square" lIns="91425" tIns="91425" rIns="91425" bIns="91425" anchor="t" anchorCtr="0">
             <a:noAutofit/>
           </a:bodyPr>
           <a:lstStyle/>
           <a:p>
-            <a:pPr indent="0" lvl="0" marL="0" rtl="0" algn="l">
-              <a:spcBef>
-                <a:spcPts val="0"/>
-              </a:spcBef>
-              <a:spcAft>
-                <a:spcPts val="0"/>
-              </a:spcAft>
-              <a:buNone/>
-            </a:pPr>
-            <a:r>
-              <a:t/>
-            </a:r>
+            <a:pPr marL="0" lvl="0" indent="0" algn="l" rtl="0">
+              <a:spcBef>
+                <a:spcPts val="0"/>
+              </a:spcBef>
+              <a:spcAft>
+                <a:spcPts val="0"/>
+              </a:spcAft>
+              <a:buNone/>
+            </a:pPr>
             <a:endParaRPr/>
           </a:p>
         </p:txBody>
@@ -2499,11 +2604,11 @@
 </file>
 
 <file path=ppt/notesSlides/notesSlide6.xml><?xml version="1.0" encoding="utf-8"?>
-<p:notes xmlns:a="http://schemas.openxmlformats.org/drawingml/2006/main" xmlns:r="http://schemas.openxmlformats.org/officeDocument/2006/relationships" xmlns:mc="http://schemas.openxmlformats.org/markup-compatibility/2006" xmlns:mv="urn:schemas-microsoft-com:mac:vml" xmlns:p="http://schemas.openxmlformats.org/presentationml/2006/main" xmlns:c="http://schemas.openxmlformats.org/drawingml/2006/chart" xmlns:dgm="http://schemas.openxmlformats.org/drawingml/2006/diagram" xmlns:o="urn:schemas-microsoft-com:office:office" xmlns:v="urn:schemas-microsoft-com:vml" xmlns:pvml="urn:schemas-microsoft-com:office:powerpoint" xmlns:com="http://schemas.openxmlformats.org/drawingml/2006/compatibility" xmlns:p14="http://schemas.microsoft.com/office/powerpoint/2010/main" xmlns:p15="http://schemas.microsoft.com/office/powerpoint/2012/main" xmlns:ahyp="http://schemas.microsoft.com/office/drawing/2018/hyperlinkcolor" showMasterPhAnim="0" showMasterSp="0">
+<p:notes xmlns:a="http://schemas.openxmlformats.org/drawingml/2006/main" xmlns:r="http://schemas.openxmlformats.org/officeDocument/2006/relationships" xmlns:p="http://schemas.openxmlformats.org/presentationml/2006/main" showMasterSp="0" showMasterPhAnim="0">
   <p:cSld>
     <p:spTree>
       <p:nvGrpSpPr>
-        <p:cNvPr id="91" name="Shape 91"/>
+        <p:cNvPr id="1" name="Shape 91"/>
         <p:cNvGrpSpPr/>
         <p:nvPr/>
       </p:nvGrpSpPr>
@@ -2518,9 +2623,11 @@
       <p:sp>
         <p:nvSpPr>
           <p:cNvPr id="92" name="Google Shape;92;g1c2482a7c5e_0_550:notes"/>
-          <p:cNvSpPr/>
+          <p:cNvSpPr>
+            <a:spLocks noGrp="1" noRot="1" noChangeAspect="1"/>
+          </p:cNvSpPr>
           <p:nvPr>
-            <p:ph idx="2" type="sldImg"/>
+            <p:ph type="sldImg" idx="2"/>
           </p:nvPr>
         </p:nvSpPr>
         <p:spPr>
@@ -2529,9 +2636,13 @@
             <a:ext cx="6096000" cy="3429000"/>
           </a:xfrm>
           <a:custGeom>
-            <a:rect b="b" l="l" r="r" t="t"/>
+            <a:avLst/>
+            <a:gdLst/>
+            <a:ahLst/>
+            <a:cxnLst/>
+            <a:rect l="l" t="t" r="r" b="b"/>
             <a:pathLst>
-              <a:path extrusionOk="0" h="120000" w="120000">
+              <a:path w="120000" h="120000" extrusionOk="0">
                 <a:moveTo>
                   <a:pt x="0" y="0"/>
                 </a:moveTo>
@@ -2553,9 +2664,11 @@
       <p:sp>
         <p:nvSpPr>
           <p:cNvPr id="93" name="Google Shape;93;g1c2482a7c5e_0_550:notes"/>
-          <p:cNvSpPr txBox="1"/>
+          <p:cNvSpPr txBox="1">
+            <a:spLocks noGrp="1"/>
+          </p:cNvSpPr>
           <p:nvPr>
-            <p:ph idx="1" type="body"/>
+            <p:ph type="body" idx="1"/>
           </p:nvPr>
         </p:nvSpPr>
         <p:spPr>
@@ -2568,23 +2681,20 @@
           </a:prstGeom>
         </p:spPr>
         <p:txBody>
-          <a:bodyPr anchorCtr="0" anchor="t" bIns="91425" lIns="91425" spcFirstLastPara="1" rIns="91425" wrap="square" tIns="91425">
+          <a:bodyPr spcFirstLastPara="1" wrap="square" lIns="91425" tIns="91425" rIns="91425" bIns="91425" anchor="t" anchorCtr="0">
             <a:noAutofit/>
           </a:bodyPr>
           <a:lstStyle/>
           <a:p>
-            <a:pPr indent="0" lvl="0" marL="0" rtl="0" algn="l">
-              <a:spcBef>
-                <a:spcPts val="0"/>
-              </a:spcBef>
-              <a:spcAft>
-                <a:spcPts val="0"/>
-              </a:spcAft>
-              <a:buNone/>
-            </a:pPr>
-            <a:r>
-              <a:t/>
-            </a:r>
+            <a:pPr marL="0" lvl="0" indent="0" algn="l" rtl="0">
+              <a:spcBef>
+                <a:spcPts val="0"/>
+              </a:spcBef>
+              <a:spcAft>
+                <a:spcPts val="0"/>
+              </a:spcAft>
+              <a:buNone/>
+            </a:pPr>
             <a:endParaRPr/>
           </a:p>
         </p:txBody>
@@ -2598,11 +2708,11 @@
 </file>
 
 <file path=ppt/notesSlides/notesSlide7.xml><?xml version="1.0" encoding="utf-8"?>
-<p:notes xmlns:a="http://schemas.openxmlformats.org/drawingml/2006/main" xmlns:r="http://schemas.openxmlformats.org/officeDocument/2006/relationships" xmlns:mc="http://schemas.openxmlformats.org/markup-compatibility/2006" xmlns:mv="urn:schemas-microsoft-com:mac:vml" xmlns:p="http://schemas.openxmlformats.org/presentationml/2006/main" xmlns:c="http://schemas.openxmlformats.org/drawingml/2006/chart" xmlns:dgm="http://schemas.openxmlformats.org/drawingml/2006/diagram" xmlns:o="urn:schemas-microsoft-com:office:office" xmlns:v="urn:schemas-microsoft-com:vml" xmlns:pvml="urn:schemas-microsoft-com:office:powerpoint" xmlns:com="http://schemas.openxmlformats.org/drawingml/2006/compatibility" xmlns:p14="http://schemas.microsoft.com/office/powerpoint/2010/main" xmlns:p15="http://schemas.microsoft.com/office/powerpoint/2012/main" xmlns:ahyp="http://schemas.microsoft.com/office/drawing/2018/hyperlinkcolor" showMasterPhAnim="0" showMasterSp="0">
+<p:notes xmlns:a="http://schemas.openxmlformats.org/drawingml/2006/main" xmlns:r="http://schemas.openxmlformats.org/officeDocument/2006/relationships" xmlns:p="http://schemas.openxmlformats.org/presentationml/2006/main" showMasterSp="0" showMasterPhAnim="0">
   <p:cSld>
     <p:spTree>
       <p:nvGrpSpPr>
-        <p:cNvPr id="97" name="Shape 97"/>
+        <p:cNvPr id="1" name="Shape 97"/>
         <p:cNvGrpSpPr/>
         <p:nvPr/>
       </p:nvGrpSpPr>
@@ -2617,9 +2727,11 @@
       <p:sp>
         <p:nvSpPr>
           <p:cNvPr id="98" name="Google Shape;98;g31e763c3154_0_0:notes"/>
-          <p:cNvSpPr/>
+          <p:cNvSpPr>
+            <a:spLocks noGrp="1" noRot="1" noChangeAspect="1"/>
+          </p:cNvSpPr>
           <p:nvPr>
-            <p:ph idx="2" type="sldImg"/>
+            <p:ph type="sldImg" idx="2"/>
           </p:nvPr>
         </p:nvSpPr>
         <p:spPr>
@@ -2628,9 +2740,13 @@
             <a:ext cx="6096000" cy="3429000"/>
           </a:xfrm>
           <a:custGeom>
-            <a:rect b="b" l="l" r="r" t="t"/>
+            <a:avLst/>
+            <a:gdLst/>
+            <a:ahLst/>
+            <a:cxnLst/>
+            <a:rect l="l" t="t" r="r" b="b"/>
             <a:pathLst>
-              <a:path extrusionOk="0" h="120000" w="120000">
+              <a:path w="120000" h="120000" extrusionOk="0">
                 <a:moveTo>
                   <a:pt x="0" y="0"/>
                 </a:moveTo>
@@ -2652,9 +2768,11 @@
       <p:sp>
         <p:nvSpPr>
           <p:cNvPr id="99" name="Google Shape;99;g31e763c3154_0_0:notes"/>
-          <p:cNvSpPr txBox="1"/>
+          <p:cNvSpPr txBox="1">
+            <a:spLocks noGrp="1"/>
+          </p:cNvSpPr>
           <p:nvPr>
-            <p:ph idx="1" type="body"/>
+            <p:ph type="body" idx="1"/>
           </p:nvPr>
         </p:nvSpPr>
         <p:spPr>
@@ -2667,23 +2785,20 @@
           </a:prstGeom>
         </p:spPr>
         <p:txBody>
-          <a:bodyPr anchorCtr="0" anchor="t" bIns="91425" lIns="91425" spcFirstLastPara="1" rIns="91425" wrap="square" tIns="91425">
+          <a:bodyPr spcFirstLastPara="1" wrap="square" lIns="91425" tIns="91425" rIns="91425" bIns="91425" anchor="t" anchorCtr="0">
             <a:noAutofit/>
           </a:bodyPr>
           <a:lstStyle/>
           <a:p>
-            <a:pPr indent="0" lvl="0" marL="0" rtl="0" algn="l">
-              <a:spcBef>
-                <a:spcPts val="0"/>
-              </a:spcBef>
-              <a:spcAft>
-                <a:spcPts val="0"/>
-              </a:spcAft>
-              <a:buNone/>
-            </a:pPr>
-            <a:r>
-              <a:t/>
-            </a:r>
+            <a:pPr marL="0" lvl="0" indent="0" algn="l" rtl="0">
+              <a:spcBef>
+                <a:spcPts val="0"/>
+              </a:spcBef>
+              <a:spcAft>
+                <a:spcPts val="0"/>
+              </a:spcAft>
+              <a:buNone/>
+            </a:pPr>
             <a:endParaRPr/>
           </a:p>
         </p:txBody>
@@ -2697,11 +2812,11 @@
 </file>
 
 <file path=ppt/notesSlides/notesSlide8.xml><?xml version="1.0" encoding="utf-8"?>
-<p:notes xmlns:a="http://schemas.openxmlformats.org/drawingml/2006/main" xmlns:r="http://schemas.openxmlformats.org/officeDocument/2006/relationships" xmlns:mc="http://schemas.openxmlformats.org/markup-compatibility/2006" xmlns:mv="urn:schemas-microsoft-com:mac:vml" xmlns:p="http://schemas.openxmlformats.org/presentationml/2006/main" xmlns:c="http://schemas.openxmlformats.org/drawingml/2006/chart" xmlns:dgm="http://schemas.openxmlformats.org/drawingml/2006/diagram" xmlns:o="urn:schemas-microsoft-com:office:office" xmlns:v="urn:schemas-microsoft-com:vml" xmlns:pvml="urn:schemas-microsoft-com:office:powerpoint" xmlns:com="http://schemas.openxmlformats.org/drawingml/2006/compatibility" xmlns:p14="http://schemas.microsoft.com/office/powerpoint/2010/main" xmlns:p15="http://schemas.microsoft.com/office/powerpoint/2012/main" xmlns:ahyp="http://schemas.microsoft.com/office/drawing/2018/hyperlinkcolor" showMasterPhAnim="0" showMasterSp="0">
+<p:notes xmlns:a="http://schemas.openxmlformats.org/drawingml/2006/main" xmlns:r="http://schemas.openxmlformats.org/officeDocument/2006/relationships" xmlns:p="http://schemas.openxmlformats.org/presentationml/2006/main" showMasterSp="0" showMasterPhAnim="0">
   <p:cSld>
     <p:spTree>
       <p:nvGrpSpPr>
-        <p:cNvPr id="103" name="Shape 103"/>
+        <p:cNvPr id="1" name="Shape 103"/>
         <p:cNvGrpSpPr/>
         <p:nvPr/>
       </p:nvGrpSpPr>
@@ -2716,9 +2831,11 @@
       <p:sp>
         <p:nvSpPr>
           <p:cNvPr id="104" name="Google Shape;104;g1c2482a7c5e_0_528:notes"/>
-          <p:cNvSpPr/>
+          <p:cNvSpPr>
+            <a:spLocks noGrp="1" noRot="1" noChangeAspect="1"/>
+          </p:cNvSpPr>
           <p:nvPr>
-            <p:ph idx="2" type="sldImg"/>
+            <p:ph type="sldImg" idx="2"/>
           </p:nvPr>
         </p:nvSpPr>
         <p:spPr>
@@ -2727,9 +2844,13 @@
             <a:ext cx="6096000" cy="3429000"/>
           </a:xfrm>
           <a:custGeom>
-            <a:rect b="b" l="l" r="r" t="t"/>
+            <a:avLst/>
+            <a:gdLst/>
+            <a:ahLst/>
+            <a:cxnLst/>
+            <a:rect l="l" t="t" r="r" b="b"/>
             <a:pathLst>
-              <a:path extrusionOk="0" h="120000" w="120000">
+              <a:path w="120000" h="120000" extrusionOk="0">
                 <a:moveTo>
                   <a:pt x="0" y="0"/>
                 </a:moveTo>
@@ -2751,9 +2872,11 @@
       <p:sp>
         <p:nvSpPr>
           <p:cNvPr id="105" name="Google Shape;105;g1c2482a7c5e_0_528:notes"/>
-          <p:cNvSpPr txBox="1"/>
+          <p:cNvSpPr txBox="1">
+            <a:spLocks noGrp="1"/>
+          </p:cNvSpPr>
           <p:nvPr>
-            <p:ph idx="1" type="body"/>
+            <p:ph type="body" idx="1"/>
           </p:nvPr>
         </p:nvSpPr>
         <p:spPr>
@@ -2766,23 +2889,20 @@
           </a:prstGeom>
         </p:spPr>
         <p:txBody>
-          <a:bodyPr anchorCtr="0" anchor="t" bIns="91425" lIns="91425" spcFirstLastPara="1" rIns="91425" wrap="square" tIns="91425">
+          <a:bodyPr spcFirstLastPara="1" wrap="square" lIns="91425" tIns="91425" rIns="91425" bIns="91425" anchor="t" anchorCtr="0">
             <a:noAutofit/>
           </a:bodyPr>
           <a:lstStyle/>
           <a:p>
-            <a:pPr indent="0" lvl="0" marL="0" rtl="0" algn="l">
-              <a:spcBef>
-                <a:spcPts val="0"/>
-              </a:spcBef>
-              <a:spcAft>
-                <a:spcPts val="0"/>
-              </a:spcAft>
-              <a:buNone/>
-            </a:pPr>
-            <a:r>
-              <a:t/>
-            </a:r>
+            <a:pPr marL="0" lvl="0" indent="0" algn="l" rtl="0">
+              <a:spcBef>
+                <a:spcPts val="0"/>
+              </a:spcBef>
+              <a:spcAft>
+                <a:spcPts val="0"/>
+              </a:spcAft>
+              <a:buNone/>
+            </a:pPr>
             <a:endParaRPr/>
           </a:p>
         </p:txBody>
@@ -2796,11 +2916,11 @@
 </file>
 
 <file path=ppt/notesSlides/notesSlide9.xml><?xml version="1.0" encoding="utf-8"?>
-<p:notes xmlns:a="http://schemas.openxmlformats.org/drawingml/2006/main" xmlns:r="http://schemas.openxmlformats.org/officeDocument/2006/relationships" xmlns:mc="http://schemas.openxmlformats.org/markup-compatibility/2006" xmlns:mv="urn:schemas-microsoft-com:mac:vml" xmlns:p="http://schemas.openxmlformats.org/presentationml/2006/main" xmlns:c="http://schemas.openxmlformats.org/drawingml/2006/chart" xmlns:dgm="http://schemas.openxmlformats.org/drawingml/2006/diagram" xmlns:o="urn:schemas-microsoft-com:office:office" xmlns:v="urn:schemas-microsoft-com:vml" xmlns:pvml="urn:schemas-microsoft-com:office:powerpoint" xmlns:com="http://schemas.openxmlformats.org/drawingml/2006/compatibility" xmlns:p14="http://schemas.microsoft.com/office/powerpoint/2010/main" xmlns:p15="http://schemas.microsoft.com/office/powerpoint/2012/main" xmlns:ahyp="http://schemas.microsoft.com/office/drawing/2018/hyperlinkcolor" showMasterPhAnim="0" showMasterSp="0">
+<p:notes xmlns:a="http://schemas.openxmlformats.org/drawingml/2006/main" xmlns:r="http://schemas.openxmlformats.org/officeDocument/2006/relationships" xmlns:p="http://schemas.openxmlformats.org/presentationml/2006/main" showMasterSp="0" showMasterPhAnim="0">
   <p:cSld>
     <p:spTree>
       <p:nvGrpSpPr>
-        <p:cNvPr id="109" name="Shape 109"/>
+        <p:cNvPr id="1" name="Shape 109"/>
         <p:cNvGrpSpPr/>
         <p:nvPr/>
       </p:nvGrpSpPr>
@@ -2815,9 +2935,11 @@
       <p:sp>
         <p:nvSpPr>
           <p:cNvPr id="110" name="Google Shape;110;g201302a8efe_0_463:notes"/>
-          <p:cNvSpPr/>
+          <p:cNvSpPr>
+            <a:spLocks noGrp="1" noRot="1" noChangeAspect="1"/>
+          </p:cNvSpPr>
           <p:nvPr>
-            <p:ph idx="2" type="sldImg"/>
+            <p:ph type="sldImg" idx="2"/>
           </p:nvPr>
         </p:nvSpPr>
         <p:spPr>
@@ -2826,9 +2948,13 @@
             <a:ext cx="6096000" cy="3429000"/>
           </a:xfrm>
           <a:custGeom>
-            <a:rect b="b" l="l" r="r" t="t"/>
+            <a:avLst/>
+            <a:gdLst/>
+            <a:ahLst/>
+            <a:cxnLst/>
+            <a:rect l="l" t="t" r="r" b="b"/>
             <a:pathLst>
-              <a:path extrusionOk="0" h="120000" w="120000">
+              <a:path w="120000" h="120000" extrusionOk="0">
                 <a:moveTo>
                   <a:pt x="0" y="0"/>
                 </a:moveTo>
@@ -2850,9 +2976,11 @@
       <p:sp>
         <p:nvSpPr>
           <p:cNvPr id="111" name="Google Shape;111;g201302a8efe_0_463:notes"/>
-          <p:cNvSpPr txBox="1"/>
+          <p:cNvSpPr txBox="1">
+            <a:spLocks noGrp="1"/>
+          </p:cNvSpPr>
           <p:nvPr>
-            <p:ph idx="1" type="body"/>
+            <p:ph type="body" idx="1"/>
           </p:nvPr>
         </p:nvSpPr>
         <p:spPr>
@@ -2865,23 +2993,20 @@
           </a:prstGeom>
         </p:spPr>
         <p:txBody>
-          <a:bodyPr anchorCtr="0" anchor="t" bIns="91425" lIns="91425" spcFirstLastPara="1" rIns="91425" wrap="square" tIns="91425">
+          <a:bodyPr spcFirstLastPara="1" wrap="square" lIns="91425" tIns="91425" rIns="91425" bIns="91425" anchor="t" anchorCtr="0">
             <a:noAutofit/>
           </a:bodyPr>
           <a:lstStyle/>
           <a:p>
-            <a:pPr indent="0" lvl="0" marL="0" rtl="0" algn="l">
-              <a:spcBef>
-                <a:spcPts val="0"/>
-              </a:spcBef>
-              <a:spcAft>
-                <a:spcPts val="0"/>
-              </a:spcAft>
-              <a:buNone/>
-            </a:pPr>
-            <a:r>
-              <a:t/>
-            </a:r>
+            <a:pPr marL="0" lvl="0" indent="0" algn="l" rtl="0">
+              <a:spcBef>
+                <a:spcPts val="0"/>
+              </a:spcBef>
+              <a:spcAft>
+                <a:spcPts val="0"/>
+              </a:spcAft>
+              <a:buNone/>
+            </a:pPr>
             <a:endParaRPr/>
           </a:p>
         </p:txBody>
@@ -2895,11 +3020,11 @@
 </file>
 
 <file path=ppt/slideLayouts/slideLayout1.xml><?xml version="1.0" encoding="utf-8"?>
-<p:sldLayout xmlns:a="http://schemas.openxmlformats.org/drawingml/2006/main" xmlns:r="http://schemas.openxmlformats.org/officeDocument/2006/relationships" xmlns:mc="http://schemas.openxmlformats.org/markup-compatibility/2006" xmlns:mv="urn:schemas-microsoft-com:mac:vml" xmlns:p="http://schemas.openxmlformats.org/presentationml/2006/main" xmlns:c="http://schemas.openxmlformats.org/drawingml/2006/chart" xmlns:dgm="http://schemas.openxmlformats.org/drawingml/2006/diagram" xmlns:o="urn:schemas-microsoft-com:office:office" xmlns:v="urn:schemas-microsoft-com:vml" xmlns:pvml="urn:schemas-microsoft-com:office:powerpoint" xmlns:com="http://schemas.openxmlformats.org/drawingml/2006/compatibility" xmlns:p14="http://schemas.microsoft.com/office/powerpoint/2010/main" xmlns:p15="http://schemas.microsoft.com/office/powerpoint/2012/main" xmlns:ahyp="http://schemas.microsoft.com/office/drawing/2018/hyperlinkcolor" matchingName="Title slide" type="title">
+<p:sldLayout xmlns:a="http://schemas.openxmlformats.org/drawingml/2006/main" xmlns:r="http://schemas.openxmlformats.org/officeDocument/2006/relationships" xmlns:p="http://schemas.openxmlformats.org/presentationml/2006/main" matchingName="Title slide" type="title">
   <p:cSld name="TITLE">
     <p:spTree>
       <p:nvGrpSpPr>
-        <p:cNvPr id="10" name="Shape 10"/>
+        <p:cNvPr id="1" name="Shape 10"/>
         <p:cNvGrpSpPr/>
         <p:nvPr/>
       </p:nvGrpSpPr>
@@ -2921,7 +3046,7 @@
           <a:blip r:embed="rId2">
             <a:alphaModFix/>
           </a:blip>
-          <a:srcRect b="22311" l="0" r="0" t="0"/>
+          <a:srcRect b="22311"/>
           <a:stretch/>
         </p:blipFill>
         <p:spPr>
@@ -2941,7 +3066,9 @@
       <p:sp>
         <p:nvSpPr>
           <p:cNvPr id="12" name="Google Shape;12;p2"/>
-          <p:cNvSpPr txBox="1"/>
+          <p:cNvSpPr txBox="1">
+            <a:spLocks noGrp="1"/>
+          </p:cNvSpPr>
           <p:nvPr>
             <p:ph type="ctrTitle"/>
           </p:nvPr>
@@ -2956,7 +3083,7 @@
           </a:prstGeom>
         </p:spPr>
         <p:txBody>
-          <a:bodyPr anchorCtr="0" anchor="b" bIns="91425" lIns="91425" spcFirstLastPara="1" rIns="91425" wrap="square" tIns="91425">
+          <a:bodyPr spcFirstLastPara="1" wrap="square" lIns="91425" tIns="91425" rIns="91425" bIns="91425" anchor="b" anchorCtr="0">
             <a:normAutofit/>
           </a:bodyPr>
           <a:lstStyle>
@@ -3123,15 +3250,19 @@
               </a:defRPr>
             </a:lvl9pPr>
           </a:lstStyle>
-          <a:p/>
+          <a:p>
+            <a:endParaRPr/>
+          </a:p>
         </p:txBody>
       </p:sp>
       <p:sp>
         <p:nvSpPr>
           <p:cNvPr id="13" name="Google Shape;13;p2"/>
-          <p:cNvSpPr txBox="1"/>
+          <p:cNvSpPr txBox="1">
+            <a:spLocks noGrp="1"/>
+          </p:cNvSpPr>
           <p:nvPr>
-            <p:ph idx="1" type="subTitle"/>
+            <p:ph type="subTitle" idx="1"/>
           </p:nvPr>
         </p:nvSpPr>
         <p:spPr>
@@ -3144,7 +3275,7 @@
           </a:prstGeom>
         </p:spPr>
         <p:txBody>
-          <a:bodyPr anchorCtr="0" anchor="t" bIns="91425" lIns="91425" spcFirstLastPara="1" rIns="91425" wrap="square" tIns="91425">
+          <a:bodyPr spcFirstLastPara="1" wrap="square" lIns="91425" tIns="91425" rIns="91425" bIns="91425" anchor="t" anchorCtr="0">
             <a:normAutofit/>
           </a:bodyPr>
           <a:lstStyle>
@@ -3282,15 +3413,19 @@
               <a:defRPr sz="2800"/>
             </a:lvl9pPr>
           </a:lstStyle>
-          <a:p/>
+          <a:p>
+            <a:endParaRPr/>
+          </a:p>
         </p:txBody>
       </p:sp>
       <p:sp>
         <p:nvSpPr>
           <p:cNvPr id="14" name="Google Shape;14;p2"/>
-          <p:cNvSpPr txBox="1"/>
+          <p:cNvSpPr txBox="1">
+            <a:spLocks noGrp="1"/>
+          </p:cNvSpPr>
           <p:nvPr>
-            <p:ph idx="12" type="sldNum"/>
+            <p:ph type="sldNum" idx="12"/>
           </p:nvPr>
         </p:nvSpPr>
         <p:spPr>
@@ -3303,7 +3438,7 @@
           </a:prstGeom>
         </p:spPr>
         <p:txBody>
-          <a:bodyPr anchorCtr="0" anchor="ctr" bIns="91425" lIns="91425" spcFirstLastPara="1" rIns="91425" wrap="square" tIns="91425">
+          <a:bodyPr spcFirstLastPara="1" wrap="square" lIns="91425" tIns="91425" rIns="91425" bIns="91425" anchor="ctr" anchorCtr="0">
             <a:normAutofit/>
           </a:bodyPr>
           <a:lstStyle>
@@ -3345,7 +3480,7 @@
             </a:lvl9pPr>
           </a:lstStyle>
           <a:p>
-            <a:pPr indent="0" lvl="0" marL="0" rtl="0" algn="r">
+            <a:pPr marL="0" lvl="0" indent="0" algn="r" rtl="0">
               <a:spcBef>
                 <a:spcPts val="0"/>
               </a:spcBef>
@@ -3421,9 +3556,11 @@
       <p:sp>
         <p:nvSpPr>
           <p:cNvPr id="17" name="Google Shape;17;p2"/>
-          <p:cNvSpPr txBox="1"/>
+          <p:cNvSpPr txBox="1">
+            <a:spLocks noGrp="1"/>
+          </p:cNvSpPr>
           <p:nvPr>
-            <p:ph idx="2" type="subTitle"/>
+            <p:ph type="subTitle" idx="2"/>
           </p:nvPr>
         </p:nvSpPr>
         <p:spPr>
@@ -3436,11 +3573,11 @@
           </a:prstGeom>
         </p:spPr>
         <p:txBody>
-          <a:bodyPr anchorCtr="0" anchor="t" bIns="91425" lIns="91425" spcFirstLastPara="1" rIns="91425" wrap="square" tIns="91425">
+          <a:bodyPr spcFirstLastPara="1" wrap="square" lIns="91425" tIns="91425" rIns="91425" bIns="91425" anchor="t" anchorCtr="0">
             <a:normAutofit/>
           </a:bodyPr>
           <a:lstStyle>
-            <a:lvl1pPr lvl="0" rtl="0" algn="ctr">
+            <a:lvl1pPr lvl="0" algn="ctr" rtl="0">
               <a:lnSpc>
                 <a:spcPct val="100000"/>
               </a:lnSpc>
@@ -3455,13 +3592,13 @@
               </a:buClr>
               <a:buSzPts val="2000"/>
               <a:buNone/>
-              <a:defRPr i="1" sz="2000">
+              <a:defRPr sz="2000" i="1">
                 <a:solidFill>
                   <a:schemeClr val="lt1"/>
                 </a:solidFill>
               </a:defRPr>
             </a:lvl1pPr>
-            <a:lvl2pPr lvl="1" rtl="0" algn="ctr">
+            <a:lvl2pPr lvl="1" algn="ctr" rtl="0">
               <a:lnSpc>
                 <a:spcPct val="100000"/>
               </a:lnSpc>
@@ -3475,7 +3612,7 @@
               <a:buNone/>
               <a:defRPr sz="2800"/>
             </a:lvl2pPr>
-            <a:lvl3pPr lvl="2" rtl="0" algn="ctr">
+            <a:lvl3pPr lvl="2" algn="ctr" rtl="0">
               <a:lnSpc>
                 <a:spcPct val="100000"/>
               </a:lnSpc>
@@ -3489,7 +3626,7 @@
               <a:buNone/>
               <a:defRPr sz="2800"/>
             </a:lvl3pPr>
-            <a:lvl4pPr lvl="3" rtl="0" algn="ctr">
+            <a:lvl4pPr lvl="3" algn="ctr" rtl="0">
               <a:lnSpc>
                 <a:spcPct val="100000"/>
               </a:lnSpc>
@@ -3503,7 +3640,7 @@
               <a:buNone/>
               <a:defRPr sz="2800"/>
             </a:lvl4pPr>
-            <a:lvl5pPr lvl="4" rtl="0" algn="ctr">
+            <a:lvl5pPr lvl="4" algn="ctr" rtl="0">
               <a:lnSpc>
                 <a:spcPct val="100000"/>
               </a:lnSpc>
@@ -3517,7 +3654,7 @@
               <a:buNone/>
               <a:defRPr sz="2800"/>
             </a:lvl5pPr>
-            <a:lvl6pPr lvl="5" rtl="0" algn="ctr">
+            <a:lvl6pPr lvl="5" algn="ctr" rtl="0">
               <a:lnSpc>
                 <a:spcPct val="100000"/>
               </a:lnSpc>
@@ -3531,7 +3668,7 @@
               <a:buNone/>
               <a:defRPr sz="2800"/>
             </a:lvl6pPr>
-            <a:lvl7pPr lvl="6" rtl="0" algn="ctr">
+            <a:lvl7pPr lvl="6" algn="ctr" rtl="0">
               <a:lnSpc>
                 <a:spcPct val="100000"/>
               </a:lnSpc>
@@ -3545,7 +3682,7 @@
               <a:buNone/>
               <a:defRPr sz="2800"/>
             </a:lvl7pPr>
-            <a:lvl8pPr lvl="7" rtl="0" algn="ctr">
+            <a:lvl8pPr lvl="7" algn="ctr" rtl="0">
               <a:lnSpc>
                 <a:spcPct val="100000"/>
               </a:lnSpc>
@@ -3559,7 +3696,7 @@
               <a:buNone/>
               <a:defRPr sz="2800"/>
             </a:lvl8pPr>
-            <a:lvl9pPr lvl="8" rtl="0" algn="ctr">
+            <a:lvl9pPr lvl="8" algn="ctr" rtl="0">
               <a:lnSpc>
                 <a:spcPct val="100000"/>
               </a:lnSpc>
@@ -3574,7 +3711,9 @@
               <a:defRPr sz="2800"/>
             </a:lvl9pPr>
           </a:lstStyle>
-          <a:p/>
+          <a:p>
+            <a:endParaRPr/>
+          </a:p>
         </p:txBody>
       </p:sp>
     </p:spTree>
@@ -3586,11 +3725,11 @@
 </file>
 
 <file path=ppt/slideLayouts/slideLayout10.xml><?xml version="1.0" encoding="utf-8"?>
-<p:sldLayout xmlns:a="http://schemas.openxmlformats.org/drawingml/2006/main" xmlns:r="http://schemas.openxmlformats.org/officeDocument/2006/relationships" xmlns:mc="http://schemas.openxmlformats.org/markup-compatibility/2006" xmlns:mv="urn:schemas-microsoft-com:mac:vml" xmlns:p="http://schemas.openxmlformats.org/presentationml/2006/main" xmlns:c="http://schemas.openxmlformats.org/drawingml/2006/chart" xmlns:dgm="http://schemas.openxmlformats.org/drawingml/2006/diagram" xmlns:o="urn:schemas-microsoft-com:office:office" xmlns:v="urn:schemas-microsoft-com:vml" xmlns:pvml="urn:schemas-microsoft-com:office:powerpoint" xmlns:com="http://schemas.openxmlformats.org/drawingml/2006/compatibility" xmlns:p14="http://schemas.microsoft.com/office/powerpoint/2010/main" xmlns:p15="http://schemas.microsoft.com/office/powerpoint/2012/main" xmlns:ahyp="http://schemas.microsoft.com/office/drawing/2018/hyperlinkcolor" matchingName="Big number">
+<p:sldLayout xmlns:a="http://schemas.openxmlformats.org/drawingml/2006/main" xmlns:r="http://schemas.openxmlformats.org/officeDocument/2006/relationships" xmlns:p="http://schemas.openxmlformats.org/presentationml/2006/main" matchingName="Big number">
   <p:cSld name="BIG_NUMBER">
     <p:spTree>
       <p:nvGrpSpPr>
-        <p:cNvPr id="52" name="Shape 52"/>
+        <p:cNvPr id="1" name="Shape 52"/>
         <p:cNvGrpSpPr/>
         <p:nvPr/>
       </p:nvGrpSpPr>
@@ -3605,9 +3744,11 @@
       <p:sp>
         <p:nvSpPr>
           <p:cNvPr id="53" name="Google Shape;53;p11"/>
-          <p:cNvSpPr txBox="1"/>
+          <p:cNvSpPr txBox="1">
+            <a:spLocks noGrp="1"/>
+          </p:cNvSpPr>
           <p:nvPr>
-            <p:ph hasCustomPrompt="1" type="title"/>
+            <p:ph type="title" hasCustomPrompt="1"/>
           </p:nvPr>
         </p:nvSpPr>
         <p:spPr>
@@ -3620,7 +3761,7 @@
           </a:prstGeom>
         </p:spPr>
         <p:txBody>
-          <a:bodyPr anchorCtr="0" anchor="b" bIns="91425" lIns="91425" spcFirstLastPara="1" rIns="91425" wrap="square" tIns="91425">
+          <a:bodyPr spcFirstLastPara="1" wrap="square" lIns="91425" tIns="91425" rIns="91425" bIns="91425" anchor="b" anchorCtr="0">
             <a:normAutofit/>
           </a:bodyPr>
           <a:lstStyle>
@@ -3734,9 +3875,11 @@
       <p:sp>
         <p:nvSpPr>
           <p:cNvPr id="54" name="Google Shape;54;p11"/>
-          <p:cNvSpPr txBox="1"/>
+          <p:cNvSpPr txBox="1">
+            <a:spLocks noGrp="1"/>
+          </p:cNvSpPr>
           <p:nvPr>
-            <p:ph idx="1" type="body"/>
+            <p:ph type="body" idx="1"/>
           </p:nvPr>
         </p:nvSpPr>
         <p:spPr>
@@ -3749,11 +3892,11 @@
           </a:prstGeom>
         </p:spPr>
         <p:txBody>
-          <a:bodyPr anchorCtr="0" anchor="t" bIns="91425" lIns="91425" spcFirstLastPara="1" rIns="91425" wrap="square" tIns="91425">
+          <a:bodyPr spcFirstLastPara="1" wrap="square" lIns="91425" tIns="91425" rIns="91425" bIns="91425" anchor="t" anchorCtr="0">
             <a:normAutofit/>
           </a:bodyPr>
           <a:lstStyle>
-            <a:lvl1pPr indent="-342900" lvl="0" marL="457200" algn="ctr">
+            <a:lvl1pPr marL="457200" lvl="0" indent="-342900" algn="ctr">
               <a:spcBef>
                 <a:spcPts val="0"/>
               </a:spcBef>
@@ -3764,7 +3907,7 @@
               <a:buChar char="●"/>
               <a:defRPr/>
             </a:lvl1pPr>
-            <a:lvl2pPr indent="-317500" lvl="1" marL="914400" algn="ctr">
+            <a:lvl2pPr marL="914400" lvl="1" indent="-317500" algn="ctr">
               <a:spcBef>
                 <a:spcPts val="0"/>
               </a:spcBef>
@@ -3775,7 +3918,7 @@
               <a:buChar char="○"/>
               <a:defRPr/>
             </a:lvl2pPr>
-            <a:lvl3pPr indent="-317500" lvl="2" marL="1371600" algn="ctr">
+            <a:lvl3pPr marL="1371600" lvl="2" indent="-317500" algn="ctr">
               <a:spcBef>
                 <a:spcPts val="0"/>
               </a:spcBef>
@@ -3786,7 +3929,7 @@
               <a:buChar char="■"/>
               <a:defRPr/>
             </a:lvl3pPr>
-            <a:lvl4pPr indent="-317500" lvl="3" marL="1828800" algn="ctr">
+            <a:lvl4pPr marL="1828800" lvl="3" indent="-317500" algn="ctr">
               <a:spcBef>
                 <a:spcPts val="0"/>
               </a:spcBef>
@@ -3797,7 +3940,7 @@
               <a:buChar char="●"/>
               <a:defRPr/>
             </a:lvl4pPr>
-            <a:lvl5pPr indent="-317500" lvl="4" marL="2286000" algn="ctr">
+            <a:lvl5pPr marL="2286000" lvl="4" indent="-317500" algn="ctr">
               <a:spcBef>
                 <a:spcPts val="0"/>
               </a:spcBef>
@@ -3808,7 +3951,7 @@
               <a:buChar char="○"/>
               <a:defRPr/>
             </a:lvl5pPr>
-            <a:lvl6pPr indent="-317500" lvl="5" marL="2743200" algn="ctr">
+            <a:lvl6pPr marL="2743200" lvl="5" indent="-317500" algn="ctr">
               <a:spcBef>
                 <a:spcPts val="0"/>
               </a:spcBef>
@@ -3819,7 +3962,7 @@
               <a:buChar char="■"/>
               <a:defRPr/>
             </a:lvl6pPr>
-            <a:lvl7pPr indent="-317500" lvl="6" marL="3200400" algn="ctr">
+            <a:lvl7pPr marL="3200400" lvl="6" indent="-317500" algn="ctr">
               <a:spcBef>
                 <a:spcPts val="0"/>
               </a:spcBef>
@@ -3830,7 +3973,7 @@
               <a:buChar char="●"/>
               <a:defRPr/>
             </a:lvl7pPr>
-            <a:lvl8pPr indent="-317500" lvl="7" marL="3657600" algn="ctr">
+            <a:lvl8pPr marL="3657600" lvl="7" indent="-317500" algn="ctr">
               <a:spcBef>
                 <a:spcPts val="0"/>
               </a:spcBef>
@@ -3841,7 +3984,7 @@
               <a:buChar char="○"/>
               <a:defRPr/>
             </a:lvl8pPr>
-            <a:lvl9pPr indent="-317500" lvl="8" marL="4114800" algn="ctr">
+            <a:lvl9pPr marL="4114800" lvl="8" indent="-317500" algn="ctr">
               <a:spcBef>
                 <a:spcPts val="0"/>
               </a:spcBef>
@@ -3853,15 +3996,19 @@
               <a:defRPr/>
             </a:lvl9pPr>
           </a:lstStyle>
-          <a:p/>
+          <a:p>
+            <a:endParaRPr/>
+          </a:p>
         </p:txBody>
       </p:sp>
       <p:sp>
         <p:nvSpPr>
           <p:cNvPr id="55" name="Google Shape;55;p11"/>
-          <p:cNvSpPr txBox="1"/>
+          <p:cNvSpPr txBox="1">
+            <a:spLocks noGrp="1"/>
+          </p:cNvSpPr>
           <p:nvPr>
-            <p:ph idx="12" type="sldNum"/>
+            <p:ph type="sldNum" idx="12"/>
           </p:nvPr>
         </p:nvSpPr>
         <p:spPr>
@@ -3874,7 +4021,7 @@
           </a:prstGeom>
         </p:spPr>
         <p:txBody>
-          <a:bodyPr anchorCtr="0" anchor="ctr" bIns="91425" lIns="91425" spcFirstLastPara="1" rIns="91425" wrap="square" tIns="91425">
+          <a:bodyPr spcFirstLastPara="1" wrap="square" lIns="91425" tIns="91425" rIns="91425" bIns="91425" anchor="ctr" anchorCtr="0">
             <a:normAutofit/>
           </a:bodyPr>
           <a:lstStyle>
@@ -3916,7 +4063,7 @@
             </a:lvl9pPr>
           </a:lstStyle>
           <a:p>
-            <a:pPr indent="0" lvl="0" marL="0" rtl="0" algn="r">
+            <a:pPr marL="0" lvl="0" indent="0" algn="r" rtl="0">
               <a:spcBef>
                 <a:spcPts val="0"/>
               </a:spcBef>
@@ -3942,11 +4089,11 @@
 </file>
 
 <file path=ppt/slideLayouts/slideLayout11.xml><?xml version="1.0" encoding="utf-8"?>
-<p:sldLayout xmlns:a="http://schemas.openxmlformats.org/drawingml/2006/main" xmlns:r="http://schemas.openxmlformats.org/officeDocument/2006/relationships" xmlns:mc="http://schemas.openxmlformats.org/markup-compatibility/2006" xmlns:mv="urn:schemas-microsoft-com:mac:vml" xmlns:p="http://schemas.openxmlformats.org/presentationml/2006/main" xmlns:c="http://schemas.openxmlformats.org/drawingml/2006/chart" xmlns:dgm="http://schemas.openxmlformats.org/drawingml/2006/diagram" xmlns:o="urn:schemas-microsoft-com:office:office" xmlns:v="urn:schemas-microsoft-com:vml" xmlns:pvml="urn:schemas-microsoft-com:office:powerpoint" xmlns:com="http://schemas.openxmlformats.org/drawingml/2006/compatibility" xmlns:p14="http://schemas.microsoft.com/office/powerpoint/2010/main" xmlns:p15="http://schemas.microsoft.com/office/powerpoint/2012/main" xmlns:ahyp="http://schemas.microsoft.com/office/drawing/2018/hyperlinkcolor" matchingName="Blank" type="blank">
+<p:sldLayout xmlns:a="http://schemas.openxmlformats.org/drawingml/2006/main" xmlns:r="http://schemas.openxmlformats.org/officeDocument/2006/relationships" xmlns:p="http://schemas.openxmlformats.org/presentationml/2006/main" matchingName="Blank" type="blank">
   <p:cSld name="BLANK">
     <p:spTree>
       <p:nvGrpSpPr>
-        <p:cNvPr id="56" name="Shape 56"/>
+        <p:cNvPr id="1" name="Shape 56"/>
         <p:cNvGrpSpPr/>
         <p:nvPr/>
       </p:nvGrpSpPr>
@@ -3961,9 +4108,11 @@
       <p:sp>
         <p:nvSpPr>
           <p:cNvPr id="57" name="Google Shape;57;p12"/>
-          <p:cNvSpPr txBox="1"/>
+          <p:cNvSpPr txBox="1">
+            <a:spLocks noGrp="1"/>
+          </p:cNvSpPr>
           <p:nvPr>
-            <p:ph idx="12" type="sldNum"/>
+            <p:ph type="sldNum" idx="12"/>
           </p:nvPr>
         </p:nvSpPr>
         <p:spPr>
@@ -3976,7 +4125,7 @@
           </a:prstGeom>
         </p:spPr>
         <p:txBody>
-          <a:bodyPr anchorCtr="0" anchor="ctr" bIns="91425" lIns="91425" spcFirstLastPara="1" rIns="91425" wrap="square" tIns="91425">
+          <a:bodyPr spcFirstLastPara="1" wrap="square" lIns="91425" tIns="91425" rIns="91425" bIns="91425" anchor="ctr" anchorCtr="0">
             <a:normAutofit/>
           </a:bodyPr>
           <a:lstStyle>
@@ -4018,7 +4167,7 @@
             </a:lvl9pPr>
           </a:lstStyle>
           <a:p>
-            <a:pPr indent="0" lvl="0" marL="0" rtl="0" algn="r">
+            <a:pPr marL="0" lvl="0" indent="0" algn="r" rtl="0">
               <a:spcBef>
                 <a:spcPts val="0"/>
               </a:spcBef>
@@ -4044,18 +4193,19 @@
 </file>
 
 <file path=ppt/slideLayouts/slideLayout2.xml><?xml version="1.0" encoding="utf-8"?>
-<p:sldLayout xmlns:a="http://schemas.openxmlformats.org/drawingml/2006/main" xmlns:r="http://schemas.openxmlformats.org/officeDocument/2006/relationships" xmlns:mc="http://schemas.openxmlformats.org/markup-compatibility/2006" xmlns:mv="urn:schemas-microsoft-com:mac:vml" xmlns:p="http://schemas.openxmlformats.org/presentationml/2006/main" xmlns:c="http://schemas.openxmlformats.org/drawingml/2006/chart" xmlns:dgm="http://schemas.openxmlformats.org/drawingml/2006/diagram" xmlns:o="urn:schemas-microsoft-com:office:office" xmlns:v="urn:schemas-microsoft-com:vml" xmlns:pvml="urn:schemas-microsoft-com:office:powerpoint" xmlns:com="http://schemas.openxmlformats.org/drawingml/2006/compatibility" xmlns:p14="http://schemas.microsoft.com/office/powerpoint/2010/main" xmlns:p15="http://schemas.microsoft.com/office/powerpoint/2012/main" xmlns:ahyp="http://schemas.microsoft.com/office/drawing/2018/hyperlinkcolor" matchingName="Section header" type="secHead">
+<p:sldLayout xmlns:a="http://schemas.openxmlformats.org/drawingml/2006/main" xmlns:r="http://schemas.openxmlformats.org/officeDocument/2006/relationships" xmlns:p="http://schemas.openxmlformats.org/presentationml/2006/main" matchingName="Section header" type="secHead">
   <p:cSld name="SECTION_HEADER">
     <p:bg>
       <p:bgPr>
         <a:solidFill>
           <a:schemeClr val="lt1"/>
         </a:solidFill>
+        <a:effectLst/>
       </p:bgPr>
     </p:bg>
     <p:spTree>
       <p:nvGrpSpPr>
-        <p:cNvPr id="18" name="Shape 18"/>
+        <p:cNvPr id="1" name="Shape 18"/>
         <p:cNvGrpSpPr/>
         <p:nvPr/>
       </p:nvGrpSpPr>
@@ -4077,7 +4227,7 @@
           <a:blip r:embed="rId2">
             <a:alphaModFix/>
           </a:blip>
-          <a:srcRect b="22311" l="0" r="0" t="0"/>
+          <a:srcRect b="22311"/>
           <a:stretch/>
         </p:blipFill>
         <p:spPr>
@@ -4097,7 +4247,9 @@
       <p:sp>
         <p:nvSpPr>
           <p:cNvPr id="20" name="Google Shape;20;p3"/>
-          <p:cNvSpPr txBox="1"/>
+          <p:cNvSpPr txBox="1">
+            <a:spLocks noGrp="1"/>
+          </p:cNvSpPr>
           <p:nvPr>
             <p:ph type="title"/>
           </p:nvPr>
@@ -4112,7 +4264,7 @@
           </a:prstGeom>
         </p:spPr>
         <p:txBody>
-          <a:bodyPr anchorCtr="0" anchor="ctr" bIns="91425" lIns="91425" spcFirstLastPara="1" rIns="91425" wrap="square" tIns="91425">
+          <a:bodyPr spcFirstLastPara="1" wrap="square" lIns="91425" tIns="91425" rIns="91425" bIns="91425" anchor="ctr" anchorCtr="0">
             <a:normAutofit/>
           </a:bodyPr>
           <a:lstStyle>
@@ -4128,7 +4280,7 @@
               </a:buClr>
               <a:buSzPts val="3600"/>
               <a:buNone/>
-              <a:defRPr b="1" sz="3600">
+              <a:defRPr sz="3600" b="1">
                 <a:solidFill>
                   <a:schemeClr val="lt1"/>
                 </a:solidFill>
@@ -4223,15 +4375,19 @@
               <a:defRPr sz="3600"/>
             </a:lvl9pPr>
           </a:lstStyle>
-          <a:p/>
+          <a:p>
+            <a:endParaRPr/>
+          </a:p>
         </p:txBody>
       </p:sp>
       <p:sp>
         <p:nvSpPr>
           <p:cNvPr id="21" name="Google Shape;21;p3"/>
-          <p:cNvSpPr txBox="1"/>
+          <p:cNvSpPr txBox="1">
+            <a:spLocks noGrp="1"/>
+          </p:cNvSpPr>
           <p:nvPr>
-            <p:ph idx="12" type="sldNum"/>
+            <p:ph type="sldNum" idx="12"/>
           </p:nvPr>
         </p:nvSpPr>
         <p:spPr>
@@ -4244,7 +4400,7 @@
           </a:prstGeom>
         </p:spPr>
         <p:txBody>
-          <a:bodyPr anchorCtr="0" anchor="ctr" bIns="91425" lIns="91425" spcFirstLastPara="1" rIns="91425" wrap="square" tIns="91425">
+          <a:bodyPr spcFirstLastPara="1" wrap="square" lIns="91425" tIns="91425" rIns="91425" bIns="91425" anchor="ctr" anchorCtr="0">
             <a:normAutofit/>
           </a:bodyPr>
           <a:lstStyle>
@@ -4286,7 +4442,7 @@
             </a:lvl9pPr>
           </a:lstStyle>
           <a:p>
-            <a:pPr indent="0" lvl="0" marL="0" rtl="0" algn="r">
+            <a:pPr marL="0" lvl="0" indent="0" algn="r" rtl="0">
               <a:spcBef>
                 <a:spcPts val="0"/>
               </a:spcBef>
@@ -4368,11 +4524,11 @@
 </file>
 
 <file path=ppt/slideLayouts/slideLayout3.xml><?xml version="1.0" encoding="utf-8"?>
-<p:sldLayout xmlns:a="http://schemas.openxmlformats.org/drawingml/2006/main" xmlns:r="http://schemas.openxmlformats.org/officeDocument/2006/relationships" xmlns:mc="http://schemas.openxmlformats.org/markup-compatibility/2006" xmlns:mv="urn:schemas-microsoft-com:mac:vml" xmlns:p="http://schemas.openxmlformats.org/presentationml/2006/main" xmlns:c="http://schemas.openxmlformats.org/drawingml/2006/chart" xmlns:dgm="http://schemas.openxmlformats.org/drawingml/2006/diagram" xmlns:o="urn:schemas-microsoft-com:office:office" xmlns:v="urn:schemas-microsoft-com:vml" xmlns:pvml="urn:schemas-microsoft-com:office:powerpoint" xmlns:com="http://schemas.openxmlformats.org/drawingml/2006/compatibility" xmlns:p14="http://schemas.microsoft.com/office/powerpoint/2010/main" xmlns:p15="http://schemas.microsoft.com/office/powerpoint/2012/main" xmlns:ahyp="http://schemas.microsoft.com/office/drawing/2018/hyperlinkcolor" matchingName="Title and body" type="tx">
+<p:sldLayout xmlns:a="http://schemas.openxmlformats.org/drawingml/2006/main" xmlns:r="http://schemas.openxmlformats.org/officeDocument/2006/relationships" xmlns:p="http://schemas.openxmlformats.org/presentationml/2006/main" matchingName="Title and body" type="tx">
   <p:cSld name="TITLE_AND_BODY">
     <p:spTree>
       <p:nvGrpSpPr>
-        <p:cNvPr id="24" name="Shape 24"/>
+        <p:cNvPr id="1" name="Shape 24"/>
         <p:cNvGrpSpPr/>
         <p:nvPr/>
       </p:nvGrpSpPr>
@@ -4387,7 +4543,9 @@
       <p:sp>
         <p:nvSpPr>
           <p:cNvPr id="25" name="Google Shape;25;p4"/>
-          <p:cNvSpPr txBox="1"/>
+          <p:cNvSpPr txBox="1">
+            <a:spLocks noGrp="1"/>
+          </p:cNvSpPr>
           <p:nvPr>
             <p:ph type="title"/>
           </p:nvPr>
@@ -4402,7 +4560,7 @@
           </a:prstGeom>
         </p:spPr>
         <p:txBody>
-          <a:bodyPr anchorCtr="0" anchor="t" bIns="91425" lIns="91425" spcFirstLastPara="1" rIns="91425" wrap="square" tIns="91425">
+          <a:bodyPr spcFirstLastPara="1" wrap="square" lIns="91425" tIns="91425" rIns="91425" bIns="91425" anchor="t" anchorCtr="0">
             <a:normAutofit/>
           </a:bodyPr>
           <a:lstStyle>
@@ -4506,15 +4664,19 @@
               <a:defRPr/>
             </a:lvl9pPr>
           </a:lstStyle>
-          <a:p/>
+          <a:p>
+            <a:endParaRPr/>
+          </a:p>
         </p:txBody>
       </p:sp>
       <p:sp>
         <p:nvSpPr>
           <p:cNvPr id="26" name="Google Shape;26;p4"/>
-          <p:cNvSpPr txBox="1"/>
+          <p:cNvSpPr txBox="1">
+            <a:spLocks noGrp="1"/>
+          </p:cNvSpPr>
           <p:nvPr>
-            <p:ph idx="1" type="body"/>
+            <p:ph type="body" idx="1"/>
           </p:nvPr>
         </p:nvSpPr>
         <p:spPr>
@@ -4527,11 +4689,11 @@
           </a:prstGeom>
         </p:spPr>
         <p:txBody>
-          <a:bodyPr anchorCtr="0" anchor="t" bIns="91425" lIns="91425" spcFirstLastPara="1" rIns="91425" wrap="square" tIns="91425">
+          <a:bodyPr spcFirstLastPara="1" wrap="square" lIns="91425" tIns="91425" rIns="91425" bIns="91425" anchor="t" anchorCtr="0">
             <a:normAutofit/>
           </a:bodyPr>
           <a:lstStyle>
-            <a:lvl1pPr indent="-342900" lvl="0" marL="457200">
+            <a:lvl1pPr marL="457200" lvl="0" indent="-342900">
               <a:spcBef>
                 <a:spcPts val="0"/>
               </a:spcBef>
@@ -4542,7 +4704,7 @@
               <a:buChar char="●"/>
               <a:defRPr/>
             </a:lvl1pPr>
-            <a:lvl2pPr indent="-317500" lvl="1" marL="914400">
+            <a:lvl2pPr marL="914400" lvl="1" indent="-317500">
               <a:spcBef>
                 <a:spcPts val="0"/>
               </a:spcBef>
@@ -4553,7 +4715,7 @@
               <a:buChar char="○"/>
               <a:defRPr/>
             </a:lvl2pPr>
-            <a:lvl3pPr indent="-317500" lvl="2" marL="1371600">
+            <a:lvl3pPr marL="1371600" lvl="2" indent="-317500">
               <a:spcBef>
                 <a:spcPts val="0"/>
               </a:spcBef>
@@ -4564,7 +4726,7 @@
               <a:buChar char="■"/>
               <a:defRPr/>
             </a:lvl3pPr>
-            <a:lvl4pPr indent="-317500" lvl="3" marL="1828800">
+            <a:lvl4pPr marL="1828800" lvl="3" indent="-317500">
               <a:spcBef>
                 <a:spcPts val="0"/>
               </a:spcBef>
@@ -4575,7 +4737,7 @@
               <a:buChar char="●"/>
               <a:defRPr/>
             </a:lvl4pPr>
-            <a:lvl5pPr indent="-317500" lvl="4" marL="2286000">
+            <a:lvl5pPr marL="2286000" lvl="4" indent="-317500">
               <a:spcBef>
                 <a:spcPts val="0"/>
               </a:spcBef>
@@ -4586,7 +4748,7 @@
               <a:buChar char="○"/>
               <a:defRPr/>
             </a:lvl5pPr>
-            <a:lvl6pPr indent="-317500" lvl="5" marL="2743200">
+            <a:lvl6pPr marL="2743200" lvl="5" indent="-317500">
               <a:spcBef>
                 <a:spcPts val="0"/>
               </a:spcBef>
@@ -4597,7 +4759,7 @@
               <a:buChar char="■"/>
               <a:defRPr/>
             </a:lvl6pPr>
-            <a:lvl7pPr indent="-317500" lvl="6" marL="3200400">
+            <a:lvl7pPr marL="3200400" lvl="6" indent="-317500">
               <a:spcBef>
                 <a:spcPts val="0"/>
               </a:spcBef>
@@ -4608,7 +4770,7 @@
               <a:buChar char="●"/>
               <a:defRPr/>
             </a:lvl7pPr>
-            <a:lvl8pPr indent="-317500" lvl="7" marL="3657600">
+            <a:lvl8pPr marL="3657600" lvl="7" indent="-317500">
               <a:spcBef>
                 <a:spcPts val="0"/>
               </a:spcBef>
@@ -4619,7 +4781,7 @@
               <a:buChar char="○"/>
               <a:defRPr/>
             </a:lvl8pPr>
-            <a:lvl9pPr indent="-317500" lvl="8" marL="4114800">
+            <a:lvl9pPr marL="4114800" lvl="8" indent="-317500">
               <a:spcBef>
                 <a:spcPts val="0"/>
               </a:spcBef>
@@ -4631,15 +4793,19 @@
               <a:defRPr/>
             </a:lvl9pPr>
           </a:lstStyle>
-          <a:p/>
+          <a:p>
+            <a:endParaRPr/>
+          </a:p>
         </p:txBody>
       </p:sp>
       <p:sp>
         <p:nvSpPr>
           <p:cNvPr id="27" name="Google Shape;27;p4"/>
-          <p:cNvSpPr txBox="1"/>
+          <p:cNvSpPr txBox="1">
+            <a:spLocks noGrp="1"/>
+          </p:cNvSpPr>
           <p:nvPr>
-            <p:ph idx="12" type="sldNum"/>
+            <p:ph type="sldNum" idx="12"/>
           </p:nvPr>
         </p:nvSpPr>
         <p:spPr>
@@ -4652,7 +4818,7 @@
           </a:prstGeom>
         </p:spPr>
         <p:txBody>
-          <a:bodyPr anchorCtr="0" anchor="ctr" bIns="91425" lIns="91425" spcFirstLastPara="1" rIns="91425" wrap="square" tIns="91425">
+          <a:bodyPr spcFirstLastPara="1" wrap="square" lIns="91425" tIns="91425" rIns="91425" bIns="91425" anchor="ctr" anchorCtr="0">
             <a:normAutofit/>
           </a:bodyPr>
           <a:lstStyle>
@@ -4694,7 +4860,7 @@
             </a:lvl9pPr>
           </a:lstStyle>
           <a:p>
-            <a:pPr indent="0" lvl="0" marL="0" rtl="0" algn="r">
+            <a:pPr marL="0" lvl="0" indent="0" algn="r" rtl="0">
               <a:spcBef>
                 <a:spcPts val="0"/>
               </a:spcBef>
@@ -4720,11 +4886,11 @@
 </file>
 
 <file path=ppt/slideLayouts/slideLayout4.xml><?xml version="1.0" encoding="utf-8"?>
-<p:sldLayout xmlns:a="http://schemas.openxmlformats.org/drawingml/2006/main" xmlns:r="http://schemas.openxmlformats.org/officeDocument/2006/relationships" xmlns:mc="http://schemas.openxmlformats.org/markup-compatibility/2006" xmlns:mv="urn:schemas-microsoft-com:mac:vml" xmlns:p="http://schemas.openxmlformats.org/presentationml/2006/main" xmlns:c="http://schemas.openxmlformats.org/drawingml/2006/chart" xmlns:dgm="http://schemas.openxmlformats.org/drawingml/2006/diagram" xmlns:o="urn:schemas-microsoft-com:office:office" xmlns:v="urn:schemas-microsoft-com:vml" xmlns:pvml="urn:schemas-microsoft-com:office:powerpoint" xmlns:com="http://schemas.openxmlformats.org/drawingml/2006/compatibility" xmlns:p14="http://schemas.microsoft.com/office/powerpoint/2010/main" xmlns:p15="http://schemas.microsoft.com/office/powerpoint/2012/main" xmlns:ahyp="http://schemas.microsoft.com/office/drawing/2018/hyperlinkcolor" matchingName="Title and two columns" type="twoColTx">
+<p:sldLayout xmlns:a="http://schemas.openxmlformats.org/drawingml/2006/main" xmlns:r="http://schemas.openxmlformats.org/officeDocument/2006/relationships" xmlns:p="http://schemas.openxmlformats.org/presentationml/2006/main" matchingName="Title and two columns" type="twoColTx">
   <p:cSld name="TITLE_AND_TWO_COLUMNS">
     <p:spTree>
       <p:nvGrpSpPr>
-        <p:cNvPr id="28" name="Shape 28"/>
+        <p:cNvPr id="1" name="Shape 28"/>
         <p:cNvGrpSpPr/>
         <p:nvPr/>
       </p:nvGrpSpPr>
@@ -4739,7 +4905,9 @@
       <p:sp>
         <p:nvSpPr>
           <p:cNvPr id="29" name="Google Shape;29;p5"/>
-          <p:cNvSpPr txBox="1"/>
+          <p:cNvSpPr txBox="1">
+            <a:spLocks noGrp="1"/>
+          </p:cNvSpPr>
           <p:nvPr>
             <p:ph type="title"/>
           </p:nvPr>
@@ -4754,7 +4922,7 @@
           </a:prstGeom>
         </p:spPr>
         <p:txBody>
-          <a:bodyPr anchorCtr="0" anchor="t" bIns="91425" lIns="91425" spcFirstLastPara="1" rIns="91425" wrap="square" tIns="91425">
+          <a:bodyPr spcFirstLastPara="1" wrap="square" lIns="91425" tIns="91425" rIns="91425" bIns="91425" anchor="t" anchorCtr="0">
             <a:normAutofit/>
           </a:bodyPr>
           <a:lstStyle>
@@ -4858,15 +5026,19 @@
               <a:defRPr/>
             </a:lvl9pPr>
           </a:lstStyle>
-          <a:p/>
+          <a:p>
+            <a:endParaRPr/>
+          </a:p>
         </p:txBody>
       </p:sp>
       <p:sp>
         <p:nvSpPr>
           <p:cNvPr id="30" name="Google Shape;30;p5"/>
-          <p:cNvSpPr txBox="1"/>
+          <p:cNvSpPr txBox="1">
+            <a:spLocks noGrp="1"/>
+          </p:cNvSpPr>
           <p:nvPr>
-            <p:ph idx="1" type="body"/>
+            <p:ph type="body" idx="1"/>
           </p:nvPr>
         </p:nvSpPr>
         <p:spPr>
@@ -4879,11 +5051,11 @@
           </a:prstGeom>
         </p:spPr>
         <p:txBody>
-          <a:bodyPr anchorCtr="0" anchor="t" bIns="91425" lIns="91425" spcFirstLastPara="1" rIns="91425" wrap="square" tIns="91425">
+          <a:bodyPr spcFirstLastPara="1" wrap="square" lIns="91425" tIns="91425" rIns="91425" bIns="91425" anchor="t" anchorCtr="0">
             <a:normAutofit/>
           </a:bodyPr>
           <a:lstStyle>
-            <a:lvl1pPr indent="-317500" lvl="0" marL="457200">
+            <a:lvl1pPr marL="457200" lvl="0" indent="-317500">
               <a:spcBef>
                 <a:spcPts val="0"/>
               </a:spcBef>
@@ -4894,7 +5066,7 @@
               <a:buChar char="●"/>
               <a:defRPr sz="1400"/>
             </a:lvl1pPr>
-            <a:lvl2pPr indent="-304800" lvl="1" marL="914400">
+            <a:lvl2pPr marL="914400" lvl="1" indent="-304800">
               <a:spcBef>
                 <a:spcPts val="0"/>
               </a:spcBef>
@@ -4905,7 +5077,7 @@
               <a:buChar char="○"/>
               <a:defRPr sz="1200"/>
             </a:lvl2pPr>
-            <a:lvl3pPr indent="-304800" lvl="2" marL="1371600">
+            <a:lvl3pPr marL="1371600" lvl="2" indent="-304800">
               <a:spcBef>
                 <a:spcPts val="0"/>
               </a:spcBef>
@@ -4916,7 +5088,7 @@
               <a:buChar char="■"/>
               <a:defRPr sz="1200"/>
             </a:lvl3pPr>
-            <a:lvl4pPr indent="-304800" lvl="3" marL="1828800">
+            <a:lvl4pPr marL="1828800" lvl="3" indent="-304800">
               <a:spcBef>
                 <a:spcPts val="0"/>
               </a:spcBef>
@@ -4927,7 +5099,7 @@
               <a:buChar char="●"/>
               <a:defRPr sz="1200"/>
             </a:lvl4pPr>
-            <a:lvl5pPr indent="-304800" lvl="4" marL="2286000">
+            <a:lvl5pPr marL="2286000" lvl="4" indent="-304800">
               <a:spcBef>
                 <a:spcPts val="0"/>
               </a:spcBef>
@@ -4938,7 +5110,7 @@
               <a:buChar char="○"/>
               <a:defRPr sz="1200"/>
             </a:lvl5pPr>
-            <a:lvl6pPr indent="-304800" lvl="5" marL="2743200">
+            <a:lvl6pPr marL="2743200" lvl="5" indent="-304800">
               <a:spcBef>
                 <a:spcPts val="0"/>
               </a:spcBef>
@@ -4949,7 +5121,7 @@
               <a:buChar char="■"/>
               <a:defRPr sz="1200"/>
             </a:lvl6pPr>
-            <a:lvl7pPr indent="-304800" lvl="6" marL="3200400">
+            <a:lvl7pPr marL="3200400" lvl="6" indent="-304800">
               <a:spcBef>
                 <a:spcPts val="0"/>
               </a:spcBef>
@@ -4960,7 +5132,7 @@
               <a:buChar char="●"/>
               <a:defRPr sz="1200"/>
             </a:lvl7pPr>
-            <a:lvl8pPr indent="-304800" lvl="7" marL="3657600">
+            <a:lvl8pPr marL="3657600" lvl="7" indent="-304800">
               <a:spcBef>
                 <a:spcPts val="0"/>
               </a:spcBef>
@@ -4971,7 +5143,7 @@
               <a:buChar char="○"/>
               <a:defRPr sz="1200"/>
             </a:lvl8pPr>
-            <a:lvl9pPr indent="-304800" lvl="8" marL="4114800">
+            <a:lvl9pPr marL="4114800" lvl="8" indent="-304800">
               <a:spcBef>
                 <a:spcPts val="0"/>
               </a:spcBef>
@@ -4983,15 +5155,19 @@
               <a:defRPr sz="1200"/>
             </a:lvl9pPr>
           </a:lstStyle>
-          <a:p/>
+          <a:p>
+            <a:endParaRPr/>
+          </a:p>
         </p:txBody>
       </p:sp>
       <p:sp>
         <p:nvSpPr>
           <p:cNvPr id="31" name="Google Shape;31;p5"/>
-          <p:cNvSpPr txBox="1"/>
+          <p:cNvSpPr txBox="1">
+            <a:spLocks noGrp="1"/>
+          </p:cNvSpPr>
           <p:nvPr>
-            <p:ph idx="2" type="body"/>
+            <p:ph type="body" idx="2"/>
           </p:nvPr>
         </p:nvSpPr>
         <p:spPr>
@@ -5004,11 +5180,11 @@
           </a:prstGeom>
         </p:spPr>
         <p:txBody>
-          <a:bodyPr anchorCtr="0" anchor="t" bIns="91425" lIns="91425" spcFirstLastPara="1" rIns="91425" wrap="square" tIns="91425">
+          <a:bodyPr spcFirstLastPara="1" wrap="square" lIns="91425" tIns="91425" rIns="91425" bIns="91425" anchor="t" anchorCtr="0">
             <a:normAutofit/>
           </a:bodyPr>
           <a:lstStyle>
-            <a:lvl1pPr indent="-317500" lvl="0" marL="457200">
+            <a:lvl1pPr marL="457200" lvl="0" indent="-317500">
               <a:spcBef>
                 <a:spcPts val="0"/>
               </a:spcBef>
@@ -5019,7 +5195,7 @@
               <a:buChar char="●"/>
               <a:defRPr sz="1400"/>
             </a:lvl1pPr>
-            <a:lvl2pPr indent="-304800" lvl="1" marL="914400">
+            <a:lvl2pPr marL="914400" lvl="1" indent="-304800">
               <a:spcBef>
                 <a:spcPts val="0"/>
               </a:spcBef>
@@ -5030,7 +5206,7 @@
               <a:buChar char="○"/>
               <a:defRPr sz="1200"/>
             </a:lvl2pPr>
-            <a:lvl3pPr indent="-304800" lvl="2" marL="1371600">
+            <a:lvl3pPr marL="1371600" lvl="2" indent="-304800">
               <a:spcBef>
                 <a:spcPts val="0"/>
               </a:spcBef>
@@ -5041,7 +5217,7 @@
               <a:buChar char="■"/>
               <a:defRPr sz="1200"/>
             </a:lvl3pPr>
-            <a:lvl4pPr indent="-304800" lvl="3" marL="1828800">
+            <a:lvl4pPr marL="1828800" lvl="3" indent="-304800">
               <a:spcBef>
                 <a:spcPts val="0"/>
               </a:spcBef>
@@ -5052,7 +5228,7 @@
               <a:buChar char="●"/>
               <a:defRPr sz="1200"/>
             </a:lvl4pPr>
-            <a:lvl5pPr indent="-304800" lvl="4" marL="2286000">
+            <a:lvl5pPr marL="2286000" lvl="4" indent="-304800">
               <a:spcBef>
                 <a:spcPts val="0"/>
               </a:spcBef>
@@ -5063,7 +5239,7 @@
               <a:buChar char="○"/>
               <a:defRPr sz="1200"/>
             </a:lvl5pPr>
-            <a:lvl6pPr indent="-304800" lvl="5" marL="2743200">
+            <a:lvl6pPr marL="2743200" lvl="5" indent="-304800">
               <a:spcBef>
                 <a:spcPts val="0"/>
               </a:spcBef>
@@ -5074,7 +5250,7 @@
               <a:buChar char="■"/>
               <a:defRPr sz="1200"/>
             </a:lvl6pPr>
-            <a:lvl7pPr indent="-304800" lvl="6" marL="3200400">
+            <a:lvl7pPr marL="3200400" lvl="6" indent="-304800">
               <a:spcBef>
                 <a:spcPts val="0"/>
               </a:spcBef>
@@ -5085,7 +5261,7 @@
               <a:buChar char="●"/>
               <a:defRPr sz="1200"/>
             </a:lvl7pPr>
-            <a:lvl8pPr indent="-304800" lvl="7" marL="3657600">
+            <a:lvl8pPr marL="3657600" lvl="7" indent="-304800">
               <a:spcBef>
                 <a:spcPts val="0"/>
               </a:spcBef>
@@ -5096,7 +5272,7 @@
               <a:buChar char="○"/>
               <a:defRPr sz="1200"/>
             </a:lvl8pPr>
-            <a:lvl9pPr indent="-304800" lvl="8" marL="4114800">
+            <a:lvl9pPr marL="4114800" lvl="8" indent="-304800">
               <a:spcBef>
                 <a:spcPts val="0"/>
               </a:spcBef>
@@ -5108,15 +5284,19 @@
               <a:defRPr sz="1200"/>
             </a:lvl9pPr>
           </a:lstStyle>
-          <a:p/>
+          <a:p>
+            <a:endParaRPr/>
+          </a:p>
         </p:txBody>
       </p:sp>
       <p:sp>
         <p:nvSpPr>
           <p:cNvPr id="32" name="Google Shape;32;p5"/>
-          <p:cNvSpPr txBox="1"/>
+          <p:cNvSpPr txBox="1">
+            <a:spLocks noGrp="1"/>
+          </p:cNvSpPr>
           <p:nvPr>
-            <p:ph idx="12" type="sldNum"/>
+            <p:ph type="sldNum" idx="12"/>
           </p:nvPr>
         </p:nvSpPr>
         <p:spPr>
@@ -5129,7 +5309,7 @@
           </a:prstGeom>
         </p:spPr>
         <p:txBody>
-          <a:bodyPr anchorCtr="0" anchor="ctr" bIns="91425" lIns="91425" spcFirstLastPara="1" rIns="91425" wrap="square" tIns="91425">
+          <a:bodyPr spcFirstLastPara="1" wrap="square" lIns="91425" tIns="91425" rIns="91425" bIns="91425" anchor="ctr" anchorCtr="0">
             <a:normAutofit/>
           </a:bodyPr>
           <a:lstStyle>
@@ -5171,7 +5351,7 @@
             </a:lvl9pPr>
           </a:lstStyle>
           <a:p>
-            <a:pPr indent="0" lvl="0" marL="0" rtl="0" algn="r">
+            <a:pPr marL="0" lvl="0" indent="0" algn="r" rtl="0">
               <a:spcBef>
                 <a:spcPts val="0"/>
               </a:spcBef>
@@ -5197,11 +5377,11 @@
 </file>
 
 <file path=ppt/slideLayouts/slideLayout5.xml><?xml version="1.0" encoding="utf-8"?>
-<p:sldLayout xmlns:a="http://schemas.openxmlformats.org/drawingml/2006/main" xmlns:r="http://schemas.openxmlformats.org/officeDocument/2006/relationships" xmlns:mc="http://schemas.openxmlformats.org/markup-compatibility/2006" xmlns:mv="urn:schemas-microsoft-com:mac:vml" xmlns:p="http://schemas.openxmlformats.org/presentationml/2006/main" xmlns:c="http://schemas.openxmlformats.org/drawingml/2006/chart" xmlns:dgm="http://schemas.openxmlformats.org/drawingml/2006/diagram" xmlns:o="urn:schemas-microsoft-com:office:office" xmlns:v="urn:schemas-microsoft-com:vml" xmlns:pvml="urn:schemas-microsoft-com:office:powerpoint" xmlns:com="http://schemas.openxmlformats.org/drawingml/2006/compatibility" xmlns:p14="http://schemas.microsoft.com/office/powerpoint/2010/main" xmlns:p15="http://schemas.microsoft.com/office/powerpoint/2012/main" xmlns:ahyp="http://schemas.microsoft.com/office/drawing/2018/hyperlinkcolor" matchingName="Title only" type="titleOnly">
+<p:sldLayout xmlns:a="http://schemas.openxmlformats.org/drawingml/2006/main" xmlns:r="http://schemas.openxmlformats.org/officeDocument/2006/relationships" xmlns:p="http://schemas.openxmlformats.org/presentationml/2006/main" matchingName="Title only" type="titleOnly">
   <p:cSld name="TITLE_ONLY">
     <p:spTree>
       <p:nvGrpSpPr>
-        <p:cNvPr id="33" name="Shape 33"/>
+        <p:cNvPr id="1" name="Shape 33"/>
         <p:cNvGrpSpPr/>
         <p:nvPr/>
       </p:nvGrpSpPr>
@@ -5216,7 +5396,9 @@
       <p:sp>
         <p:nvSpPr>
           <p:cNvPr id="34" name="Google Shape;34;p6"/>
-          <p:cNvSpPr txBox="1"/>
+          <p:cNvSpPr txBox="1">
+            <a:spLocks noGrp="1"/>
+          </p:cNvSpPr>
           <p:nvPr>
             <p:ph type="title"/>
           </p:nvPr>
@@ -5231,7 +5413,7 @@
           </a:prstGeom>
         </p:spPr>
         <p:txBody>
-          <a:bodyPr anchorCtr="0" anchor="t" bIns="91425" lIns="91425" spcFirstLastPara="1" rIns="91425" wrap="square" tIns="91425">
+          <a:bodyPr spcFirstLastPara="1" wrap="square" lIns="91425" tIns="91425" rIns="91425" bIns="91425" anchor="t" anchorCtr="0">
             <a:normAutofit/>
           </a:bodyPr>
           <a:lstStyle>
@@ -5335,15 +5517,19 @@
               <a:defRPr/>
             </a:lvl9pPr>
           </a:lstStyle>
-          <a:p/>
+          <a:p>
+            <a:endParaRPr/>
+          </a:p>
         </p:txBody>
       </p:sp>
       <p:sp>
         <p:nvSpPr>
           <p:cNvPr id="35" name="Google Shape;35;p6"/>
-          <p:cNvSpPr txBox="1"/>
+          <p:cNvSpPr txBox="1">
+            <a:spLocks noGrp="1"/>
+          </p:cNvSpPr>
           <p:nvPr>
-            <p:ph idx="12" type="sldNum"/>
+            <p:ph type="sldNum" idx="12"/>
           </p:nvPr>
         </p:nvSpPr>
         <p:spPr>
@@ -5356,7 +5542,7 @@
           </a:prstGeom>
         </p:spPr>
         <p:txBody>
-          <a:bodyPr anchorCtr="0" anchor="ctr" bIns="91425" lIns="91425" spcFirstLastPara="1" rIns="91425" wrap="square" tIns="91425">
+          <a:bodyPr spcFirstLastPara="1" wrap="square" lIns="91425" tIns="91425" rIns="91425" bIns="91425" anchor="ctr" anchorCtr="0">
             <a:normAutofit/>
           </a:bodyPr>
           <a:lstStyle>
@@ -5398,7 +5584,7 @@
             </a:lvl9pPr>
           </a:lstStyle>
           <a:p>
-            <a:pPr indent="0" lvl="0" marL="0" rtl="0" algn="r">
+            <a:pPr marL="0" lvl="0" indent="0" algn="r" rtl="0">
               <a:spcBef>
                 <a:spcPts val="0"/>
               </a:spcBef>
@@ -5424,11 +5610,11 @@
 </file>
 
 <file path=ppt/slideLayouts/slideLayout6.xml><?xml version="1.0" encoding="utf-8"?>
-<p:sldLayout xmlns:a="http://schemas.openxmlformats.org/drawingml/2006/main" xmlns:r="http://schemas.openxmlformats.org/officeDocument/2006/relationships" xmlns:mc="http://schemas.openxmlformats.org/markup-compatibility/2006" xmlns:mv="urn:schemas-microsoft-com:mac:vml" xmlns:p="http://schemas.openxmlformats.org/presentationml/2006/main" xmlns:c="http://schemas.openxmlformats.org/drawingml/2006/chart" xmlns:dgm="http://schemas.openxmlformats.org/drawingml/2006/diagram" xmlns:o="urn:schemas-microsoft-com:office:office" xmlns:v="urn:schemas-microsoft-com:vml" xmlns:pvml="urn:schemas-microsoft-com:office:powerpoint" xmlns:com="http://schemas.openxmlformats.org/drawingml/2006/compatibility" xmlns:p14="http://schemas.microsoft.com/office/powerpoint/2010/main" xmlns:p15="http://schemas.microsoft.com/office/powerpoint/2012/main" xmlns:ahyp="http://schemas.microsoft.com/office/drawing/2018/hyperlinkcolor" matchingName="One column text">
+<p:sldLayout xmlns:a="http://schemas.openxmlformats.org/drawingml/2006/main" xmlns:r="http://schemas.openxmlformats.org/officeDocument/2006/relationships" xmlns:p="http://schemas.openxmlformats.org/presentationml/2006/main" matchingName="One column text">
   <p:cSld name="ONE_COLUMN_TEXT">
     <p:spTree>
       <p:nvGrpSpPr>
-        <p:cNvPr id="36" name="Shape 36"/>
+        <p:cNvPr id="1" name="Shape 36"/>
         <p:cNvGrpSpPr/>
         <p:nvPr/>
       </p:nvGrpSpPr>
@@ -5443,7 +5629,9 @@
       <p:sp>
         <p:nvSpPr>
           <p:cNvPr id="37" name="Google Shape;37;p7"/>
-          <p:cNvSpPr txBox="1"/>
+          <p:cNvSpPr txBox="1">
+            <a:spLocks noGrp="1"/>
+          </p:cNvSpPr>
           <p:nvPr>
             <p:ph type="title"/>
           </p:nvPr>
@@ -5458,7 +5646,7 @@
           </a:prstGeom>
         </p:spPr>
         <p:txBody>
-          <a:bodyPr anchorCtr="0" anchor="b" bIns="91425" lIns="91425" spcFirstLastPara="1" rIns="91425" wrap="square" tIns="91425">
+          <a:bodyPr spcFirstLastPara="1" wrap="square" lIns="91425" tIns="91425" rIns="91425" bIns="91425" anchor="b" anchorCtr="0">
             <a:normAutofit/>
           </a:bodyPr>
           <a:lstStyle>
@@ -5471,7 +5659,7 @@
               </a:spcAft>
               <a:buSzPts val="2400"/>
               <a:buNone/>
-              <a:defRPr b="1" sz="2400"/>
+              <a:defRPr sz="2400" b="1"/>
             </a:lvl1pPr>
             <a:lvl2pPr lvl="1">
               <a:spcBef>
@@ -5562,15 +5750,19 @@
               <a:defRPr sz="2400"/>
             </a:lvl9pPr>
           </a:lstStyle>
-          <a:p/>
+          <a:p>
+            <a:endParaRPr/>
+          </a:p>
         </p:txBody>
       </p:sp>
       <p:sp>
         <p:nvSpPr>
           <p:cNvPr id="38" name="Google Shape;38;p7"/>
-          <p:cNvSpPr txBox="1"/>
+          <p:cNvSpPr txBox="1">
+            <a:spLocks noGrp="1"/>
+          </p:cNvSpPr>
           <p:nvPr>
-            <p:ph idx="1" type="body"/>
+            <p:ph type="body" idx="1"/>
           </p:nvPr>
         </p:nvSpPr>
         <p:spPr>
@@ -5583,11 +5775,11 @@
           </a:prstGeom>
         </p:spPr>
         <p:txBody>
-          <a:bodyPr anchorCtr="0" anchor="t" bIns="91425" lIns="91425" spcFirstLastPara="1" rIns="91425" wrap="square" tIns="91425">
+          <a:bodyPr spcFirstLastPara="1" wrap="square" lIns="91425" tIns="91425" rIns="91425" bIns="91425" anchor="t" anchorCtr="0">
             <a:normAutofit/>
           </a:bodyPr>
           <a:lstStyle>
-            <a:lvl1pPr indent="-304800" lvl="0" marL="457200">
+            <a:lvl1pPr marL="457200" lvl="0" indent="-304800">
               <a:spcBef>
                 <a:spcPts val="0"/>
               </a:spcBef>
@@ -5598,7 +5790,7 @@
               <a:buChar char="●"/>
               <a:defRPr sz="1200"/>
             </a:lvl1pPr>
-            <a:lvl2pPr indent="-304800" lvl="1" marL="914400">
+            <a:lvl2pPr marL="914400" lvl="1" indent="-304800">
               <a:spcBef>
                 <a:spcPts val="0"/>
               </a:spcBef>
@@ -5609,7 +5801,7 @@
               <a:buChar char="○"/>
               <a:defRPr sz="1200"/>
             </a:lvl2pPr>
-            <a:lvl3pPr indent="-304800" lvl="2" marL="1371600">
+            <a:lvl3pPr marL="1371600" lvl="2" indent="-304800">
               <a:spcBef>
                 <a:spcPts val="0"/>
               </a:spcBef>
@@ -5620,7 +5812,7 @@
               <a:buChar char="■"/>
               <a:defRPr sz="1200"/>
             </a:lvl3pPr>
-            <a:lvl4pPr indent="-304800" lvl="3" marL="1828800">
+            <a:lvl4pPr marL="1828800" lvl="3" indent="-304800">
               <a:spcBef>
                 <a:spcPts val="0"/>
               </a:spcBef>
@@ -5631,7 +5823,7 @@
               <a:buChar char="●"/>
               <a:defRPr sz="1200"/>
             </a:lvl4pPr>
-            <a:lvl5pPr indent="-304800" lvl="4" marL="2286000">
+            <a:lvl5pPr marL="2286000" lvl="4" indent="-304800">
               <a:spcBef>
                 <a:spcPts val="0"/>
               </a:spcBef>
@@ -5642,7 +5834,7 @@
               <a:buChar char="○"/>
               <a:defRPr sz="1200"/>
             </a:lvl5pPr>
-            <a:lvl6pPr indent="-304800" lvl="5" marL="2743200">
+            <a:lvl6pPr marL="2743200" lvl="5" indent="-304800">
               <a:spcBef>
                 <a:spcPts val="0"/>
               </a:spcBef>
@@ -5653,7 +5845,7 @@
               <a:buChar char="■"/>
               <a:defRPr sz="1200"/>
             </a:lvl6pPr>
-            <a:lvl7pPr indent="-304800" lvl="6" marL="3200400">
+            <a:lvl7pPr marL="3200400" lvl="6" indent="-304800">
               <a:spcBef>
                 <a:spcPts val="0"/>
               </a:spcBef>
@@ -5664,7 +5856,7 @@
               <a:buChar char="●"/>
               <a:defRPr sz="1200"/>
             </a:lvl7pPr>
-            <a:lvl8pPr indent="-304800" lvl="7" marL="3657600">
+            <a:lvl8pPr marL="3657600" lvl="7" indent="-304800">
               <a:spcBef>
                 <a:spcPts val="0"/>
               </a:spcBef>
@@ -5675,7 +5867,7 @@
               <a:buChar char="○"/>
               <a:defRPr sz="1200"/>
             </a:lvl8pPr>
-            <a:lvl9pPr indent="-304800" lvl="8" marL="4114800">
+            <a:lvl9pPr marL="4114800" lvl="8" indent="-304800">
               <a:spcBef>
                 <a:spcPts val="0"/>
               </a:spcBef>
@@ -5687,15 +5879,19 @@
               <a:defRPr sz="1200"/>
             </a:lvl9pPr>
           </a:lstStyle>
-          <a:p/>
+          <a:p>
+            <a:endParaRPr/>
+          </a:p>
         </p:txBody>
       </p:sp>
       <p:sp>
         <p:nvSpPr>
           <p:cNvPr id="39" name="Google Shape;39;p7"/>
-          <p:cNvSpPr txBox="1"/>
+          <p:cNvSpPr txBox="1">
+            <a:spLocks noGrp="1"/>
+          </p:cNvSpPr>
           <p:nvPr>
-            <p:ph idx="12" type="sldNum"/>
+            <p:ph type="sldNum" idx="12"/>
           </p:nvPr>
         </p:nvSpPr>
         <p:spPr>
@@ -5708,7 +5904,7 @@
           </a:prstGeom>
         </p:spPr>
         <p:txBody>
-          <a:bodyPr anchorCtr="0" anchor="ctr" bIns="91425" lIns="91425" spcFirstLastPara="1" rIns="91425" wrap="square" tIns="91425">
+          <a:bodyPr spcFirstLastPara="1" wrap="square" lIns="91425" tIns="91425" rIns="91425" bIns="91425" anchor="ctr" anchorCtr="0">
             <a:normAutofit/>
           </a:bodyPr>
           <a:lstStyle>
@@ -5750,7 +5946,7 @@
             </a:lvl9pPr>
           </a:lstStyle>
           <a:p>
-            <a:pPr indent="0" lvl="0" marL="0" rtl="0" algn="r">
+            <a:pPr marL="0" lvl="0" indent="0" algn="r" rtl="0">
               <a:spcBef>
                 <a:spcPts val="0"/>
               </a:spcBef>
@@ -5776,11 +5972,11 @@
 </file>
 
 <file path=ppt/slideLayouts/slideLayout7.xml><?xml version="1.0" encoding="utf-8"?>
-<p:sldLayout xmlns:a="http://schemas.openxmlformats.org/drawingml/2006/main" xmlns:r="http://schemas.openxmlformats.org/officeDocument/2006/relationships" xmlns:mc="http://schemas.openxmlformats.org/markup-compatibility/2006" xmlns:mv="urn:schemas-microsoft-com:mac:vml" xmlns:p="http://schemas.openxmlformats.org/presentationml/2006/main" xmlns:c="http://schemas.openxmlformats.org/drawingml/2006/chart" xmlns:dgm="http://schemas.openxmlformats.org/drawingml/2006/diagram" xmlns:o="urn:schemas-microsoft-com:office:office" xmlns:v="urn:schemas-microsoft-com:vml" xmlns:pvml="urn:schemas-microsoft-com:office:powerpoint" xmlns:com="http://schemas.openxmlformats.org/drawingml/2006/compatibility" xmlns:p14="http://schemas.microsoft.com/office/powerpoint/2010/main" xmlns:p15="http://schemas.microsoft.com/office/powerpoint/2012/main" xmlns:ahyp="http://schemas.microsoft.com/office/drawing/2018/hyperlinkcolor" matchingName="Main point">
+<p:sldLayout xmlns:a="http://schemas.openxmlformats.org/drawingml/2006/main" xmlns:r="http://schemas.openxmlformats.org/officeDocument/2006/relationships" xmlns:p="http://schemas.openxmlformats.org/presentationml/2006/main" matchingName="Main point">
   <p:cSld name="MAIN_POINT">
     <p:spTree>
       <p:nvGrpSpPr>
-        <p:cNvPr id="40" name="Shape 40"/>
+        <p:cNvPr id="1" name="Shape 40"/>
         <p:cNvGrpSpPr/>
         <p:nvPr/>
       </p:nvGrpSpPr>
@@ -5795,7 +5991,9 @@
       <p:sp>
         <p:nvSpPr>
           <p:cNvPr id="41" name="Google Shape;41;p8"/>
-          <p:cNvSpPr txBox="1"/>
+          <p:cNvSpPr txBox="1">
+            <a:spLocks noGrp="1"/>
+          </p:cNvSpPr>
           <p:nvPr>
             <p:ph type="title"/>
           </p:nvPr>
@@ -5810,7 +6008,7 @@
           </a:prstGeom>
         </p:spPr>
         <p:txBody>
-          <a:bodyPr anchorCtr="0" anchor="ctr" bIns="91425" lIns="91425" spcFirstLastPara="1" rIns="91425" wrap="square" tIns="91425">
+          <a:bodyPr spcFirstLastPara="1" wrap="square" lIns="91425" tIns="91425" rIns="91425" bIns="91425" anchor="ctr" anchorCtr="0">
             <a:normAutofit/>
           </a:bodyPr>
           <a:lstStyle>
@@ -5914,15 +6112,19 @@
               <a:defRPr sz="4800"/>
             </a:lvl9pPr>
           </a:lstStyle>
-          <a:p/>
+          <a:p>
+            <a:endParaRPr/>
+          </a:p>
         </p:txBody>
       </p:sp>
       <p:sp>
         <p:nvSpPr>
           <p:cNvPr id="42" name="Google Shape;42;p8"/>
-          <p:cNvSpPr txBox="1"/>
+          <p:cNvSpPr txBox="1">
+            <a:spLocks noGrp="1"/>
+          </p:cNvSpPr>
           <p:nvPr>
-            <p:ph idx="12" type="sldNum"/>
+            <p:ph type="sldNum" idx="12"/>
           </p:nvPr>
         </p:nvSpPr>
         <p:spPr>
@@ -5935,7 +6137,7 @@
           </a:prstGeom>
         </p:spPr>
         <p:txBody>
-          <a:bodyPr anchorCtr="0" anchor="ctr" bIns="91425" lIns="91425" spcFirstLastPara="1" rIns="91425" wrap="square" tIns="91425">
+          <a:bodyPr spcFirstLastPara="1" wrap="square" lIns="91425" tIns="91425" rIns="91425" bIns="91425" anchor="ctr" anchorCtr="0">
             <a:normAutofit/>
           </a:bodyPr>
           <a:lstStyle>
@@ -5977,7 +6179,7 @@
             </a:lvl9pPr>
           </a:lstStyle>
           <a:p>
-            <a:pPr indent="0" lvl="0" marL="0" rtl="0" algn="r">
+            <a:pPr marL="0" lvl="0" indent="0" algn="r" rtl="0">
               <a:spcBef>
                 <a:spcPts val="0"/>
               </a:spcBef>
@@ -6003,11 +6205,11 @@
 </file>
 
 <file path=ppt/slideLayouts/slideLayout8.xml><?xml version="1.0" encoding="utf-8"?>
-<p:sldLayout xmlns:a="http://schemas.openxmlformats.org/drawingml/2006/main" xmlns:r="http://schemas.openxmlformats.org/officeDocument/2006/relationships" xmlns:mc="http://schemas.openxmlformats.org/markup-compatibility/2006" xmlns:mv="urn:schemas-microsoft-com:mac:vml" xmlns:p="http://schemas.openxmlformats.org/presentationml/2006/main" xmlns:c="http://schemas.openxmlformats.org/drawingml/2006/chart" xmlns:dgm="http://schemas.openxmlformats.org/drawingml/2006/diagram" xmlns:o="urn:schemas-microsoft-com:office:office" xmlns:v="urn:schemas-microsoft-com:vml" xmlns:pvml="urn:schemas-microsoft-com:office:powerpoint" xmlns:com="http://schemas.openxmlformats.org/drawingml/2006/compatibility" xmlns:p14="http://schemas.microsoft.com/office/powerpoint/2010/main" xmlns:p15="http://schemas.microsoft.com/office/powerpoint/2012/main" xmlns:ahyp="http://schemas.microsoft.com/office/drawing/2018/hyperlinkcolor" matchingName="Section title and description">
+<p:sldLayout xmlns:a="http://schemas.openxmlformats.org/drawingml/2006/main" xmlns:r="http://schemas.openxmlformats.org/officeDocument/2006/relationships" xmlns:p="http://schemas.openxmlformats.org/presentationml/2006/main" matchingName="Section title and description">
   <p:cSld name="SECTION_TITLE_AND_DESCRIPTION">
     <p:spTree>
       <p:nvGrpSpPr>
-        <p:cNvPr id="43" name="Shape 43"/>
+        <p:cNvPr id="1" name="Shape 43"/>
         <p:cNvGrpSpPr/>
         <p:nvPr/>
       </p:nvGrpSpPr>
@@ -6041,23 +6243,20 @@
           </a:ln>
         </p:spPr>
         <p:txBody>
-          <a:bodyPr anchorCtr="0" anchor="ctr" bIns="91425" lIns="91425" spcFirstLastPara="1" rIns="91425" wrap="square" tIns="91425">
+          <a:bodyPr spcFirstLastPara="1" wrap="square" lIns="91425" tIns="91425" rIns="91425" bIns="91425" anchor="ctr" anchorCtr="0">
             <a:noAutofit/>
           </a:bodyPr>
           <a:lstStyle/>
           <a:p>
-            <a:pPr indent="0" lvl="0" marL="0" rtl="0" algn="l">
-              <a:spcBef>
-                <a:spcPts val="0"/>
-              </a:spcBef>
-              <a:spcAft>
-                <a:spcPts val="0"/>
-              </a:spcAft>
-              <a:buNone/>
-            </a:pPr>
-            <a:r>
-              <a:t/>
-            </a:r>
+            <a:pPr marL="0" lvl="0" indent="0" algn="l" rtl="0">
+              <a:spcBef>
+                <a:spcPts val="0"/>
+              </a:spcBef>
+              <a:spcAft>
+                <a:spcPts val="0"/>
+              </a:spcAft>
+              <a:buNone/>
+            </a:pPr>
             <a:endParaRPr/>
           </a:p>
         </p:txBody>
@@ -6065,7 +6264,9 @@
       <p:sp>
         <p:nvSpPr>
           <p:cNvPr id="45" name="Google Shape;45;p9"/>
-          <p:cNvSpPr txBox="1"/>
+          <p:cNvSpPr txBox="1">
+            <a:spLocks noGrp="1"/>
+          </p:cNvSpPr>
           <p:nvPr>
             <p:ph type="title"/>
           </p:nvPr>
@@ -6080,7 +6281,7 @@
           </a:prstGeom>
         </p:spPr>
         <p:txBody>
-          <a:bodyPr anchorCtr="0" anchor="b" bIns="91425" lIns="91425" spcFirstLastPara="1" rIns="91425" wrap="square" tIns="91425">
+          <a:bodyPr spcFirstLastPara="1" wrap="square" lIns="91425" tIns="91425" rIns="91425" bIns="91425" anchor="b" anchorCtr="0">
             <a:normAutofit/>
           </a:bodyPr>
           <a:lstStyle>
@@ -6184,15 +6385,19 @@
               <a:defRPr sz="4200"/>
             </a:lvl9pPr>
           </a:lstStyle>
-          <a:p/>
+          <a:p>
+            <a:endParaRPr/>
+          </a:p>
         </p:txBody>
       </p:sp>
       <p:sp>
         <p:nvSpPr>
           <p:cNvPr id="46" name="Google Shape;46;p9"/>
-          <p:cNvSpPr txBox="1"/>
+          <p:cNvSpPr txBox="1">
+            <a:spLocks noGrp="1"/>
+          </p:cNvSpPr>
           <p:nvPr>
-            <p:ph idx="1" type="subTitle"/>
+            <p:ph type="subTitle" idx="1"/>
           </p:nvPr>
         </p:nvSpPr>
         <p:spPr>
@@ -6205,7 +6410,7 @@
           </a:prstGeom>
         </p:spPr>
         <p:txBody>
-          <a:bodyPr anchorCtr="0" anchor="t" bIns="91425" lIns="91425" spcFirstLastPara="1" rIns="91425" wrap="square" tIns="91425">
+          <a:bodyPr spcFirstLastPara="1" wrap="square" lIns="91425" tIns="91425" rIns="91425" bIns="91425" anchor="t" anchorCtr="0">
             <a:normAutofit/>
           </a:bodyPr>
           <a:lstStyle>
@@ -6336,15 +6541,19 @@
               <a:defRPr sz="2100"/>
             </a:lvl9pPr>
           </a:lstStyle>
-          <a:p/>
+          <a:p>
+            <a:endParaRPr/>
+          </a:p>
         </p:txBody>
       </p:sp>
       <p:sp>
         <p:nvSpPr>
           <p:cNvPr id="47" name="Google Shape;47;p9"/>
-          <p:cNvSpPr txBox="1"/>
+          <p:cNvSpPr txBox="1">
+            <a:spLocks noGrp="1"/>
+          </p:cNvSpPr>
           <p:nvPr>
-            <p:ph idx="2" type="body"/>
+            <p:ph type="body" idx="2"/>
           </p:nvPr>
         </p:nvSpPr>
         <p:spPr>
@@ -6357,11 +6566,11 @@
           </a:prstGeom>
         </p:spPr>
         <p:txBody>
-          <a:bodyPr anchorCtr="0" anchor="ctr" bIns="91425" lIns="91425" spcFirstLastPara="1" rIns="91425" wrap="square" tIns="91425">
+          <a:bodyPr spcFirstLastPara="1" wrap="square" lIns="91425" tIns="91425" rIns="91425" bIns="91425" anchor="ctr" anchorCtr="0">
             <a:normAutofit/>
           </a:bodyPr>
           <a:lstStyle>
-            <a:lvl1pPr indent="-342900" lvl="0" marL="457200">
+            <a:lvl1pPr marL="457200" lvl="0" indent="-342900">
               <a:spcBef>
                 <a:spcPts val="0"/>
               </a:spcBef>
@@ -6372,7 +6581,7 @@
               <a:buChar char="●"/>
               <a:defRPr/>
             </a:lvl1pPr>
-            <a:lvl2pPr indent="-317500" lvl="1" marL="914400">
+            <a:lvl2pPr marL="914400" lvl="1" indent="-317500">
               <a:spcBef>
                 <a:spcPts val="0"/>
               </a:spcBef>
@@ -6383,7 +6592,7 @@
               <a:buChar char="○"/>
               <a:defRPr/>
             </a:lvl2pPr>
-            <a:lvl3pPr indent="-317500" lvl="2" marL="1371600">
+            <a:lvl3pPr marL="1371600" lvl="2" indent="-317500">
               <a:spcBef>
                 <a:spcPts val="0"/>
               </a:spcBef>
@@ -6394,7 +6603,7 @@
               <a:buChar char="■"/>
               <a:defRPr/>
             </a:lvl3pPr>
-            <a:lvl4pPr indent="-317500" lvl="3" marL="1828800">
+            <a:lvl4pPr marL="1828800" lvl="3" indent="-317500">
               <a:spcBef>
                 <a:spcPts val="0"/>
               </a:spcBef>
@@ -6405,7 +6614,7 @@
               <a:buChar char="●"/>
               <a:defRPr/>
             </a:lvl4pPr>
-            <a:lvl5pPr indent="-317500" lvl="4" marL="2286000">
+            <a:lvl5pPr marL="2286000" lvl="4" indent="-317500">
               <a:spcBef>
                 <a:spcPts val="0"/>
               </a:spcBef>
@@ -6416,7 +6625,7 @@
               <a:buChar char="○"/>
               <a:defRPr/>
             </a:lvl5pPr>
-            <a:lvl6pPr indent="-317500" lvl="5" marL="2743200">
+            <a:lvl6pPr marL="2743200" lvl="5" indent="-317500">
               <a:spcBef>
                 <a:spcPts val="0"/>
               </a:spcBef>
@@ -6427,7 +6636,7 @@
               <a:buChar char="■"/>
               <a:defRPr/>
             </a:lvl6pPr>
-            <a:lvl7pPr indent="-317500" lvl="6" marL="3200400">
+            <a:lvl7pPr marL="3200400" lvl="6" indent="-317500">
               <a:spcBef>
                 <a:spcPts val="0"/>
               </a:spcBef>
@@ -6438,7 +6647,7 @@
               <a:buChar char="●"/>
               <a:defRPr/>
             </a:lvl7pPr>
-            <a:lvl8pPr indent="-317500" lvl="7" marL="3657600">
+            <a:lvl8pPr marL="3657600" lvl="7" indent="-317500">
               <a:spcBef>
                 <a:spcPts val="0"/>
               </a:spcBef>
@@ -6449,7 +6658,7 @@
               <a:buChar char="○"/>
               <a:defRPr/>
             </a:lvl8pPr>
-            <a:lvl9pPr indent="-317500" lvl="8" marL="4114800">
+            <a:lvl9pPr marL="4114800" lvl="8" indent="-317500">
               <a:spcBef>
                 <a:spcPts val="0"/>
               </a:spcBef>
@@ -6461,15 +6670,19 @@
               <a:defRPr/>
             </a:lvl9pPr>
           </a:lstStyle>
-          <a:p/>
+          <a:p>
+            <a:endParaRPr/>
+          </a:p>
         </p:txBody>
       </p:sp>
       <p:sp>
         <p:nvSpPr>
           <p:cNvPr id="48" name="Google Shape;48;p9"/>
-          <p:cNvSpPr txBox="1"/>
+          <p:cNvSpPr txBox="1">
+            <a:spLocks noGrp="1"/>
+          </p:cNvSpPr>
           <p:nvPr>
-            <p:ph idx="12" type="sldNum"/>
+            <p:ph type="sldNum" idx="12"/>
           </p:nvPr>
         </p:nvSpPr>
         <p:spPr>
@@ -6482,7 +6695,7 @@
           </a:prstGeom>
         </p:spPr>
         <p:txBody>
-          <a:bodyPr anchorCtr="0" anchor="ctr" bIns="91425" lIns="91425" spcFirstLastPara="1" rIns="91425" wrap="square" tIns="91425">
+          <a:bodyPr spcFirstLastPara="1" wrap="square" lIns="91425" tIns="91425" rIns="91425" bIns="91425" anchor="ctr" anchorCtr="0">
             <a:normAutofit/>
           </a:bodyPr>
           <a:lstStyle>
@@ -6524,7 +6737,7 @@
             </a:lvl9pPr>
           </a:lstStyle>
           <a:p>
-            <a:pPr indent="0" lvl="0" marL="0" rtl="0" algn="r">
+            <a:pPr marL="0" lvl="0" indent="0" algn="r" rtl="0">
               <a:spcBef>
                 <a:spcPts val="0"/>
               </a:spcBef>
@@ -6550,11 +6763,11 @@
 </file>
 
 <file path=ppt/slideLayouts/slideLayout9.xml><?xml version="1.0" encoding="utf-8"?>
-<p:sldLayout xmlns:a="http://schemas.openxmlformats.org/drawingml/2006/main" xmlns:r="http://schemas.openxmlformats.org/officeDocument/2006/relationships" xmlns:mc="http://schemas.openxmlformats.org/markup-compatibility/2006" xmlns:mv="urn:schemas-microsoft-com:mac:vml" xmlns:p="http://schemas.openxmlformats.org/presentationml/2006/main" xmlns:c="http://schemas.openxmlformats.org/drawingml/2006/chart" xmlns:dgm="http://schemas.openxmlformats.org/drawingml/2006/diagram" xmlns:o="urn:schemas-microsoft-com:office:office" xmlns:v="urn:schemas-microsoft-com:vml" xmlns:pvml="urn:schemas-microsoft-com:office:powerpoint" xmlns:com="http://schemas.openxmlformats.org/drawingml/2006/compatibility" xmlns:p14="http://schemas.microsoft.com/office/powerpoint/2010/main" xmlns:p15="http://schemas.microsoft.com/office/powerpoint/2012/main" xmlns:ahyp="http://schemas.microsoft.com/office/drawing/2018/hyperlinkcolor" matchingName="Caption">
+<p:sldLayout xmlns:a="http://schemas.openxmlformats.org/drawingml/2006/main" xmlns:r="http://schemas.openxmlformats.org/officeDocument/2006/relationships" xmlns:p="http://schemas.openxmlformats.org/presentationml/2006/main" matchingName="Caption">
   <p:cSld name="CAPTION_ONLY">
     <p:spTree>
       <p:nvGrpSpPr>
-        <p:cNvPr id="49" name="Shape 49"/>
+        <p:cNvPr id="1" name="Shape 49"/>
         <p:cNvGrpSpPr/>
         <p:nvPr/>
       </p:nvGrpSpPr>
@@ -6569,9 +6782,11 @@
       <p:sp>
         <p:nvSpPr>
           <p:cNvPr id="50" name="Google Shape;50;p10"/>
-          <p:cNvSpPr txBox="1"/>
+          <p:cNvSpPr txBox="1">
+            <a:spLocks noGrp="1"/>
+          </p:cNvSpPr>
           <p:nvPr>
-            <p:ph idx="1" type="body"/>
+            <p:ph type="body" idx="1"/>
           </p:nvPr>
         </p:nvSpPr>
         <p:spPr>
@@ -6584,11 +6799,11 @@
           </a:prstGeom>
         </p:spPr>
         <p:txBody>
-          <a:bodyPr anchorCtr="0" anchor="ctr" bIns="91425" lIns="91425" spcFirstLastPara="1" rIns="91425" wrap="square" tIns="91425">
+          <a:bodyPr spcFirstLastPara="1" wrap="square" lIns="91425" tIns="91425" rIns="91425" bIns="91425" anchor="ctr" anchorCtr="0">
             <a:normAutofit/>
           </a:bodyPr>
           <a:lstStyle>
-            <a:lvl1pPr indent="-228600" lvl="0" marL="457200">
+            <a:lvl1pPr marL="457200" lvl="0" indent="-228600">
               <a:lnSpc>
                 <a:spcPct val="100000"/>
               </a:lnSpc>
@@ -6603,15 +6818,19 @@
               <a:defRPr/>
             </a:lvl1pPr>
           </a:lstStyle>
-          <a:p/>
+          <a:p>
+            <a:endParaRPr/>
+          </a:p>
         </p:txBody>
       </p:sp>
       <p:sp>
         <p:nvSpPr>
           <p:cNvPr id="51" name="Google Shape;51;p10"/>
-          <p:cNvSpPr txBox="1"/>
+          <p:cNvSpPr txBox="1">
+            <a:spLocks noGrp="1"/>
+          </p:cNvSpPr>
           <p:nvPr>
-            <p:ph idx="12" type="sldNum"/>
+            <p:ph type="sldNum" idx="12"/>
           </p:nvPr>
         </p:nvSpPr>
         <p:spPr>
@@ -6624,7 +6843,7 @@
           </a:prstGeom>
         </p:spPr>
         <p:txBody>
-          <a:bodyPr anchorCtr="0" anchor="ctr" bIns="91425" lIns="91425" spcFirstLastPara="1" rIns="91425" wrap="square" tIns="91425">
+          <a:bodyPr spcFirstLastPara="1" wrap="square" lIns="91425" tIns="91425" rIns="91425" bIns="91425" anchor="ctr" anchorCtr="0">
             <a:normAutofit/>
           </a:bodyPr>
           <a:lstStyle>
@@ -6666,7 +6885,7 @@
             </a:lvl9pPr>
           </a:lstStyle>
           <a:p>
-            <a:pPr indent="0" lvl="0" marL="0" rtl="0" algn="r">
+            <a:pPr marL="0" lvl="0" indent="0" algn="r" rtl="0">
               <a:spcBef>
                 <a:spcPts val="0"/>
               </a:spcBef>
@@ -6692,18 +6911,19 @@
 </file>
 
 <file path=ppt/slideMasters/slideMaster1.xml><?xml version="1.0" encoding="utf-8"?>
-<p:sldMaster xmlns:a="http://schemas.openxmlformats.org/drawingml/2006/main" xmlns:r="http://schemas.openxmlformats.org/officeDocument/2006/relationships" xmlns:mc="http://schemas.openxmlformats.org/markup-compatibility/2006" xmlns:mv="urn:schemas-microsoft-com:mac:vml" xmlns:p="http://schemas.openxmlformats.org/presentationml/2006/main" xmlns:c="http://schemas.openxmlformats.org/drawingml/2006/chart" xmlns:dgm="http://schemas.openxmlformats.org/drawingml/2006/diagram" xmlns:o="urn:schemas-microsoft-com:office:office" xmlns:v="urn:schemas-microsoft-com:vml" xmlns:pvml="urn:schemas-microsoft-com:office:powerpoint" xmlns:com="http://schemas.openxmlformats.org/drawingml/2006/compatibility" xmlns:p14="http://schemas.microsoft.com/office/powerpoint/2010/main" xmlns:p15="http://schemas.microsoft.com/office/powerpoint/2012/main" xmlns:ahyp="http://schemas.microsoft.com/office/drawing/2018/hyperlinkcolor">
+<p:sldMaster xmlns:a="http://schemas.openxmlformats.org/drawingml/2006/main" xmlns:r="http://schemas.openxmlformats.org/officeDocument/2006/relationships" xmlns:p="http://schemas.openxmlformats.org/presentationml/2006/main">
   <p:cSld name="simple-light-2">
     <p:bg>
       <p:bgPr>
         <a:solidFill>
           <a:schemeClr val="lt1"/>
         </a:solidFill>
+        <a:effectLst/>
       </p:bgPr>
     </p:bg>
     <p:spTree>
       <p:nvGrpSpPr>
-        <p:cNvPr id="5" name="Shape 5"/>
+        <p:cNvPr id="1" name="Shape 5"/>
         <p:cNvGrpSpPr/>
         <p:nvPr/>
       </p:nvGrpSpPr>
@@ -6718,7 +6938,9 @@
       <p:sp>
         <p:nvSpPr>
           <p:cNvPr id="6" name="Google Shape;6;p1"/>
-          <p:cNvSpPr txBox="1"/>
+          <p:cNvSpPr txBox="1">
+            <a:spLocks noGrp="1"/>
+          </p:cNvSpPr>
           <p:nvPr>
             <p:ph type="title"/>
           </p:nvPr>
@@ -6737,7 +6959,7 @@
           </a:ln>
         </p:spPr>
         <p:txBody>
-          <a:bodyPr anchorCtr="0" anchor="t" bIns="91425" lIns="91425" spcFirstLastPara="1" rIns="91425" wrap="square" tIns="91425">
+          <a:bodyPr spcFirstLastPara="1" wrap="square" lIns="91425" tIns="91425" rIns="91425" bIns="91425" anchor="t" anchorCtr="0">
             <a:normAutofit/>
           </a:bodyPr>
           <a:lstStyle>
@@ -6904,15 +7126,19 @@
               </a:defRPr>
             </a:lvl9pPr>
           </a:lstStyle>
-          <a:p/>
+          <a:p>
+            <a:endParaRPr/>
+          </a:p>
         </p:txBody>
       </p:sp>
       <p:sp>
         <p:nvSpPr>
           <p:cNvPr id="7" name="Google Shape;7;p1"/>
-          <p:cNvSpPr txBox="1"/>
+          <p:cNvSpPr txBox="1">
+            <a:spLocks noGrp="1"/>
+          </p:cNvSpPr>
           <p:nvPr>
-            <p:ph idx="1" type="body"/>
+            <p:ph type="body" idx="1"/>
           </p:nvPr>
         </p:nvSpPr>
         <p:spPr>
@@ -6929,11 +7155,11 @@
           </a:ln>
         </p:spPr>
         <p:txBody>
-          <a:bodyPr anchorCtr="0" anchor="t" bIns="91425" lIns="91425" spcFirstLastPara="1" rIns="91425" wrap="square" tIns="91425">
+          <a:bodyPr spcFirstLastPara="1" wrap="square" lIns="91425" tIns="91425" rIns="91425" bIns="91425" anchor="t" anchorCtr="0">
             <a:normAutofit/>
           </a:bodyPr>
           <a:lstStyle>
-            <a:lvl1pPr indent="-342900" lvl="0" marL="457200">
+            <a:lvl1pPr marL="457200" lvl="0" indent="-342900">
               <a:lnSpc>
                 <a:spcPct val="115000"/>
               </a:lnSpc>
@@ -6954,7 +7180,7 @@
                 </a:solidFill>
               </a:defRPr>
             </a:lvl1pPr>
-            <a:lvl2pPr indent="-317500" lvl="1" marL="914400">
+            <a:lvl2pPr marL="914400" lvl="1" indent="-317500">
               <a:lnSpc>
                 <a:spcPct val="115000"/>
               </a:lnSpc>
@@ -6975,7 +7201,7 @@
                 </a:solidFill>
               </a:defRPr>
             </a:lvl2pPr>
-            <a:lvl3pPr indent="-317500" lvl="2" marL="1371600">
+            <a:lvl3pPr marL="1371600" lvl="2" indent="-317500">
               <a:lnSpc>
                 <a:spcPct val="115000"/>
               </a:lnSpc>
@@ -6996,7 +7222,7 @@
                 </a:solidFill>
               </a:defRPr>
             </a:lvl3pPr>
-            <a:lvl4pPr indent="-317500" lvl="3" marL="1828800">
+            <a:lvl4pPr marL="1828800" lvl="3" indent="-317500">
               <a:lnSpc>
                 <a:spcPct val="115000"/>
               </a:lnSpc>
@@ -7017,7 +7243,7 @@
                 </a:solidFill>
               </a:defRPr>
             </a:lvl4pPr>
-            <a:lvl5pPr indent="-317500" lvl="4" marL="2286000">
+            <a:lvl5pPr marL="2286000" lvl="4" indent="-317500">
               <a:lnSpc>
                 <a:spcPct val="115000"/>
               </a:lnSpc>
@@ -7038,7 +7264,7 @@
                 </a:solidFill>
               </a:defRPr>
             </a:lvl5pPr>
-            <a:lvl6pPr indent="-317500" lvl="5" marL="2743200">
+            <a:lvl6pPr marL="2743200" lvl="5" indent="-317500">
               <a:lnSpc>
                 <a:spcPct val="115000"/>
               </a:lnSpc>
@@ -7059,7 +7285,7 @@
                 </a:solidFill>
               </a:defRPr>
             </a:lvl6pPr>
-            <a:lvl7pPr indent="-317500" lvl="6" marL="3200400">
+            <a:lvl7pPr marL="3200400" lvl="6" indent="-317500">
               <a:lnSpc>
                 <a:spcPct val="115000"/>
               </a:lnSpc>
@@ -7080,7 +7306,7 @@
                 </a:solidFill>
               </a:defRPr>
             </a:lvl7pPr>
-            <a:lvl8pPr indent="-317500" lvl="7" marL="3657600">
+            <a:lvl8pPr marL="3657600" lvl="7" indent="-317500">
               <a:lnSpc>
                 <a:spcPct val="115000"/>
               </a:lnSpc>
@@ -7101,7 +7327,7 @@
                 </a:solidFill>
               </a:defRPr>
             </a:lvl8pPr>
-            <a:lvl9pPr indent="-317500" lvl="8" marL="4114800">
+            <a:lvl9pPr marL="4114800" lvl="8" indent="-317500">
               <a:lnSpc>
                 <a:spcPct val="115000"/>
               </a:lnSpc>
@@ -7123,15 +7349,19 @@
               </a:defRPr>
             </a:lvl9pPr>
           </a:lstStyle>
-          <a:p/>
+          <a:p>
+            <a:endParaRPr/>
+          </a:p>
         </p:txBody>
       </p:sp>
       <p:sp>
         <p:nvSpPr>
           <p:cNvPr id="8" name="Google Shape;8;p1"/>
-          <p:cNvSpPr txBox="1"/>
+          <p:cNvSpPr txBox="1">
+            <a:spLocks noGrp="1"/>
+          </p:cNvSpPr>
           <p:nvPr>
-            <p:ph idx="12" type="sldNum"/>
+            <p:ph type="sldNum" idx="12"/>
           </p:nvPr>
         </p:nvSpPr>
         <p:spPr>
@@ -7148,7 +7378,7 @@
           </a:ln>
         </p:spPr>
         <p:txBody>
-          <a:bodyPr anchorCtr="0" anchor="ctr" bIns="91425" lIns="91425" spcFirstLastPara="1" rIns="91425" wrap="square" tIns="91425">
+          <a:bodyPr spcFirstLastPara="1" wrap="square" lIns="91425" tIns="91425" rIns="91425" bIns="91425" anchor="ctr" anchorCtr="0">
             <a:normAutofit/>
           </a:bodyPr>
           <a:lstStyle>
@@ -7226,7 +7456,7 @@
             </a:lvl9pPr>
           </a:lstStyle>
           <a:p>
-            <a:pPr indent="0" lvl="0" marL="0" rtl="0" algn="r">
+            <a:pPr marL="0" lvl="0" indent="0" algn="r" rtl="0">
               <a:spcBef>
                 <a:spcPts val="0"/>
               </a:spcBef>
@@ -7250,7 +7480,7 @@
           <p:nvPr/>
         </p:nvPicPr>
         <p:blipFill>
-          <a:blip r:embed="rId1">
+          <a:blip r:embed="rId13">
             <a:alphaModFix/>
           </a:blip>
           <a:stretch>
@@ -7273,24 +7503,24 @@
       </p:pic>
     </p:spTree>
   </p:cSld>
-  <p:clrMap accent1="accent1" accent2="accent2" accent3="accent3" accent4="accent4" accent5="accent5" accent6="accent6" bg1="lt1" bg2="dk2" tx1="dk1" tx2="lt2" folHlink="folHlink" hlink="hlink"/>
+  <p:clrMap bg1="lt1" tx1="dk1" bg2="dk2" tx2="lt2" accent1="accent1" accent2="accent2" accent3="accent3" accent4="accent4" accent5="accent5" accent6="accent6" hlink="hlink" folHlink="folHlink"/>
   <p:sldLayoutIdLst>
-    <p:sldLayoutId id="2147483648" r:id="rId2"/>
-    <p:sldLayoutId id="2147483649" r:id="rId3"/>
-    <p:sldLayoutId id="2147483650" r:id="rId4"/>
-    <p:sldLayoutId id="2147483651" r:id="rId5"/>
-    <p:sldLayoutId id="2147483652" r:id="rId6"/>
-    <p:sldLayoutId id="2147483653" r:id="rId7"/>
-    <p:sldLayoutId id="2147483654" r:id="rId8"/>
-    <p:sldLayoutId id="2147483655" r:id="rId9"/>
-    <p:sldLayoutId id="2147483656" r:id="rId10"/>
-    <p:sldLayoutId id="2147483657" r:id="rId11"/>
-    <p:sldLayoutId id="2147483658" r:id="rId12"/>
+    <p:sldLayoutId id="2147483648" r:id="rId1"/>
+    <p:sldLayoutId id="2147483649" r:id="rId2"/>
+    <p:sldLayoutId id="2147483650" r:id="rId3"/>
+    <p:sldLayoutId id="2147483651" r:id="rId4"/>
+    <p:sldLayoutId id="2147483652" r:id="rId5"/>
+    <p:sldLayoutId id="2147483653" r:id="rId6"/>
+    <p:sldLayoutId id="2147483654" r:id="rId7"/>
+    <p:sldLayoutId id="2147483655" r:id="rId8"/>
+    <p:sldLayoutId id="2147483656" r:id="rId9"/>
+    <p:sldLayoutId id="2147483657" r:id="rId10"/>
+    <p:sldLayoutId id="2147483658" r:id="rId11"/>
   </p:sldLayoutIdLst>
-  <p:hf dt="0" ftr="0" hdr="0" sldNum="0"/>
+  <p:hf sldNum="0" hdr="0" ftr="0" dt="0"/>
   <p:txStyles>
     <p:titleStyle>
-      <a:defPPr lvl="0" marR="0" rtl="0" algn="l">
+      <a:defPPr marR="0" lvl="0" algn="l" rtl="0">
         <a:lnSpc>
           <a:spcPct val="100000"/>
         </a:lnSpc>
@@ -7301,7 +7531,7 @@
           <a:spcPts val="0"/>
         </a:spcAft>
       </a:defPPr>
-      <a:lvl1pPr lvl="0" marR="0" rtl="0" algn="l">
+      <a:lvl1pPr marR="0" lvl="0" algn="l" rtl="0">
         <a:lnSpc>
           <a:spcPct val="100000"/>
         </a:lnSpc>
@@ -7315,7 +7545,7 @@
           <a:srgbClr val="000000"/>
         </a:buClr>
         <a:buFont typeface="Arial"/>
-        <a:defRPr b="0" i="0" sz="1400" u="none" cap="none" strike="noStrike">
+        <a:defRPr sz="1400" b="0" i="0" u="none" strike="noStrike" cap="none">
           <a:solidFill>
             <a:srgbClr val="000000"/>
           </a:solidFill>
@@ -7325,7 +7555,7 @@
           <a:sym typeface="Arial"/>
         </a:defRPr>
       </a:lvl1pPr>
-      <a:lvl2pPr lvl="1" marR="0" rtl="0" algn="l">
+      <a:lvl2pPr marR="0" lvl="1" algn="l" rtl="0">
         <a:lnSpc>
           <a:spcPct val="100000"/>
         </a:lnSpc>
@@ -7339,7 +7569,7 @@
           <a:srgbClr val="000000"/>
         </a:buClr>
         <a:buFont typeface="Arial"/>
-        <a:defRPr b="0" i="0" sz="1400" u="none" cap="none" strike="noStrike">
+        <a:defRPr sz="1400" b="0" i="0" u="none" strike="noStrike" cap="none">
           <a:solidFill>
             <a:srgbClr val="000000"/>
           </a:solidFill>
@@ -7349,7 +7579,7 @@
           <a:sym typeface="Arial"/>
         </a:defRPr>
       </a:lvl2pPr>
-      <a:lvl3pPr lvl="2" marR="0" rtl="0" algn="l">
+      <a:lvl3pPr marR="0" lvl="2" algn="l" rtl="0">
         <a:lnSpc>
           <a:spcPct val="100000"/>
         </a:lnSpc>
@@ -7363,7 +7593,7 @@
           <a:srgbClr val="000000"/>
         </a:buClr>
         <a:buFont typeface="Arial"/>
-        <a:defRPr b="0" i="0" sz="1400" u="none" cap="none" strike="noStrike">
+        <a:defRPr sz="1400" b="0" i="0" u="none" strike="noStrike" cap="none">
           <a:solidFill>
             <a:srgbClr val="000000"/>
           </a:solidFill>
@@ -7373,7 +7603,7 @@
           <a:sym typeface="Arial"/>
         </a:defRPr>
       </a:lvl3pPr>
-      <a:lvl4pPr lvl="3" marR="0" rtl="0" algn="l">
+      <a:lvl4pPr marR="0" lvl="3" algn="l" rtl="0">
         <a:lnSpc>
           <a:spcPct val="100000"/>
         </a:lnSpc>
@@ -7387,7 +7617,7 @@
           <a:srgbClr val="000000"/>
         </a:buClr>
         <a:buFont typeface="Arial"/>
-        <a:defRPr b="0" i="0" sz="1400" u="none" cap="none" strike="noStrike">
+        <a:defRPr sz="1400" b="0" i="0" u="none" strike="noStrike" cap="none">
           <a:solidFill>
             <a:srgbClr val="000000"/>
           </a:solidFill>
@@ -7397,7 +7627,7 @@
           <a:sym typeface="Arial"/>
         </a:defRPr>
       </a:lvl4pPr>
-      <a:lvl5pPr lvl="4" marR="0" rtl="0" algn="l">
+      <a:lvl5pPr marR="0" lvl="4" algn="l" rtl="0">
         <a:lnSpc>
           <a:spcPct val="100000"/>
         </a:lnSpc>
@@ -7411,7 +7641,7 @@
           <a:srgbClr val="000000"/>
         </a:buClr>
         <a:buFont typeface="Arial"/>
-        <a:defRPr b="0" i="0" sz="1400" u="none" cap="none" strike="noStrike">
+        <a:defRPr sz="1400" b="0" i="0" u="none" strike="noStrike" cap="none">
           <a:solidFill>
             <a:srgbClr val="000000"/>
           </a:solidFill>
@@ -7421,7 +7651,7 @@
           <a:sym typeface="Arial"/>
         </a:defRPr>
       </a:lvl5pPr>
-      <a:lvl6pPr lvl="5" marR="0" rtl="0" algn="l">
+      <a:lvl6pPr marR="0" lvl="5" algn="l" rtl="0">
         <a:lnSpc>
           <a:spcPct val="100000"/>
         </a:lnSpc>
@@ -7435,7 +7665,7 @@
           <a:srgbClr val="000000"/>
         </a:buClr>
         <a:buFont typeface="Arial"/>
-        <a:defRPr b="0" i="0" sz="1400" u="none" cap="none" strike="noStrike">
+        <a:defRPr sz="1400" b="0" i="0" u="none" strike="noStrike" cap="none">
           <a:solidFill>
             <a:srgbClr val="000000"/>
           </a:solidFill>
@@ -7445,7 +7675,7 @@
           <a:sym typeface="Arial"/>
         </a:defRPr>
       </a:lvl6pPr>
-      <a:lvl7pPr lvl="6" marR="0" rtl="0" algn="l">
+      <a:lvl7pPr marR="0" lvl="6" algn="l" rtl="0">
         <a:lnSpc>
           <a:spcPct val="100000"/>
         </a:lnSpc>
@@ -7459,7 +7689,7 @@
           <a:srgbClr val="000000"/>
         </a:buClr>
         <a:buFont typeface="Arial"/>
-        <a:defRPr b="0" i="0" sz="1400" u="none" cap="none" strike="noStrike">
+        <a:defRPr sz="1400" b="0" i="0" u="none" strike="noStrike" cap="none">
           <a:solidFill>
             <a:srgbClr val="000000"/>
           </a:solidFill>
@@ -7469,7 +7699,7 @@
           <a:sym typeface="Arial"/>
         </a:defRPr>
       </a:lvl7pPr>
-      <a:lvl8pPr lvl="7" marR="0" rtl="0" algn="l">
+      <a:lvl8pPr marR="0" lvl="7" algn="l" rtl="0">
         <a:lnSpc>
           <a:spcPct val="100000"/>
         </a:lnSpc>
@@ -7483,7 +7713,7 @@
           <a:srgbClr val="000000"/>
         </a:buClr>
         <a:buFont typeface="Arial"/>
-        <a:defRPr b="0" i="0" sz="1400" u="none" cap="none" strike="noStrike">
+        <a:defRPr sz="1400" b="0" i="0" u="none" strike="noStrike" cap="none">
           <a:solidFill>
             <a:srgbClr val="000000"/>
           </a:solidFill>
@@ -7493,7 +7723,7 @@
           <a:sym typeface="Arial"/>
         </a:defRPr>
       </a:lvl8pPr>
-      <a:lvl9pPr lvl="8" marR="0" rtl="0" algn="l">
+      <a:lvl9pPr marR="0" lvl="8" algn="l" rtl="0">
         <a:lnSpc>
           <a:spcPct val="100000"/>
         </a:lnSpc>
@@ -7507,7 +7737,7 @@
           <a:srgbClr val="000000"/>
         </a:buClr>
         <a:buFont typeface="Arial"/>
-        <a:defRPr b="0" i="0" sz="1400" u="none" cap="none" strike="noStrike">
+        <a:defRPr sz="1400" b="0" i="0" u="none" strike="noStrike" cap="none">
           <a:solidFill>
             <a:srgbClr val="000000"/>
           </a:solidFill>
@@ -7519,7 +7749,7 @@
       </a:lvl9pPr>
     </p:titleStyle>
     <p:bodyStyle>
-      <a:defPPr lvl="0" marR="0" rtl="0" algn="l">
+      <a:defPPr marR="0" lvl="0" algn="l" rtl="0">
         <a:lnSpc>
           <a:spcPct val="100000"/>
         </a:lnSpc>
@@ -7530,7 +7760,7 @@
           <a:spcPts val="0"/>
         </a:spcAft>
       </a:defPPr>
-      <a:lvl1pPr lvl="0" marR="0" rtl="0" algn="l">
+      <a:lvl1pPr marR="0" lvl="0" algn="l" rtl="0">
         <a:lnSpc>
           <a:spcPct val="100000"/>
         </a:lnSpc>
@@ -7544,7 +7774,7 @@
           <a:srgbClr val="000000"/>
         </a:buClr>
         <a:buFont typeface="Arial"/>
-        <a:defRPr b="0" i="0" sz="1400" u="none" cap="none" strike="noStrike">
+        <a:defRPr sz="1400" b="0" i="0" u="none" strike="noStrike" cap="none">
           <a:solidFill>
             <a:srgbClr val="000000"/>
           </a:solidFill>
@@ -7554,7 +7784,7 @@
           <a:sym typeface="Arial"/>
         </a:defRPr>
       </a:lvl1pPr>
-      <a:lvl2pPr lvl="1" marR="0" rtl="0" algn="l">
+      <a:lvl2pPr marR="0" lvl="1" algn="l" rtl="0">
         <a:lnSpc>
           <a:spcPct val="100000"/>
         </a:lnSpc>
@@ -7568,7 +7798,7 @@
           <a:srgbClr val="000000"/>
         </a:buClr>
         <a:buFont typeface="Arial"/>
-        <a:defRPr b="0" i="0" sz="1400" u="none" cap="none" strike="noStrike">
+        <a:defRPr sz="1400" b="0" i="0" u="none" strike="noStrike" cap="none">
           <a:solidFill>
             <a:srgbClr val="000000"/>
           </a:solidFill>
@@ -7578,7 +7808,7 @@
           <a:sym typeface="Arial"/>
         </a:defRPr>
       </a:lvl2pPr>
-      <a:lvl3pPr lvl="2" marR="0" rtl="0" algn="l">
+      <a:lvl3pPr marR="0" lvl="2" algn="l" rtl="0">
         <a:lnSpc>
           <a:spcPct val="100000"/>
         </a:lnSpc>
@@ -7592,7 +7822,7 @@
           <a:srgbClr val="000000"/>
         </a:buClr>
         <a:buFont typeface="Arial"/>
-        <a:defRPr b="0" i="0" sz="1400" u="none" cap="none" strike="noStrike">
+        <a:defRPr sz="1400" b="0" i="0" u="none" strike="noStrike" cap="none">
           <a:solidFill>
             <a:srgbClr val="000000"/>
           </a:solidFill>
@@ -7602,7 +7832,7 @@
           <a:sym typeface="Arial"/>
         </a:defRPr>
       </a:lvl3pPr>
-      <a:lvl4pPr lvl="3" marR="0" rtl="0" algn="l">
+      <a:lvl4pPr marR="0" lvl="3" algn="l" rtl="0">
         <a:lnSpc>
           <a:spcPct val="100000"/>
         </a:lnSpc>
@@ -7616,7 +7846,7 @@
           <a:srgbClr val="000000"/>
         </a:buClr>
         <a:buFont typeface="Arial"/>
-        <a:defRPr b="0" i="0" sz="1400" u="none" cap="none" strike="noStrike">
+        <a:defRPr sz="1400" b="0" i="0" u="none" strike="noStrike" cap="none">
           <a:solidFill>
             <a:srgbClr val="000000"/>
           </a:solidFill>
@@ -7626,7 +7856,7 @@
           <a:sym typeface="Arial"/>
         </a:defRPr>
       </a:lvl4pPr>
-      <a:lvl5pPr lvl="4" marR="0" rtl="0" algn="l">
+      <a:lvl5pPr marR="0" lvl="4" algn="l" rtl="0">
         <a:lnSpc>
           <a:spcPct val="100000"/>
         </a:lnSpc>
@@ -7640,7 +7870,7 @@
           <a:srgbClr val="000000"/>
         </a:buClr>
         <a:buFont typeface="Arial"/>
-        <a:defRPr b="0" i="0" sz="1400" u="none" cap="none" strike="noStrike">
+        <a:defRPr sz="1400" b="0" i="0" u="none" strike="noStrike" cap="none">
           <a:solidFill>
             <a:srgbClr val="000000"/>
           </a:solidFill>
@@ -7650,7 +7880,7 @@
           <a:sym typeface="Arial"/>
         </a:defRPr>
       </a:lvl5pPr>
-      <a:lvl6pPr lvl="5" marR="0" rtl="0" algn="l">
+      <a:lvl6pPr marR="0" lvl="5" algn="l" rtl="0">
         <a:lnSpc>
           <a:spcPct val="100000"/>
         </a:lnSpc>
@@ -7664,7 +7894,7 @@
           <a:srgbClr val="000000"/>
         </a:buClr>
         <a:buFont typeface="Arial"/>
-        <a:defRPr b="0" i="0" sz="1400" u="none" cap="none" strike="noStrike">
+        <a:defRPr sz="1400" b="0" i="0" u="none" strike="noStrike" cap="none">
           <a:solidFill>
             <a:srgbClr val="000000"/>
           </a:solidFill>
@@ -7674,7 +7904,7 @@
           <a:sym typeface="Arial"/>
         </a:defRPr>
       </a:lvl6pPr>
-      <a:lvl7pPr lvl="6" marR="0" rtl="0" algn="l">
+      <a:lvl7pPr marR="0" lvl="6" algn="l" rtl="0">
         <a:lnSpc>
           <a:spcPct val="100000"/>
         </a:lnSpc>
@@ -7688,7 +7918,7 @@
           <a:srgbClr val="000000"/>
         </a:buClr>
         <a:buFont typeface="Arial"/>
-        <a:defRPr b="0" i="0" sz="1400" u="none" cap="none" strike="noStrike">
+        <a:defRPr sz="1400" b="0" i="0" u="none" strike="noStrike" cap="none">
           <a:solidFill>
             <a:srgbClr val="000000"/>
           </a:solidFill>
@@ -7698,7 +7928,7 @@
           <a:sym typeface="Arial"/>
         </a:defRPr>
       </a:lvl7pPr>
-      <a:lvl8pPr lvl="7" marR="0" rtl="0" algn="l">
+      <a:lvl8pPr marR="0" lvl="7" algn="l" rtl="0">
         <a:lnSpc>
           <a:spcPct val="100000"/>
         </a:lnSpc>
@@ -7712,7 +7942,7 @@
           <a:srgbClr val="000000"/>
         </a:buClr>
         <a:buFont typeface="Arial"/>
-        <a:defRPr b="0" i="0" sz="1400" u="none" cap="none" strike="noStrike">
+        <a:defRPr sz="1400" b="0" i="0" u="none" strike="noStrike" cap="none">
           <a:solidFill>
             <a:srgbClr val="000000"/>
           </a:solidFill>
@@ -7722,7 +7952,7 @@
           <a:sym typeface="Arial"/>
         </a:defRPr>
       </a:lvl8pPr>
-      <a:lvl9pPr lvl="8" marR="0" rtl="0" algn="l">
+      <a:lvl9pPr marR="0" lvl="8" algn="l" rtl="0">
         <a:lnSpc>
           <a:spcPct val="100000"/>
         </a:lnSpc>
@@ -7736,7 +7966,7 @@
           <a:srgbClr val="000000"/>
         </a:buClr>
         <a:buFont typeface="Arial"/>
-        <a:defRPr b="0" i="0" sz="1400" u="none" cap="none" strike="noStrike">
+        <a:defRPr sz="1400" b="0" i="0" u="none" strike="noStrike" cap="none">
           <a:solidFill>
             <a:srgbClr val="000000"/>
           </a:solidFill>
@@ -7748,7 +7978,7 @@
       </a:lvl9pPr>
     </p:bodyStyle>
     <p:otherStyle>
-      <a:defPPr lvl="0" marR="0" rtl="0" algn="l">
+      <a:defPPr marR="0" lvl="0" algn="l" rtl="0">
         <a:lnSpc>
           <a:spcPct val="100000"/>
         </a:lnSpc>
@@ -7759,7 +7989,7 @@
           <a:spcPts val="0"/>
         </a:spcAft>
       </a:defPPr>
-      <a:lvl1pPr lvl="0" marR="0" rtl="0" algn="l">
+      <a:lvl1pPr marR="0" lvl="0" algn="l" rtl="0">
         <a:lnSpc>
           <a:spcPct val="100000"/>
         </a:lnSpc>
@@ -7773,7 +8003,7 @@
           <a:srgbClr val="000000"/>
         </a:buClr>
         <a:buFont typeface="Arial"/>
-        <a:defRPr b="0" i="0" sz="1400" u="none" cap="none" strike="noStrike">
+        <a:defRPr sz="1400" b="0" i="0" u="none" strike="noStrike" cap="none">
           <a:solidFill>
             <a:srgbClr val="000000"/>
           </a:solidFill>
@@ -7783,7 +8013,7 @@
           <a:sym typeface="Arial"/>
         </a:defRPr>
       </a:lvl1pPr>
-      <a:lvl2pPr lvl="1" marR="0" rtl="0" algn="l">
+      <a:lvl2pPr marR="0" lvl="1" algn="l" rtl="0">
         <a:lnSpc>
           <a:spcPct val="100000"/>
         </a:lnSpc>
@@ -7797,7 +8027,7 @@
           <a:srgbClr val="000000"/>
         </a:buClr>
         <a:buFont typeface="Arial"/>
-        <a:defRPr b="0" i="0" sz="1400" u="none" cap="none" strike="noStrike">
+        <a:defRPr sz="1400" b="0" i="0" u="none" strike="noStrike" cap="none">
           <a:solidFill>
             <a:srgbClr val="000000"/>
           </a:solidFill>
@@ -7807,7 +8037,7 @@
           <a:sym typeface="Arial"/>
         </a:defRPr>
       </a:lvl2pPr>
-      <a:lvl3pPr lvl="2" marR="0" rtl="0" algn="l">
+      <a:lvl3pPr marR="0" lvl="2" algn="l" rtl="0">
         <a:lnSpc>
           <a:spcPct val="100000"/>
         </a:lnSpc>
@@ -7821,7 +8051,7 @@
           <a:srgbClr val="000000"/>
         </a:buClr>
         <a:buFont typeface="Arial"/>
-        <a:defRPr b="0" i="0" sz="1400" u="none" cap="none" strike="noStrike">
+        <a:defRPr sz="1400" b="0" i="0" u="none" strike="noStrike" cap="none">
           <a:solidFill>
             <a:srgbClr val="000000"/>
           </a:solidFill>
@@ -7831,7 +8061,7 @@
           <a:sym typeface="Arial"/>
         </a:defRPr>
       </a:lvl3pPr>
-      <a:lvl4pPr lvl="3" marR="0" rtl="0" algn="l">
+      <a:lvl4pPr marR="0" lvl="3" algn="l" rtl="0">
         <a:lnSpc>
           <a:spcPct val="100000"/>
         </a:lnSpc>
@@ -7845,7 +8075,7 @@
           <a:srgbClr val="000000"/>
         </a:buClr>
         <a:buFont typeface="Arial"/>
-        <a:defRPr b="0" i="0" sz="1400" u="none" cap="none" strike="noStrike">
+        <a:defRPr sz="1400" b="0" i="0" u="none" strike="noStrike" cap="none">
           <a:solidFill>
             <a:srgbClr val="000000"/>
           </a:solidFill>
@@ -7855,7 +8085,7 @@
           <a:sym typeface="Arial"/>
         </a:defRPr>
       </a:lvl4pPr>
-      <a:lvl5pPr lvl="4" marR="0" rtl="0" algn="l">
+      <a:lvl5pPr marR="0" lvl="4" algn="l" rtl="0">
         <a:lnSpc>
           <a:spcPct val="100000"/>
         </a:lnSpc>
@@ -7869,7 +8099,7 @@
           <a:srgbClr val="000000"/>
         </a:buClr>
         <a:buFont typeface="Arial"/>
-        <a:defRPr b="0" i="0" sz="1400" u="none" cap="none" strike="noStrike">
+        <a:defRPr sz="1400" b="0" i="0" u="none" strike="noStrike" cap="none">
           <a:solidFill>
             <a:srgbClr val="000000"/>
           </a:solidFill>
@@ -7879,7 +8109,7 @@
           <a:sym typeface="Arial"/>
         </a:defRPr>
       </a:lvl5pPr>
-      <a:lvl6pPr lvl="5" marR="0" rtl="0" algn="l">
+      <a:lvl6pPr marR="0" lvl="5" algn="l" rtl="0">
         <a:lnSpc>
           <a:spcPct val="100000"/>
         </a:lnSpc>
@@ -7893,7 +8123,7 @@
           <a:srgbClr val="000000"/>
         </a:buClr>
         <a:buFont typeface="Arial"/>
-        <a:defRPr b="0" i="0" sz="1400" u="none" cap="none" strike="noStrike">
+        <a:defRPr sz="1400" b="0" i="0" u="none" strike="noStrike" cap="none">
           <a:solidFill>
             <a:srgbClr val="000000"/>
           </a:solidFill>
@@ -7903,7 +8133,7 @@
           <a:sym typeface="Arial"/>
         </a:defRPr>
       </a:lvl6pPr>
-      <a:lvl7pPr lvl="6" marR="0" rtl="0" algn="l">
+      <a:lvl7pPr marR="0" lvl="6" algn="l" rtl="0">
         <a:lnSpc>
           <a:spcPct val="100000"/>
         </a:lnSpc>
@@ -7917,7 +8147,7 @@
           <a:srgbClr val="000000"/>
         </a:buClr>
         <a:buFont typeface="Arial"/>
-        <a:defRPr b="0" i="0" sz="1400" u="none" cap="none" strike="noStrike">
+        <a:defRPr sz="1400" b="0" i="0" u="none" strike="noStrike" cap="none">
           <a:solidFill>
             <a:srgbClr val="000000"/>
           </a:solidFill>
@@ -7927,7 +8157,7 @@
           <a:sym typeface="Arial"/>
         </a:defRPr>
       </a:lvl7pPr>
-      <a:lvl8pPr lvl="7" marR="0" rtl="0" algn="l">
+      <a:lvl8pPr marR="0" lvl="7" algn="l" rtl="0">
         <a:lnSpc>
           <a:spcPct val="100000"/>
         </a:lnSpc>
@@ -7941,7 +8171,7 @@
           <a:srgbClr val="000000"/>
         </a:buClr>
         <a:buFont typeface="Arial"/>
-        <a:defRPr b="0" i="0" sz="1400" u="none" cap="none" strike="noStrike">
+        <a:defRPr sz="1400" b="0" i="0" u="none" strike="noStrike" cap="none">
           <a:solidFill>
             <a:srgbClr val="000000"/>
           </a:solidFill>
@@ -7951,7 +8181,7 @@
           <a:sym typeface="Arial"/>
         </a:defRPr>
       </a:lvl8pPr>
-      <a:lvl9pPr lvl="8" marR="0" rtl="0" algn="l">
+      <a:lvl9pPr marR="0" lvl="8" algn="l" rtl="0">
         <a:lnSpc>
           <a:spcPct val="100000"/>
         </a:lnSpc>
@@ -7965,7 +8195,7 @@
           <a:srgbClr val="000000"/>
         </a:buClr>
         <a:buFont typeface="Arial"/>
-        <a:defRPr b="0" i="0" sz="1400" u="none" cap="none" strike="noStrike">
+        <a:defRPr sz="1400" b="0" i="0" u="none" strike="noStrike" cap="none">
           <a:solidFill>
             <a:srgbClr val="000000"/>
           </a:solidFill>
@@ -7981,11 +8211,11 @@
 </file>
 
 <file path=ppt/slides/slide1.xml><?xml version="1.0" encoding="utf-8"?>
-<p:sld xmlns:a="http://schemas.openxmlformats.org/drawingml/2006/main" xmlns:r="http://schemas.openxmlformats.org/officeDocument/2006/relationships" xmlns:mc="http://schemas.openxmlformats.org/markup-compatibility/2006" xmlns:mv="urn:schemas-microsoft-com:mac:vml" xmlns:p="http://schemas.openxmlformats.org/presentationml/2006/main" xmlns:c="http://schemas.openxmlformats.org/drawingml/2006/chart" xmlns:dgm="http://schemas.openxmlformats.org/drawingml/2006/diagram" xmlns:o="urn:schemas-microsoft-com:office:office" xmlns:v="urn:schemas-microsoft-com:vml" xmlns:pvml="urn:schemas-microsoft-com:office:powerpoint" xmlns:com="http://schemas.openxmlformats.org/drawingml/2006/compatibility" xmlns:p14="http://schemas.microsoft.com/office/powerpoint/2010/main" xmlns:p15="http://schemas.microsoft.com/office/powerpoint/2012/main" xmlns:ahyp="http://schemas.microsoft.com/office/drawing/2018/hyperlinkcolor">
+<p:sld xmlns:a="http://schemas.openxmlformats.org/drawingml/2006/main" xmlns:r="http://schemas.openxmlformats.org/officeDocument/2006/relationships" xmlns:p="http://schemas.openxmlformats.org/presentationml/2006/main">
   <p:cSld>
     <p:spTree>
       <p:nvGrpSpPr>
-        <p:cNvPr id="61" name="Shape 61"/>
+        <p:cNvPr id="1" name="Shape 61"/>
         <p:cNvGrpSpPr/>
         <p:nvPr/>
       </p:nvGrpSpPr>
@@ -8000,7 +8230,9 @@
       <p:sp>
         <p:nvSpPr>
           <p:cNvPr id="62" name="Google Shape;62;p13"/>
-          <p:cNvSpPr txBox="1"/>
+          <p:cNvSpPr txBox="1">
+            <a:spLocks noGrp="1"/>
+          </p:cNvSpPr>
           <p:nvPr>
             <p:ph type="ctrTitle"/>
           </p:nvPr>
@@ -8015,12 +8247,12 @@
           </a:prstGeom>
         </p:spPr>
         <p:txBody>
-          <a:bodyPr anchorCtr="0" anchor="b" bIns="91425" lIns="91425" spcFirstLastPara="1" rIns="91425" wrap="square" tIns="91425">
+          <a:bodyPr spcFirstLastPara="1" wrap="square" lIns="91425" tIns="91425" rIns="91425" bIns="91425" anchor="b" anchorCtr="0">
             <a:normAutofit/>
           </a:bodyPr>
           <a:lstStyle/>
           <a:p>
-            <a:pPr indent="0" lvl="0" marL="0" rtl="0" algn="ctr">
+            <a:pPr marL="0" lvl="0" indent="0" algn="ctr" rtl="0">
               <a:spcBef>
                 <a:spcPts val="0"/>
               </a:spcBef>
@@ -8040,9 +8272,11 @@
       <p:sp>
         <p:nvSpPr>
           <p:cNvPr id="63" name="Google Shape;63;p13"/>
-          <p:cNvSpPr txBox="1"/>
+          <p:cNvSpPr txBox="1">
+            <a:spLocks noGrp="1"/>
+          </p:cNvSpPr>
           <p:nvPr>
-            <p:ph idx="1" type="subTitle"/>
+            <p:ph type="subTitle" idx="1"/>
           </p:nvPr>
         </p:nvSpPr>
         <p:spPr>
@@ -8055,12 +8289,12 @@
           </a:prstGeom>
         </p:spPr>
         <p:txBody>
-          <a:bodyPr anchorCtr="0" anchor="t" bIns="91425" lIns="91425" spcFirstLastPara="1" rIns="91425" wrap="square" tIns="91425">
+          <a:bodyPr spcFirstLastPara="1" wrap="square" lIns="91425" tIns="91425" rIns="91425" bIns="91425" anchor="t" anchorCtr="0">
             <a:normAutofit/>
           </a:bodyPr>
           <a:lstStyle/>
           <a:p>
-            <a:pPr indent="0" lvl="0" marL="0" rtl="0" algn="ctr">
+            <a:pPr marL="0" lvl="0" indent="0" algn="ctr" rtl="0">
               <a:spcBef>
                 <a:spcPts val="0"/>
               </a:spcBef>
@@ -8080,9 +8314,11 @@
       <p:sp>
         <p:nvSpPr>
           <p:cNvPr id="64" name="Google Shape;64;p13"/>
-          <p:cNvSpPr txBox="1"/>
+          <p:cNvSpPr txBox="1">
+            <a:spLocks noGrp="1"/>
+          </p:cNvSpPr>
           <p:nvPr>
-            <p:ph idx="2" type="subTitle"/>
+            <p:ph type="subTitle" idx="2"/>
           </p:nvPr>
         </p:nvSpPr>
         <p:spPr>
@@ -8095,12 +8331,44 @@
           </a:prstGeom>
         </p:spPr>
         <p:txBody>
-          <a:bodyPr anchorCtr="0" anchor="t" bIns="91425" lIns="91425" spcFirstLastPara="1" rIns="91425" wrap="square" tIns="91425">
+          <a:bodyPr spcFirstLastPara="1" wrap="square" lIns="91425" tIns="91425" rIns="91425" bIns="91425" anchor="t" anchorCtr="0">
             <a:normAutofit fontScale="77500" lnSpcReduction="20000"/>
           </a:bodyPr>
           <a:lstStyle/>
           <a:p>
-            <a:pPr indent="0" lvl="0" marL="0" rtl="0" algn="ctr">
+            <a:pPr marL="0" lvl="0" indent="0" algn="ctr" rtl="0">
+              <a:spcBef>
+                <a:spcPts val="0"/>
+              </a:spcBef>
+              <a:spcAft>
+                <a:spcPts val="0"/>
+              </a:spcAft>
+              <a:buNone/>
+            </a:pPr>
+            <a:r>
+              <a:rPr lang="en-US" dirty="0"/>
+              <a:t>Naomi Alterman</a:t>
+            </a:r>
+            <a:endParaRPr dirty="0"/>
+          </a:p>
+          <a:p>
+            <a:pPr marL="0" lvl="0" indent="0" algn="ctr" rtl="0">
+              <a:spcBef>
+                <a:spcPts val="0"/>
+              </a:spcBef>
+              <a:spcAft>
+                <a:spcPts val="0"/>
+              </a:spcAft>
+              <a:buNone/>
+            </a:pPr>
+            <a:r>
+              <a:rPr lang="en" dirty="0"/>
+              <a:t>University of Washington</a:t>
+            </a:r>
+            <a:endParaRPr dirty="0"/>
+          </a:p>
+          <a:p>
+            <a:pPr marL="0" lvl="0" indent="0" algn="ctr" rtl="0">
               <a:spcBef>
                 <a:spcPts val="0"/>
               </a:spcBef>
@@ -8111,41 +8379,9 @@
             </a:pPr>
             <a:r>
               <a:rPr lang="en"/>
-              <a:t>Melissa Winstanley</a:t>
-            </a:r>
-            <a:endParaRPr/>
-          </a:p>
-          <a:p>
-            <a:pPr indent="0" lvl="0" marL="0" rtl="0" algn="ctr">
-              <a:spcBef>
-                <a:spcPts val="0"/>
-              </a:spcBef>
-              <a:spcAft>
-                <a:spcPts val="0"/>
-              </a:spcAft>
-              <a:buNone/>
-            </a:pPr>
-            <a:r>
-              <a:rPr lang="en"/>
-              <a:t>University of Washington</a:t>
-            </a:r>
-            <a:endParaRPr/>
-          </a:p>
-          <a:p>
-            <a:pPr indent="0" lvl="0" marL="0" rtl="0" algn="ctr">
-              <a:spcBef>
-                <a:spcPts val="0"/>
-              </a:spcBef>
-              <a:spcAft>
-                <a:spcPts val="0"/>
-              </a:spcAft>
-              <a:buNone/>
-            </a:pPr>
-            <a:r>
-              <a:rPr lang="en"/>
-              <a:t>January 23, 2025</a:t>
-            </a:r>
-            <a:endParaRPr/>
+              <a:t>January 20, 2026</a:t>
+            </a:r>
+            <a:endParaRPr dirty="0"/>
           </a:p>
         </p:txBody>
       </p:sp>
@@ -8158,11 +8394,11 @@
 </file>
 
 <file path=ppt/slides/slide10.xml><?xml version="1.0" encoding="utf-8"?>
-<p:sld xmlns:a="http://schemas.openxmlformats.org/drawingml/2006/main" xmlns:r="http://schemas.openxmlformats.org/officeDocument/2006/relationships" xmlns:mc="http://schemas.openxmlformats.org/markup-compatibility/2006" xmlns:mv="urn:schemas-microsoft-com:mac:vml" xmlns:p="http://schemas.openxmlformats.org/presentationml/2006/main" xmlns:c="http://schemas.openxmlformats.org/drawingml/2006/chart" xmlns:dgm="http://schemas.openxmlformats.org/drawingml/2006/diagram" xmlns:o="urn:schemas-microsoft-com:office:office" xmlns:v="urn:schemas-microsoft-com:vml" xmlns:pvml="urn:schemas-microsoft-com:office:powerpoint" xmlns:com="http://schemas.openxmlformats.org/drawingml/2006/compatibility" xmlns:p14="http://schemas.microsoft.com/office/powerpoint/2010/main" xmlns:p15="http://schemas.microsoft.com/office/powerpoint/2012/main" xmlns:ahyp="http://schemas.microsoft.com/office/drawing/2018/hyperlinkcolor">
+<p:sld xmlns:a="http://schemas.openxmlformats.org/drawingml/2006/main" xmlns:r="http://schemas.openxmlformats.org/officeDocument/2006/relationships" xmlns:p="http://schemas.openxmlformats.org/presentationml/2006/main">
   <p:cSld>
     <p:spTree>
       <p:nvGrpSpPr>
-        <p:cNvPr id="154" name="Shape 154"/>
+        <p:cNvPr id="1" name="Shape 154"/>
         <p:cNvGrpSpPr/>
         <p:nvPr/>
       </p:nvGrpSpPr>
@@ -8177,7 +8413,9 @@
       <p:sp>
         <p:nvSpPr>
           <p:cNvPr id="155" name="Google Shape;155;p22"/>
-          <p:cNvSpPr txBox="1"/>
+          <p:cNvSpPr txBox="1">
+            <a:spLocks noGrp="1"/>
+          </p:cNvSpPr>
           <p:nvPr>
             <p:ph type="title"/>
           </p:nvPr>
@@ -8192,12 +8430,12 @@
           </a:prstGeom>
         </p:spPr>
         <p:txBody>
-          <a:bodyPr anchorCtr="0" anchor="t" bIns="91425" lIns="91425" spcFirstLastPara="1" rIns="91425" wrap="square" tIns="91425">
+          <a:bodyPr spcFirstLastPara="1" wrap="square" lIns="91425" tIns="91425" rIns="91425" bIns="91425" anchor="t" anchorCtr="0">
             <a:normAutofit fontScale="90000"/>
           </a:bodyPr>
           <a:lstStyle/>
           <a:p>
-            <a:pPr indent="0" lvl="0" marL="0" rtl="0" algn="l">
+            <a:pPr marL="0" lvl="0" indent="0" algn="l" rtl="0">
               <a:spcBef>
                 <a:spcPts val="0"/>
               </a:spcBef>
@@ -8217,9 +8455,11 @@
       <p:sp>
         <p:nvSpPr>
           <p:cNvPr id="156" name="Google Shape;156;p22"/>
-          <p:cNvSpPr txBox="1"/>
+          <p:cNvSpPr txBox="1">
+            <a:spLocks noGrp="1"/>
+          </p:cNvSpPr>
           <p:nvPr>
-            <p:ph idx="1" type="body"/>
+            <p:ph type="body" idx="1"/>
           </p:nvPr>
         </p:nvSpPr>
         <p:spPr>
@@ -8232,12 +8472,12 @@
           </a:prstGeom>
         </p:spPr>
         <p:txBody>
-          <a:bodyPr anchorCtr="0" anchor="t" bIns="91425" lIns="91425" spcFirstLastPara="1" rIns="91425" wrap="square" tIns="91425">
+          <a:bodyPr spcFirstLastPara="1" wrap="square" lIns="91425" tIns="91425" rIns="91425" bIns="91425" anchor="t" anchorCtr="0">
             <a:normAutofit lnSpcReduction="10000"/>
           </a:bodyPr>
           <a:lstStyle/>
           <a:p>
-            <a:pPr indent="0" lvl="0" marL="0" rtl="0" algn="l">
+            <a:pPr marL="0" lvl="0" indent="0" algn="l" rtl="0">
               <a:spcBef>
                 <a:spcPts val="0"/>
               </a:spcBef>
@@ -8253,7 +8493,7 @@
             <a:endParaRPr/>
           </a:p>
           <a:p>
-            <a:pPr indent="-342900" lvl="0" marL="457200" rtl="0" algn="l">
+            <a:pPr marL="457200" lvl="0" indent="-342900" algn="l" rtl="0">
               <a:spcBef>
                 <a:spcPts val="1200"/>
               </a:spcBef>
@@ -8270,7 +8510,7 @@
             <a:endParaRPr/>
           </a:p>
           <a:p>
-            <a:pPr indent="-342900" lvl="0" marL="457200" rtl="0" algn="l">
+            <a:pPr marL="457200" lvl="0" indent="-342900" algn="l" rtl="0">
               <a:spcBef>
                 <a:spcPts val="0"/>
               </a:spcBef>
@@ -8287,7 +8527,7 @@
             <a:endParaRPr/>
           </a:p>
           <a:p>
-            <a:pPr indent="-342900" lvl="0" marL="457200" rtl="0" algn="l">
+            <a:pPr marL="457200" lvl="0" indent="-342900" algn="l" rtl="0">
               <a:spcBef>
                 <a:spcPts val="0"/>
               </a:spcBef>
@@ -8304,7 +8544,7 @@
             <a:endParaRPr/>
           </a:p>
           <a:p>
-            <a:pPr indent="-342900" lvl="0" marL="457200" rtl="0" algn="l">
+            <a:pPr marL="457200" lvl="0" indent="-342900" algn="l" rtl="0">
               <a:spcBef>
                 <a:spcPts val="0"/>
               </a:spcBef>
@@ -8321,7 +8561,7 @@
             <a:endParaRPr/>
           </a:p>
           <a:p>
-            <a:pPr indent="-342900" lvl="0" marL="457200" rtl="0" algn="l">
+            <a:pPr marL="457200" lvl="0" indent="-342900" algn="l" rtl="0">
               <a:spcBef>
                 <a:spcPts val="0"/>
               </a:spcBef>
@@ -8338,7 +8578,7 @@
             <a:endParaRPr/>
           </a:p>
           <a:p>
-            <a:pPr indent="-342900" lvl="0" marL="457200" rtl="0" algn="l">
+            <a:pPr marL="457200" lvl="0" indent="-342900" algn="l" rtl="0">
               <a:spcBef>
                 <a:spcPts val="0"/>
               </a:spcBef>
@@ -8355,7 +8595,7 @@
             <a:endParaRPr/>
           </a:p>
           <a:p>
-            <a:pPr indent="0" lvl="0" marL="0" rtl="0" algn="l">
+            <a:pPr marL="0" lvl="0" indent="0" algn="l" rtl="0">
               <a:spcBef>
                 <a:spcPts val="1200"/>
               </a:spcBef>
@@ -8365,13 +8605,13 @@
               <a:buNone/>
             </a:pPr>
             <a:r>
-              <a:rPr b="1" lang="en"/>
+              <a:rPr lang="en" b="1"/>
               <a:t>Due by 12pm Thursday 2/6 via Canvas (I need time to compile the deck!)</a:t>
             </a:r>
             <a:endParaRPr b="1"/>
           </a:p>
           <a:p>
-            <a:pPr indent="0" lvl="0" marL="0" rtl="0" algn="l">
+            <a:pPr marL="0" lvl="0" indent="0" algn="l" rtl="0">
               <a:spcBef>
                 <a:spcPts val="1200"/>
               </a:spcBef>
@@ -8387,7 +8627,7 @@
             <a:endParaRPr/>
           </a:p>
           <a:p>
-            <a:pPr indent="0" lvl="0" marL="0" rtl="0" algn="l">
+            <a:pPr marL="0" lvl="0" indent="0" algn="l" rtl="0">
               <a:spcBef>
                 <a:spcPts val="1200"/>
               </a:spcBef>
@@ -8418,11 +8658,11 @@
 </file>
 
 <file path=ppt/slides/slide11.xml><?xml version="1.0" encoding="utf-8"?>
-<p:sld xmlns:a="http://schemas.openxmlformats.org/drawingml/2006/main" xmlns:r="http://schemas.openxmlformats.org/officeDocument/2006/relationships" xmlns:mc="http://schemas.openxmlformats.org/markup-compatibility/2006" xmlns:mv="urn:schemas-microsoft-com:mac:vml" xmlns:p="http://schemas.openxmlformats.org/presentationml/2006/main" xmlns:c="http://schemas.openxmlformats.org/drawingml/2006/chart" xmlns:dgm="http://schemas.openxmlformats.org/drawingml/2006/diagram" xmlns:o="urn:schemas-microsoft-com:office:office" xmlns:v="urn:schemas-microsoft-com:vml" xmlns:pvml="urn:schemas-microsoft-com:office:powerpoint" xmlns:com="http://schemas.openxmlformats.org/drawingml/2006/compatibility" xmlns:p14="http://schemas.microsoft.com/office/powerpoint/2010/main" xmlns:p15="http://schemas.microsoft.com/office/powerpoint/2012/main" xmlns:ahyp="http://schemas.microsoft.com/office/drawing/2018/hyperlinkcolor">
+<p:sld xmlns:a="http://schemas.openxmlformats.org/drawingml/2006/main" xmlns:r="http://schemas.openxmlformats.org/officeDocument/2006/relationships" xmlns:p="http://schemas.openxmlformats.org/presentationml/2006/main">
   <p:cSld>
     <p:spTree>
       <p:nvGrpSpPr>
-        <p:cNvPr id="160" name="Shape 160"/>
+        <p:cNvPr id="1" name="Shape 160"/>
         <p:cNvGrpSpPr/>
         <p:nvPr/>
       </p:nvGrpSpPr>
@@ -8437,7 +8677,9 @@
       <p:sp>
         <p:nvSpPr>
           <p:cNvPr id="161" name="Google Shape;161;p23"/>
-          <p:cNvSpPr txBox="1"/>
+          <p:cNvSpPr txBox="1">
+            <a:spLocks noGrp="1"/>
+          </p:cNvSpPr>
           <p:nvPr>
             <p:ph type="title"/>
           </p:nvPr>
@@ -8452,12 +8694,12 @@
           </a:prstGeom>
         </p:spPr>
         <p:txBody>
-          <a:bodyPr anchorCtr="0" anchor="t" bIns="91425" lIns="91425" spcFirstLastPara="1" rIns="91425" wrap="square" tIns="91425">
+          <a:bodyPr spcFirstLastPara="1" wrap="square" lIns="91425" tIns="91425" rIns="91425" bIns="91425" anchor="t" anchorCtr="0">
             <a:normAutofit fontScale="90000"/>
           </a:bodyPr>
           <a:lstStyle/>
           <a:p>
-            <a:pPr indent="0" lvl="0" marL="0" rtl="0" algn="l">
+            <a:pPr marL="0" lvl="0" indent="0" algn="l" rtl="0">
               <a:spcBef>
                 <a:spcPts val="0"/>
               </a:spcBef>
@@ -8477,9 +8719,11 @@
       <p:sp>
         <p:nvSpPr>
           <p:cNvPr id="162" name="Google Shape;162;p23"/>
-          <p:cNvSpPr txBox="1"/>
+          <p:cNvSpPr txBox="1">
+            <a:spLocks noGrp="1"/>
+          </p:cNvSpPr>
           <p:nvPr>
-            <p:ph idx="1" type="body"/>
+            <p:ph type="body" idx="1"/>
           </p:nvPr>
         </p:nvSpPr>
         <p:spPr>
@@ -8492,12 +8736,12 @@
           </a:prstGeom>
         </p:spPr>
         <p:txBody>
-          <a:bodyPr anchorCtr="0" anchor="t" bIns="91425" lIns="91425" spcFirstLastPara="1" rIns="91425" wrap="square" tIns="91425">
+          <a:bodyPr spcFirstLastPara="1" wrap="square" lIns="91425" tIns="91425" rIns="91425" bIns="91425" anchor="t" anchorCtr="0">
             <a:normAutofit lnSpcReduction="10000"/>
           </a:bodyPr>
           <a:lstStyle/>
           <a:p>
-            <a:pPr indent="0" lvl="0" marL="0" rtl="0" algn="l">
+            <a:pPr marL="0" lvl="0" indent="0" algn="l" rtl="0">
               <a:spcBef>
                 <a:spcPts val="0"/>
               </a:spcBef>
@@ -8513,7 +8757,7 @@
             <a:endParaRPr/>
           </a:p>
           <a:p>
-            <a:pPr indent="-342900" lvl="0" marL="914400" rtl="0" algn="l">
+            <a:pPr marL="914400" lvl="0" indent="-342900" algn="l" rtl="0">
               <a:spcBef>
                 <a:spcPts val="1200"/>
               </a:spcBef>
@@ -8530,7 +8774,7 @@
             <a:endParaRPr/>
           </a:p>
           <a:p>
-            <a:pPr indent="0" lvl="0" marL="0" rtl="0" algn="l">
+            <a:pPr marL="0" lvl="0" indent="0" algn="l" rtl="0">
               <a:spcBef>
                 <a:spcPts val="1200"/>
               </a:spcBef>
@@ -8546,7 +8790,7 @@
             <a:endParaRPr/>
           </a:p>
           <a:p>
-            <a:pPr indent="-342900" lvl="0" marL="914400" rtl="0" algn="l">
+            <a:pPr marL="914400" lvl="0" indent="-342900" algn="l" rtl="0">
               <a:spcBef>
                 <a:spcPts val="1200"/>
               </a:spcBef>
@@ -8563,7 +8807,7 @@
             <a:endParaRPr/>
           </a:p>
           <a:p>
-            <a:pPr indent="-342900" lvl="0" marL="914400" rtl="0" algn="l">
+            <a:pPr marL="914400" lvl="0" indent="-342900" algn="l" rtl="0">
               <a:spcBef>
                 <a:spcPts val="0"/>
               </a:spcBef>
@@ -8580,7 +8824,7 @@
             <a:endParaRPr/>
           </a:p>
           <a:p>
-            <a:pPr indent="-342900" lvl="0" marL="914400" rtl="0" algn="l">
+            <a:pPr marL="914400" lvl="0" indent="-342900" algn="l" rtl="0">
               <a:spcBef>
                 <a:spcPts val="0"/>
               </a:spcBef>
@@ -8592,16 +8836,12 @@
             </a:pPr>
             <a:r>
               <a:rPr lang="en"/>
-              <a:t>If you’d prefer, I’m </a:t>
-            </a:r>
-            <a:r>
-              <a:rPr lang="en"/>
-              <a:t>happy to help find a group for you, particularly if your team has just 1-2 people</a:t>
+              <a:t>If you’d prefer, I’m happy to help find a group for you, particularly if your team has just 1-2 people</a:t>
             </a:r>
             <a:endParaRPr/>
           </a:p>
           <a:p>
-            <a:pPr indent="-342900" lvl="0" marL="914400" rtl="0" algn="l">
+            <a:pPr marL="914400" lvl="0" indent="-342900" algn="l" rtl="0">
               <a:spcBef>
                 <a:spcPts val="0"/>
               </a:spcBef>
@@ -8618,7 +8858,7 @@
             <a:endParaRPr/>
           </a:p>
           <a:p>
-            <a:pPr indent="-317500" lvl="1" marL="1371600" rtl="0" algn="l">
+            <a:pPr marL="1371600" lvl="1" indent="-317500" algn="l" rtl="0">
               <a:spcBef>
                 <a:spcPts val="0"/>
               </a:spcBef>
@@ -8635,7 +8875,7 @@
             <a:endParaRPr/>
           </a:p>
           <a:p>
-            <a:pPr indent="-317500" lvl="1" marL="1371600" rtl="0" algn="l">
+            <a:pPr marL="1371600" lvl="1" indent="-317500" algn="l" rtl="0">
               <a:spcBef>
                 <a:spcPts val="0"/>
               </a:spcBef>
@@ -8662,11 +8902,11 @@
 </file>
 
 <file path=ppt/slides/slide12.xml><?xml version="1.0" encoding="utf-8"?>
-<p:sld xmlns:a="http://schemas.openxmlformats.org/drawingml/2006/main" xmlns:r="http://schemas.openxmlformats.org/officeDocument/2006/relationships" xmlns:mc="http://schemas.openxmlformats.org/markup-compatibility/2006" xmlns:mv="urn:schemas-microsoft-com:mac:vml" xmlns:p="http://schemas.openxmlformats.org/presentationml/2006/main" xmlns:c="http://schemas.openxmlformats.org/drawingml/2006/chart" xmlns:dgm="http://schemas.openxmlformats.org/drawingml/2006/diagram" xmlns:o="urn:schemas-microsoft-com:office:office" xmlns:v="urn:schemas-microsoft-com:vml" xmlns:pvml="urn:schemas-microsoft-com:office:powerpoint" xmlns:com="http://schemas.openxmlformats.org/drawingml/2006/compatibility" xmlns:p14="http://schemas.microsoft.com/office/powerpoint/2010/main" xmlns:p15="http://schemas.microsoft.com/office/powerpoint/2012/main" xmlns:ahyp="http://schemas.microsoft.com/office/drawing/2018/hyperlinkcolor">
+<p:sld xmlns:a="http://schemas.openxmlformats.org/drawingml/2006/main" xmlns:r="http://schemas.openxmlformats.org/officeDocument/2006/relationships" xmlns:p="http://schemas.openxmlformats.org/presentationml/2006/main">
   <p:cSld>
     <p:spTree>
       <p:nvGrpSpPr>
-        <p:cNvPr id="166" name="Shape 166"/>
+        <p:cNvPr id="1" name="Shape 166"/>
         <p:cNvGrpSpPr/>
         <p:nvPr/>
       </p:nvGrpSpPr>
@@ -8681,7 +8921,9 @@
       <p:sp>
         <p:nvSpPr>
           <p:cNvPr id="167" name="Google Shape;167;p24"/>
-          <p:cNvSpPr txBox="1"/>
+          <p:cNvSpPr txBox="1">
+            <a:spLocks noGrp="1"/>
+          </p:cNvSpPr>
           <p:nvPr>
             <p:ph type="title"/>
           </p:nvPr>
@@ -8696,12 +8938,12 @@
           </a:prstGeom>
         </p:spPr>
         <p:txBody>
-          <a:bodyPr anchorCtr="0" anchor="t" bIns="91425" lIns="91425" spcFirstLastPara="1" rIns="91425" wrap="square" tIns="91425">
+          <a:bodyPr spcFirstLastPara="1" wrap="square" lIns="91425" tIns="91425" rIns="91425" bIns="91425" anchor="t" anchorCtr="0">
             <a:normAutofit fontScale="90000"/>
           </a:bodyPr>
           <a:lstStyle/>
           <a:p>
-            <a:pPr indent="0" lvl="0" marL="0" rtl="0" algn="l">
+            <a:pPr marL="0" lvl="0" indent="0" algn="l" rtl="0">
               <a:spcBef>
                 <a:spcPts val="0"/>
               </a:spcBef>
@@ -8721,9 +8963,11 @@
       <p:sp>
         <p:nvSpPr>
           <p:cNvPr id="168" name="Google Shape;168;p24"/>
-          <p:cNvSpPr txBox="1"/>
+          <p:cNvSpPr txBox="1">
+            <a:spLocks noGrp="1"/>
+          </p:cNvSpPr>
           <p:nvPr>
-            <p:ph idx="1" type="body"/>
+            <p:ph type="body" idx="1"/>
           </p:nvPr>
         </p:nvSpPr>
         <p:spPr>
@@ -8736,12 +8980,12 @@
           </a:prstGeom>
         </p:spPr>
         <p:txBody>
-          <a:bodyPr anchorCtr="0" anchor="t" bIns="91425" lIns="91425" spcFirstLastPara="1" rIns="91425" wrap="square" tIns="91425">
+          <a:bodyPr spcFirstLastPara="1" wrap="square" lIns="91425" tIns="91425" rIns="91425" bIns="91425" anchor="t" anchorCtr="0">
             <a:normAutofit/>
           </a:bodyPr>
           <a:lstStyle/>
           <a:p>
-            <a:pPr indent="-361950" lvl="0" marL="457200" rtl="0" algn="l">
+            <a:pPr marL="457200" lvl="0" indent="-361950" algn="l" rtl="0">
               <a:spcBef>
                 <a:spcPts val="0"/>
               </a:spcBef>
@@ -8758,7 +9002,7 @@
             <a:endParaRPr sz="2100"/>
           </a:p>
           <a:p>
-            <a:pPr indent="-336550" lvl="1" marL="914400" rtl="0" algn="l">
+            <a:pPr marL="914400" lvl="1" indent="-336550" algn="l" rtl="0">
               <a:spcBef>
                 <a:spcPts val="0"/>
               </a:spcBef>
@@ -8775,7 +9019,7 @@
             <a:endParaRPr sz="1700"/>
           </a:p>
           <a:p>
-            <a:pPr indent="-336550" lvl="1" marL="914400" rtl="0" algn="l">
+            <a:pPr marL="914400" lvl="1" indent="-336550" algn="l" rtl="0">
               <a:spcBef>
                 <a:spcPts val="0"/>
               </a:spcBef>
@@ -8792,7 +9036,7 @@
             <a:endParaRPr sz="1700"/>
           </a:p>
           <a:p>
-            <a:pPr indent="-361950" lvl="0" marL="457200" rtl="0" algn="l">
+            <a:pPr marL="457200" lvl="0" indent="-361950" algn="l" rtl="0">
               <a:spcBef>
                 <a:spcPts val="0"/>
               </a:spcBef>
@@ -8809,7 +9053,7 @@
             <a:endParaRPr sz="2100"/>
           </a:p>
           <a:p>
-            <a:pPr indent="-336550" lvl="1" marL="914400" rtl="0" algn="l">
+            <a:pPr marL="914400" lvl="1" indent="-336550" algn="l" rtl="0">
               <a:spcBef>
                 <a:spcPts val="0"/>
               </a:spcBef>
@@ -8826,7 +9070,7 @@
             <a:endParaRPr sz="1700"/>
           </a:p>
           <a:p>
-            <a:pPr indent="-336550" lvl="1" marL="914400" rtl="0" algn="l">
+            <a:pPr marL="914400" lvl="1" indent="-336550" algn="l" rtl="0">
               <a:spcBef>
                 <a:spcPts val="0"/>
               </a:spcBef>
@@ -8843,7 +9087,7 @@
             <a:endParaRPr sz="1700"/>
           </a:p>
           <a:p>
-            <a:pPr indent="-336550" lvl="1" marL="914400" rtl="0" algn="l">
+            <a:pPr marL="914400" lvl="1" indent="-336550" algn="l" rtl="0">
               <a:spcBef>
                 <a:spcPts val="0"/>
               </a:spcBef>
@@ -8860,7 +9104,7 @@
             <a:endParaRPr sz="1700"/>
           </a:p>
           <a:p>
-            <a:pPr indent="-361950" lvl="0" marL="457200" rtl="0" algn="l">
+            <a:pPr marL="457200" lvl="0" indent="-361950" algn="l" rtl="0">
               <a:spcBef>
                 <a:spcPts val="0"/>
               </a:spcBef>
@@ -8877,7 +9121,7 @@
             <a:endParaRPr sz="2100"/>
           </a:p>
           <a:p>
-            <a:pPr indent="-336550" lvl="1" marL="914400" rtl="0" algn="l">
+            <a:pPr marL="914400" lvl="1" indent="-336550" algn="l" rtl="0">
               <a:spcBef>
                 <a:spcPts val="0"/>
               </a:spcBef>
@@ -8894,7 +9138,7 @@
             <a:endParaRPr sz="1700"/>
           </a:p>
           <a:p>
-            <a:pPr indent="-336550" lvl="1" marL="914400" rtl="0" algn="l">
+            <a:pPr marL="914400" lvl="1" indent="-336550" algn="l" rtl="0">
               <a:spcBef>
                 <a:spcPts val="0"/>
               </a:spcBef>
@@ -8921,11 +9165,11 @@
 </file>
 
 <file path=ppt/slides/slide13.xml><?xml version="1.0" encoding="utf-8"?>
-<p:sld xmlns:a="http://schemas.openxmlformats.org/drawingml/2006/main" xmlns:r="http://schemas.openxmlformats.org/officeDocument/2006/relationships" xmlns:mc="http://schemas.openxmlformats.org/markup-compatibility/2006" xmlns:mv="urn:schemas-microsoft-com:mac:vml" xmlns:p="http://schemas.openxmlformats.org/presentationml/2006/main" xmlns:c="http://schemas.openxmlformats.org/drawingml/2006/chart" xmlns:dgm="http://schemas.openxmlformats.org/drawingml/2006/diagram" xmlns:o="urn:schemas-microsoft-com:office:office" xmlns:v="urn:schemas-microsoft-com:vml" xmlns:pvml="urn:schemas-microsoft-com:office:powerpoint" xmlns:com="http://schemas.openxmlformats.org/drawingml/2006/compatibility" xmlns:p14="http://schemas.microsoft.com/office/powerpoint/2010/main" xmlns:p15="http://schemas.microsoft.com/office/powerpoint/2012/main" xmlns:ahyp="http://schemas.microsoft.com/office/drawing/2018/hyperlinkcolor">
+<p:sld xmlns:a="http://schemas.openxmlformats.org/drawingml/2006/main" xmlns:r="http://schemas.openxmlformats.org/officeDocument/2006/relationships" xmlns:p="http://schemas.openxmlformats.org/presentationml/2006/main">
   <p:cSld>
     <p:spTree>
       <p:nvGrpSpPr>
-        <p:cNvPr id="172" name="Shape 172"/>
+        <p:cNvPr id="1" name="Shape 172"/>
         <p:cNvGrpSpPr/>
         <p:nvPr/>
       </p:nvGrpSpPr>
@@ -8940,7 +9184,9 @@
       <p:sp>
         <p:nvSpPr>
           <p:cNvPr id="173" name="Google Shape;173;p25"/>
-          <p:cNvSpPr txBox="1"/>
+          <p:cNvSpPr txBox="1">
+            <a:spLocks noGrp="1"/>
+          </p:cNvSpPr>
           <p:nvPr>
             <p:ph type="title"/>
           </p:nvPr>
@@ -8955,12 +9201,12 @@
           </a:prstGeom>
         </p:spPr>
         <p:txBody>
-          <a:bodyPr anchorCtr="0" anchor="t" bIns="91425" lIns="91425" spcFirstLastPara="1" rIns="91425" wrap="square" tIns="91425">
+          <a:bodyPr spcFirstLastPara="1" wrap="square" lIns="91425" tIns="91425" rIns="91425" bIns="91425" anchor="t" anchorCtr="0">
             <a:normAutofit fontScale="90000"/>
           </a:bodyPr>
           <a:lstStyle/>
           <a:p>
-            <a:pPr indent="0" lvl="0" marL="0" rtl="0" algn="l">
+            <a:pPr marL="0" lvl="0" indent="0" algn="l" rtl="0">
               <a:spcBef>
                 <a:spcPts val="0"/>
               </a:spcBef>
@@ -8980,9 +9226,11 @@
       <p:sp>
         <p:nvSpPr>
           <p:cNvPr id="174" name="Google Shape;174;p25"/>
-          <p:cNvSpPr txBox="1"/>
+          <p:cNvSpPr txBox="1">
+            <a:spLocks noGrp="1"/>
+          </p:cNvSpPr>
           <p:nvPr>
-            <p:ph idx="1" type="body"/>
+            <p:ph type="body" idx="1"/>
           </p:nvPr>
         </p:nvSpPr>
         <p:spPr>
@@ -8995,12 +9243,12 @@
           </a:prstGeom>
         </p:spPr>
         <p:txBody>
-          <a:bodyPr anchorCtr="0" anchor="t" bIns="91425" lIns="91425" spcFirstLastPara="1" rIns="91425" wrap="square" tIns="91425">
+          <a:bodyPr spcFirstLastPara="1" wrap="square" lIns="91425" tIns="91425" rIns="91425" bIns="91425" anchor="t" anchorCtr="0">
             <a:normAutofit/>
           </a:bodyPr>
           <a:lstStyle/>
           <a:p>
-            <a:pPr indent="0" lvl="0" marL="0" rtl="0" algn="l">
+            <a:pPr marL="0" lvl="0" indent="0" algn="l" rtl="0">
               <a:spcBef>
                 <a:spcPts val="0"/>
               </a:spcBef>
@@ -9016,7 +9264,7 @@
             <a:endParaRPr/>
           </a:p>
           <a:p>
-            <a:pPr indent="-342900" lvl="0" marL="457200" rtl="0" algn="l">
+            <a:pPr marL="457200" lvl="0" indent="-342900" algn="l" rtl="0">
               <a:spcBef>
                 <a:spcPts val="1200"/>
               </a:spcBef>
@@ -9028,16 +9276,12 @@
             </a:pPr>
             <a:r>
               <a:rPr lang="en"/>
-              <a:t>W</a:t>
-            </a:r>
-            <a:r>
-              <a:rPr lang="en"/>
-              <a:t>ho are the users? What do they know?</a:t>
+              <a:t>Who are the users? What do they know?</a:t>
             </a:r>
             <a:endParaRPr/>
           </a:p>
           <a:p>
-            <a:pPr indent="-342900" lvl="0" marL="457200" rtl="0" algn="l">
+            <a:pPr marL="457200" lvl="0" indent="-342900" algn="l" rtl="0">
               <a:spcBef>
                 <a:spcPts val="0"/>
               </a:spcBef>
@@ -9054,7 +9298,7 @@
             <a:endParaRPr/>
           </a:p>
           <a:p>
-            <a:pPr indent="-342900" lvl="0" marL="457200" rtl="0" algn="l">
+            <a:pPr marL="457200" lvl="0" indent="-342900" algn="l" rtl="0">
               <a:spcBef>
                 <a:spcPts val="0"/>
               </a:spcBef>
@@ -9071,7 +9315,7 @@
             <a:endParaRPr/>
           </a:p>
           <a:p>
-            <a:pPr indent="0" lvl="0" marL="0" rtl="0" algn="l">
+            <a:pPr marL="0" lvl="0" indent="0" algn="l" rtl="0">
               <a:spcBef>
                 <a:spcPts val="1200"/>
               </a:spcBef>
@@ -9097,11 +9341,11 @@
 </file>
 
 <file path=ppt/slides/slide14.xml><?xml version="1.0" encoding="utf-8"?>
-<p:sld xmlns:a="http://schemas.openxmlformats.org/drawingml/2006/main" xmlns:r="http://schemas.openxmlformats.org/officeDocument/2006/relationships" xmlns:mc="http://schemas.openxmlformats.org/markup-compatibility/2006" xmlns:mv="urn:schemas-microsoft-com:mac:vml" xmlns:p="http://schemas.openxmlformats.org/presentationml/2006/main" xmlns:c="http://schemas.openxmlformats.org/drawingml/2006/chart" xmlns:dgm="http://schemas.openxmlformats.org/drawingml/2006/diagram" xmlns:o="urn:schemas-microsoft-com:office:office" xmlns:v="urn:schemas-microsoft-com:vml" xmlns:pvml="urn:schemas-microsoft-com:office:powerpoint" xmlns:com="http://schemas.openxmlformats.org/drawingml/2006/compatibility" xmlns:p14="http://schemas.microsoft.com/office/powerpoint/2010/main" xmlns:p15="http://schemas.microsoft.com/office/powerpoint/2012/main" xmlns:ahyp="http://schemas.microsoft.com/office/drawing/2018/hyperlinkcolor">
+<p:sld xmlns:a="http://schemas.openxmlformats.org/drawingml/2006/main" xmlns:r="http://schemas.openxmlformats.org/officeDocument/2006/relationships" xmlns:p="http://schemas.openxmlformats.org/presentationml/2006/main">
   <p:cSld>
     <p:spTree>
       <p:nvGrpSpPr>
-        <p:cNvPr id="178" name="Shape 178"/>
+        <p:cNvPr id="1" name="Shape 178"/>
         <p:cNvGrpSpPr/>
         <p:nvPr/>
       </p:nvGrpSpPr>
@@ -9116,7 +9360,9 @@
       <p:sp>
         <p:nvSpPr>
           <p:cNvPr id="179" name="Google Shape;179;p26"/>
-          <p:cNvSpPr txBox="1"/>
+          <p:cNvSpPr txBox="1">
+            <a:spLocks noGrp="1"/>
+          </p:cNvSpPr>
           <p:nvPr>
             <p:ph type="title"/>
           </p:nvPr>
@@ -9131,12 +9377,12 @@
           </a:prstGeom>
         </p:spPr>
         <p:txBody>
-          <a:bodyPr anchorCtr="0" anchor="t" bIns="91425" lIns="91425" spcFirstLastPara="1" rIns="91425" wrap="square" tIns="91425">
+          <a:bodyPr spcFirstLastPara="1" wrap="square" lIns="91425" tIns="91425" rIns="91425" bIns="91425" anchor="t" anchorCtr="0">
             <a:normAutofit fontScale="90000"/>
           </a:bodyPr>
           <a:lstStyle/>
           <a:p>
-            <a:pPr indent="0" lvl="0" marL="0" rtl="0" algn="l">
+            <a:pPr marL="0" lvl="0" indent="0" algn="l" rtl="0">
               <a:spcBef>
                 <a:spcPts val="0"/>
               </a:spcBef>
@@ -9156,9 +9402,11 @@
       <p:sp>
         <p:nvSpPr>
           <p:cNvPr id="180" name="Google Shape;180;p26"/>
-          <p:cNvSpPr txBox="1"/>
+          <p:cNvSpPr txBox="1">
+            <a:spLocks noGrp="1"/>
+          </p:cNvSpPr>
           <p:nvPr>
-            <p:ph idx="1" type="body"/>
+            <p:ph type="body" idx="1"/>
           </p:nvPr>
         </p:nvSpPr>
         <p:spPr>
@@ -9171,12 +9419,12 @@
           </a:prstGeom>
         </p:spPr>
         <p:txBody>
-          <a:bodyPr anchorCtr="0" anchor="t" bIns="91425" lIns="91425" spcFirstLastPara="1" rIns="91425" wrap="square" tIns="91425">
+          <a:bodyPr spcFirstLastPara="1" wrap="square" lIns="91425" tIns="91425" rIns="91425" bIns="91425" anchor="t" anchorCtr="0">
             <a:normAutofit/>
           </a:bodyPr>
           <a:lstStyle/>
           <a:p>
-            <a:pPr indent="0" lvl="0" marL="0" rtl="0" algn="l">
+            <a:pPr marL="0" lvl="0" indent="0" algn="l" rtl="0">
               <a:spcBef>
                 <a:spcPts val="0"/>
               </a:spcBef>
@@ -9192,7 +9440,7 @@
             <a:endParaRPr/>
           </a:p>
           <a:p>
-            <a:pPr indent="0" lvl="0" marL="0" rtl="0" algn="l">
+            <a:pPr marL="0" lvl="0" indent="0" algn="l" rtl="0">
               <a:spcBef>
                 <a:spcPts val="1200"/>
               </a:spcBef>
@@ -9201,13 +9449,10 @@
               </a:spcAft>
               <a:buNone/>
             </a:pPr>
-            <a:r>
-              <a:t/>
-            </a:r>
             <a:endParaRPr/>
           </a:p>
           <a:p>
-            <a:pPr indent="0" lvl="0" marL="0" rtl="0" algn="l">
+            <a:pPr marL="0" lvl="0" indent="0" algn="l" rtl="0">
               <a:spcBef>
                 <a:spcPts val="1200"/>
               </a:spcBef>
@@ -9233,11 +9478,11 @@
 </file>
 
 <file path=ppt/slides/slide15.xml><?xml version="1.0" encoding="utf-8"?>
-<p:sld xmlns:a="http://schemas.openxmlformats.org/drawingml/2006/main" xmlns:r="http://schemas.openxmlformats.org/officeDocument/2006/relationships" xmlns:mc="http://schemas.openxmlformats.org/markup-compatibility/2006" xmlns:mv="urn:schemas-microsoft-com:mac:vml" xmlns:p="http://schemas.openxmlformats.org/presentationml/2006/main" xmlns:c="http://schemas.openxmlformats.org/drawingml/2006/chart" xmlns:dgm="http://schemas.openxmlformats.org/drawingml/2006/diagram" xmlns:o="urn:schemas-microsoft-com:office:office" xmlns:v="urn:schemas-microsoft-com:vml" xmlns:pvml="urn:schemas-microsoft-com:office:powerpoint" xmlns:com="http://schemas.openxmlformats.org/drawingml/2006/compatibility" xmlns:p14="http://schemas.microsoft.com/office/powerpoint/2010/main" xmlns:p15="http://schemas.microsoft.com/office/powerpoint/2012/main" xmlns:ahyp="http://schemas.microsoft.com/office/drawing/2018/hyperlinkcolor">
+<p:sld xmlns:a="http://schemas.openxmlformats.org/drawingml/2006/main" xmlns:r="http://schemas.openxmlformats.org/officeDocument/2006/relationships" xmlns:p="http://schemas.openxmlformats.org/presentationml/2006/main">
   <p:cSld>
     <p:spTree>
       <p:nvGrpSpPr>
-        <p:cNvPr id="184" name="Shape 184"/>
+        <p:cNvPr id="1" name="Shape 184"/>
         <p:cNvGrpSpPr/>
         <p:nvPr/>
       </p:nvGrpSpPr>
@@ -9252,7 +9497,9 @@
       <p:sp>
         <p:nvSpPr>
           <p:cNvPr id="185" name="Google Shape;185;p27"/>
-          <p:cNvSpPr txBox="1"/>
+          <p:cNvSpPr txBox="1">
+            <a:spLocks noGrp="1"/>
+          </p:cNvSpPr>
           <p:nvPr>
             <p:ph type="title"/>
           </p:nvPr>
@@ -9267,12 +9514,12 @@
           </a:prstGeom>
         </p:spPr>
         <p:txBody>
-          <a:bodyPr anchorCtr="0" anchor="t" bIns="91425" lIns="91425" spcFirstLastPara="1" rIns="91425" wrap="square" tIns="91425">
+          <a:bodyPr spcFirstLastPara="1" wrap="square" lIns="91425" tIns="91425" rIns="91425" bIns="91425" anchor="t" anchorCtr="0">
             <a:normAutofit fontScale="90000"/>
           </a:bodyPr>
           <a:lstStyle/>
           <a:p>
-            <a:pPr indent="0" lvl="0" marL="0" rtl="0" algn="l">
+            <a:pPr marL="0" lvl="0" indent="0" algn="l" rtl="0">
               <a:spcBef>
                 <a:spcPts val="0"/>
               </a:spcBef>
@@ -9292,9 +9539,11 @@
       <p:sp>
         <p:nvSpPr>
           <p:cNvPr id="186" name="Google Shape;186;p27"/>
-          <p:cNvSpPr txBox="1"/>
+          <p:cNvSpPr txBox="1">
+            <a:spLocks noGrp="1"/>
+          </p:cNvSpPr>
           <p:nvPr>
-            <p:ph idx="1" type="body"/>
+            <p:ph type="body" idx="1"/>
           </p:nvPr>
         </p:nvSpPr>
         <p:spPr>
@@ -9307,12 +9556,12 @@
           </a:prstGeom>
         </p:spPr>
         <p:txBody>
-          <a:bodyPr anchorCtr="0" anchor="t" bIns="91425" lIns="91425" spcFirstLastPara="1" rIns="91425" wrap="square" tIns="91425">
+          <a:bodyPr spcFirstLastPara="1" wrap="square" lIns="91425" tIns="91425" rIns="91425" bIns="91425" anchor="t" anchorCtr="0">
             <a:normAutofit/>
           </a:bodyPr>
           <a:lstStyle/>
           <a:p>
-            <a:pPr indent="-368300" lvl="0" marL="457200" rtl="0" algn="l">
+            <a:pPr marL="457200" lvl="0" indent="-368300" algn="l" rtl="0">
               <a:spcBef>
                 <a:spcPts val="0"/>
               </a:spcBef>
@@ -9329,7 +9578,7 @@
             <a:endParaRPr sz="2200"/>
           </a:p>
           <a:p>
-            <a:pPr indent="-368300" lvl="0" marL="457200" rtl="0" algn="l">
+            <a:pPr marL="457200" lvl="0" indent="-368300" algn="l" rtl="0">
               <a:spcBef>
                 <a:spcPts val="0"/>
               </a:spcBef>
@@ -9346,7 +9595,7 @@
             <a:endParaRPr sz="2200"/>
           </a:p>
           <a:p>
-            <a:pPr indent="-368300" lvl="0" marL="457200" rtl="0" algn="l">
+            <a:pPr marL="457200" lvl="0" indent="-368300" algn="l" rtl="0">
               <a:spcBef>
                 <a:spcPts val="0"/>
               </a:spcBef>
@@ -9363,7 +9612,7 @@
             <a:endParaRPr sz="2200"/>
           </a:p>
           <a:p>
-            <a:pPr indent="-342900" lvl="1" marL="914400" rtl="0" algn="l">
+            <a:pPr marL="914400" lvl="1" indent="-342900" algn="l" rtl="0">
               <a:spcBef>
                 <a:spcPts val="0"/>
               </a:spcBef>
@@ -9380,7 +9629,7 @@
             <a:endParaRPr sz="1800"/>
           </a:p>
           <a:p>
-            <a:pPr indent="-342900" lvl="1" marL="914400" rtl="0" algn="l">
+            <a:pPr marL="914400" lvl="1" indent="-342900" algn="l" rtl="0">
               <a:spcBef>
                 <a:spcPts val="0"/>
               </a:spcBef>
@@ -9397,7 +9646,7 @@
             <a:endParaRPr sz="1800"/>
           </a:p>
           <a:p>
-            <a:pPr indent="-342900" lvl="1" marL="914400" rtl="0" algn="l">
+            <a:pPr marL="914400" lvl="1" indent="-342900" algn="l" rtl="0">
               <a:spcBef>
                 <a:spcPts val="0"/>
               </a:spcBef>
@@ -9414,7 +9663,7 @@
             <a:endParaRPr sz="1800"/>
           </a:p>
           <a:p>
-            <a:pPr indent="-342900" lvl="1" marL="914400" rtl="0" algn="l">
+            <a:pPr marL="914400" lvl="1" indent="-342900" algn="l" rtl="0">
               <a:spcBef>
                 <a:spcPts val="0"/>
               </a:spcBef>
@@ -9441,11 +9690,11 @@
 </file>
 
 <file path=ppt/slides/slide16.xml><?xml version="1.0" encoding="utf-8"?>
-<p:sld xmlns:a="http://schemas.openxmlformats.org/drawingml/2006/main" xmlns:r="http://schemas.openxmlformats.org/officeDocument/2006/relationships" xmlns:mc="http://schemas.openxmlformats.org/markup-compatibility/2006" xmlns:mv="urn:schemas-microsoft-com:mac:vml" xmlns:p="http://schemas.openxmlformats.org/presentationml/2006/main" xmlns:c="http://schemas.openxmlformats.org/drawingml/2006/chart" xmlns:dgm="http://schemas.openxmlformats.org/drawingml/2006/diagram" xmlns:o="urn:schemas-microsoft-com:office:office" xmlns:v="urn:schemas-microsoft-com:vml" xmlns:pvml="urn:schemas-microsoft-com:office:powerpoint" xmlns:com="http://schemas.openxmlformats.org/drawingml/2006/compatibility" xmlns:p14="http://schemas.microsoft.com/office/powerpoint/2010/main" xmlns:p15="http://schemas.microsoft.com/office/powerpoint/2012/main" xmlns:ahyp="http://schemas.microsoft.com/office/drawing/2018/hyperlinkcolor">
+<p:sld xmlns:a="http://schemas.openxmlformats.org/drawingml/2006/main" xmlns:r="http://schemas.openxmlformats.org/officeDocument/2006/relationships" xmlns:p="http://schemas.openxmlformats.org/presentationml/2006/main">
   <p:cSld>
     <p:spTree>
       <p:nvGrpSpPr>
-        <p:cNvPr id="190" name="Shape 190"/>
+        <p:cNvPr id="1" name="Shape 190"/>
         <p:cNvGrpSpPr/>
         <p:nvPr/>
       </p:nvGrpSpPr>
@@ -9460,7 +9709,9 @@
       <p:sp>
         <p:nvSpPr>
           <p:cNvPr id="191" name="Google Shape;191;p28"/>
-          <p:cNvSpPr txBox="1"/>
+          <p:cNvSpPr txBox="1">
+            <a:spLocks noGrp="1"/>
+          </p:cNvSpPr>
           <p:nvPr>
             <p:ph type="title"/>
           </p:nvPr>
@@ -9475,12 +9726,12 @@
           </a:prstGeom>
         </p:spPr>
         <p:txBody>
-          <a:bodyPr anchorCtr="0" anchor="t" bIns="91425" lIns="91425" spcFirstLastPara="1" rIns="91425" wrap="square" tIns="91425">
+          <a:bodyPr spcFirstLastPara="1" wrap="square" lIns="91425" tIns="91425" rIns="91425" bIns="91425" anchor="t" anchorCtr="0">
             <a:normAutofit fontScale="90000"/>
           </a:bodyPr>
           <a:lstStyle/>
           <a:p>
-            <a:pPr indent="0" lvl="0" marL="0" rtl="0" algn="l">
+            <a:pPr marL="0" lvl="0" indent="0" algn="l" rtl="0">
               <a:spcBef>
                 <a:spcPts val="0"/>
               </a:spcBef>
@@ -9500,9 +9751,11 @@
       <p:sp>
         <p:nvSpPr>
           <p:cNvPr id="192" name="Google Shape;192;p28"/>
-          <p:cNvSpPr txBox="1"/>
+          <p:cNvSpPr txBox="1">
+            <a:spLocks noGrp="1"/>
+          </p:cNvSpPr>
           <p:nvPr>
-            <p:ph idx="1" type="body"/>
+            <p:ph type="body" idx="1"/>
           </p:nvPr>
         </p:nvSpPr>
         <p:spPr>
@@ -9515,12 +9768,12 @@
           </a:prstGeom>
         </p:spPr>
         <p:txBody>
-          <a:bodyPr anchorCtr="0" anchor="t" bIns="91425" lIns="91425" spcFirstLastPara="1" rIns="91425" wrap="square" tIns="91425">
+          <a:bodyPr spcFirstLastPara="1" wrap="square" lIns="91425" tIns="91425" rIns="91425" bIns="91425" anchor="t" anchorCtr="0">
             <a:normAutofit/>
           </a:bodyPr>
           <a:lstStyle/>
           <a:p>
-            <a:pPr indent="-368300" lvl="0" marL="457200" rtl="0" algn="l">
+            <a:pPr marL="457200" lvl="0" indent="-368300" algn="l" rtl="0">
               <a:spcBef>
                 <a:spcPts val="0"/>
               </a:spcBef>
@@ -9532,16 +9785,12 @@
             </a:pPr>
             <a:r>
               <a:rPr lang="en" sz="2200"/>
-              <a:t>10</a:t>
-            </a:r>
-            <a:r>
-              <a:rPr lang="en" sz="2200"/>
-              <a:t> minute oral presentations</a:t>
+              <a:t>10 minute oral presentations</a:t>
             </a:r>
             <a:endParaRPr sz="2200"/>
           </a:p>
           <a:p>
-            <a:pPr indent="-342900" lvl="1" marL="914400" rtl="0" algn="l">
+            <a:pPr marL="914400" lvl="1" indent="-342900" algn="l" rtl="0">
               <a:spcBef>
                 <a:spcPts val="0"/>
               </a:spcBef>
@@ -9558,7 +9807,7 @@
             <a:endParaRPr sz="1800"/>
           </a:p>
           <a:p>
-            <a:pPr indent="-342900" lvl="1" marL="914400" rtl="0" algn="l">
+            <a:pPr marL="914400" lvl="1" indent="-342900" algn="l" rtl="0">
               <a:spcBef>
                 <a:spcPts val="0"/>
               </a:spcBef>
@@ -9575,7 +9824,7 @@
             <a:endParaRPr sz="1800"/>
           </a:p>
           <a:p>
-            <a:pPr indent="-342900" lvl="1" marL="914400" rtl="0" algn="l">
+            <a:pPr marL="914400" lvl="1" indent="-342900" algn="l" rtl="0">
               <a:spcBef>
                 <a:spcPts val="0"/>
               </a:spcBef>
@@ -9592,7 +9841,7 @@
             <a:endParaRPr sz="1800"/>
           </a:p>
           <a:p>
-            <a:pPr indent="-342900" lvl="1" marL="914400" rtl="0" algn="l">
+            <a:pPr marL="914400" lvl="1" indent="-342900" algn="l" rtl="0">
               <a:spcBef>
                 <a:spcPts val="0"/>
               </a:spcBef>
@@ -9609,7 +9858,7 @@
             <a:endParaRPr sz="1800"/>
           </a:p>
           <a:p>
-            <a:pPr indent="-342900" lvl="1" marL="914400" rtl="0" algn="l">
+            <a:pPr marL="914400" lvl="1" indent="-342900" algn="l" rtl="0">
               <a:spcBef>
                 <a:spcPts val="0"/>
               </a:spcBef>
@@ -9626,7 +9875,7 @@
             <a:endParaRPr sz="1800"/>
           </a:p>
           <a:p>
-            <a:pPr indent="-342900" lvl="1" marL="914400" rtl="0" algn="l">
+            <a:pPr marL="914400" lvl="1" indent="-342900" algn="l" rtl="0">
               <a:spcBef>
                 <a:spcPts val="0"/>
               </a:spcBef>
@@ -9643,7 +9892,7 @@
             <a:endParaRPr sz="1800"/>
           </a:p>
           <a:p>
-            <a:pPr indent="-342900" lvl="1" marL="914400" rtl="0" algn="l">
+            <a:pPr marL="914400" lvl="1" indent="-342900" algn="l" rtl="0">
               <a:spcBef>
                 <a:spcPts val="0"/>
               </a:spcBef>
@@ -9660,7 +9909,7 @@
             <a:endParaRPr sz="1800"/>
           </a:p>
           <a:p>
-            <a:pPr indent="-368300" lvl="0" marL="457200" rtl="0" algn="l">
+            <a:pPr marL="457200" lvl="0" indent="-368300" algn="l" rtl="0">
               <a:spcBef>
                 <a:spcPts val="0"/>
               </a:spcBef>
@@ -9687,11 +9936,11 @@
 </file>
 
 <file path=ppt/slides/slide17.xml><?xml version="1.0" encoding="utf-8"?>
-<p:sld xmlns:a="http://schemas.openxmlformats.org/drawingml/2006/main" xmlns:r="http://schemas.openxmlformats.org/officeDocument/2006/relationships" xmlns:mc="http://schemas.openxmlformats.org/markup-compatibility/2006" xmlns:mv="urn:schemas-microsoft-com:mac:vml" xmlns:p="http://schemas.openxmlformats.org/presentationml/2006/main" xmlns:c="http://schemas.openxmlformats.org/drawingml/2006/chart" xmlns:dgm="http://schemas.openxmlformats.org/drawingml/2006/diagram" xmlns:o="urn:schemas-microsoft-com:office:office" xmlns:v="urn:schemas-microsoft-com:vml" xmlns:pvml="urn:schemas-microsoft-com:office:powerpoint" xmlns:com="http://schemas.openxmlformats.org/drawingml/2006/compatibility" xmlns:p14="http://schemas.microsoft.com/office/powerpoint/2010/main" xmlns:p15="http://schemas.microsoft.com/office/powerpoint/2012/main" xmlns:ahyp="http://schemas.microsoft.com/office/drawing/2018/hyperlinkcolor">
+<p:sld xmlns:a="http://schemas.openxmlformats.org/drawingml/2006/main" xmlns:r="http://schemas.openxmlformats.org/officeDocument/2006/relationships" xmlns:p="http://schemas.openxmlformats.org/presentationml/2006/main">
   <p:cSld>
     <p:spTree>
       <p:nvGrpSpPr>
-        <p:cNvPr id="196" name="Shape 196"/>
+        <p:cNvPr id="1" name="Shape 196"/>
         <p:cNvGrpSpPr/>
         <p:nvPr/>
       </p:nvGrpSpPr>
@@ -9706,7 +9955,9 @@
       <p:sp>
         <p:nvSpPr>
           <p:cNvPr id="197" name="Google Shape;197;p29"/>
-          <p:cNvSpPr txBox="1"/>
+          <p:cNvSpPr txBox="1">
+            <a:spLocks noGrp="1"/>
+          </p:cNvSpPr>
           <p:nvPr>
             <p:ph type="title"/>
           </p:nvPr>
@@ -9721,12 +9972,12 @@
           </a:prstGeom>
         </p:spPr>
         <p:txBody>
-          <a:bodyPr anchorCtr="0" anchor="t" bIns="91425" lIns="91425" spcFirstLastPara="1" rIns="91425" wrap="square" tIns="91425">
+          <a:bodyPr spcFirstLastPara="1" wrap="square" lIns="91425" tIns="91425" rIns="91425" bIns="91425" anchor="t" anchorCtr="0">
             <a:normAutofit fontScale="90000"/>
           </a:bodyPr>
           <a:lstStyle/>
           <a:p>
-            <a:pPr indent="0" lvl="0" marL="0" rtl="0" algn="l">
+            <a:pPr marL="0" lvl="0" indent="0" algn="l" rtl="0">
               <a:spcBef>
                 <a:spcPts val="0"/>
               </a:spcBef>
@@ -9746,9 +9997,11 @@
       <p:sp>
         <p:nvSpPr>
           <p:cNvPr id="198" name="Google Shape;198;p29"/>
-          <p:cNvSpPr txBox="1"/>
+          <p:cNvSpPr txBox="1">
+            <a:spLocks noGrp="1"/>
+          </p:cNvSpPr>
           <p:nvPr>
-            <p:ph idx="1" type="body"/>
+            <p:ph type="body" idx="1"/>
           </p:nvPr>
         </p:nvSpPr>
         <p:spPr>
@@ -9761,12 +10014,12 @@
           </a:prstGeom>
         </p:spPr>
         <p:txBody>
-          <a:bodyPr anchorCtr="0" anchor="t" bIns="91425" lIns="91425" spcFirstLastPara="1" rIns="91425" wrap="square" tIns="91425">
+          <a:bodyPr spcFirstLastPara="1" wrap="square" lIns="91425" tIns="91425" rIns="91425" bIns="91425" anchor="t" anchorCtr="0">
             <a:normAutofit/>
           </a:bodyPr>
           <a:lstStyle/>
           <a:p>
-            <a:pPr indent="0" lvl="0" marL="0" rtl="0" algn="l">
+            <a:pPr marL="0" lvl="0" indent="0" algn="l" rtl="0">
               <a:spcBef>
                 <a:spcPts val="0"/>
               </a:spcBef>
@@ -9791,7 +10044,7 @@
             <a:endParaRPr/>
           </a:p>
           <a:p>
-            <a:pPr indent="-342900" lvl="0" marL="457200" rtl="0" algn="l">
+            <a:pPr marL="457200" lvl="0" indent="-342900" algn="l" rtl="0">
               <a:spcBef>
                 <a:spcPts val="1200"/>
               </a:spcBef>
@@ -9808,7 +10061,7 @@
             <a:endParaRPr/>
           </a:p>
           <a:p>
-            <a:pPr indent="-317500" lvl="1" marL="914400" rtl="0" algn="l">
+            <a:pPr marL="914400" lvl="1" indent="-317500" algn="l" rtl="0">
               <a:spcBef>
                 <a:spcPts val="0"/>
               </a:spcBef>
@@ -9819,13 +10072,13 @@
               <a:buChar char="○"/>
             </a:pPr>
             <a:r>
-              <a:rPr i="1" lang="en"/>
+              <a:rPr lang="en" i="1"/>
               <a:t>Can you follow directions?</a:t>
             </a:r>
             <a:endParaRPr i="1"/>
           </a:p>
           <a:p>
-            <a:pPr indent="-342900" lvl="0" marL="457200" rtl="0" algn="l">
+            <a:pPr marL="457200" lvl="0" indent="-342900" algn="l" rtl="0">
               <a:spcBef>
                 <a:spcPts val="0"/>
               </a:spcBef>
@@ -9842,7 +10095,7 @@
             <a:endParaRPr/>
           </a:p>
           <a:p>
-            <a:pPr indent="-317500" lvl="1" marL="914400" rtl="0" algn="l">
+            <a:pPr marL="914400" lvl="1" indent="-317500" algn="l" rtl="0">
               <a:spcBef>
                 <a:spcPts val="0"/>
               </a:spcBef>
@@ -9853,13 +10106,13 @@
               <a:buChar char="○"/>
             </a:pPr>
             <a:r>
-              <a:rPr i="1" lang="en"/>
+              <a:rPr lang="en" i="1"/>
               <a:t>Test coverage, style, CI, package setup, PRs/code reviews</a:t>
             </a:r>
             <a:endParaRPr i="1"/>
           </a:p>
           <a:p>
-            <a:pPr indent="-342900" lvl="0" marL="457200" rtl="0" algn="l">
+            <a:pPr marL="457200" lvl="0" indent="-342900" algn="l" rtl="0">
               <a:spcBef>
                 <a:spcPts val="0"/>
               </a:spcBef>
@@ -9876,7 +10129,7 @@
             <a:endParaRPr/>
           </a:p>
           <a:p>
-            <a:pPr indent="-317500" lvl="1" marL="914400" rtl="0" algn="l">
+            <a:pPr marL="914400" lvl="1" indent="-317500" algn="l" rtl="0">
               <a:spcBef>
                 <a:spcPts val="0"/>
               </a:spcBef>
@@ -9887,13 +10140,13 @@
               <a:buChar char="○"/>
             </a:pPr>
             <a:r>
-              <a:rPr i="1" lang="en"/>
+              <a:rPr lang="en" i="1"/>
               <a:t>README, design documents, examples &amp; instructions</a:t>
             </a:r>
             <a:endParaRPr i="1"/>
           </a:p>
           <a:p>
-            <a:pPr indent="-342900" lvl="0" marL="457200" rtl="0" algn="l">
+            <a:pPr marL="457200" lvl="0" indent="-342900" algn="l" rtl="0">
               <a:spcBef>
                 <a:spcPts val="0"/>
               </a:spcBef>
@@ -9910,7 +10163,7 @@
             <a:endParaRPr/>
           </a:p>
           <a:p>
-            <a:pPr indent="-317500" lvl="1" marL="914400" rtl="0" algn="l">
+            <a:pPr marL="914400" lvl="1" indent="-317500" algn="l" rtl="0">
               <a:spcBef>
                 <a:spcPts val="0"/>
               </a:spcBef>
@@ -9921,13 +10174,13 @@
               <a:buChar char="○"/>
             </a:pPr>
             <a:r>
-              <a:rPr i="1" lang="en"/>
+              <a:rPr lang="en" i="1"/>
               <a:t>What you built, test design, module design</a:t>
             </a:r>
             <a:endParaRPr i="1"/>
           </a:p>
           <a:p>
-            <a:pPr indent="-342900" lvl="0" marL="457200" rtl="0" algn="l">
+            <a:pPr marL="457200" lvl="0" indent="-342900" algn="l" rtl="0">
               <a:spcBef>
                 <a:spcPts val="0"/>
               </a:spcBef>
@@ -9944,7 +10197,7 @@
             <a:endParaRPr/>
           </a:p>
           <a:p>
-            <a:pPr indent="-317500" lvl="1" marL="914400" rtl="0" algn="l">
+            <a:pPr marL="914400" lvl="1" indent="-317500" algn="l" rtl="0">
               <a:spcBef>
                 <a:spcPts val="0"/>
               </a:spcBef>
@@ -9955,13 +10208,13 @@
               <a:buChar char="○"/>
             </a:pPr>
             <a:r>
-              <a:rPr i="1" lang="en"/>
+              <a:rPr lang="en" i="1"/>
               <a:t>Technology review, final presentation</a:t>
             </a:r>
             <a:endParaRPr i="1"/>
           </a:p>
           <a:p>
-            <a:pPr indent="0" lvl="0" marL="0" rtl="0" algn="l">
+            <a:pPr marL="0" lvl="0" indent="0" algn="l" rtl="0">
               <a:spcBef>
                 <a:spcPts val="1200"/>
               </a:spcBef>
@@ -9971,10 +10224,10 @@
               <a:buNone/>
             </a:pPr>
             <a:r>
-              <a:rPr i="1" lang="en" sz="1400"/>
+              <a:rPr lang="en" sz="1400" i="1"/>
               <a:t>*exact percentages may change slightly but will remain approximately as described</a:t>
             </a:r>
-            <a:endParaRPr i="1" sz="1400"/>
+            <a:endParaRPr sz="1400" i="1"/>
           </a:p>
         </p:txBody>
       </p:sp>
@@ -9987,11 +10240,11 @@
 </file>
 
 <file path=ppt/slides/slide18.xml><?xml version="1.0" encoding="utf-8"?>
-<p:sld xmlns:a="http://schemas.openxmlformats.org/drawingml/2006/main" xmlns:r="http://schemas.openxmlformats.org/officeDocument/2006/relationships" xmlns:mc="http://schemas.openxmlformats.org/markup-compatibility/2006" xmlns:mv="urn:schemas-microsoft-com:mac:vml" xmlns:p="http://schemas.openxmlformats.org/presentationml/2006/main" xmlns:c="http://schemas.openxmlformats.org/drawingml/2006/chart" xmlns:dgm="http://schemas.openxmlformats.org/drawingml/2006/diagram" xmlns:o="urn:schemas-microsoft-com:office:office" xmlns:v="urn:schemas-microsoft-com:vml" xmlns:pvml="urn:schemas-microsoft-com:office:powerpoint" xmlns:com="http://schemas.openxmlformats.org/drawingml/2006/compatibility" xmlns:p14="http://schemas.microsoft.com/office/powerpoint/2010/main" xmlns:p15="http://schemas.microsoft.com/office/powerpoint/2012/main" xmlns:ahyp="http://schemas.microsoft.com/office/drawing/2018/hyperlinkcolor">
+<p:sld xmlns:a="http://schemas.openxmlformats.org/drawingml/2006/main" xmlns:r="http://schemas.openxmlformats.org/officeDocument/2006/relationships" xmlns:p="http://schemas.openxmlformats.org/presentationml/2006/main">
   <p:cSld>
     <p:spTree>
       <p:nvGrpSpPr>
-        <p:cNvPr id="202" name="Shape 202"/>
+        <p:cNvPr id="1" name="Shape 202"/>
         <p:cNvGrpSpPr/>
         <p:nvPr/>
       </p:nvGrpSpPr>
@@ -10006,7 +10259,9 @@
       <p:sp>
         <p:nvSpPr>
           <p:cNvPr id="203" name="Google Shape;203;p30"/>
-          <p:cNvSpPr txBox="1"/>
+          <p:cNvSpPr txBox="1">
+            <a:spLocks noGrp="1"/>
+          </p:cNvSpPr>
           <p:nvPr>
             <p:ph type="title"/>
           </p:nvPr>
@@ -10021,12 +10276,12 @@
           </a:prstGeom>
         </p:spPr>
         <p:txBody>
-          <a:bodyPr anchorCtr="0" anchor="t" bIns="91425" lIns="91425" spcFirstLastPara="1" rIns="91425" wrap="square" tIns="91425">
+          <a:bodyPr spcFirstLastPara="1" wrap="square" lIns="91425" tIns="91425" rIns="91425" bIns="91425" anchor="t" anchorCtr="0">
             <a:normAutofit fontScale="90000"/>
           </a:bodyPr>
           <a:lstStyle/>
           <a:p>
-            <a:pPr indent="0" lvl="0" marL="0" rtl="0" algn="l">
+            <a:pPr marL="0" lvl="0" indent="0" algn="l" rtl="0">
               <a:spcBef>
                 <a:spcPts val="0"/>
               </a:spcBef>
@@ -10046,9 +10301,11 @@
       <p:sp>
         <p:nvSpPr>
           <p:cNvPr id="204" name="Google Shape;204;p30"/>
-          <p:cNvSpPr txBox="1"/>
+          <p:cNvSpPr txBox="1">
+            <a:spLocks noGrp="1"/>
+          </p:cNvSpPr>
           <p:nvPr>
-            <p:ph idx="1" type="body"/>
+            <p:ph type="body" idx="1"/>
           </p:nvPr>
         </p:nvSpPr>
         <p:spPr>
@@ -10061,12 +10318,12 @@
           </a:prstGeom>
         </p:spPr>
         <p:txBody>
-          <a:bodyPr anchorCtr="0" anchor="t" bIns="91425" lIns="91425" spcFirstLastPara="1" rIns="91425" wrap="square" tIns="91425">
+          <a:bodyPr spcFirstLastPara="1" wrap="square" lIns="91425" tIns="91425" rIns="91425" bIns="91425" anchor="t" anchorCtr="0">
             <a:normAutofit fontScale="55000" lnSpcReduction="20000"/>
           </a:bodyPr>
           <a:lstStyle/>
           <a:p>
-            <a:pPr indent="0" lvl="0" marL="0" rtl="0" algn="l">
+            <a:pPr marL="0" lvl="0" indent="0" algn="l" rtl="0">
               <a:spcBef>
                 <a:spcPts val="0"/>
               </a:spcBef>
@@ -10087,7 +10344,7 @@
             <a:endParaRPr/>
           </a:p>
           <a:p>
-            <a:pPr indent="0" lvl="0" marL="0" rtl="0" algn="l">
+            <a:pPr marL="0" lvl="0" indent="0" algn="l" rtl="0">
               <a:spcBef>
                 <a:spcPts val="1200"/>
               </a:spcBef>
@@ -10108,7 +10365,7 @@
             <a:endParaRPr/>
           </a:p>
           <a:p>
-            <a:pPr indent="0" lvl="0" marL="0" rtl="0" algn="l">
+            <a:pPr marL="0" lvl="0" indent="0" algn="l" rtl="0">
               <a:spcBef>
                 <a:spcPts val="1200"/>
               </a:spcBef>
@@ -10129,7 +10386,7 @@
             <a:endParaRPr/>
           </a:p>
           <a:p>
-            <a:pPr indent="0" lvl="0" marL="0" rtl="0" algn="l">
+            <a:pPr marL="0" lvl="0" indent="0" algn="l" rtl="0">
               <a:spcBef>
                 <a:spcPts val="1200"/>
               </a:spcBef>
@@ -10150,7 +10407,7 @@
             <a:endParaRPr/>
           </a:p>
           <a:p>
-            <a:pPr indent="0" lvl="0" marL="0" rtl="0" algn="l">
+            <a:pPr marL="0" lvl="0" indent="0" algn="l" rtl="0">
               <a:spcBef>
                 <a:spcPts val="1200"/>
               </a:spcBef>
@@ -10171,7 +10428,7 @@
             <a:endParaRPr/>
           </a:p>
           <a:p>
-            <a:pPr indent="0" lvl="0" marL="0" rtl="0" algn="l">
+            <a:pPr marL="0" lvl="0" indent="0" algn="l" rtl="0">
               <a:spcBef>
                 <a:spcPts val="1200"/>
               </a:spcBef>
@@ -10192,7 +10449,7 @@
             <a:endParaRPr/>
           </a:p>
           <a:p>
-            <a:pPr indent="0" lvl="0" marL="0" rtl="0" algn="l">
+            <a:pPr marL="0" lvl="0" indent="0" algn="l" rtl="0">
               <a:spcBef>
                 <a:spcPts val="1200"/>
               </a:spcBef>
@@ -10213,7 +10470,7 @@
             <a:endParaRPr/>
           </a:p>
           <a:p>
-            <a:pPr indent="0" lvl="0" marL="0" rtl="0" algn="l">
+            <a:pPr marL="0" lvl="0" indent="0" algn="l" rtl="0">
               <a:spcBef>
                 <a:spcPts val="1200"/>
               </a:spcBef>
@@ -10234,7 +10491,7 @@
             <a:endParaRPr/>
           </a:p>
           <a:p>
-            <a:pPr indent="0" lvl="0" marL="0" rtl="0" algn="l">
+            <a:pPr marL="0" lvl="0" indent="0" algn="l" rtl="0">
               <a:spcBef>
                 <a:spcPts val="1200"/>
               </a:spcBef>
@@ -10255,7 +10512,7 @@
             <a:endParaRPr/>
           </a:p>
           <a:p>
-            <a:pPr indent="0" lvl="0" marL="0" rtl="0" algn="l">
+            <a:pPr marL="0" lvl="0" indent="0" algn="l" rtl="0">
               <a:spcBef>
                 <a:spcPts val="1200"/>
               </a:spcBef>
@@ -10276,7 +10533,7 @@
             <a:endParaRPr/>
           </a:p>
           <a:p>
-            <a:pPr indent="0" lvl="0" marL="0" rtl="0" algn="l">
+            <a:pPr marL="0" lvl="0" indent="0" algn="l" rtl="0">
               <a:spcBef>
                 <a:spcPts val="1200"/>
               </a:spcBef>
@@ -10307,11 +10564,11 @@
 </file>
 
 <file path=ppt/slides/slide19.xml><?xml version="1.0" encoding="utf-8"?>
-<p:sld xmlns:a="http://schemas.openxmlformats.org/drawingml/2006/main" xmlns:r="http://schemas.openxmlformats.org/officeDocument/2006/relationships" xmlns:mc="http://schemas.openxmlformats.org/markup-compatibility/2006" xmlns:mv="urn:schemas-microsoft-com:mac:vml" xmlns:p="http://schemas.openxmlformats.org/presentationml/2006/main" xmlns:c="http://schemas.openxmlformats.org/drawingml/2006/chart" xmlns:dgm="http://schemas.openxmlformats.org/drawingml/2006/diagram" xmlns:o="urn:schemas-microsoft-com:office:office" xmlns:v="urn:schemas-microsoft-com:vml" xmlns:pvml="urn:schemas-microsoft-com:office:powerpoint" xmlns:com="http://schemas.openxmlformats.org/drawingml/2006/compatibility" xmlns:p14="http://schemas.microsoft.com/office/powerpoint/2010/main" xmlns:p15="http://schemas.microsoft.com/office/powerpoint/2012/main" xmlns:ahyp="http://schemas.microsoft.com/office/drawing/2018/hyperlinkcolor">
+<p:sld xmlns:a="http://schemas.openxmlformats.org/drawingml/2006/main" xmlns:r="http://schemas.openxmlformats.org/officeDocument/2006/relationships" xmlns:p="http://schemas.openxmlformats.org/presentationml/2006/main">
   <p:cSld>
     <p:spTree>
       <p:nvGrpSpPr>
-        <p:cNvPr id="208" name="Shape 208"/>
+        <p:cNvPr id="1" name="Shape 208"/>
         <p:cNvGrpSpPr/>
         <p:nvPr/>
       </p:nvGrpSpPr>
@@ -10326,7 +10583,9 @@
       <p:sp>
         <p:nvSpPr>
           <p:cNvPr id="209" name="Google Shape;209;p31"/>
-          <p:cNvSpPr txBox="1"/>
+          <p:cNvSpPr txBox="1">
+            <a:spLocks noGrp="1"/>
+          </p:cNvSpPr>
           <p:nvPr>
             <p:ph type="title"/>
           </p:nvPr>
@@ -10341,12 +10600,12 @@
           </a:prstGeom>
         </p:spPr>
         <p:txBody>
-          <a:bodyPr anchorCtr="0" anchor="ctr" bIns="91425" lIns="91425" spcFirstLastPara="1" rIns="91425" wrap="square" tIns="91425">
+          <a:bodyPr spcFirstLastPara="1" wrap="square" lIns="91425" tIns="91425" rIns="91425" bIns="91425" anchor="ctr" anchorCtr="0">
             <a:normAutofit/>
           </a:bodyPr>
           <a:lstStyle/>
           <a:p>
-            <a:pPr indent="0" lvl="0" marL="0" rtl="0" algn="ctr">
+            <a:pPr marL="0" lvl="0" indent="0" algn="ctr" rtl="0">
               <a:spcBef>
                 <a:spcPts val="0"/>
               </a:spcBef>
@@ -10366,9 +10625,11 @@
       <p:sp>
         <p:nvSpPr>
           <p:cNvPr id="210" name="Google Shape;210;p31"/>
-          <p:cNvSpPr txBox="1"/>
+          <p:cNvSpPr txBox="1">
+            <a:spLocks noGrp="1"/>
+          </p:cNvSpPr>
           <p:nvPr>
-            <p:ph idx="4294967295" type="subTitle"/>
+            <p:ph type="subTitle" idx="4294967295"/>
           </p:nvPr>
         </p:nvSpPr>
         <p:spPr>
@@ -10381,12 +10642,12 @@
           </a:prstGeom>
         </p:spPr>
         <p:txBody>
-          <a:bodyPr anchorCtr="0" anchor="t" bIns="91425" lIns="91425" spcFirstLastPara="1" rIns="91425" wrap="square" tIns="91425">
+          <a:bodyPr spcFirstLastPara="1" wrap="square" lIns="91425" tIns="91425" rIns="91425" bIns="91425" anchor="t" anchorCtr="0">
             <a:normAutofit/>
           </a:bodyPr>
           <a:lstStyle/>
           <a:p>
-            <a:pPr indent="0" lvl="0" marL="0" rtl="0" algn="ctr">
+            <a:pPr marL="0" lvl="0" indent="0" algn="ctr" rtl="0">
               <a:spcBef>
                 <a:spcPts val="0"/>
               </a:spcBef>
@@ -10420,11 +10681,11 @@
 </file>
 
 <file path=ppt/slides/slide2.xml><?xml version="1.0" encoding="utf-8"?>
-<p:sld xmlns:a="http://schemas.openxmlformats.org/drawingml/2006/main" xmlns:r="http://schemas.openxmlformats.org/officeDocument/2006/relationships" xmlns:mc="http://schemas.openxmlformats.org/markup-compatibility/2006" xmlns:mv="urn:schemas-microsoft-com:mac:vml" xmlns:p="http://schemas.openxmlformats.org/presentationml/2006/main" xmlns:c="http://schemas.openxmlformats.org/drawingml/2006/chart" xmlns:dgm="http://schemas.openxmlformats.org/drawingml/2006/diagram" xmlns:o="urn:schemas-microsoft-com:office:office" xmlns:v="urn:schemas-microsoft-com:vml" xmlns:pvml="urn:schemas-microsoft-com:office:powerpoint" xmlns:com="http://schemas.openxmlformats.org/drawingml/2006/compatibility" xmlns:p14="http://schemas.microsoft.com/office/powerpoint/2010/main" xmlns:p15="http://schemas.microsoft.com/office/powerpoint/2012/main" xmlns:ahyp="http://schemas.microsoft.com/office/drawing/2018/hyperlinkcolor">
+<p:sld xmlns:a="http://schemas.openxmlformats.org/drawingml/2006/main" xmlns:r="http://schemas.openxmlformats.org/officeDocument/2006/relationships" xmlns:p="http://schemas.openxmlformats.org/presentationml/2006/main">
   <p:cSld>
     <p:spTree>
       <p:nvGrpSpPr>
-        <p:cNvPr id="68" name="Shape 68"/>
+        <p:cNvPr id="1" name="Shape 68"/>
         <p:cNvGrpSpPr/>
         <p:nvPr/>
       </p:nvGrpSpPr>
@@ -10439,7 +10700,9 @@
       <p:sp>
         <p:nvSpPr>
           <p:cNvPr id="69" name="Google Shape;69;p14"/>
-          <p:cNvSpPr txBox="1"/>
+          <p:cNvSpPr txBox="1">
+            <a:spLocks noGrp="1"/>
+          </p:cNvSpPr>
           <p:nvPr>
             <p:ph type="title"/>
           </p:nvPr>
@@ -10454,12 +10717,12 @@
           </a:prstGeom>
         </p:spPr>
         <p:txBody>
-          <a:bodyPr anchorCtr="0" anchor="t" bIns="91425" lIns="91425" spcFirstLastPara="1" rIns="91425" wrap="square" tIns="91425">
+          <a:bodyPr spcFirstLastPara="1" wrap="square" lIns="91425" tIns="91425" rIns="91425" bIns="91425" anchor="t" anchorCtr="0">
             <a:normAutofit fontScale="90000"/>
           </a:bodyPr>
           <a:lstStyle/>
           <a:p>
-            <a:pPr indent="0" lvl="0" marL="0" rtl="0" algn="l">
+            <a:pPr marL="0" lvl="0" indent="0" algn="l" rtl="0">
               <a:spcBef>
                 <a:spcPts val="0"/>
               </a:spcBef>
@@ -10479,9 +10742,11 @@
       <p:sp>
         <p:nvSpPr>
           <p:cNvPr id="70" name="Google Shape;70;p14"/>
-          <p:cNvSpPr txBox="1"/>
+          <p:cNvSpPr txBox="1">
+            <a:spLocks noGrp="1"/>
+          </p:cNvSpPr>
           <p:nvPr>
-            <p:ph idx="1" type="body"/>
+            <p:ph type="body" idx="1"/>
           </p:nvPr>
         </p:nvSpPr>
         <p:spPr>
@@ -10494,12 +10759,12 @@
           </a:prstGeom>
         </p:spPr>
         <p:txBody>
-          <a:bodyPr anchorCtr="0" anchor="t" bIns="91425" lIns="91425" spcFirstLastPara="1" rIns="91425" wrap="square" tIns="91425">
+          <a:bodyPr spcFirstLastPara="1" wrap="square" lIns="91425" tIns="91425" rIns="91425" bIns="91425" anchor="t" anchorCtr="0">
             <a:normAutofit/>
           </a:bodyPr>
           <a:lstStyle/>
           <a:p>
-            <a:pPr indent="-381000" lvl="0" marL="457200" rtl="0" algn="l">
+            <a:pPr marL="457200" lvl="0" indent="-381000" algn="l" rtl="0">
               <a:spcBef>
                 <a:spcPts val="0"/>
               </a:spcBef>
@@ -10516,7 +10781,7 @@
             <a:endParaRPr sz="2400"/>
           </a:p>
           <a:p>
-            <a:pPr indent="-381000" lvl="0" marL="457200" rtl="0" algn="l">
+            <a:pPr marL="457200" lvl="0" indent="-381000" algn="l" rtl="0">
               <a:spcBef>
                 <a:spcPts val="0"/>
               </a:spcBef>
@@ -10533,7 +10798,7 @@
             <a:endParaRPr sz="2400"/>
           </a:p>
           <a:p>
-            <a:pPr indent="-381000" lvl="0" marL="457200" rtl="0" algn="l">
+            <a:pPr marL="457200" lvl="0" indent="-381000" algn="l" rtl="0">
               <a:spcBef>
                 <a:spcPts val="0"/>
               </a:spcBef>
@@ -10616,7 +10881,7 @@
 </file>
 
 <file path=ppt/slides/slide20.xml><?xml version="1.0" encoding="utf-8"?>
-<p:sld xmlns:a="http://schemas.openxmlformats.org/drawingml/2006/main" xmlns:r="http://schemas.openxmlformats.org/officeDocument/2006/relationships" xmlns:mc="http://schemas.openxmlformats.org/markup-compatibility/2006" xmlns:mv="urn:schemas-microsoft-com:mac:vml" xmlns:p="http://schemas.openxmlformats.org/presentationml/2006/main" xmlns:c="http://schemas.openxmlformats.org/drawingml/2006/chart" xmlns:dgm="http://schemas.openxmlformats.org/drawingml/2006/diagram" xmlns:o="urn:schemas-microsoft-com:office:office" xmlns:v="urn:schemas-microsoft-com:vml" xmlns:pvml="urn:schemas-microsoft-com:office:powerpoint" xmlns:com="http://schemas.openxmlformats.org/drawingml/2006/compatibility" xmlns:p14="http://schemas.microsoft.com/office/powerpoint/2010/main" xmlns:p15="http://schemas.microsoft.com/office/powerpoint/2012/main" xmlns:ahyp="http://schemas.microsoft.com/office/drawing/2018/hyperlinkcolor">
+<p:sld xmlns:a="http://schemas.openxmlformats.org/drawingml/2006/main" xmlns:r="http://schemas.openxmlformats.org/officeDocument/2006/relationships" xmlns:p="http://schemas.openxmlformats.org/presentationml/2006/main">
   <p:cSld>
     <p:bg>
       <p:bgPr>
@@ -10628,11 +10893,12 @@
             <a:fillRect/>
           </a:stretch>
         </a:blipFill>
+        <a:effectLst/>
       </p:bgPr>
     </p:bg>
     <p:spTree>
       <p:nvGrpSpPr>
-        <p:cNvPr id="214" name="Shape 214"/>
+        <p:cNvPr id="1" name="Shape 214"/>
         <p:cNvGrpSpPr/>
         <p:nvPr/>
       </p:nvGrpSpPr>
@@ -10647,7 +10913,9 @@
       <p:sp>
         <p:nvSpPr>
           <p:cNvPr id="215" name="Google Shape;215;p32"/>
-          <p:cNvSpPr txBox="1"/>
+          <p:cNvSpPr txBox="1">
+            <a:spLocks noGrp="1"/>
+          </p:cNvSpPr>
           <p:nvPr>
             <p:ph type="title"/>
           </p:nvPr>
@@ -10662,12 +10930,12 @@
           </a:prstGeom>
         </p:spPr>
         <p:txBody>
-          <a:bodyPr anchorCtr="0" anchor="t" bIns="91425" lIns="91425" spcFirstLastPara="1" rIns="91425" wrap="square" tIns="91425">
+          <a:bodyPr spcFirstLastPara="1" wrap="square" lIns="91425" tIns="91425" rIns="91425" bIns="91425" anchor="t" anchorCtr="0">
             <a:normAutofit fontScale="90000"/>
           </a:bodyPr>
           <a:lstStyle/>
           <a:p>
-            <a:pPr indent="0" lvl="0" marL="0" rtl="0" algn="l">
+            <a:pPr marL="0" lvl="0" indent="0" algn="l" rtl="0">
               <a:spcBef>
                 <a:spcPts val="0"/>
               </a:spcBef>
@@ -10687,9 +10955,11 @@
       <p:sp>
         <p:nvSpPr>
           <p:cNvPr id="216" name="Google Shape;216;p32"/>
-          <p:cNvSpPr txBox="1"/>
+          <p:cNvSpPr txBox="1">
+            <a:spLocks noGrp="1"/>
+          </p:cNvSpPr>
           <p:nvPr>
-            <p:ph idx="1" type="body"/>
+            <p:ph type="body" idx="1"/>
           </p:nvPr>
         </p:nvSpPr>
         <p:spPr>
@@ -10707,12 +10977,12 @@
           </a:solidFill>
         </p:spPr>
         <p:txBody>
-          <a:bodyPr anchorCtr="0" anchor="t" bIns="91425" lIns="91425" spcFirstLastPara="1" rIns="91425" wrap="square" tIns="91425">
+          <a:bodyPr spcFirstLastPara="1" wrap="square" lIns="91425" tIns="91425" rIns="91425" bIns="91425" anchor="t" anchorCtr="0">
             <a:normAutofit/>
           </a:bodyPr>
           <a:lstStyle/>
           <a:p>
-            <a:pPr indent="-342900" lvl="0" marL="457200" rtl="0" algn="l">
+            <a:pPr marL="457200" lvl="0" indent="-342900" algn="l" rtl="0">
               <a:spcBef>
                 <a:spcPts val="0"/>
               </a:spcBef>
@@ -10740,7 +11010,7 @@
             </a:endParaRPr>
           </a:p>
           <a:p>
-            <a:pPr indent="-317500" lvl="1" marL="914400" rtl="0" algn="l">
+            <a:pPr marL="914400" lvl="1" indent="-317500" algn="l" rtl="0">
               <a:spcBef>
                 <a:spcPts val="0"/>
               </a:spcBef>
@@ -10768,7 +11038,7 @@
             </a:endParaRPr>
           </a:p>
           <a:p>
-            <a:pPr indent="-317500" lvl="1" marL="914400" rtl="0" algn="l">
+            <a:pPr marL="914400" lvl="1" indent="-317500" algn="l" rtl="0">
               <a:spcBef>
                 <a:spcPts val="0"/>
               </a:spcBef>
@@ -10796,7 +11066,7 @@
             </a:endParaRPr>
           </a:p>
           <a:p>
-            <a:pPr indent="-317500" lvl="1" marL="914400" rtl="0" algn="l">
+            <a:pPr marL="914400" lvl="1" indent="-317500" algn="l" rtl="0">
               <a:spcBef>
                 <a:spcPts val="0"/>
               </a:spcBef>
@@ -10824,7 +11094,7 @@
             </a:endParaRPr>
           </a:p>
           <a:p>
-            <a:pPr indent="-317500" lvl="1" marL="914400" rtl="0" algn="l">
+            <a:pPr marL="914400" lvl="1" indent="-317500" algn="l" rtl="0">
               <a:spcBef>
                 <a:spcPts val="0"/>
               </a:spcBef>
@@ -10852,7 +11122,7 @@
             </a:endParaRPr>
           </a:p>
           <a:p>
-            <a:pPr indent="-342900" lvl="0" marL="457200" rtl="0" algn="l">
+            <a:pPr marL="457200" lvl="0" indent="-342900" algn="l" rtl="0">
               <a:spcBef>
                 <a:spcPts val="0"/>
               </a:spcBef>
@@ -10880,7 +11150,7 @@
             </a:endParaRPr>
           </a:p>
           <a:p>
-            <a:pPr indent="-317500" lvl="1" marL="914400" rtl="0" algn="l">
+            <a:pPr marL="914400" lvl="1" indent="-317500" algn="l" rtl="0">
               <a:spcBef>
                 <a:spcPts val="0"/>
               </a:spcBef>
@@ -10908,7 +11178,7 @@
             </a:endParaRPr>
           </a:p>
           <a:p>
-            <a:pPr indent="-317500" lvl="2" marL="1371600" rtl="0" algn="l">
+            <a:pPr marL="1371600" lvl="2" indent="-317500" algn="l" rtl="0">
               <a:spcBef>
                 <a:spcPts val="0"/>
               </a:spcBef>
@@ -10936,7 +11206,7 @@
             </a:endParaRPr>
           </a:p>
           <a:p>
-            <a:pPr indent="-317500" lvl="2" marL="1371600" rtl="0" algn="l">
+            <a:pPr marL="1371600" lvl="2" indent="-317500" algn="l" rtl="0">
               <a:spcBef>
                 <a:spcPts val="0"/>
               </a:spcBef>
@@ -10964,7 +11234,7 @@
             </a:endParaRPr>
           </a:p>
           <a:p>
-            <a:pPr indent="-317500" lvl="2" marL="1371600" rtl="0" algn="l">
+            <a:pPr marL="1371600" lvl="2" indent="-317500" algn="l" rtl="0">
               <a:spcBef>
                 <a:spcPts val="0"/>
               </a:spcBef>
@@ -10992,7 +11262,7 @@
             </a:endParaRPr>
           </a:p>
           <a:p>
-            <a:pPr indent="-317500" lvl="2" marL="1371600" rtl="0" algn="l">
+            <a:pPr marL="1371600" lvl="2" indent="-317500" algn="l" rtl="0">
               <a:spcBef>
                 <a:spcPts val="0"/>
               </a:spcBef>
@@ -11020,7 +11290,7 @@
             </a:endParaRPr>
           </a:p>
           <a:p>
-            <a:pPr indent="-317500" lvl="1" marL="914400" rtl="0" algn="l">
+            <a:pPr marL="914400" lvl="1" indent="-317500" algn="l" rtl="0">
               <a:spcBef>
                 <a:spcPts val="0"/>
               </a:spcBef>
@@ -11048,7 +11318,7 @@
             </a:endParaRPr>
           </a:p>
           <a:p>
-            <a:pPr indent="-317500" lvl="2" marL="1371600" rtl="0" algn="l">
+            <a:pPr marL="1371600" lvl="2" indent="-317500" algn="l" rtl="0">
               <a:spcBef>
                 <a:spcPts val="0"/>
               </a:spcBef>
@@ -11125,12 +11395,12 @@
           </a:ln>
         </p:spPr>
         <p:txBody>
-          <a:bodyPr anchorCtr="0" anchor="t" bIns="91425" lIns="91425" spcFirstLastPara="1" rIns="91425" wrap="square" tIns="91425">
+          <a:bodyPr spcFirstLastPara="1" wrap="square" lIns="91425" tIns="91425" rIns="91425" bIns="91425" anchor="t" anchorCtr="0">
             <a:spAutoFit/>
           </a:bodyPr>
           <a:lstStyle/>
           <a:p>
-            <a:pPr indent="0" lvl="0" marL="0" rtl="0" algn="l">
+            <a:pPr marL="0" lvl="0" indent="0" algn="l" rtl="0">
               <a:spcBef>
                 <a:spcPts val="0"/>
               </a:spcBef>
@@ -11156,11 +11426,11 @@
 </file>
 
 <file path=ppt/slides/slide21.xml><?xml version="1.0" encoding="utf-8"?>
-<p:sld xmlns:a="http://schemas.openxmlformats.org/drawingml/2006/main" xmlns:r="http://schemas.openxmlformats.org/officeDocument/2006/relationships" xmlns:mc="http://schemas.openxmlformats.org/markup-compatibility/2006" xmlns:mv="urn:schemas-microsoft-com:mac:vml" xmlns:p="http://schemas.openxmlformats.org/presentationml/2006/main" xmlns:c="http://schemas.openxmlformats.org/drawingml/2006/chart" xmlns:dgm="http://schemas.openxmlformats.org/drawingml/2006/diagram" xmlns:o="urn:schemas-microsoft-com:office:office" xmlns:v="urn:schemas-microsoft-com:vml" xmlns:pvml="urn:schemas-microsoft-com:office:powerpoint" xmlns:com="http://schemas.openxmlformats.org/drawingml/2006/compatibility" xmlns:p14="http://schemas.microsoft.com/office/powerpoint/2010/main" xmlns:p15="http://schemas.microsoft.com/office/powerpoint/2012/main" xmlns:ahyp="http://schemas.microsoft.com/office/drawing/2018/hyperlinkcolor">
+<p:sld xmlns:a="http://schemas.openxmlformats.org/drawingml/2006/main" xmlns:r="http://schemas.openxmlformats.org/officeDocument/2006/relationships" xmlns:p="http://schemas.openxmlformats.org/presentationml/2006/main">
   <p:cSld>
     <p:spTree>
       <p:nvGrpSpPr>
-        <p:cNvPr id="222" name="Shape 222"/>
+        <p:cNvPr id="1" name="Shape 222"/>
         <p:cNvGrpSpPr/>
         <p:nvPr/>
       </p:nvGrpSpPr>
@@ -11175,7 +11445,9 @@
       <p:sp>
         <p:nvSpPr>
           <p:cNvPr id="223" name="Google Shape;223;p33"/>
-          <p:cNvSpPr txBox="1"/>
+          <p:cNvSpPr txBox="1">
+            <a:spLocks noGrp="1"/>
+          </p:cNvSpPr>
           <p:nvPr>
             <p:ph type="title"/>
           </p:nvPr>
@@ -11190,12 +11462,12 @@
           </a:prstGeom>
         </p:spPr>
         <p:txBody>
-          <a:bodyPr anchorCtr="0" anchor="t" bIns="91425" lIns="91425" spcFirstLastPara="1" rIns="91425" wrap="square" tIns="91425">
+          <a:bodyPr spcFirstLastPara="1" wrap="square" lIns="91425" tIns="91425" rIns="91425" bIns="91425" anchor="t" anchorCtr="0">
             <a:normAutofit fontScale="90000"/>
           </a:bodyPr>
           <a:lstStyle/>
           <a:p>
-            <a:pPr indent="0" lvl="0" marL="0" rtl="0" algn="l">
+            <a:pPr marL="0" lvl="0" indent="0" algn="l" rtl="0">
               <a:spcBef>
                 <a:spcPts val="0"/>
               </a:spcBef>
@@ -11215,9 +11487,11 @@
       <p:sp>
         <p:nvSpPr>
           <p:cNvPr id="224" name="Google Shape;224;p33"/>
-          <p:cNvSpPr txBox="1"/>
+          <p:cNvSpPr txBox="1">
+            <a:spLocks noGrp="1"/>
+          </p:cNvSpPr>
           <p:nvPr>
-            <p:ph idx="1" type="body"/>
+            <p:ph type="body" idx="1"/>
           </p:nvPr>
         </p:nvSpPr>
         <p:spPr>
@@ -11230,12 +11504,12 @@
           </a:prstGeom>
         </p:spPr>
         <p:txBody>
-          <a:bodyPr anchorCtr="0" anchor="t" bIns="91425" lIns="91425" spcFirstLastPara="1" rIns="91425" wrap="square" tIns="91425">
+          <a:bodyPr spcFirstLastPara="1" wrap="square" lIns="91425" tIns="91425" rIns="91425" bIns="91425" anchor="t" anchorCtr="0">
             <a:normAutofit/>
           </a:bodyPr>
           <a:lstStyle/>
           <a:p>
-            <a:pPr indent="-361950" lvl="0" marL="457200" rtl="0" algn="l">
+            <a:pPr marL="457200" lvl="0" indent="-361950" algn="l" rtl="0">
               <a:spcBef>
                 <a:spcPts val="0"/>
               </a:spcBef>
@@ -11252,7 +11526,7 @@
             <a:endParaRPr sz="2100"/>
           </a:p>
           <a:p>
-            <a:pPr indent="-336550" lvl="1" marL="914400" rtl="0" algn="l">
+            <a:pPr marL="914400" lvl="1" indent="-336550" algn="l" rtl="0">
               <a:spcBef>
                 <a:spcPts val="0"/>
               </a:spcBef>
@@ -11269,7 +11543,7 @@
             <a:endParaRPr sz="1700"/>
           </a:p>
           <a:p>
-            <a:pPr indent="-336550" lvl="2" marL="1371600" rtl="0" algn="l">
+            <a:pPr marL="1371600" lvl="2" indent="-336550" algn="l" rtl="0">
               <a:spcBef>
                 <a:spcPts val="0"/>
               </a:spcBef>
@@ -11286,7 +11560,7 @@
             <a:endParaRPr sz="1700"/>
           </a:p>
           <a:p>
-            <a:pPr indent="-336550" lvl="1" marL="914400" rtl="0" algn="l">
+            <a:pPr marL="914400" lvl="1" indent="-336550" algn="l" rtl="0">
               <a:spcBef>
                 <a:spcPts val="0"/>
               </a:spcBef>
@@ -11303,7 +11577,7 @@
             <a:endParaRPr sz="1700"/>
           </a:p>
           <a:p>
-            <a:pPr indent="-336550" lvl="1" marL="914400" rtl="0" algn="l">
+            <a:pPr marL="914400" lvl="1" indent="-336550" algn="l" rtl="0">
               <a:spcBef>
                 <a:spcPts val="0"/>
               </a:spcBef>
@@ -11320,7 +11594,7 @@
             <a:endParaRPr sz="1700"/>
           </a:p>
           <a:p>
-            <a:pPr indent="-361950" lvl="0" marL="457200" rtl="0" algn="l">
+            <a:pPr marL="457200" lvl="0" indent="-361950" algn="l" rtl="0">
               <a:spcBef>
                 <a:spcPts val="0"/>
               </a:spcBef>
@@ -11337,7 +11611,7 @@
             <a:endParaRPr sz="2100"/>
           </a:p>
           <a:p>
-            <a:pPr indent="-336550" lvl="1" marL="914400" rtl="0" algn="l">
+            <a:pPr marL="914400" lvl="1" indent="-336550" algn="l" rtl="0">
               <a:spcBef>
                 <a:spcPts val="0"/>
               </a:spcBef>
@@ -11354,7 +11628,7 @@
             <a:endParaRPr sz="1700"/>
           </a:p>
           <a:p>
-            <a:pPr indent="-336550" lvl="1" marL="914400" rtl="0" algn="l">
+            <a:pPr marL="914400" lvl="1" indent="-336550" algn="l" rtl="0">
               <a:spcBef>
                 <a:spcPts val="0"/>
               </a:spcBef>
@@ -11371,7 +11645,7 @@
             <a:endParaRPr sz="1700"/>
           </a:p>
           <a:p>
-            <a:pPr indent="0" lvl="0" marL="0" rtl="0" algn="l">
+            <a:pPr marL="0" lvl="0" indent="0" algn="l" rtl="0">
               <a:spcBef>
                 <a:spcPts val="1200"/>
               </a:spcBef>
@@ -11380,9 +11654,6 @@
               </a:spcAft>
               <a:buNone/>
             </a:pPr>
-            <a:r>
-              <a:t/>
-            </a:r>
             <a:endParaRPr/>
           </a:p>
         </p:txBody>
@@ -11425,7 +11696,7 @@
           <a:blip r:embed="rId4">
             <a:alphaModFix/>
           </a:blip>
-          <a:srcRect b="17478" l="18367" r="0" t="18590"/>
+          <a:srcRect l="18367" t="18590" b="17478"/>
           <a:stretch/>
         </p:blipFill>
         <p:spPr>
@@ -11462,12 +11733,12 @@
           </a:ln>
         </p:spPr>
         <p:txBody>
-          <a:bodyPr anchorCtr="0" anchor="t" bIns="91425" lIns="91425" spcFirstLastPara="1" rIns="91425" wrap="square" tIns="91425">
+          <a:bodyPr spcFirstLastPara="1" wrap="square" lIns="91425" tIns="91425" rIns="91425" bIns="91425" anchor="t" anchorCtr="0">
             <a:spAutoFit/>
           </a:bodyPr>
           <a:lstStyle/>
           <a:p>
-            <a:pPr indent="0" lvl="0" marL="0" rtl="0" algn="l">
+            <a:pPr marL="0" lvl="0" indent="0" algn="l" rtl="0">
               <a:spcBef>
                 <a:spcPts val="0"/>
               </a:spcBef>
@@ -11493,11 +11764,11 @@
 </file>
 
 <file path=ppt/slides/slide22.xml><?xml version="1.0" encoding="utf-8"?>
-<p:sld xmlns:a="http://schemas.openxmlformats.org/drawingml/2006/main" xmlns:r="http://schemas.openxmlformats.org/officeDocument/2006/relationships" xmlns:mc="http://schemas.openxmlformats.org/markup-compatibility/2006" xmlns:mv="urn:schemas-microsoft-com:mac:vml" xmlns:p="http://schemas.openxmlformats.org/presentationml/2006/main" xmlns:c="http://schemas.openxmlformats.org/drawingml/2006/chart" xmlns:dgm="http://schemas.openxmlformats.org/drawingml/2006/diagram" xmlns:o="urn:schemas-microsoft-com:office:office" xmlns:v="urn:schemas-microsoft-com:vml" xmlns:pvml="urn:schemas-microsoft-com:office:powerpoint" xmlns:com="http://schemas.openxmlformats.org/drawingml/2006/compatibility" xmlns:p14="http://schemas.microsoft.com/office/powerpoint/2010/main" xmlns:p15="http://schemas.microsoft.com/office/powerpoint/2012/main" xmlns:ahyp="http://schemas.microsoft.com/office/drawing/2018/hyperlinkcolor">
+<p:sld xmlns:a="http://schemas.openxmlformats.org/drawingml/2006/main" xmlns:r="http://schemas.openxmlformats.org/officeDocument/2006/relationships" xmlns:p="http://schemas.openxmlformats.org/presentationml/2006/main">
   <p:cSld>
     <p:spTree>
       <p:nvGrpSpPr>
-        <p:cNvPr id="231" name="Shape 231"/>
+        <p:cNvPr id="1" name="Shape 231"/>
         <p:cNvGrpSpPr/>
         <p:nvPr/>
       </p:nvGrpSpPr>
@@ -11512,7 +11783,9 @@
       <p:sp>
         <p:nvSpPr>
           <p:cNvPr id="232" name="Google Shape;232;p34"/>
-          <p:cNvSpPr txBox="1"/>
+          <p:cNvSpPr txBox="1">
+            <a:spLocks noGrp="1"/>
+          </p:cNvSpPr>
           <p:nvPr>
             <p:ph type="title"/>
           </p:nvPr>
@@ -11527,12 +11800,12 @@
           </a:prstGeom>
         </p:spPr>
         <p:txBody>
-          <a:bodyPr anchorCtr="0" anchor="t" bIns="91425" lIns="91425" spcFirstLastPara="1" rIns="91425" wrap="square" tIns="91425">
+          <a:bodyPr spcFirstLastPara="1" wrap="square" lIns="91425" tIns="91425" rIns="91425" bIns="91425" anchor="t" anchorCtr="0">
             <a:normAutofit fontScale="90000"/>
           </a:bodyPr>
           <a:lstStyle/>
           <a:p>
-            <a:pPr indent="0" lvl="0" marL="0" rtl="0" algn="l">
+            <a:pPr marL="0" lvl="0" indent="0" algn="l" rtl="0">
               <a:spcBef>
                 <a:spcPts val="0"/>
               </a:spcBef>
@@ -11552,9 +11825,11 @@
       <p:sp>
         <p:nvSpPr>
           <p:cNvPr id="233" name="Google Shape;233;p34"/>
-          <p:cNvSpPr txBox="1"/>
+          <p:cNvSpPr txBox="1">
+            <a:spLocks noGrp="1"/>
+          </p:cNvSpPr>
           <p:nvPr>
-            <p:ph idx="1" type="body"/>
+            <p:ph type="body" idx="1"/>
           </p:nvPr>
         </p:nvSpPr>
         <p:spPr>
@@ -11567,12 +11842,12 @@
           </a:prstGeom>
         </p:spPr>
         <p:txBody>
-          <a:bodyPr anchorCtr="0" anchor="t" bIns="91425" lIns="91425" spcFirstLastPara="1" rIns="91425" wrap="square" tIns="91425">
+          <a:bodyPr spcFirstLastPara="1" wrap="square" lIns="91425" tIns="91425" rIns="91425" bIns="91425" anchor="t" anchorCtr="0">
             <a:normAutofit fontScale="25000" lnSpcReduction="10000"/>
           </a:bodyPr>
           <a:lstStyle/>
           <a:p>
-            <a:pPr indent="-344823" lvl="0" marL="457200" rtl="0" algn="l">
+            <a:pPr marL="457200" lvl="0" indent="-344823" algn="l" rtl="0">
               <a:spcBef>
                 <a:spcPts val="0"/>
               </a:spcBef>
@@ -11589,7 +11864,7 @@
             <a:endParaRPr sz="7321"/>
           </a:p>
           <a:p>
-            <a:pPr indent="-338473" lvl="1" marL="914400" rtl="0" algn="l">
+            <a:pPr marL="914400" lvl="1" indent="-338473" algn="l" rtl="0">
               <a:spcBef>
                 <a:spcPts val="0"/>
               </a:spcBef>
@@ -11606,7 +11881,7 @@
             <a:endParaRPr sz="6921"/>
           </a:p>
           <a:p>
-            <a:pPr indent="-338473" lvl="2" marL="1371600" rtl="0" algn="l">
+            <a:pPr marL="1371600" lvl="2" indent="-338473" algn="l" rtl="0">
               <a:spcBef>
                 <a:spcPts val="0"/>
               </a:spcBef>
@@ -11623,7 +11898,7 @@
             <a:endParaRPr sz="6921"/>
           </a:p>
           <a:p>
-            <a:pPr indent="-338473" lvl="2" marL="1371600" rtl="0" algn="l">
+            <a:pPr marL="1371600" lvl="2" indent="-338473" algn="l" rtl="0">
               <a:spcBef>
                 <a:spcPts val="0"/>
               </a:spcBef>
@@ -11640,7 +11915,7 @@
             <a:endParaRPr sz="6921"/>
           </a:p>
           <a:p>
-            <a:pPr indent="-338473" lvl="1" marL="914400" rtl="0" algn="l">
+            <a:pPr marL="914400" lvl="1" indent="-338473" algn="l" rtl="0">
               <a:spcBef>
                 <a:spcPts val="0"/>
               </a:spcBef>
@@ -11657,7 +11932,7 @@
             <a:endParaRPr sz="6921"/>
           </a:p>
           <a:p>
-            <a:pPr indent="-344823" lvl="0" marL="457200" rtl="0" algn="l">
+            <a:pPr marL="457200" lvl="0" indent="-344823" algn="l" rtl="0">
               <a:spcBef>
                 <a:spcPts val="0"/>
               </a:spcBef>
@@ -11674,7 +11949,7 @@
             <a:endParaRPr sz="7321"/>
           </a:p>
           <a:p>
-            <a:pPr indent="-338473" lvl="1" marL="914400" rtl="0" algn="l">
+            <a:pPr marL="914400" lvl="1" indent="-338473" algn="l" rtl="0">
               <a:spcBef>
                 <a:spcPts val="0"/>
               </a:spcBef>
@@ -11691,7 +11966,7 @@
             <a:endParaRPr sz="6921"/>
           </a:p>
           <a:p>
-            <a:pPr indent="-338473" lvl="1" marL="914400" rtl="0" algn="l">
+            <a:pPr marL="914400" lvl="1" indent="-338473" algn="l" rtl="0">
               <a:spcBef>
                 <a:spcPts val="0"/>
               </a:spcBef>
@@ -11708,7 +11983,7 @@
             <a:endParaRPr sz="6921"/>
           </a:p>
           <a:p>
-            <a:pPr indent="0" lvl="0" marL="0" rtl="0" algn="l">
+            <a:pPr marL="0" lvl="0" indent="0" algn="l" rtl="0">
               <a:spcBef>
                 <a:spcPts val="1200"/>
               </a:spcBef>
@@ -11717,13 +11992,10 @@
               </a:spcAft>
               <a:buNone/>
             </a:pPr>
-            <a:r>
-              <a:t/>
-            </a:r>
             <a:endParaRPr sz="6434"/>
           </a:p>
           <a:p>
-            <a:pPr indent="0" lvl="0" marL="0" rtl="0" algn="l">
+            <a:pPr marL="0" lvl="0" indent="0" algn="l" rtl="0">
               <a:spcBef>
                 <a:spcPts val="1200"/>
               </a:spcBef>
@@ -11733,7 +12005,7 @@
               <a:buNone/>
             </a:pPr>
             <a:r>
-              <a:rPr i="1" lang="en" sz="4891"/>
+              <a:rPr lang="en" sz="4891" i="1"/>
               <a:t>* This is a VERY HARD PROBLEM. The output of the project is not a predictor that does better than existing players, but one that at least is not terrible.</a:t>
             </a:r>
             <a:endParaRPr/>
@@ -11788,12 +12060,12 @@
           </a:ln>
         </p:spPr>
         <p:txBody>
-          <a:bodyPr anchorCtr="0" anchor="t" bIns="91425" lIns="91425" spcFirstLastPara="1" rIns="91425" wrap="square" tIns="91425">
+          <a:bodyPr spcFirstLastPara="1" wrap="square" lIns="91425" tIns="91425" rIns="91425" bIns="91425" anchor="t" anchorCtr="0">
             <a:spAutoFit/>
           </a:bodyPr>
           <a:lstStyle/>
           <a:p>
-            <a:pPr indent="0" lvl="0" marL="0" rtl="0" algn="l">
+            <a:pPr marL="0" lvl="0" indent="0" algn="l" rtl="0">
               <a:spcBef>
                 <a:spcPts val="0"/>
               </a:spcBef>
@@ -11819,11 +12091,11 @@
 </file>
 
 <file path=ppt/slides/slide3.xml><?xml version="1.0" encoding="utf-8"?>
-<p:sld xmlns:a="http://schemas.openxmlformats.org/drawingml/2006/main" xmlns:r="http://schemas.openxmlformats.org/officeDocument/2006/relationships" xmlns:mc="http://schemas.openxmlformats.org/markup-compatibility/2006" xmlns:mv="urn:schemas-microsoft-com:mac:vml" xmlns:p="http://schemas.openxmlformats.org/presentationml/2006/main" xmlns:c="http://schemas.openxmlformats.org/drawingml/2006/chart" xmlns:dgm="http://schemas.openxmlformats.org/drawingml/2006/diagram" xmlns:o="urn:schemas-microsoft-com:office:office" xmlns:v="urn:schemas-microsoft-com:vml" xmlns:pvml="urn:schemas-microsoft-com:office:powerpoint" xmlns:com="http://schemas.openxmlformats.org/drawingml/2006/compatibility" xmlns:p14="http://schemas.microsoft.com/office/powerpoint/2010/main" xmlns:p15="http://schemas.microsoft.com/office/powerpoint/2012/main" xmlns:ahyp="http://schemas.microsoft.com/office/drawing/2018/hyperlinkcolor">
+<p:sld xmlns:a="http://schemas.openxmlformats.org/drawingml/2006/main" xmlns:r="http://schemas.openxmlformats.org/officeDocument/2006/relationships" xmlns:p="http://schemas.openxmlformats.org/presentationml/2006/main">
   <p:cSld>
     <p:spTree>
       <p:nvGrpSpPr>
-        <p:cNvPr id="76" name="Shape 76"/>
+        <p:cNvPr id="1" name="Shape 76"/>
         <p:cNvGrpSpPr/>
         <p:nvPr/>
       </p:nvGrpSpPr>
@@ -11838,7 +12110,9 @@
       <p:sp>
         <p:nvSpPr>
           <p:cNvPr id="77" name="Google Shape;77;p15"/>
-          <p:cNvSpPr txBox="1"/>
+          <p:cNvSpPr txBox="1">
+            <a:spLocks noGrp="1"/>
+          </p:cNvSpPr>
           <p:nvPr>
             <p:ph type="title"/>
           </p:nvPr>
@@ -11853,12 +12127,12 @@
           </a:prstGeom>
         </p:spPr>
         <p:txBody>
-          <a:bodyPr anchorCtr="0" anchor="t" bIns="91425" lIns="91425" spcFirstLastPara="1" rIns="91425" wrap="square" tIns="91425">
+          <a:bodyPr spcFirstLastPara="1" wrap="square" lIns="91425" tIns="91425" rIns="91425" bIns="91425" anchor="t" anchorCtr="0">
             <a:normAutofit fontScale="90000"/>
           </a:bodyPr>
           <a:lstStyle/>
           <a:p>
-            <a:pPr indent="0" lvl="0" marL="0" rtl="0" algn="l">
+            <a:pPr marL="0" lvl="0" indent="0" algn="l" rtl="0">
               <a:spcBef>
                 <a:spcPts val="0"/>
               </a:spcBef>
@@ -11878,9 +12152,11 @@
       <p:sp>
         <p:nvSpPr>
           <p:cNvPr id="78" name="Google Shape;78;p15"/>
-          <p:cNvSpPr txBox="1"/>
+          <p:cNvSpPr txBox="1">
+            <a:spLocks noGrp="1"/>
+          </p:cNvSpPr>
           <p:nvPr>
-            <p:ph idx="1" type="body"/>
+            <p:ph type="body" idx="1"/>
           </p:nvPr>
         </p:nvSpPr>
         <p:spPr>
@@ -11893,12 +12169,12 @@
           </a:prstGeom>
         </p:spPr>
         <p:txBody>
-          <a:bodyPr anchorCtr="0" anchor="t" bIns="91425" lIns="91425" spcFirstLastPara="1" rIns="91425" wrap="square" tIns="91425">
+          <a:bodyPr spcFirstLastPara="1" wrap="square" lIns="91425" tIns="91425" rIns="91425" bIns="91425" anchor="t" anchorCtr="0">
             <a:normAutofit/>
           </a:bodyPr>
           <a:lstStyle/>
           <a:p>
-            <a:pPr indent="0" lvl="0" marL="0" rtl="0" algn="l">
+            <a:pPr marL="0" lvl="0" indent="0" algn="l" rtl="0">
               <a:spcBef>
                 <a:spcPts val="0"/>
               </a:spcBef>
@@ -11919,7 +12195,7 @@
             <a:endParaRPr/>
           </a:p>
           <a:p>
-            <a:pPr indent="-342900" lvl="0" marL="457200" rtl="0" algn="l">
+            <a:pPr marL="457200" lvl="0" indent="-342900" algn="l" rtl="0">
               <a:spcBef>
                 <a:spcPts val="1200"/>
               </a:spcBef>
@@ -11936,7 +12212,7 @@
             <a:endParaRPr/>
           </a:p>
           <a:p>
-            <a:pPr indent="-342900" lvl="0" marL="457200" rtl="0" algn="l">
+            <a:pPr marL="457200" lvl="0" indent="-342900" algn="l" rtl="0">
               <a:spcBef>
                 <a:spcPts val="0"/>
               </a:spcBef>
@@ -11953,7 +12229,7 @@
             <a:endParaRPr/>
           </a:p>
           <a:p>
-            <a:pPr indent="-342900" lvl="0" marL="457200" rtl="0" algn="l">
+            <a:pPr marL="457200" lvl="0" indent="-342900" algn="l" rtl="0">
               <a:spcBef>
                 <a:spcPts val="0"/>
               </a:spcBef>
@@ -11970,7 +12246,7 @@
             <a:endParaRPr/>
           </a:p>
           <a:p>
-            <a:pPr indent="-342900" lvl="0" marL="457200" rtl="0" algn="l">
+            <a:pPr marL="457200" lvl="0" indent="-342900" algn="l" rtl="0">
               <a:spcBef>
                 <a:spcPts val="0"/>
               </a:spcBef>
@@ -11987,7 +12263,7 @@
             <a:endParaRPr/>
           </a:p>
           <a:p>
-            <a:pPr indent="-342900" lvl="0" marL="457200" rtl="0" algn="l">
+            <a:pPr marL="457200" lvl="0" indent="-342900" algn="l" rtl="0">
               <a:spcBef>
                 <a:spcPts val="0"/>
               </a:spcBef>
@@ -12004,7 +12280,7 @@
             <a:endParaRPr/>
           </a:p>
           <a:p>
-            <a:pPr indent="0" lvl="0" marL="0" rtl="0" algn="l">
+            <a:pPr marL="0" lvl="0" indent="0" algn="l" rtl="0">
               <a:spcBef>
                 <a:spcPts val="1200"/>
               </a:spcBef>
@@ -12018,13 +12294,10 @@
               <a:buFont typeface="Arial"/>
               <a:buNone/>
             </a:pPr>
-            <a:r>
-              <a:t/>
-            </a:r>
             <a:endParaRPr/>
           </a:p>
           <a:p>
-            <a:pPr indent="0" lvl="0" marL="0" rtl="0" algn="l">
+            <a:pPr marL="0" lvl="0" indent="0" algn="l" rtl="0">
               <a:spcBef>
                 <a:spcPts val="1200"/>
               </a:spcBef>
@@ -12033,9 +12306,6 @@
               </a:spcAft>
               <a:buNone/>
             </a:pPr>
-            <a:r>
-              <a:t/>
-            </a:r>
             <a:endParaRPr/>
           </a:p>
         </p:txBody>
@@ -12049,11 +12319,11 @@
 </file>
 
 <file path=ppt/slides/slide4.xml><?xml version="1.0" encoding="utf-8"?>
-<p:sld xmlns:a="http://schemas.openxmlformats.org/drawingml/2006/main" xmlns:r="http://schemas.openxmlformats.org/officeDocument/2006/relationships" xmlns:mc="http://schemas.openxmlformats.org/markup-compatibility/2006" xmlns:mv="urn:schemas-microsoft-com:mac:vml" xmlns:p="http://schemas.openxmlformats.org/presentationml/2006/main" xmlns:c="http://schemas.openxmlformats.org/drawingml/2006/chart" xmlns:dgm="http://schemas.openxmlformats.org/drawingml/2006/diagram" xmlns:o="urn:schemas-microsoft-com:office:office" xmlns:v="urn:schemas-microsoft-com:vml" xmlns:pvml="urn:schemas-microsoft-com:office:powerpoint" xmlns:com="http://schemas.openxmlformats.org/drawingml/2006/compatibility" xmlns:p14="http://schemas.microsoft.com/office/powerpoint/2010/main" xmlns:p15="http://schemas.microsoft.com/office/powerpoint/2012/main" xmlns:ahyp="http://schemas.microsoft.com/office/drawing/2018/hyperlinkcolor">
+<p:sld xmlns:a="http://schemas.openxmlformats.org/drawingml/2006/main" xmlns:r="http://schemas.openxmlformats.org/officeDocument/2006/relationships" xmlns:p="http://schemas.openxmlformats.org/presentationml/2006/main">
   <p:cSld>
     <p:spTree>
       <p:nvGrpSpPr>
-        <p:cNvPr id="82" name="Shape 82"/>
+        <p:cNvPr id="1" name="Shape 82"/>
         <p:cNvGrpSpPr/>
         <p:nvPr/>
       </p:nvGrpSpPr>
@@ -12068,7 +12338,9 @@
       <p:sp>
         <p:nvSpPr>
           <p:cNvPr id="83" name="Google Shape;83;p16"/>
-          <p:cNvSpPr txBox="1"/>
+          <p:cNvSpPr txBox="1">
+            <a:spLocks noGrp="1"/>
+          </p:cNvSpPr>
           <p:nvPr>
             <p:ph type="title"/>
           </p:nvPr>
@@ -12083,12 +12355,12 @@
           </a:prstGeom>
         </p:spPr>
         <p:txBody>
-          <a:bodyPr anchorCtr="0" anchor="t" bIns="91425" lIns="91425" spcFirstLastPara="1" rIns="91425" wrap="square" tIns="91425">
+          <a:bodyPr spcFirstLastPara="1" wrap="square" lIns="91425" tIns="91425" rIns="91425" bIns="91425" anchor="t" anchorCtr="0">
             <a:normAutofit fontScale="90000"/>
           </a:bodyPr>
           <a:lstStyle/>
           <a:p>
-            <a:pPr indent="0" lvl="0" marL="0" rtl="0" algn="l">
+            <a:pPr marL="0" lvl="0" indent="0" algn="l" rtl="0">
               <a:spcBef>
                 <a:spcPts val="0"/>
               </a:spcBef>
@@ -12108,9 +12380,11 @@
       <p:sp>
         <p:nvSpPr>
           <p:cNvPr id="84" name="Google Shape;84;p16"/>
-          <p:cNvSpPr txBox="1"/>
+          <p:cNvSpPr txBox="1">
+            <a:spLocks noGrp="1"/>
+          </p:cNvSpPr>
           <p:nvPr>
-            <p:ph idx="1" type="body"/>
+            <p:ph type="body" idx="1"/>
           </p:nvPr>
         </p:nvSpPr>
         <p:spPr>
@@ -12123,12 +12397,12 @@
           </a:prstGeom>
         </p:spPr>
         <p:txBody>
-          <a:bodyPr anchorCtr="0" anchor="t" bIns="91425" lIns="91425" spcFirstLastPara="1" rIns="91425" wrap="square" tIns="91425">
+          <a:bodyPr spcFirstLastPara="1" wrap="square" lIns="91425" tIns="91425" rIns="91425" bIns="91425" anchor="t" anchorCtr="0">
             <a:normAutofit/>
           </a:bodyPr>
           <a:lstStyle/>
           <a:p>
-            <a:pPr indent="0" lvl="0" marL="0" rtl="0" algn="l">
+            <a:pPr marL="0" lvl="0" indent="0" algn="l" rtl="0">
               <a:spcBef>
                 <a:spcPts val="0"/>
               </a:spcBef>
@@ -12149,7 +12423,7 @@
             <a:endParaRPr/>
           </a:p>
           <a:p>
-            <a:pPr indent="-342900" lvl="0" marL="457200" rtl="0" algn="l">
+            <a:pPr marL="457200" lvl="0" indent="-342900" algn="l" rtl="0">
               <a:spcBef>
                 <a:spcPts val="1200"/>
               </a:spcBef>
@@ -12166,7 +12440,7 @@
             <a:endParaRPr/>
           </a:p>
           <a:p>
-            <a:pPr indent="0" lvl="0" marL="0" rtl="0" algn="l">
+            <a:pPr marL="0" lvl="0" indent="0" algn="l" rtl="0">
               <a:spcBef>
                 <a:spcPts val="1200"/>
               </a:spcBef>
@@ -12187,7 +12461,7 @@
             <a:endParaRPr/>
           </a:p>
           <a:p>
-            <a:pPr indent="-342900" lvl="0" marL="457200" rtl="0" algn="l">
+            <a:pPr marL="457200" lvl="0" indent="-342900" algn="l" rtl="0">
               <a:spcBef>
                 <a:spcPts val="1200"/>
               </a:spcBef>
@@ -12223,11 +12497,11 @@
 </file>
 
 <file path=ppt/slides/slide5.xml><?xml version="1.0" encoding="utf-8"?>
-<p:sld xmlns:a="http://schemas.openxmlformats.org/drawingml/2006/main" xmlns:r="http://schemas.openxmlformats.org/officeDocument/2006/relationships" xmlns:mc="http://schemas.openxmlformats.org/markup-compatibility/2006" xmlns:mv="urn:schemas-microsoft-com:mac:vml" xmlns:p="http://schemas.openxmlformats.org/presentationml/2006/main" xmlns:c="http://schemas.openxmlformats.org/drawingml/2006/chart" xmlns:dgm="http://schemas.openxmlformats.org/drawingml/2006/diagram" xmlns:o="urn:schemas-microsoft-com:office:office" xmlns:v="urn:schemas-microsoft-com:vml" xmlns:pvml="urn:schemas-microsoft-com:office:powerpoint" xmlns:com="http://schemas.openxmlformats.org/drawingml/2006/compatibility" xmlns:p14="http://schemas.microsoft.com/office/powerpoint/2010/main" xmlns:p15="http://schemas.microsoft.com/office/powerpoint/2012/main" xmlns:ahyp="http://schemas.microsoft.com/office/drawing/2018/hyperlinkcolor">
+<p:sld xmlns:a="http://schemas.openxmlformats.org/drawingml/2006/main" xmlns:r="http://schemas.openxmlformats.org/officeDocument/2006/relationships" xmlns:p="http://schemas.openxmlformats.org/presentationml/2006/main">
   <p:cSld>
     <p:spTree>
       <p:nvGrpSpPr>
-        <p:cNvPr id="88" name="Shape 88"/>
+        <p:cNvPr id="1" name="Shape 88"/>
         <p:cNvGrpSpPr/>
         <p:nvPr/>
       </p:nvGrpSpPr>
@@ -12242,7 +12516,9 @@
       <p:sp>
         <p:nvSpPr>
           <p:cNvPr id="89" name="Google Shape;89;p17"/>
-          <p:cNvSpPr txBox="1"/>
+          <p:cNvSpPr txBox="1">
+            <a:spLocks noGrp="1"/>
+          </p:cNvSpPr>
           <p:nvPr>
             <p:ph type="title"/>
           </p:nvPr>
@@ -12257,12 +12533,12 @@
           </a:prstGeom>
         </p:spPr>
         <p:txBody>
-          <a:bodyPr anchorCtr="0" anchor="t" bIns="91425" lIns="91425" spcFirstLastPara="1" rIns="91425" wrap="square" tIns="91425">
+          <a:bodyPr spcFirstLastPara="1" wrap="square" lIns="91425" tIns="91425" rIns="91425" bIns="91425" anchor="t" anchorCtr="0">
             <a:normAutofit fontScale="90000"/>
           </a:bodyPr>
           <a:lstStyle/>
           <a:p>
-            <a:pPr indent="0" lvl="0" marL="0" rtl="0" algn="l">
+            <a:pPr marL="0" lvl="0" indent="0" algn="l" rtl="0">
               <a:spcBef>
                 <a:spcPts val="0"/>
               </a:spcBef>
@@ -12282,9 +12558,11 @@
       <p:sp>
         <p:nvSpPr>
           <p:cNvPr id="90" name="Google Shape;90;p17"/>
-          <p:cNvSpPr txBox="1"/>
+          <p:cNvSpPr txBox="1">
+            <a:spLocks noGrp="1"/>
+          </p:cNvSpPr>
           <p:nvPr>
-            <p:ph idx="1" type="body"/>
+            <p:ph type="body" idx="1"/>
           </p:nvPr>
         </p:nvSpPr>
         <p:spPr>
@@ -12297,12 +12575,12 @@
           </a:prstGeom>
         </p:spPr>
         <p:txBody>
-          <a:bodyPr anchorCtr="0" anchor="t" bIns="91425" lIns="91425" spcFirstLastPara="1" rIns="91425" wrap="square" tIns="91425">
+          <a:bodyPr spcFirstLastPara="1" wrap="square" lIns="91425" tIns="91425" rIns="91425" bIns="91425" anchor="t" anchorCtr="0">
             <a:normAutofit/>
           </a:bodyPr>
           <a:lstStyle/>
           <a:p>
-            <a:pPr indent="0" lvl="0" marL="0" rtl="0" algn="l">
+            <a:pPr marL="0" lvl="0" indent="0" algn="l" rtl="0">
               <a:spcBef>
                 <a:spcPts val="0"/>
               </a:spcBef>
@@ -12323,7 +12601,7 @@
             <a:endParaRPr/>
           </a:p>
           <a:p>
-            <a:pPr indent="-342900" lvl="0" marL="457200" rtl="0" algn="l">
+            <a:pPr marL="457200" lvl="0" indent="-342900" algn="l" rtl="0">
               <a:spcBef>
                 <a:spcPts val="1200"/>
               </a:spcBef>
@@ -12340,7 +12618,7 @@
             <a:endParaRPr/>
           </a:p>
           <a:p>
-            <a:pPr indent="0" lvl="0" marL="0" rtl="0" algn="l">
+            <a:pPr marL="0" lvl="0" indent="0" algn="l" rtl="0">
               <a:spcBef>
                 <a:spcPts val="1200"/>
               </a:spcBef>
@@ -12361,7 +12639,7 @@
             <a:endParaRPr/>
           </a:p>
           <a:p>
-            <a:pPr indent="0" lvl="0" marL="0" rtl="0" algn="l">
+            <a:pPr marL="0" lvl="0" indent="0" algn="l" rtl="0">
               <a:spcBef>
                 <a:spcPts val="1200"/>
               </a:spcBef>
@@ -12396,11 +12674,11 @@
 </file>
 
 <file path=ppt/slides/slide6.xml><?xml version="1.0" encoding="utf-8"?>
-<p:sld xmlns:a="http://schemas.openxmlformats.org/drawingml/2006/main" xmlns:r="http://schemas.openxmlformats.org/officeDocument/2006/relationships" xmlns:mc="http://schemas.openxmlformats.org/markup-compatibility/2006" xmlns:mv="urn:schemas-microsoft-com:mac:vml" xmlns:p="http://schemas.openxmlformats.org/presentationml/2006/main" xmlns:c="http://schemas.openxmlformats.org/drawingml/2006/chart" xmlns:dgm="http://schemas.openxmlformats.org/drawingml/2006/diagram" xmlns:o="urn:schemas-microsoft-com:office:office" xmlns:v="urn:schemas-microsoft-com:vml" xmlns:pvml="urn:schemas-microsoft-com:office:powerpoint" xmlns:com="http://schemas.openxmlformats.org/drawingml/2006/compatibility" xmlns:p14="http://schemas.microsoft.com/office/powerpoint/2010/main" xmlns:p15="http://schemas.microsoft.com/office/powerpoint/2012/main" xmlns:ahyp="http://schemas.microsoft.com/office/drawing/2018/hyperlinkcolor">
+<p:sld xmlns:a="http://schemas.openxmlformats.org/drawingml/2006/main" xmlns:r="http://schemas.openxmlformats.org/officeDocument/2006/relationships" xmlns:p="http://schemas.openxmlformats.org/presentationml/2006/main">
   <p:cSld>
     <p:spTree>
       <p:nvGrpSpPr>
-        <p:cNvPr id="94" name="Shape 94"/>
+        <p:cNvPr id="1" name="Shape 94"/>
         <p:cNvGrpSpPr/>
         <p:nvPr/>
       </p:nvGrpSpPr>
@@ -12415,7 +12693,9 @@
       <p:sp>
         <p:nvSpPr>
           <p:cNvPr id="95" name="Google Shape;95;p18"/>
-          <p:cNvSpPr txBox="1"/>
+          <p:cNvSpPr txBox="1">
+            <a:spLocks noGrp="1"/>
+          </p:cNvSpPr>
           <p:nvPr>
             <p:ph type="title"/>
           </p:nvPr>
@@ -12430,12 +12710,12 @@
           </a:prstGeom>
         </p:spPr>
         <p:txBody>
-          <a:bodyPr anchorCtr="0" anchor="t" bIns="91425" lIns="91425" spcFirstLastPara="1" rIns="91425" wrap="square" tIns="91425">
+          <a:bodyPr spcFirstLastPara="1" wrap="square" lIns="91425" tIns="91425" rIns="91425" bIns="91425" anchor="t" anchorCtr="0">
             <a:normAutofit fontScale="90000"/>
           </a:bodyPr>
           <a:lstStyle/>
           <a:p>
-            <a:pPr indent="0" lvl="0" marL="0" rtl="0" algn="l">
+            <a:pPr marL="0" lvl="0" indent="0" algn="l" rtl="0">
               <a:spcBef>
                 <a:spcPts val="0"/>
               </a:spcBef>
@@ -12455,9 +12735,11 @@
       <p:sp>
         <p:nvSpPr>
           <p:cNvPr id="96" name="Google Shape;96;p18"/>
-          <p:cNvSpPr txBox="1"/>
+          <p:cNvSpPr txBox="1">
+            <a:spLocks noGrp="1"/>
+          </p:cNvSpPr>
           <p:nvPr>
-            <p:ph idx="1" type="body"/>
+            <p:ph type="body" idx="1"/>
           </p:nvPr>
         </p:nvSpPr>
         <p:spPr>
@@ -12470,12 +12752,12 @@
           </a:prstGeom>
         </p:spPr>
         <p:txBody>
-          <a:bodyPr anchorCtr="0" anchor="t" bIns="91425" lIns="91425" spcFirstLastPara="1" rIns="91425" wrap="square" tIns="91425">
+          <a:bodyPr spcFirstLastPara="1" wrap="square" lIns="91425" tIns="91425" rIns="91425" bIns="91425" anchor="t" anchorCtr="0">
             <a:normAutofit/>
           </a:bodyPr>
           <a:lstStyle/>
           <a:p>
-            <a:pPr indent="0" lvl="0" marL="0" rtl="0" algn="l">
+            <a:pPr marL="0" lvl="0" indent="0" algn="l" rtl="0">
               <a:spcBef>
                 <a:spcPts val="0"/>
               </a:spcBef>
@@ -12496,7 +12778,7 @@
             <a:endParaRPr/>
           </a:p>
           <a:p>
-            <a:pPr indent="0" lvl="0" marL="0" rtl="0" algn="l">
+            <a:pPr marL="0" lvl="0" indent="0" algn="l" rtl="0">
               <a:spcBef>
                 <a:spcPts val="1200"/>
               </a:spcBef>
@@ -12512,7 +12794,7 @@
             <a:endParaRPr/>
           </a:p>
           <a:p>
-            <a:pPr indent="0" lvl="0" marL="0" rtl="0" algn="l">
+            <a:pPr marL="0" lvl="0" indent="0" algn="l" rtl="0">
               <a:spcBef>
                 <a:spcPts val="1200"/>
               </a:spcBef>
@@ -12538,11 +12820,11 @@
 </file>
 
 <file path=ppt/slides/slide7.xml><?xml version="1.0" encoding="utf-8"?>
-<p:sld xmlns:a="http://schemas.openxmlformats.org/drawingml/2006/main" xmlns:r="http://schemas.openxmlformats.org/officeDocument/2006/relationships" xmlns:mc="http://schemas.openxmlformats.org/markup-compatibility/2006" xmlns:mv="urn:schemas-microsoft-com:mac:vml" xmlns:p="http://schemas.openxmlformats.org/presentationml/2006/main" xmlns:c="http://schemas.openxmlformats.org/drawingml/2006/chart" xmlns:dgm="http://schemas.openxmlformats.org/drawingml/2006/diagram" xmlns:o="urn:schemas-microsoft-com:office:office" xmlns:v="urn:schemas-microsoft-com:vml" xmlns:pvml="urn:schemas-microsoft-com:office:powerpoint" xmlns:com="http://schemas.openxmlformats.org/drawingml/2006/compatibility" xmlns:p14="http://schemas.microsoft.com/office/powerpoint/2010/main" xmlns:p15="http://schemas.microsoft.com/office/powerpoint/2012/main" xmlns:ahyp="http://schemas.microsoft.com/office/drawing/2018/hyperlinkcolor">
+<p:sld xmlns:a="http://schemas.openxmlformats.org/drawingml/2006/main" xmlns:r="http://schemas.openxmlformats.org/officeDocument/2006/relationships" xmlns:p="http://schemas.openxmlformats.org/presentationml/2006/main">
   <p:cSld>
     <p:spTree>
       <p:nvGrpSpPr>
-        <p:cNvPr id="100" name="Shape 100"/>
+        <p:cNvPr id="1" name="Shape 100"/>
         <p:cNvGrpSpPr/>
         <p:nvPr/>
       </p:nvGrpSpPr>
@@ -12557,7 +12839,9 @@
       <p:sp>
         <p:nvSpPr>
           <p:cNvPr id="101" name="Google Shape;101;p19"/>
-          <p:cNvSpPr txBox="1"/>
+          <p:cNvSpPr txBox="1">
+            <a:spLocks noGrp="1"/>
+          </p:cNvSpPr>
           <p:nvPr>
             <p:ph type="title"/>
           </p:nvPr>
@@ -12572,12 +12856,12 @@
           </a:prstGeom>
         </p:spPr>
         <p:txBody>
-          <a:bodyPr anchorCtr="0" anchor="t" bIns="91425" lIns="91425" spcFirstLastPara="1" rIns="91425" wrap="square" tIns="91425">
+          <a:bodyPr spcFirstLastPara="1" wrap="square" lIns="91425" tIns="91425" rIns="91425" bIns="91425" anchor="t" anchorCtr="0">
             <a:normAutofit fontScale="90000"/>
           </a:bodyPr>
           <a:lstStyle/>
           <a:p>
-            <a:pPr indent="0" lvl="0" marL="0" rtl="0" algn="l">
+            <a:pPr marL="0" lvl="0" indent="0" algn="l" rtl="0">
               <a:spcBef>
                 <a:spcPts val="0"/>
               </a:spcBef>
@@ -12597,9 +12881,11 @@
       <p:sp>
         <p:nvSpPr>
           <p:cNvPr id="102" name="Google Shape;102;p19"/>
-          <p:cNvSpPr txBox="1"/>
+          <p:cNvSpPr txBox="1">
+            <a:spLocks noGrp="1"/>
+          </p:cNvSpPr>
           <p:nvPr>
-            <p:ph idx="1" type="body"/>
+            <p:ph type="body" idx="1"/>
           </p:nvPr>
         </p:nvSpPr>
         <p:spPr>
@@ -12612,12 +12898,12 @@
           </a:prstGeom>
         </p:spPr>
         <p:txBody>
-          <a:bodyPr anchorCtr="0" anchor="t" bIns="91425" lIns="91425" spcFirstLastPara="1" rIns="91425" wrap="square" tIns="91425">
+          <a:bodyPr spcFirstLastPara="1" wrap="square" lIns="91425" tIns="91425" rIns="91425" bIns="91425" anchor="t" anchorCtr="0">
             <a:normAutofit/>
           </a:bodyPr>
           <a:lstStyle/>
           <a:p>
-            <a:pPr indent="0" lvl="0" marL="0" rtl="0" algn="l">
+            <a:pPr marL="0" lvl="0" indent="0" algn="l" rtl="0">
               <a:spcBef>
                 <a:spcPts val="0"/>
               </a:spcBef>
@@ -12638,7 +12924,7 @@
             <a:endParaRPr/>
           </a:p>
           <a:p>
-            <a:pPr indent="0" lvl="0" marL="0" rtl="0" algn="l">
+            <a:pPr marL="0" lvl="0" indent="0" algn="l" rtl="0">
               <a:spcBef>
                 <a:spcPts val="1200"/>
               </a:spcBef>
@@ -12659,7 +12945,7 @@
             <a:endParaRPr/>
           </a:p>
           <a:p>
-            <a:pPr indent="0" lvl="0" marL="0" rtl="0" algn="l">
+            <a:pPr marL="0" lvl="0" indent="0" algn="l" rtl="0">
               <a:spcBef>
                 <a:spcPts val="1200"/>
               </a:spcBef>
@@ -12681,7 +12967,7 @@
                 <a:hlinkClick r:id="rId3">
                   <a:extLst>
                     <a:ext uri="{A12FA001-AC4F-418D-AE19-62706E023703}">
-                      <ahyp:hlinkClr val="tx"/>
+                      <ahyp:hlinkClr xmlns:ahyp="http://schemas.microsoft.com/office/drawing/2018/hyperlinkcolor" val="tx"/>
                     </a:ext>
                   </a:extLst>
                 </a:hlinkClick>
@@ -12695,7 +12981,7 @@
             <a:endParaRPr/>
           </a:p>
           <a:p>
-            <a:pPr indent="0" lvl="0" marL="0" rtl="0" algn="l">
+            <a:pPr marL="0" lvl="0" indent="0" algn="l" rtl="0">
               <a:spcBef>
                 <a:spcPts val="1200"/>
               </a:spcBef>
@@ -12704,9 +12990,6 @@
               </a:spcAft>
               <a:buNone/>
             </a:pPr>
-            <a:r>
-              <a:t/>
-            </a:r>
             <a:endParaRPr/>
           </a:p>
         </p:txBody>
@@ -12720,11 +13003,11 @@
 </file>
 
 <file path=ppt/slides/slide8.xml><?xml version="1.0" encoding="utf-8"?>
-<p:sld xmlns:a="http://schemas.openxmlformats.org/drawingml/2006/main" xmlns:r="http://schemas.openxmlformats.org/officeDocument/2006/relationships" xmlns:mc="http://schemas.openxmlformats.org/markup-compatibility/2006" xmlns:mv="urn:schemas-microsoft-com:mac:vml" xmlns:p="http://schemas.openxmlformats.org/presentationml/2006/main" xmlns:c="http://schemas.openxmlformats.org/drawingml/2006/chart" xmlns:dgm="http://schemas.openxmlformats.org/drawingml/2006/diagram" xmlns:o="urn:schemas-microsoft-com:office:office" xmlns:v="urn:schemas-microsoft-com:vml" xmlns:pvml="urn:schemas-microsoft-com:office:powerpoint" xmlns:com="http://schemas.openxmlformats.org/drawingml/2006/compatibility" xmlns:p14="http://schemas.microsoft.com/office/powerpoint/2010/main" xmlns:p15="http://schemas.microsoft.com/office/powerpoint/2012/main" xmlns:ahyp="http://schemas.microsoft.com/office/drawing/2018/hyperlinkcolor">
+<p:sld xmlns:a="http://schemas.openxmlformats.org/drawingml/2006/main" xmlns:r="http://schemas.openxmlformats.org/officeDocument/2006/relationships" xmlns:p="http://schemas.openxmlformats.org/presentationml/2006/main">
   <p:cSld>
     <p:spTree>
       <p:nvGrpSpPr>
-        <p:cNvPr id="106" name="Shape 106"/>
+        <p:cNvPr id="1" name="Shape 106"/>
         <p:cNvGrpSpPr/>
         <p:nvPr/>
       </p:nvGrpSpPr>
@@ -12739,7 +13022,9 @@
       <p:sp>
         <p:nvSpPr>
           <p:cNvPr id="107" name="Google Shape;107;p20"/>
-          <p:cNvSpPr txBox="1"/>
+          <p:cNvSpPr txBox="1">
+            <a:spLocks noGrp="1"/>
+          </p:cNvSpPr>
           <p:nvPr>
             <p:ph type="title"/>
           </p:nvPr>
@@ -12754,12 +13039,12 @@
           </a:prstGeom>
         </p:spPr>
         <p:txBody>
-          <a:bodyPr anchorCtr="0" anchor="t" bIns="91425" lIns="91425" spcFirstLastPara="1" rIns="91425" wrap="square" tIns="91425">
+          <a:bodyPr spcFirstLastPara="1" wrap="square" lIns="91425" tIns="91425" rIns="91425" bIns="91425" anchor="t" anchorCtr="0">
             <a:normAutofit fontScale="90000"/>
           </a:bodyPr>
           <a:lstStyle/>
           <a:p>
-            <a:pPr indent="0" lvl="0" marL="0" rtl="0" algn="l">
+            <a:pPr marL="0" lvl="0" indent="0" algn="l" rtl="0">
               <a:spcBef>
                 <a:spcPts val="0"/>
               </a:spcBef>
@@ -12779,9 +13064,11 @@
       <p:sp>
         <p:nvSpPr>
           <p:cNvPr id="108" name="Google Shape;108;p20"/>
-          <p:cNvSpPr txBox="1"/>
+          <p:cNvSpPr txBox="1">
+            <a:spLocks noGrp="1"/>
+          </p:cNvSpPr>
           <p:nvPr>
-            <p:ph idx="1" type="body"/>
+            <p:ph type="body" idx="1"/>
           </p:nvPr>
         </p:nvSpPr>
         <p:spPr>
@@ -12794,12 +13081,12 @@
           </a:prstGeom>
         </p:spPr>
         <p:txBody>
-          <a:bodyPr anchorCtr="0" anchor="t" bIns="91425" lIns="91425" spcFirstLastPara="1" rIns="91425" wrap="square" tIns="91425">
+          <a:bodyPr spcFirstLastPara="1" wrap="square" lIns="91425" tIns="91425" rIns="91425" bIns="91425" anchor="t" anchorCtr="0">
             <a:normAutofit/>
           </a:bodyPr>
           <a:lstStyle/>
           <a:p>
-            <a:pPr indent="-381000" lvl="0" marL="457200" rtl="0" algn="l">
+            <a:pPr marL="457200" lvl="0" indent="-381000" algn="l" rtl="0">
               <a:spcBef>
                 <a:spcPts val="0"/>
               </a:spcBef>
@@ -12816,7 +13103,7 @@
             <a:endParaRPr sz="2400"/>
           </a:p>
           <a:p>
-            <a:pPr indent="-381000" lvl="0" marL="457200" rtl="0" algn="l">
+            <a:pPr marL="457200" lvl="0" indent="-381000" algn="l" rtl="0">
               <a:spcBef>
                 <a:spcPts val="0"/>
               </a:spcBef>
@@ -12833,7 +13120,7 @@
             <a:endParaRPr sz="2400"/>
           </a:p>
           <a:p>
-            <a:pPr indent="-381000" lvl="0" marL="457200" rtl="0" algn="l">
+            <a:pPr marL="457200" lvl="0" indent="-381000" algn="l" rtl="0">
               <a:spcBef>
                 <a:spcPts val="0"/>
               </a:spcBef>
@@ -12860,11 +13147,11 @@
 </file>
 
 <file path=ppt/slides/slide9.xml><?xml version="1.0" encoding="utf-8"?>
-<p:sld xmlns:a="http://schemas.openxmlformats.org/drawingml/2006/main" xmlns:r="http://schemas.openxmlformats.org/officeDocument/2006/relationships" xmlns:mc="http://schemas.openxmlformats.org/markup-compatibility/2006" xmlns:mv="urn:schemas-microsoft-com:mac:vml" xmlns:p="http://schemas.openxmlformats.org/presentationml/2006/main" xmlns:c="http://schemas.openxmlformats.org/drawingml/2006/chart" xmlns:dgm="http://schemas.openxmlformats.org/drawingml/2006/diagram" xmlns:o="urn:schemas-microsoft-com:office:office" xmlns:v="urn:schemas-microsoft-com:vml" xmlns:pvml="urn:schemas-microsoft-com:office:powerpoint" xmlns:com="http://schemas.openxmlformats.org/drawingml/2006/compatibility" xmlns:p14="http://schemas.microsoft.com/office/powerpoint/2010/main" xmlns:p15="http://schemas.microsoft.com/office/powerpoint/2012/main" xmlns:ahyp="http://schemas.microsoft.com/office/drawing/2018/hyperlinkcolor">
+<p:sld xmlns:a="http://schemas.openxmlformats.org/drawingml/2006/main" xmlns:r="http://schemas.openxmlformats.org/officeDocument/2006/relationships" xmlns:p="http://schemas.openxmlformats.org/presentationml/2006/main">
   <p:cSld>
     <p:spTree>
       <p:nvGrpSpPr>
-        <p:cNvPr id="112" name="Shape 112"/>
+        <p:cNvPr id="1" name="Shape 112"/>
         <p:cNvGrpSpPr/>
         <p:nvPr/>
       </p:nvGrpSpPr>
@@ -12879,7 +13166,9 @@
       <p:sp>
         <p:nvSpPr>
           <p:cNvPr id="113" name="Google Shape;113;p21"/>
-          <p:cNvSpPr txBox="1"/>
+          <p:cNvSpPr txBox="1">
+            <a:spLocks noGrp="1"/>
+          </p:cNvSpPr>
           <p:nvPr>
             <p:ph type="title"/>
           </p:nvPr>
@@ -12894,12 +13183,12 @@
           </a:prstGeom>
         </p:spPr>
         <p:txBody>
-          <a:bodyPr anchorCtr="0" anchor="t" bIns="91425" lIns="91425" spcFirstLastPara="1" rIns="91425" wrap="square" tIns="91425">
+          <a:bodyPr spcFirstLastPara="1" wrap="square" lIns="91425" tIns="91425" rIns="91425" bIns="91425" anchor="t" anchorCtr="0">
             <a:normAutofit fontScale="90000"/>
           </a:bodyPr>
           <a:lstStyle/>
           <a:p>
-            <a:pPr indent="0" lvl="0" marL="0" rtl="0" algn="l">
+            <a:pPr marL="0" lvl="0" indent="0" algn="l" rtl="0">
               <a:spcBef>
                 <a:spcPts val="0"/>
               </a:spcBef>
@@ -12945,14 +13234,14 @@
               <a:avLst/>
             </a:prstGeom>
             <a:noFill/>
-            <a:ln cap="flat" cmpd="sng" w="9525">
+            <a:ln w="9525" cap="flat" cmpd="sng">
               <a:solidFill>
                 <a:srgbClr val="0D5DDF"/>
               </a:solidFill>
               <a:prstDash val="solid"/>
               <a:round/>
-              <a:headEnd len="sm" w="sm" type="none"/>
-              <a:tailEnd len="sm" w="sm" type="none"/>
+              <a:headEnd type="none" w="sm" len="sm"/>
+              <a:tailEnd type="none" w="sm" len="sm"/>
             </a:ln>
           </p:spPr>
         </p:cxnSp>
@@ -12969,7 +13258,7 @@
             </a:xfrm>
             <a:prstGeom prst="parallelogram">
               <a:avLst>
-                <a:gd fmla="val 96952" name="adj"/>
+                <a:gd name="adj" fmla="val 96952"/>
               </a:avLst>
             </a:prstGeom>
             <a:solidFill>
@@ -12980,12 +13269,12 @@
             </a:ln>
           </p:spPr>
           <p:txBody>
-            <a:bodyPr anchorCtr="0" anchor="ctr" bIns="91425" lIns="91425" spcFirstLastPara="1" rIns="91425" wrap="square" tIns="91425">
+            <a:bodyPr spcFirstLastPara="1" wrap="square" lIns="91425" tIns="91425" rIns="91425" bIns="91425" anchor="ctr" anchorCtr="0">
               <a:noAutofit/>
             </a:bodyPr>
             <a:lstStyle/>
             <a:p>
-              <a:pPr indent="0" lvl="0" marL="0" rtl="0" algn="l">
+              <a:pPr marL="0" lvl="0" indent="0" algn="l" rtl="0">
                 <a:spcBef>
                   <a:spcPts val="0"/>
                 </a:spcBef>
@@ -13015,7 +13304,7 @@
             </a:xfrm>
             <a:prstGeom prst="parallelogram">
               <a:avLst>
-                <a:gd fmla="val 96952" name="adj"/>
+                <a:gd name="adj" fmla="val 96952"/>
               </a:avLst>
             </a:prstGeom>
             <a:solidFill>
@@ -13026,12 +13315,12 @@
             </a:ln>
           </p:spPr>
           <p:txBody>
-            <a:bodyPr anchorCtr="0" anchor="ctr" bIns="91425" lIns="91425" spcFirstLastPara="1" rIns="91425" wrap="square" tIns="91425">
+            <a:bodyPr spcFirstLastPara="1" wrap="square" lIns="91425" tIns="91425" rIns="91425" bIns="91425" anchor="ctr" anchorCtr="0">
               <a:noAutofit/>
             </a:bodyPr>
             <a:lstStyle/>
             <a:p>
-              <a:pPr indent="0" lvl="0" marL="0" rtl="0" algn="l">
+              <a:pPr marL="0" lvl="0" indent="0" algn="l" rtl="0">
                 <a:spcBef>
                   <a:spcPts val="0"/>
                 </a:spcBef>
@@ -13040,9 +13329,6 @@
                 </a:spcAft>
                 <a:buNone/>
               </a:pPr>
-              <a:r>
-                <a:t/>
-              </a:r>
               <a:endParaRPr/>
             </a:p>
           </p:txBody>
@@ -13081,12 +13367,12 @@
               </a:ln>
             </p:spPr>
             <p:txBody>
-              <a:bodyPr anchorCtr="0" anchor="b" bIns="91425" lIns="91425" spcFirstLastPara="1" rIns="91425" wrap="square" tIns="91425">
+              <a:bodyPr spcFirstLastPara="1" wrap="square" lIns="91425" tIns="91425" rIns="91425" bIns="91425" anchor="b" anchorCtr="0">
                 <a:noAutofit/>
               </a:bodyPr>
               <a:lstStyle/>
               <a:p>
-                <a:pPr indent="0" lvl="0" marL="0" rtl="0" algn="l">
+                <a:pPr marL="0" lvl="0" indent="0" algn="l" rtl="0">
                   <a:lnSpc>
                     <a:spcPct val="115000"/>
                   </a:lnSpc>
@@ -13099,7 +13385,7 @@
                   <a:buNone/>
                 </a:pPr>
                 <a:r>
-                  <a:rPr b="1" lang="en" sz="1200">
+                  <a:rPr lang="en" sz="1200" b="1">
                     <a:solidFill>
                       <a:srgbClr val="0C58D3"/>
                     </a:solidFill>
@@ -13110,7 +13396,7 @@
                   </a:rPr>
                   <a:t>Project Proposals &amp; Team Selection</a:t>
                 </a:r>
-                <a:endParaRPr b="1" sz="1200">
+                <a:endParaRPr sz="1200" b="1">
                   <a:solidFill>
                     <a:srgbClr val="0C58D3"/>
                   </a:solidFill>
@@ -13142,12 +13428,12 @@
               </a:ln>
             </p:spPr>
             <p:txBody>
-              <a:bodyPr anchorCtr="0" anchor="t" bIns="91425" lIns="91425" spcFirstLastPara="1" rIns="91425" wrap="square" tIns="91425">
+              <a:bodyPr spcFirstLastPara="1" wrap="square" lIns="91425" tIns="91425" rIns="91425" bIns="91425" anchor="t" anchorCtr="0">
                 <a:noAutofit/>
               </a:bodyPr>
               <a:lstStyle/>
               <a:p>
-                <a:pPr indent="0" lvl="0" marL="0" rtl="0" algn="r">
+                <a:pPr marL="0" lvl="0" indent="0" algn="r" rtl="0">
                   <a:lnSpc>
                     <a:spcPct val="115000"/>
                   </a:lnSpc>
@@ -13214,14 +13500,14 @@
               <a:avLst/>
             </a:prstGeom>
             <a:noFill/>
-            <a:ln cap="flat" cmpd="sng" w="9525">
+            <a:ln w="9525" cap="flat" cmpd="sng">
               <a:solidFill>
                 <a:srgbClr val="0D5DDF"/>
               </a:solidFill>
               <a:prstDash val="solid"/>
               <a:round/>
-              <a:headEnd len="sm" w="sm" type="none"/>
-              <a:tailEnd len="sm" w="sm" type="none"/>
+              <a:headEnd type="none" w="sm" len="sm"/>
+              <a:tailEnd type="none" w="sm" len="sm"/>
             </a:ln>
           </p:spPr>
         </p:cxnSp>
@@ -13238,7 +13524,7 @@
             </a:xfrm>
             <a:prstGeom prst="parallelogram">
               <a:avLst>
-                <a:gd fmla="val 96952" name="adj"/>
+                <a:gd name="adj" fmla="val 96952"/>
               </a:avLst>
             </a:prstGeom>
             <a:solidFill>
@@ -13249,12 +13535,12 @@
             </a:ln>
           </p:spPr>
           <p:txBody>
-            <a:bodyPr anchorCtr="0" anchor="ctr" bIns="91425" lIns="91425" spcFirstLastPara="1" rIns="91425" wrap="square" tIns="91425">
+            <a:bodyPr spcFirstLastPara="1" wrap="square" lIns="91425" tIns="91425" rIns="91425" bIns="91425" anchor="ctr" anchorCtr="0">
               <a:noAutofit/>
             </a:bodyPr>
             <a:lstStyle/>
             <a:p>
-              <a:pPr indent="0" lvl="0" marL="0" rtl="0" algn="l">
+              <a:pPr marL="0" lvl="0" indent="0" algn="l" rtl="0">
                 <a:spcBef>
                   <a:spcPts val="0"/>
                 </a:spcBef>
@@ -13284,7 +13570,7 @@
             </a:xfrm>
             <a:prstGeom prst="parallelogram">
               <a:avLst>
-                <a:gd fmla="val 96952" name="adj"/>
+                <a:gd name="adj" fmla="val 96952"/>
               </a:avLst>
             </a:prstGeom>
             <a:solidFill>
@@ -13295,12 +13581,12 @@
             </a:ln>
           </p:spPr>
           <p:txBody>
-            <a:bodyPr anchorCtr="0" anchor="ctr" bIns="91425" lIns="91425" spcFirstLastPara="1" rIns="91425" wrap="square" tIns="91425">
+            <a:bodyPr spcFirstLastPara="1" wrap="square" lIns="91425" tIns="91425" rIns="91425" bIns="91425" anchor="ctr" anchorCtr="0">
               <a:noAutofit/>
             </a:bodyPr>
             <a:lstStyle/>
             <a:p>
-              <a:pPr indent="0" lvl="0" marL="0" rtl="0" algn="l">
+              <a:pPr marL="0" lvl="0" indent="0" algn="l" rtl="0">
                 <a:spcBef>
                   <a:spcPts val="0"/>
                 </a:spcBef>
@@ -13309,9 +13595,6 @@
                 </a:spcAft>
                 <a:buNone/>
               </a:pPr>
-              <a:r>
-                <a:t/>
-              </a:r>
               <a:endParaRPr/>
             </a:p>
           </p:txBody>
@@ -13336,12 +13619,12 @@
             </a:ln>
           </p:spPr>
           <p:txBody>
-            <a:bodyPr anchorCtr="0" anchor="b" bIns="91425" lIns="91425" spcFirstLastPara="1" rIns="91425" wrap="square" tIns="91425">
+            <a:bodyPr spcFirstLastPara="1" wrap="square" lIns="91425" tIns="91425" rIns="91425" bIns="91425" anchor="b" anchorCtr="0">
               <a:noAutofit/>
             </a:bodyPr>
             <a:lstStyle/>
             <a:p>
-              <a:pPr indent="0" lvl="0" marL="0" rtl="0" algn="l">
+              <a:pPr marL="0" lvl="0" indent="0" algn="l" rtl="0">
                 <a:lnSpc>
                   <a:spcPct val="115000"/>
                 </a:lnSpc>
@@ -13354,7 +13637,7 @@
                 <a:buNone/>
               </a:pPr>
               <a:r>
-                <a:rPr b="1" lang="en" sz="1200">
+                <a:rPr lang="en" sz="1200" b="1">
                   <a:solidFill>
                     <a:srgbClr val="0C58D3"/>
                   </a:solidFill>
@@ -13365,7 +13648,7 @@
                 </a:rPr>
                 <a:t>Idea validation </a:t>
               </a:r>
-              <a:endParaRPr b="1" sz="1200">
+              <a:endParaRPr sz="1200" b="1">
                 <a:solidFill>
                   <a:srgbClr val="0C58D3"/>
                 </a:solidFill>
@@ -13397,12 +13680,12 @@
             </a:ln>
           </p:spPr>
           <p:txBody>
-            <a:bodyPr anchorCtr="0" anchor="t" bIns="91425" lIns="91425" spcFirstLastPara="1" rIns="91425" wrap="square" tIns="91425">
+            <a:bodyPr spcFirstLastPara="1" wrap="square" lIns="91425" tIns="91425" rIns="91425" bIns="91425" anchor="t" anchorCtr="0">
               <a:noAutofit/>
             </a:bodyPr>
             <a:lstStyle/>
             <a:p>
-              <a:pPr indent="0" lvl="0" marL="0" rtl="0" algn="r">
+              <a:pPr marL="0" lvl="0" indent="0" algn="r" rtl="0">
                 <a:lnSpc>
                   <a:spcPct val="115000"/>
                 </a:lnSpc>
@@ -13468,14 +13751,14 @@
               <a:avLst/>
             </a:prstGeom>
             <a:noFill/>
-            <a:ln cap="flat" cmpd="sng" w="9525">
+            <a:ln w="9525" cap="flat" cmpd="sng">
               <a:solidFill>
                 <a:srgbClr val="0D5DDF"/>
               </a:solidFill>
               <a:prstDash val="solid"/>
               <a:round/>
-              <a:headEnd len="sm" w="sm" type="none"/>
-              <a:tailEnd len="sm" w="sm" type="none"/>
+              <a:headEnd type="none" w="sm" len="sm"/>
+              <a:tailEnd type="none" w="sm" len="sm"/>
             </a:ln>
           </p:spPr>
         </p:cxnSp>
@@ -13492,7 +13775,7 @@
             </a:xfrm>
             <a:prstGeom prst="parallelogram">
               <a:avLst>
-                <a:gd fmla="val 96952" name="adj"/>
+                <a:gd name="adj" fmla="val 96952"/>
               </a:avLst>
             </a:prstGeom>
             <a:solidFill>
@@ -13503,12 +13786,12 @@
             </a:ln>
           </p:spPr>
           <p:txBody>
-            <a:bodyPr anchorCtr="0" anchor="ctr" bIns="91425" lIns="91425" spcFirstLastPara="1" rIns="91425" wrap="square" tIns="91425">
+            <a:bodyPr spcFirstLastPara="1" wrap="square" lIns="91425" tIns="91425" rIns="91425" bIns="91425" anchor="ctr" anchorCtr="0">
               <a:noAutofit/>
             </a:bodyPr>
             <a:lstStyle/>
             <a:p>
-              <a:pPr indent="0" lvl="0" marL="0" rtl="0" algn="l">
+              <a:pPr marL="0" lvl="0" indent="0" algn="l" rtl="0">
                 <a:spcBef>
                   <a:spcPts val="0"/>
                 </a:spcBef>
@@ -13538,7 +13821,7 @@
             </a:xfrm>
             <a:prstGeom prst="parallelogram">
               <a:avLst>
-                <a:gd fmla="val 96952" name="adj"/>
+                <a:gd name="adj" fmla="val 96952"/>
               </a:avLst>
             </a:prstGeom>
             <a:solidFill>
@@ -13549,12 +13832,12 @@
             </a:ln>
           </p:spPr>
           <p:txBody>
-            <a:bodyPr anchorCtr="0" anchor="ctr" bIns="91425" lIns="91425" spcFirstLastPara="1" rIns="91425" wrap="square" tIns="91425">
+            <a:bodyPr spcFirstLastPara="1" wrap="square" lIns="91425" tIns="91425" rIns="91425" bIns="91425" anchor="ctr" anchorCtr="0">
               <a:noAutofit/>
             </a:bodyPr>
             <a:lstStyle/>
             <a:p>
-              <a:pPr indent="0" lvl="0" marL="0" rtl="0" algn="l">
+              <a:pPr marL="0" lvl="0" indent="0" algn="l" rtl="0">
                 <a:spcBef>
                   <a:spcPts val="0"/>
                 </a:spcBef>
@@ -13563,9 +13846,6 @@
                 </a:spcAft>
                 <a:buNone/>
               </a:pPr>
-              <a:r>
-                <a:t/>
-              </a:r>
               <a:endParaRPr/>
             </a:p>
           </p:txBody>
@@ -13590,12 +13870,12 @@
             </a:ln>
           </p:spPr>
           <p:txBody>
-            <a:bodyPr anchorCtr="0" anchor="b" bIns="91425" lIns="91425" spcFirstLastPara="1" rIns="91425" wrap="square" tIns="91425">
+            <a:bodyPr spcFirstLastPara="1" wrap="square" lIns="91425" tIns="91425" rIns="91425" bIns="91425" anchor="b" anchorCtr="0">
               <a:noAutofit/>
             </a:bodyPr>
             <a:lstStyle/>
             <a:p>
-              <a:pPr indent="0" lvl="0" marL="0" rtl="0" algn="l">
+              <a:pPr marL="0" lvl="0" indent="0" algn="l" rtl="0">
                 <a:lnSpc>
                   <a:spcPct val="115000"/>
                 </a:lnSpc>
@@ -13608,7 +13888,7 @@
                 <a:buNone/>
               </a:pPr>
               <a:r>
-                <a:rPr b="1" lang="en" sz="1200">
+                <a:rPr lang="en" sz="1200" b="1">
                   <a:solidFill>
                     <a:srgbClr val="0C58D3"/>
                   </a:solidFill>
@@ -13619,7 +13899,7 @@
                 </a:rPr>
                 <a:t>Software &amp;</a:t>
               </a:r>
-              <a:endParaRPr b="1" sz="1200">
+              <a:endParaRPr sz="1200" b="1">
                 <a:solidFill>
                   <a:srgbClr val="0C58D3"/>
                 </a:solidFill>
@@ -13630,7 +13910,7 @@
               </a:endParaRPr>
             </a:p>
             <a:p>
-              <a:pPr indent="0" lvl="0" marL="0" rtl="0" algn="l">
+              <a:pPr marL="0" lvl="0" indent="0" algn="l" rtl="0">
                 <a:lnSpc>
                   <a:spcPct val="115000"/>
                 </a:lnSpc>
@@ -13643,7 +13923,7 @@
                 <a:buNone/>
               </a:pPr>
               <a:r>
-                <a:rPr b="1" lang="en" sz="1200">
+                <a:rPr lang="en" sz="1200" b="1">
                   <a:solidFill>
                     <a:srgbClr val="0C58D3"/>
                   </a:solidFill>
@@ -13654,7 +13934,7 @@
                 </a:rPr>
                 <a:t>Use Case Design</a:t>
               </a:r>
-              <a:endParaRPr b="1" sz="1200">
+              <a:endParaRPr sz="1200" b="1">
                 <a:solidFill>
                   <a:srgbClr val="0C58D3"/>
                 </a:solidFill>
@@ -13665,7 +13945,7 @@
               </a:endParaRPr>
             </a:p>
             <a:p>
-              <a:pPr indent="0" lvl="0" marL="0" rtl="0" algn="l">
+              <a:pPr marL="0" lvl="0" indent="0" algn="l" rtl="0">
                 <a:lnSpc>
                   <a:spcPct val="115000"/>
                 </a:lnSpc>
@@ -13678,7 +13958,7 @@
                 <a:buNone/>
               </a:pPr>
               <a:r>
-                <a:rPr b="1" lang="en" sz="1200">
+                <a:rPr lang="en" sz="1200" b="1">
                   <a:solidFill>
                     <a:srgbClr val="0C58D3"/>
                   </a:solidFill>
@@ -13689,7 +13969,7 @@
                 </a:rPr>
                 <a:t>(in class)</a:t>
               </a:r>
-              <a:endParaRPr b="1" sz="1200">
+              <a:endParaRPr sz="1200" b="1">
                 <a:solidFill>
                   <a:srgbClr val="0C58D3"/>
                 </a:solidFill>
@@ -13721,12 +14001,12 @@
             </a:ln>
           </p:spPr>
           <p:txBody>
-            <a:bodyPr anchorCtr="0" anchor="t" bIns="91425" lIns="91425" spcFirstLastPara="1" rIns="91425" wrap="square" tIns="91425">
+            <a:bodyPr spcFirstLastPara="1" wrap="square" lIns="91425" tIns="91425" rIns="91425" bIns="91425" anchor="t" anchorCtr="0">
               <a:noAutofit/>
             </a:bodyPr>
             <a:lstStyle/>
             <a:p>
-              <a:pPr indent="0" lvl="0" marL="0" rtl="0" algn="r">
+              <a:pPr marL="0" lvl="0" indent="0" algn="r" rtl="0">
                 <a:lnSpc>
                   <a:spcPct val="115000"/>
                 </a:lnSpc>
@@ -13792,14 +14072,14 @@
               <a:avLst/>
             </a:prstGeom>
             <a:noFill/>
-            <a:ln cap="flat" cmpd="sng" w="9525">
+            <a:ln w="9525" cap="flat" cmpd="sng">
               <a:solidFill>
                 <a:srgbClr val="0D5DDF"/>
               </a:solidFill>
               <a:prstDash val="solid"/>
               <a:round/>
-              <a:headEnd len="sm" w="sm" type="none"/>
-              <a:tailEnd len="sm" w="sm" type="none"/>
+              <a:headEnd type="none" w="sm" len="sm"/>
+              <a:tailEnd type="none" w="sm" len="sm"/>
             </a:ln>
           </p:spPr>
         </p:cxnSp>
@@ -13816,7 +14096,7 @@
             </a:xfrm>
             <a:prstGeom prst="parallelogram">
               <a:avLst>
-                <a:gd fmla="val 96952" name="adj"/>
+                <a:gd name="adj" fmla="val 96952"/>
               </a:avLst>
             </a:prstGeom>
             <a:solidFill>
@@ -13827,12 +14107,12 @@
             </a:ln>
           </p:spPr>
           <p:txBody>
-            <a:bodyPr anchorCtr="0" anchor="ctr" bIns="91425" lIns="91425" spcFirstLastPara="1" rIns="91425" wrap="square" tIns="91425">
+            <a:bodyPr spcFirstLastPara="1" wrap="square" lIns="91425" tIns="91425" rIns="91425" bIns="91425" anchor="ctr" anchorCtr="0">
               <a:noAutofit/>
             </a:bodyPr>
             <a:lstStyle/>
             <a:p>
-              <a:pPr indent="0" lvl="0" marL="0" rtl="0" algn="l">
+              <a:pPr marL="0" lvl="0" indent="0" algn="l" rtl="0">
                 <a:spcBef>
                   <a:spcPts val="0"/>
                 </a:spcBef>
@@ -13862,7 +14142,7 @@
             </a:xfrm>
             <a:prstGeom prst="parallelogram">
               <a:avLst>
-                <a:gd fmla="val 96952" name="adj"/>
+                <a:gd name="adj" fmla="val 96952"/>
               </a:avLst>
             </a:prstGeom>
             <a:solidFill>
@@ -13873,12 +14153,12 @@
             </a:ln>
           </p:spPr>
           <p:txBody>
-            <a:bodyPr anchorCtr="0" anchor="ctr" bIns="91425" lIns="91425" spcFirstLastPara="1" rIns="91425" wrap="square" tIns="91425">
+            <a:bodyPr spcFirstLastPara="1" wrap="square" lIns="91425" tIns="91425" rIns="91425" bIns="91425" anchor="ctr" anchorCtr="0">
               <a:noAutofit/>
             </a:bodyPr>
             <a:lstStyle/>
             <a:p>
-              <a:pPr indent="0" lvl="0" marL="0" rtl="0" algn="l">
+              <a:pPr marL="0" lvl="0" indent="0" algn="l" rtl="0">
                 <a:spcBef>
                   <a:spcPts val="0"/>
                 </a:spcBef>
@@ -13887,9 +14167,6 @@
                 </a:spcAft>
                 <a:buNone/>
               </a:pPr>
-              <a:r>
-                <a:t/>
-              </a:r>
               <a:endParaRPr/>
             </a:p>
           </p:txBody>
@@ -13914,12 +14191,12 @@
             </a:ln>
           </p:spPr>
           <p:txBody>
-            <a:bodyPr anchorCtr="0" anchor="b" bIns="91425" lIns="91425" spcFirstLastPara="1" rIns="91425" wrap="square" tIns="91425">
+            <a:bodyPr spcFirstLastPara="1" wrap="square" lIns="91425" tIns="91425" rIns="91425" bIns="91425" anchor="b" anchorCtr="0">
               <a:noAutofit/>
             </a:bodyPr>
             <a:lstStyle/>
             <a:p>
-              <a:pPr indent="0" lvl="0" marL="0" rtl="0" algn="l">
+              <a:pPr marL="0" lvl="0" indent="0" algn="l" rtl="0">
                 <a:lnSpc>
                   <a:spcPct val="115000"/>
                 </a:lnSpc>
@@ -13932,7 +14209,7 @@
                 <a:buNone/>
               </a:pPr>
               <a:r>
-                <a:rPr b="1" lang="en" sz="1200">
+                <a:rPr lang="en" sz="1200" b="1">
                   <a:solidFill>
                     <a:srgbClr val="0C58D3"/>
                   </a:solidFill>
@@ -13943,7 +14220,7 @@
                 </a:rPr>
                 <a:t>Technology Review</a:t>
               </a:r>
-              <a:endParaRPr b="1" sz="1200">
+              <a:endParaRPr sz="1200" b="1">
                 <a:solidFill>
                   <a:srgbClr val="0C58D3"/>
                 </a:solidFill>
@@ -13975,12 +14252,12 @@
             </a:ln>
           </p:spPr>
           <p:txBody>
-            <a:bodyPr anchorCtr="0" anchor="t" bIns="91425" lIns="91425" spcFirstLastPara="1" rIns="91425" wrap="square" tIns="91425">
+            <a:bodyPr spcFirstLastPara="1" wrap="square" lIns="91425" tIns="91425" rIns="91425" bIns="91425" anchor="t" anchorCtr="0">
               <a:noAutofit/>
             </a:bodyPr>
             <a:lstStyle/>
             <a:p>
-              <a:pPr indent="0" lvl="0" marL="0" rtl="0" algn="r">
+              <a:pPr marL="0" lvl="0" indent="0" algn="r" rtl="0">
                 <a:lnSpc>
                   <a:spcPct val="115000"/>
                 </a:lnSpc>
@@ -14046,14 +14323,14 @@
               <a:avLst/>
             </a:prstGeom>
             <a:noFill/>
-            <a:ln cap="flat" cmpd="sng" w="9525">
+            <a:ln w="9525" cap="flat" cmpd="sng">
               <a:solidFill>
                 <a:srgbClr val="0D5DDF"/>
               </a:solidFill>
               <a:prstDash val="solid"/>
               <a:round/>
-              <a:headEnd len="sm" w="sm" type="none"/>
-              <a:tailEnd len="sm" w="sm" type="none"/>
+              <a:headEnd type="none" w="sm" len="sm"/>
+              <a:tailEnd type="none" w="sm" len="sm"/>
             </a:ln>
           </p:spPr>
         </p:cxnSp>
@@ -14070,7 +14347,7 @@
             </a:xfrm>
             <a:prstGeom prst="parallelogram">
               <a:avLst>
-                <a:gd fmla="val 96952" name="adj"/>
+                <a:gd name="adj" fmla="val 96952"/>
               </a:avLst>
             </a:prstGeom>
             <a:solidFill>
@@ -14081,12 +14358,12 @@
             </a:ln>
           </p:spPr>
           <p:txBody>
-            <a:bodyPr anchorCtr="0" anchor="ctr" bIns="91425" lIns="91425" spcFirstLastPara="1" rIns="91425" wrap="square" tIns="91425">
+            <a:bodyPr spcFirstLastPara="1" wrap="square" lIns="91425" tIns="91425" rIns="91425" bIns="91425" anchor="ctr" anchorCtr="0">
               <a:noAutofit/>
             </a:bodyPr>
             <a:lstStyle/>
             <a:p>
-              <a:pPr indent="0" lvl="0" marL="0" rtl="0" algn="l">
+              <a:pPr marL="0" lvl="0" indent="0" algn="l" rtl="0">
                 <a:spcBef>
                   <a:spcPts val="0"/>
                 </a:spcBef>
@@ -14116,7 +14393,7 @@
             </a:xfrm>
             <a:prstGeom prst="parallelogram">
               <a:avLst>
-                <a:gd fmla="val 96952" name="adj"/>
+                <a:gd name="adj" fmla="val 96952"/>
               </a:avLst>
             </a:prstGeom>
             <a:solidFill>
@@ -14127,12 +14404,12 @@
             </a:ln>
           </p:spPr>
           <p:txBody>
-            <a:bodyPr anchorCtr="0" anchor="ctr" bIns="91425" lIns="91425" spcFirstLastPara="1" rIns="91425" wrap="square" tIns="91425">
+            <a:bodyPr spcFirstLastPara="1" wrap="square" lIns="91425" tIns="91425" rIns="91425" bIns="91425" anchor="ctr" anchorCtr="0">
               <a:noAutofit/>
             </a:bodyPr>
             <a:lstStyle/>
             <a:p>
-              <a:pPr indent="0" lvl="0" marL="0" rtl="0" algn="l">
+              <a:pPr marL="0" lvl="0" indent="0" algn="l" rtl="0">
                 <a:spcBef>
                   <a:spcPts val="0"/>
                 </a:spcBef>
@@ -14141,9 +14418,6 @@
                 </a:spcAft>
                 <a:buNone/>
               </a:pPr>
-              <a:r>
-                <a:t/>
-              </a:r>
               <a:endParaRPr/>
             </a:p>
           </p:txBody>
@@ -14168,12 +14442,12 @@
             </a:ln>
           </p:spPr>
           <p:txBody>
-            <a:bodyPr anchorCtr="0" anchor="b" bIns="91425" lIns="91425" spcFirstLastPara="1" rIns="91425" wrap="square" tIns="91425">
+            <a:bodyPr spcFirstLastPara="1" wrap="square" lIns="91425" tIns="91425" rIns="91425" bIns="91425" anchor="b" anchorCtr="0">
               <a:noAutofit/>
             </a:bodyPr>
             <a:lstStyle/>
             <a:p>
-              <a:pPr indent="0" lvl="0" marL="0" rtl="0" algn="l">
+              <a:pPr marL="0" lvl="0" indent="0" algn="l" rtl="0">
                 <a:lnSpc>
                   <a:spcPct val="115000"/>
                 </a:lnSpc>
@@ -14186,7 +14460,7 @@
                 <a:buNone/>
               </a:pPr>
               <a:r>
-                <a:rPr b="1" lang="en" sz="1200">
+                <a:rPr lang="en" sz="1200" b="1">
                   <a:solidFill>
                     <a:srgbClr val="0C58D3"/>
                   </a:solidFill>
@@ -14197,7 +14471,7 @@
                 </a:rPr>
                 <a:t>Ongoing project work &amp; consultations</a:t>
               </a:r>
-              <a:endParaRPr b="1" sz="1200">
+              <a:endParaRPr sz="1200" b="1">
                 <a:solidFill>
                   <a:srgbClr val="0C58D3"/>
                 </a:solidFill>
@@ -14229,12 +14503,12 @@
             </a:ln>
           </p:spPr>
           <p:txBody>
-            <a:bodyPr anchorCtr="0" anchor="t" bIns="91425" lIns="91425" spcFirstLastPara="1" rIns="91425" wrap="square" tIns="91425">
+            <a:bodyPr spcFirstLastPara="1" wrap="square" lIns="91425" tIns="91425" rIns="91425" bIns="91425" anchor="t" anchorCtr="0">
               <a:noAutofit/>
             </a:bodyPr>
             <a:lstStyle/>
             <a:p>
-              <a:pPr indent="0" lvl="0" marL="0" rtl="0" algn="r">
+              <a:pPr marL="0" lvl="0" indent="0" algn="r" rtl="0">
                 <a:lnSpc>
                   <a:spcPct val="115000"/>
                 </a:lnSpc>
@@ -14300,14 +14574,14 @@
               <a:avLst/>
             </a:prstGeom>
             <a:noFill/>
-            <a:ln cap="flat" cmpd="sng" w="9525">
+            <a:ln w="9525" cap="flat" cmpd="sng">
               <a:solidFill>
                 <a:srgbClr val="0D5DDF"/>
               </a:solidFill>
               <a:prstDash val="solid"/>
               <a:round/>
-              <a:headEnd len="sm" w="sm" type="none"/>
-              <a:tailEnd len="sm" w="sm" type="none"/>
+              <a:headEnd type="none" w="sm" len="sm"/>
+              <a:tailEnd type="none" w="sm" len="sm"/>
             </a:ln>
           </p:spPr>
         </p:cxnSp>
@@ -14324,7 +14598,7 @@
             </a:xfrm>
             <a:prstGeom prst="parallelogram">
               <a:avLst>
-                <a:gd fmla="val 96952" name="adj"/>
+                <a:gd name="adj" fmla="val 96952"/>
               </a:avLst>
             </a:prstGeom>
             <a:solidFill>
@@ -14335,12 +14609,12 @@
             </a:ln>
           </p:spPr>
           <p:txBody>
-            <a:bodyPr anchorCtr="0" anchor="ctr" bIns="91425" lIns="91425" spcFirstLastPara="1" rIns="91425" wrap="square" tIns="91425">
+            <a:bodyPr spcFirstLastPara="1" wrap="square" lIns="91425" tIns="91425" rIns="91425" bIns="91425" anchor="ctr" anchorCtr="0">
               <a:noAutofit/>
             </a:bodyPr>
             <a:lstStyle/>
             <a:p>
-              <a:pPr indent="0" lvl="0" marL="0" rtl="0" algn="l">
+              <a:pPr marL="0" lvl="0" indent="0" algn="l" rtl="0">
                 <a:spcBef>
                   <a:spcPts val="0"/>
                 </a:spcBef>
@@ -14370,7 +14644,7 @@
             </a:xfrm>
             <a:prstGeom prst="parallelogram">
               <a:avLst>
-                <a:gd fmla="val 96952" name="adj"/>
+                <a:gd name="adj" fmla="val 96952"/>
               </a:avLst>
             </a:prstGeom>
             <a:solidFill>
@@ -14381,12 +14655,12 @@
             </a:ln>
           </p:spPr>
           <p:txBody>
-            <a:bodyPr anchorCtr="0" anchor="ctr" bIns="91425" lIns="91425" spcFirstLastPara="1" rIns="91425" wrap="square" tIns="91425">
+            <a:bodyPr spcFirstLastPara="1" wrap="square" lIns="91425" tIns="91425" rIns="91425" bIns="91425" anchor="ctr" anchorCtr="0">
               <a:noAutofit/>
             </a:bodyPr>
             <a:lstStyle/>
             <a:p>
-              <a:pPr indent="0" lvl="0" marL="0" rtl="0" algn="l">
+              <a:pPr marL="0" lvl="0" indent="0" algn="l" rtl="0">
                 <a:spcBef>
                   <a:spcPts val="0"/>
                 </a:spcBef>
@@ -14395,9 +14669,6 @@
                 </a:spcAft>
                 <a:buNone/>
               </a:pPr>
-              <a:r>
-                <a:t/>
-              </a:r>
               <a:endParaRPr/>
             </a:p>
           </p:txBody>
@@ -14422,12 +14693,12 @@
             </a:ln>
           </p:spPr>
           <p:txBody>
-            <a:bodyPr anchorCtr="0" anchor="b" bIns="91425" lIns="91425" spcFirstLastPara="1" rIns="91425" wrap="square" tIns="91425">
+            <a:bodyPr spcFirstLastPara="1" wrap="square" lIns="91425" tIns="91425" rIns="91425" bIns="91425" anchor="b" anchorCtr="0">
               <a:noAutofit/>
             </a:bodyPr>
             <a:lstStyle/>
             <a:p>
-              <a:pPr indent="0" lvl="0" marL="0" rtl="0" algn="l">
+              <a:pPr marL="0" lvl="0" indent="0" algn="l" rtl="0">
                 <a:lnSpc>
                   <a:spcPct val="115000"/>
                 </a:lnSpc>
@@ -14440,7 +14711,7 @@
                 <a:buNone/>
               </a:pPr>
               <a:r>
-                <a:rPr b="1" lang="en" sz="1200">
+                <a:rPr lang="en" sz="1200" b="1">
                   <a:solidFill>
                     <a:srgbClr val="0C58D3"/>
                   </a:solidFill>
@@ -14451,7 +14722,7 @@
                 </a:rPr>
                 <a:t>Presentations</a:t>
               </a:r>
-              <a:endParaRPr b="1" sz="1200">
+              <a:endParaRPr sz="1200" b="1">
                 <a:solidFill>
                   <a:srgbClr val="0C58D3"/>
                 </a:solidFill>
@@ -14483,12 +14754,12 @@
             </a:ln>
           </p:spPr>
           <p:txBody>
-            <a:bodyPr anchorCtr="0" anchor="t" bIns="91425" lIns="91425" spcFirstLastPara="1" rIns="91425" wrap="square" tIns="91425">
+            <a:bodyPr spcFirstLastPara="1" wrap="square" lIns="91425" tIns="91425" rIns="91425" bIns="91425" anchor="t" anchorCtr="0">
               <a:noAutofit/>
             </a:bodyPr>
             <a:lstStyle/>
             <a:p>
-              <a:pPr indent="0" lvl="0" marL="0" rtl="0" algn="r">
+              <a:pPr marL="0" lvl="0" indent="0" algn="r" rtl="0">
                 <a:lnSpc>
                   <a:spcPct val="115000"/>
                 </a:lnSpc>
@@ -14534,7 +14805,288 @@
 </file>
 
 <file path=ppt/theme/theme1.xml><?xml version="1.0" encoding="utf-8"?>
-<a:theme xmlns:a="http://schemas.openxmlformats.org/drawingml/2006/main" xmlns:r="http://schemas.openxmlformats.org/officeDocument/2006/relationships">
+<a:theme xmlns:a="http://schemas.openxmlformats.org/drawingml/2006/main" name="Simple Light">
+  <a:themeElements>
+    <a:clrScheme name="Simple Light">
+      <a:dk1>
+        <a:srgbClr val="000000"/>
+      </a:dk1>
+      <a:lt1>
+        <a:srgbClr val="FFFFFF"/>
+      </a:lt1>
+      <a:dk2>
+        <a:srgbClr val="595959"/>
+      </a:dk2>
+      <a:lt2>
+        <a:srgbClr val="EEEEEE"/>
+      </a:lt2>
+      <a:accent1>
+        <a:srgbClr val="4285F4"/>
+      </a:accent1>
+      <a:accent2>
+        <a:srgbClr val="212121"/>
+      </a:accent2>
+      <a:accent3>
+        <a:srgbClr val="78909C"/>
+      </a:accent3>
+      <a:accent4>
+        <a:srgbClr val="FFAB40"/>
+      </a:accent4>
+      <a:accent5>
+        <a:srgbClr val="0097A7"/>
+      </a:accent5>
+      <a:accent6>
+        <a:srgbClr val="EEFF41"/>
+      </a:accent6>
+      <a:hlink>
+        <a:srgbClr val="0097A7"/>
+      </a:hlink>
+      <a:folHlink>
+        <a:srgbClr val="0097A7"/>
+      </a:folHlink>
+    </a:clrScheme>
+    <a:fontScheme name="Office">
+      <a:majorFont>
+        <a:latin typeface="Arial"/>
+        <a:ea typeface=""/>
+        <a:cs typeface=""/>
+        <a:font script="Jpan" typeface="ＭＳ Ｐゴシック"/>
+        <a:font script="Hang" typeface="맑은 고딕"/>
+        <a:font script="Hans" typeface="宋体"/>
+        <a:font script="Hant" typeface="新細明體"/>
+        <a:font script="Arab" typeface="Times New Roman"/>
+        <a:font script="Hebr" typeface="Times New Roman"/>
+        <a:font script="Thai" typeface="Angsana New"/>
+        <a:font script="Ethi" typeface="Nyala"/>
+        <a:font script="Beng" typeface="Vrinda"/>
+        <a:font script="Gujr" typeface="Shruti"/>
+        <a:font script="Khmr" typeface="MoolBoran"/>
+        <a:font script="Knda" typeface="Tunga"/>
+        <a:font script="Guru" typeface="Raavi"/>
+        <a:font script="Cans" typeface="Euphemia"/>
+        <a:font script="Cher" typeface="Plantagenet Cherokee"/>
+        <a:font script="Yiii" typeface="Microsoft Yi Baiti"/>
+        <a:font script="Tibt" typeface="Microsoft Himalaya"/>
+        <a:font script="Thaa" typeface="MV Boli"/>
+        <a:font script="Deva" typeface="Mangal"/>
+        <a:font script="Telu" typeface="Gautami"/>
+        <a:font script="Taml" typeface="Latha"/>
+        <a:font script="Syrc" typeface="Estrangelo Edessa"/>
+        <a:font script="Orya" typeface="Kalinga"/>
+        <a:font script="Mlym" typeface="Kartika"/>
+        <a:font script="Laoo" typeface="DokChampa"/>
+        <a:font script="Sinh" typeface="Iskoola Pota"/>
+        <a:font script="Mong" typeface="Mongolian Baiti"/>
+        <a:font script="Viet" typeface="Times New Roman"/>
+        <a:font script="Uigh" typeface="Microsoft Uighur"/>
+        <a:font script="Geor" typeface="Sylfaen"/>
+      </a:majorFont>
+      <a:minorFont>
+        <a:latin typeface="Arial"/>
+        <a:ea typeface=""/>
+        <a:cs typeface=""/>
+        <a:font script="Jpan" typeface="ＭＳ Ｐゴシック"/>
+        <a:font script="Hang" typeface="맑은 고딕"/>
+        <a:font script="Hans" typeface="宋体"/>
+        <a:font script="Hant" typeface="新細明體"/>
+        <a:font script="Arab" typeface="Arial"/>
+        <a:font script="Hebr" typeface="Arial"/>
+        <a:font script="Thai" typeface="Cordia New"/>
+        <a:font script="Ethi" typeface="Nyala"/>
+        <a:font script="Beng" typeface="Vrinda"/>
+        <a:font script="Gujr" typeface="Shruti"/>
+        <a:font script="Khmr" typeface="DaunPenh"/>
+        <a:font script="Knda" typeface="Tunga"/>
+        <a:font script="Guru" typeface="Raavi"/>
+        <a:font script="Cans" typeface="Euphemia"/>
+        <a:font script="Cher" typeface="Plantagenet Cherokee"/>
+        <a:font script="Yiii" typeface="Microsoft Yi Baiti"/>
+        <a:font script="Tibt" typeface="Microsoft Himalaya"/>
+        <a:font script="Thaa" typeface="MV Boli"/>
+        <a:font script="Deva" typeface="Mangal"/>
+        <a:font script="Telu" typeface="Gautami"/>
+        <a:font script="Taml" typeface="Latha"/>
+        <a:font script="Syrc" typeface="Estrangelo Edessa"/>
+        <a:font script="Orya" typeface="Kalinga"/>
+        <a:font script="Mlym" typeface="Kartika"/>
+        <a:font script="Laoo" typeface="DokChampa"/>
+        <a:font script="Sinh" typeface="Iskoola Pota"/>
+        <a:font script="Mong" typeface="Mongolian Baiti"/>
+        <a:font script="Viet" typeface="Arial"/>
+        <a:font script="Uigh" typeface="Microsoft Uighur"/>
+        <a:font script="Geor" typeface="Sylfaen"/>
+      </a:minorFont>
+    </a:fontScheme>
+    <a:fmtScheme name="Office">
+      <a:fillStyleLst>
+        <a:solidFill>
+          <a:schemeClr val="phClr"/>
+        </a:solidFill>
+        <a:gradFill rotWithShape="1">
+          <a:gsLst>
+            <a:gs pos="0">
+              <a:schemeClr val="phClr">
+                <a:tint val="50000"/>
+                <a:satMod val="300000"/>
+              </a:schemeClr>
+            </a:gs>
+            <a:gs pos="35000">
+              <a:schemeClr val="phClr">
+                <a:tint val="37000"/>
+                <a:satMod val="300000"/>
+              </a:schemeClr>
+            </a:gs>
+            <a:gs pos="100000">
+              <a:schemeClr val="phClr">
+                <a:tint val="15000"/>
+                <a:satMod val="350000"/>
+              </a:schemeClr>
+            </a:gs>
+          </a:gsLst>
+          <a:lin ang="16200000" scaled="1"/>
+        </a:gradFill>
+        <a:gradFill rotWithShape="1">
+          <a:gsLst>
+            <a:gs pos="0">
+              <a:schemeClr val="phClr">
+                <a:tint val="100000"/>
+                <a:shade val="100000"/>
+                <a:satMod val="130000"/>
+              </a:schemeClr>
+            </a:gs>
+            <a:gs pos="100000">
+              <a:schemeClr val="phClr">
+                <a:tint val="50000"/>
+                <a:shade val="100000"/>
+                <a:satMod val="350000"/>
+              </a:schemeClr>
+            </a:gs>
+          </a:gsLst>
+          <a:lin ang="16200000" scaled="0"/>
+        </a:gradFill>
+      </a:fillStyleLst>
+      <a:lnStyleLst>
+        <a:ln w="9525" cap="flat" cmpd="sng" algn="ctr">
+          <a:solidFill>
+            <a:schemeClr val="phClr">
+              <a:shade val="95000"/>
+              <a:satMod val="105000"/>
+            </a:schemeClr>
+          </a:solidFill>
+          <a:prstDash val="solid"/>
+        </a:ln>
+        <a:ln w="25400" cap="flat" cmpd="sng" algn="ctr">
+          <a:solidFill>
+            <a:schemeClr val="phClr"/>
+          </a:solidFill>
+          <a:prstDash val="solid"/>
+        </a:ln>
+        <a:ln w="38100" cap="flat" cmpd="sng" algn="ctr">
+          <a:solidFill>
+            <a:schemeClr val="phClr"/>
+          </a:solidFill>
+          <a:prstDash val="solid"/>
+        </a:ln>
+      </a:lnStyleLst>
+      <a:effectStyleLst>
+        <a:effectStyle>
+          <a:effectLst>
+            <a:outerShdw blurRad="40000" dist="20000" dir="5400000" rotWithShape="0">
+              <a:srgbClr val="000000">
+                <a:alpha val="38000"/>
+              </a:srgbClr>
+            </a:outerShdw>
+          </a:effectLst>
+        </a:effectStyle>
+        <a:effectStyle>
+          <a:effectLst>
+            <a:outerShdw blurRad="40000" dist="23000" dir="5400000" rotWithShape="0">
+              <a:srgbClr val="000000">
+                <a:alpha val="35000"/>
+              </a:srgbClr>
+            </a:outerShdw>
+          </a:effectLst>
+        </a:effectStyle>
+        <a:effectStyle>
+          <a:effectLst>
+            <a:outerShdw blurRad="40000" dist="23000" dir="5400000" rotWithShape="0">
+              <a:srgbClr val="000000">
+                <a:alpha val="35000"/>
+              </a:srgbClr>
+            </a:outerShdw>
+          </a:effectLst>
+          <a:scene3d>
+            <a:camera prst="orthographicFront">
+              <a:rot lat="0" lon="0" rev="0"/>
+            </a:camera>
+            <a:lightRig rig="threePt" dir="t">
+              <a:rot lat="0" lon="0" rev="1200000"/>
+            </a:lightRig>
+          </a:scene3d>
+          <a:sp3d>
+            <a:bevelT w="63500" h="25400"/>
+          </a:sp3d>
+        </a:effectStyle>
+      </a:effectStyleLst>
+      <a:bgFillStyleLst>
+        <a:solidFill>
+          <a:schemeClr val="phClr"/>
+        </a:solidFill>
+        <a:gradFill rotWithShape="1">
+          <a:gsLst>
+            <a:gs pos="0">
+              <a:schemeClr val="phClr">
+                <a:tint val="40000"/>
+                <a:satMod val="350000"/>
+              </a:schemeClr>
+            </a:gs>
+            <a:gs pos="40000">
+              <a:schemeClr val="phClr">
+                <a:tint val="45000"/>
+                <a:shade val="99000"/>
+                <a:satMod val="350000"/>
+              </a:schemeClr>
+            </a:gs>
+            <a:gs pos="100000">
+              <a:schemeClr val="phClr">
+                <a:shade val="20000"/>
+                <a:satMod val="255000"/>
+              </a:schemeClr>
+            </a:gs>
+          </a:gsLst>
+          <a:path path="circle">
+            <a:fillToRect l="50000" t="-80000" r="50000" b="180000"/>
+          </a:path>
+        </a:gradFill>
+        <a:gradFill rotWithShape="1">
+          <a:gsLst>
+            <a:gs pos="0">
+              <a:schemeClr val="phClr">
+                <a:tint val="80000"/>
+                <a:satMod val="300000"/>
+              </a:schemeClr>
+            </a:gs>
+            <a:gs pos="100000">
+              <a:schemeClr val="phClr">
+                <a:shade val="30000"/>
+                <a:satMod val="200000"/>
+              </a:schemeClr>
+            </a:gs>
+          </a:gsLst>
+          <a:path path="circle">
+            <a:fillToRect l="50000" t="50000" r="50000" b="50000"/>
+          </a:path>
+        </a:gradFill>
+      </a:bgFillStyleLst>
+    </a:fmtScheme>
+  </a:themeElements>
+  <a:objectDefaults/>
+  <a:extraClrSchemeLst/>
+</a:theme>
+</file>
+
+<file path=ppt/theme/theme2.xml><?xml version="1.0" encoding="utf-8"?>
+<a:theme xmlns:a="http://schemas.openxmlformats.org/drawingml/2006/main">
   <a:themeElements>
     <a:clrScheme name="Default">
       <a:dk1>
@@ -14809,284 +15361,7 @@
       </a:bgFillStyleLst>
     </a:fmtScheme>
   </a:themeElements>
-</a:theme>
-</file>
-
-<file path=ppt/theme/theme2.xml><?xml version="1.0" encoding="utf-8"?>
-<a:theme xmlns:a="http://schemas.openxmlformats.org/drawingml/2006/main" xmlns:r="http://schemas.openxmlformats.org/officeDocument/2006/relationships" name="Simple Light">
-  <a:themeElements>
-    <a:clrScheme name="Simple Light">
-      <a:dk1>
-        <a:srgbClr val="000000"/>
-      </a:dk1>
-      <a:lt1>
-        <a:srgbClr val="FFFFFF"/>
-      </a:lt1>
-      <a:dk2>
-        <a:srgbClr val="595959"/>
-      </a:dk2>
-      <a:lt2>
-        <a:srgbClr val="EEEEEE"/>
-      </a:lt2>
-      <a:accent1>
-        <a:srgbClr val="4285F4"/>
-      </a:accent1>
-      <a:accent2>
-        <a:srgbClr val="212121"/>
-      </a:accent2>
-      <a:accent3>
-        <a:srgbClr val="78909C"/>
-      </a:accent3>
-      <a:accent4>
-        <a:srgbClr val="FFAB40"/>
-      </a:accent4>
-      <a:accent5>
-        <a:srgbClr val="0097A7"/>
-      </a:accent5>
-      <a:accent6>
-        <a:srgbClr val="EEFF41"/>
-      </a:accent6>
-      <a:hlink>
-        <a:srgbClr val="0097A7"/>
-      </a:hlink>
-      <a:folHlink>
-        <a:srgbClr val="0097A7"/>
-      </a:folHlink>
-    </a:clrScheme>
-    <a:fontScheme name="Office">
-      <a:majorFont>
-        <a:latin typeface="Arial"/>
-        <a:ea typeface=""/>
-        <a:cs typeface=""/>
-        <a:font script="Jpan" typeface="ＭＳ Ｐゴシック"/>
-        <a:font script="Hang" typeface="맑은 고딕"/>
-        <a:font script="Hans" typeface="宋体"/>
-        <a:font script="Hant" typeface="新細明體"/>
-        <a:font script="Arab" typeface="Times New Roman"/>
-        <a:font script="Hebr" typeface="Times New Roman"/>
-        <a:font script="Thai" typeface="Angsana New"/>
-        <a:font script="Ethi" typeface="Nyala"/>
-        <a:font script="Beng" typeface="Vrinda"/>
-        <a:font script="Gujr" typeface="Shruti"/>
-        <a:font script="Khmr" typeface="MoolBoran"/>
-        <a:font script="Knda" typeface="Tunga"/>
-        <a:font script="Guru" typeface="Raavi"/>
-        <a:font script="Cans" typeface="Euphemia"/>
-        <a:font script="Cher" typeface="Plantagenet Cherokee"/>
-        <a:font script="Yiii" typeface="Microsoft Yi Baiti"/>
-        <a:font script="Tibt" typeface="Microsoft Himalaya"/>
-        <a:font script="Thaa" typeface="MV Boli"/>
-        <a:font script="Deva" typeface="Mangal"/>
-        <a:font script="Telu" typeface="Gautami"/>
-        <a:font script="Taml" typeface="Latha"/>
-        <a:font script="Syrc" typeface="Estrangelo Edessa"/>
-        <a:font script="Orya" typeface="Kalinga"/>
-        <a:font script="Mlym" typeface="Kartika"/>
-        <a:font script="Laoo" typeface="DokChampa"/>
-        <a:font script="Sinh" typeface="Iskoola Pota"/>
-        <a:font script="Mong" typeface="Mongolian Baiti"/>
-        <a:font script="Viet" typeface="Times New Roman"/>
-        <a:font script="Uigh" typeface="Microsoft Uighur"/>
-        <a:font script="Geor" typeface="Sylfaen"/>
-      </a:majorFont>
-      <a:minorFont>
-        <a:latin typeface="Arial"/>
-        <a:ea typeface=""/>
-        <a:cs typeface=""/>
-        <a:font script="Jpan" typeface="ＭＳ Ｐゴシック"/>
-        <a:font script="Hang" typeface="맑은 고딕"/>
-        <a:font script="Hans" typeface="宋体"/>
-        <a:font script="Hant" typeface="新細明體"/>
-        <a:font script="Arab" typeface="Arial"/>
-        <a:font script="Hebr" typeface="Arial"/>
-        <a:font script="Thai" typeface="Cordia New"/>
-        <a:font script="Ethi" typeface="Nyala"/>
-        <a:font script="Beng" typeface="Vrinda"/>
-        <a:font script="Gujr" typeface="Shruti"/>
-        <a:font script="Khmr" typeface="DaunPenh"/>
-        <a:font script="Knda" typeface="Tunga"/>
-        <a:font script="Guru" typeface="Raavi"/>
-        <a:font script="Cans" typeface="Euphemia"/>
-        <a:font script="Cher" typeface="Plantagenet Cherokee"/>
-        <a:font script="Yiii" typeface="Microsoft Yi Baiti"/>
-        <a:font script="Tibt" typeface="Microsoft Himalaya"/>
-        <a:font script="Thaa" typeface="MV Boli"/>
-        <a:font script="Deva" typeface="Mangal"/>
-        <a:font script="Telu" typeface="Gautami"/>
-        <a:font script="Taml" typeface="Latha"/>
-        <a:font script="Syrc" typeface="Estrangelo Edessa"/>
-        <a:font script="Orya" typeface="Kalinga"/>
-        <a:font script="Mlym" typeface="Kartika"/>
-        <a:font script="Laoo" typeface="DokChampa"/>
-        <a:font script="Sinh" typeface="Iskoola Pota"/>
-        <a:font script="Mong" typeface="Mongolian Baiti"/>
-        <a:font script="Viet" typeface="Arial"/>
-        <a:font script="Uigh" typeface="Microsoft Uighur"/>
-        <a:font script="Geor" typeface="Sylfaen"/>
-      </a:minorFont>
-    </a:fontScheme>
-    <a:fmtScheme name="Office">
-      <a:fillStyleLst>
-        <a:solidFill>
-          <a:schemeClr val="phClr"/>
-        </a:solidFill>
-        <a:gradFill rotWithShape="1">
-          <a:gsLst>
-            <a:gs pos="0">
-              <a:schemeClr val="phClr">
-                <a:tint val="50000"/>
-                <a:satMod val="300000"/>
-              </a:schemeClr>
-            </a:gs>
-            <a:gs pos="35000">
-              <a:schemeClr val="phClr">
-                <a:tint val="37000"/>
-                <a:satMod val="300000"/>
-              </a:schemeClr>
-            </a:gs>
-            <a:gs pos="100000">
-              <a:schemeClr val="phClr">
-                <a:tint val="15000"/>
-                <a:satMod val="350000"/>
-              </a:schemeClr>
-            </a:gs>
-          </a:gsLst>
-          <a:lin ang="16200000" scaled="1"/>
-        </a:gradFill>
-        <a:gradFill rotWithShape="1">
-          <a:gsLst>
-            <a:gs pos="0">
-              <a:schemeClr val="phClr">
-                <a:tint val="100000"/>
-                <a:shade val="100000"/>
-                <a:satMod val="130000"/>
-              </a:schemeClr>
-            </a:gs>
-            <a:gs pos="100000">
-              <a:schemeClr val="phClr">
-                <a:tint val="50000"/>
-                <a:shade val="100000"/>
-                <a:satMod val="350000"/>
-              </a:schemeClr>
-            </a:gs>
-          </a:gsLst>
-          <a:lin ang="16200000" scaled="0"/>
-        </a:gradFill>
-      </a:fillStyleLst>
-      <a:lnStyleLst>
-        <a:ln w="9525" cap="flat" cmpd="sng" algn="ctr">
-          <a:solidFill>
-            <a:schemeClr val="phClr">
-              <a:shade val="95000"/>
-              <a:satMod val="105000"/>
-            </a:schemeClr>
-          </a:solidFill>
-          <a:prstDash val="solid"/>
-        </a:ln>
-        <a:ln w="25400" cap="flat" cmpd="sng" algn="ctr">
-          <a:solidFill>
-            <a:schemeClr val="phClr"/>
-          </a:solidFill>
-          <a:prstDash val="solid"/>
-        </a:ln>
-        <a:ln w="38100" cap="flat" cmpd="sng" algn="ctr">
-          <a:solidFill>
-            <a:schemeClr val="phClr"/>
-          </a:solidFill>
-          <a:prstDash val="solid"/>
-        </a:ln>
-      </a:lnStyleLst>
-      <a:effectStyleLst>
-        <a:effectStyle>
-          <a:effectLst>
-            <a:outerShdw blurRad="40000" dist="20000" dir="5400000" rotWithShape="0">
-              <a:srgbClr val="000000">
-                <a:alpha val="38000"/>
-              </a:srgbClr>
-            </a:outerShdw>
-          </a:effectLst>
-        </a:effectStyle>
-        <a:effectStyle>
-          <a:effectLst>
-            <a:outerShdw blurRad="40000" dist="23000" dir="5400000" rotWithShape="0">
-              <a:srgbClr val="000000">
-                <a:alpha val="35000"/>
-              </a:srgbClr>
-            </a:outerShdw>
-          </a:effectLst>
-        </a:effectStyle>
-        <a:effectStyle>
-          <a:effectLst>
-            <a:outerShdw blurRad="40000" dist="23000" dir="5400000" rotWithShape="0">
-              <a:srgbClr val="000000">
-                <a:alpha val="35000"/>
-              </a:srgbClr>
-            </a:outerShdw>
-          </a:effectLst>
-          <a:scene3d>
-            <a:camera prst="orthographicFront">
-              <a:rot lat="0" lon="0" rev="0"/>
-            </a:camera>
-            <a:lightRig rig="threePt" dir="t">
-              <a:rot lat="0" lon="0" rev="1200000"/>
-            </a:lightRig>
-          </a:scene3d>
-          <a:sp3d>
-            <a:bevelT w="63500" h="25400"/>
-          </a:sp3d>
-        </a:effectStyle>
-      </a:effectStyleLst>
-      <a:bgFillStyleLst>
-        <a:solidFill>
-          <a:schemeClr val="phClr"/>
-        </a:solidFill>
-        <a:gradFill rotWithShape="1">
-          <a:gsLst>
-            <a:gs pos="0">
-              <a:schemeClr val="phClr">
-                <a:tint val="40000"/>
-                <a:satMod val="350000"/>
-              </a:schemeClr>
-            </a:gs>
-            <a:gs pos="40000">
-              <a:schemeClr val="phClr">
-                <a:tint val="45000"/>
-                <a:shade val="99000"/>
-                <a:satMod val="350000"/>
-              </a:schemeClr>
-            </a:gs>
-            <a:gs pos="100000">
-              <a:schemeClr val="phClr">
-                <a:shade val="20000"/>
-                <a:satMod val="255000"/>
-              </a:schemeClr>
-            </a:gs>
-          </a:gsLst>
-          <a:path path="circle">
-            <a:fillToRect l="50000" t="-80000" r="50000" b="180000"/>
-          </a:path>
-        </a:gradFill>
-        <a:gradFill rotWithShape="1">
-          <a:gsLst>
-            <a:gs pos="0">
-              <a:schemeClr val="phClr">
-                <a:tint val="80000"/>
-                <a:satMod val="300000"/>
-              </a:schemeClr>
-            </a:gs>
-            <a:gs pos="100000">
-              <a:schemeClr val="phClr">
-                <a:shade val="30000"/>
-                <a:satMod val="200000"/>
-              </a:schemeClr>
-            </a:gs>
-          </a:gsLst>
-          <a:path path="circle">
-            <a:fillToRect l="50000" t="50000" r="50000" b="50000"/>
-          </a:path>
-        </a:gradFill>
-      </a:bgFillStyleLst>
-    </a:fmtScheme>
-  </a:themeElements>
+  <a:objectDefaults/>
+  <a:extraClrSchemeLst/>
 </a:theme>
 </file>